--- a/Async Pitfalls/Async Pitfalls.pptx
+++ b/Async Pitfalls/Async Pitfalls.pptx
@@ -6,7 +6,7 @@
     <p:sldMasterId id="2147483718" r:id="rId2"/>
   </p:sldMasterIdLst>
   <p:notesMasterIdLst>
-    <p:notesMasterId r:id="rId33"/>
+    <p:notesMasterId r:id="rId41"/>
   </p:notesMasterIdLst>
   <p:sldIdLst>
     <p:sldId id="256" r:id="rId3"/>
@@ -25,20 +25,28 @@
     <p:sldId id="458" r:id="rId16"/>
     <p:sldId id="459" r:id="rId17"/>
     <p:sldId id="460" r:id="rId18"/>
-    <p:sldId id="483" r:id="rId19"/>
-    <p:sldId id="461" r:id="rId20"/>
-    <p:sldId id="465" r:id="rId21"/>
-    <p:sldId id="464" r:id="rId22"/>
-    <p:sldId id="467" r:id="rId23"/>
-    <p:sldId id="466" r:id="rId24"/>
-    <p:sldId id="482" r:id="rId25"/>
-    <p:sldId id="330" r:id="rId26"/>
-    <p:sldId id="470" r:id="rId27"/>
-    <p:sldId id="478" r:id="rId28"/>
-    <p:sldId id="479" r:id="rId29"/>
-    <p:sldId id="473" r:id="rId30"/>
-    <p:sldId id="480" r:id="rId31"/>
-    <p:sldId id="390" r:id="rId32"/>
+    <p:sldId id="360" r:id="rId19"/>
+    <p:sldId id="483" r:id="rId20"/>
+    <p:sldId id="330" r:id="rId21"/>
+    <p:sldId id="465" r:id="rId22"/>
+    <p:sldId id="464" r:id="rId23"/>
+    <p:sldId id="467" r:id="rId24"/>
+    <p:sldId id="491" r:id="rId25"/>
+    <p:sldId id="496" r:id="rId26"/>
+    <p:sldId id="466" r:id="rId27"/>
+    <p:sldId id="484" r:id="rId28"/>
+    <p:sldId id="485" r:id="rId29"/>
+    <p:sldId id="486" r:id="rId30"/>
+    <p:sldId id="487" r:id="rId31"/>
+    <p:sldId id="488" r:id="rId32"/>
+    <p:sldId id="494" r:id="rId33"/>
+    <p:sldId id="495" r:id="rId34"/>
+    <p:sldId id="492" r:id="rId35"/>
+    <p:sldId id="490" r:id="rId36"/>
+    <p:sldId id="493" r:id="rId37"/>
+    <p:sldId id="489" r:id="rId38"/>
+    <p:sldId id="497" r:id="rId39"/>
+    <p:sldId id="390" r:id="rId40"/>
   </p:sldIdLst>
   <p:sldSz cx="12192000" cy="6858000"/>
   <p:notesSz cx="6858000" cy="9144000"/>
@@ -158,19 +166,27 @@
             <p14:sldId id="458"/>
             <p14:sldId id="459"/>
             <p14:sldId id="460"/>
+            <p14:sldId id="360"/>
             <p14:sldId id="483"/>
-            <p14:sldId id="461"/>
+            <p14:sldId id="330"/>
             <p14:sldId id="465"/>
             <p14:sldId id="464"/>
             <p14:sldId id="467"/>
+            <p14:sldId id="491"/>
+            <p14:sldId id="496"/>
             <p14:sldId id="466"/>
-            <p14:sldId id="482"/>
-            <p14:sldId id="330"/>
-            <p14:sldId id="470"/>
-            <p14:sldId id="478"/>
-            <p14:sldId id="479"/>
-            <p14:sldId id="473"/>
-            <p14:sldId id="480"/>
+            <p14:sldId id="484"/>
+            <p14:sldId id="485"/>
+            <p14:sldId id="486"/>
+            <p14:sldId id="487"/>
+            <p14:sldId id="488"/>
+            <p14:sldId id="494"/>
+            <p14:sldId id="495"/>
+            <p14:sldId id="492"/>
+            <p14:sldId id="490"/>
+            <p14:sldId id="493"/>
+            <p14:sldId id="489"/>
+            <p14:sldId id="497"/>
             <p14:sldId id="390"/>
           </p14:sldIdLst>
         </p14:section>
@@ -265,7 +281,7 @@
           <a:p>
             <a:fld id="{574E8BCA-0B4F-4373-B78E-3D2899449797}" type="datetimeFigureOut">
               <a:rPr lang="en-US" smtClean="0"/>
-              <a:t>9/9/2025</a:t>
+              <a:t>9/11/2025</a:t>
             </a:fld>
             <a:endParaRPr lang="en-US" dirty="0"/>
           </a:p>
@@ -1185,6 +1201,12 @@
               <a:t>“I have a Task&lt;string&gt;. How do I get the string out of it?”</a:t>
             </a:r>
           </a:p>
+          <a:p>
+            <a:r>
+              <a:rPr lang="en-US" dirty="0"/>
+              <a:t>“If my function returns Task&lt;string&gt;, why do I return a string value?”</a:t>
+            </a:r>
+          </a:p>
         </p:txBody>
       </p:sp>
       <p:sp>
@@ -1315,7 +1337,13 @@
   <p:cSld>
     <p:spTree>
       <p:nvGrpSpPr>
-        <p:cNvPr id="1" name=""/>
+        <p:cNvPr id="1" name="">
+          <a:extLst>
+            <a:ext uri="{FF2B5EF4-FFF2-40B4-BE49-F238E27FC236}">
+              <a16:creationId xmlns:a16="http://schemas.microsoft.com/office/drawing/2014/main" id="{80BEE28C-7E0F-0791-8AB0-5203F5E9598E}"/>
+            </a:ext>
+          </a:extLst>
+        </p:cNvPr>
         <p:cNvGrpSpPr/>
         <p:nvPr/>
       </p:nvGrpSpPr>
@@ -1329,7 +1357,13 @@
       </p:grpSpPr>
       <p:sp>
         <p:nvSpPr>
-          <p:cNvPr id="2" name="Slide Image Placeholder 1"/>
+          <p:cNvPr id="2" name="Slide Image Placeholder 1">
+            <a:extLst>
+              <a:ext uri="{FF2B5EF4-FFF2-40B4-BE49-F238E27FC236}">
+                <a16:creationId xmlns:a16="http://schemas.microsoft.com/office/drawing/2014/main" id="{91EA38B3-98AE-9DFF-1B1F-1CBB888EB8FF}"/>
+              </a:ext>
+            </a:extLst>
+          </p:cNvPr>
           <p:cNvSpPr>
             <a:spLocks noGrp="1" noRot="1" noChangeAspect="1"/>
           </p:cNvSpPr>
@@ -1337,16 +1371,17 @@
             <p:ph type="sldImg"/>
           </p:nvPr>
         </p:nvSpPr>
-        <p:spPr>
-          <a:xfrm>
-            <a:off x="685800" y="1143000"/>
-            <a:ext cx="5486400" cy="3086100"/>
-          </a:xfrm>
-        </p:spPr>
-      </p:sp>
-      <p:sp>
-        <p:nvSpPr>
-          <p:cNvPr id="3" name="Notes Placeholder 2"/>
+        <p:spPr/>
+      </p:sp>
+      <p:sp>
+        <p:nvSpPr>
+          <p:cNvPr id="3" name="Notes Placeholder 2">
+            <a:extLst>
+              <a:ext uri="{FF2B5EF4-FFF2-40B4-BE49-F238E27FC236}">
+                <a16:creationId xmlns:a16="http://schemas.microsoft.com/office/drawing/2014/main" id="{A6D79EE0-5B31-FEDF-54D5-D8CD353049BD}"/>
+              </a:ext>
+            </a:extLst>
+          </p:cNvPr>
           <p:cNvSpPr>
             <a:spLocks noGrp="1"/>
           </p:cNvSpPr>
@@ -1359,22 +1394,35 @@
           <a:bodyPr/>
           <a:lstStyle/>
           <a:p>
-            <a:pPr marL="171450" indent="-171450">
-              <a:buFont typeface="Arial" panose="020B0604020202020204" pitchFamily="34" charset="0"/>
-              <a:buChar char="•"/>
-            </a:pPr>
-            <a:endParaRPr lang="en-US" baseline="0" dirty="0"/>
-          </a:p>
-        </p:txBody>
-      </p:sp>
-      <p:sp>
-        <p:nvSpPr>
-          <p:cNvPr id="4" name="Slide Number Placeholder 3"/>
-          <p:cNvSpPr>
-            <a:spLocks noGrp="1"/>
-          </p:cNvSpPr>
-          <p:nvPr>
-            <p:ph type="sldNum" sz="quarter" idx="10"/>
+            <a:r>
+              <a:rPr lang="en-US" dirty="0"/>
+              <a:t>Demo: </a:t>
+            </a:r>
+            <a:r>
+              <a:rPr lang="en-US" dirty="0" err="1"/>
+              <a:t>Program.cs</a:t>
+            </a:r>
+            <a:r>
+              <a:rPr lang="en-US" dirty="0"/>
+              <a:t> [ConsoleApp1]</a:t>
+            </a:r>
+          </a:p>
+        </p:txBody>
+      </p:sp>
+      <p:sp>
+        <p:nvSpPr>
+          <p:cNvPr id="4" name="Slide Number Placeholder 3">
+            <a:extLst>
+              <a:ext uri="{FF2B5EF4-FFF2-40B4-BE49-F238E27FC236}">
+                <a16:creationId xmlns:a16="http://schemas.microsoft.com/office/drawing/2014/main" id="{AE944E0E-6DDD-2751-58EE-5EBD7553C92D}"/>
+              </a:ext>
+            </a:extLst>
+          </p:cNvPr>
+          <p:cNvSpPr>
+            <a:spLocks noGrp="1"/>
+          </p:cNvSpPr>
+          <p:nvPr>
+            <p:ph type="sldNum" sz="quarter" idx="5"/>
           </p:nvPr>
         </p:nvSpPr>
         <p:spPr/>
@@ -1384,7 +1432,7 @@
           <a:p>
             <a:fld id="{94CE3395-F8FF-4336-B2AA-E15575B990E7}" type="slidenum">
               <a:rPr lang="en-US" smtClean="0"/>
-              <a:t>19</a:t>
+              <a:t>17</a:t>
             </a:fld>
             <a:endParaRPr lang="en-US" dirty="0"/>
           </a:p>
@@ -1393,7 +1441,7 @@
     </p:spTree>
     <p:extLst>
       <p:ext uri="{BB962C8B-B14F-4D97-AF65-F5344CB8AC3E}">
-        <p14:creationId xmlns:p14="http://schemas.microsoft.com/office/powerpoint/2010/main" val="3248846039"/>
+        <p14:creationId xmlns:p14="http://schemas.microsoft.com/office/powerpoint/2010/main" val="4073102866"/>
       </p:ext>
     </p:extLst>
   </p:cSld>
@@ -1452,18 +1500,11 @@
           <a:bodyPr/>
           <a:lstStyle/>
           <a:p>
-            <a:r>
-              <a:rPr lang="en-US" dirty="0"/>
-              <a:t>Async void is </a:t>
-            </a:r>
-            <a:r>
-              <a:rPr lang="en-US" i="1" dirty="0"/>
-              <a:t>occasionally</a:t>
-            </a:r>
-            <a:r>
-              <a:rPr lang="en-US" dirty="0"/>
-              <a:t> useful elsewhere, like processing loops in pipelines.</a:t>
-            </a:r>
+            <a:pPr marL="171450" indent="-171450">
+              <a:buFont typeface="Arial" panose="020B0604020202020204" pitchFamily="34" charset="0"/>
+              <a:buChar char="•"/>
+            </a:pPr>
+            <a:endParaRPr lang="en-US" baseline="0" dirty="0"/>
           </a:p>
         </p:txBody>
       </p:sp>
@@ -1493,7 +1534,7 @@
     </p:spTree>
     <p:extLst>
       <p:ext uri="{BB962C8B-B14F-4D97-AF65-F5344CB8AC3E}">
-        <p14:creationId xmlns:p14="http://schemas.microsoft.com/office/powerpoint/2010/main" val="1410639464"/>
+        <p14:creationId xmlns:p14="http://schemas.microsoft.com/office/powerpoint/2010/main" val="3248846039"/>
       </p:ext>
     </p:extLst>
   </p:cSld>
@@ -1552,7 +1593,27 @@
           <a:bodyPr/>
           <a:lstStyle/>
           <a:p>
+            <a:r>
+              <a:rPr lang="en-US" dirty="0"/>
+              <a:t>Async void is </a:t>
+            </a:r>
+            <a:r>
+              <a:rPr lang="en-US" i="1" dirty="0"/>
+              <a:t>occasionally</a:t>
+            </a:r>
+            <a:r>
+              <a:rPr lang="en-US" dirty="0"/>
+              <a:t> useful elsewhere, like processing loops in pipelines.</a:t>
+            </a:r>
+          </a:p>
+          <a:p>
             <a:endParaRPr lang="en-US" dirty="0"/>
+          </a:p>
+          <a:p>
+            <a:r>
+              <a:rPr lang="en-US" dirty="0"/>
+              <a:t>Violates: “Task is the method”</a:t>
+            </a:r>
           </a:p>
         </p:txBody>
       </p:sp>
@@ -1582,7 +1643,7 @@
     </p:spTree>
     <p:extLst>
       <p:ext uri="{BB962C8B-B14F-4D97-AF65-F5344CB8AC3E}">
-        <p14:creationId xmlns:p14="http://schemas.microsoft.com/office/powerpoint/2010/main" val="1158402456"/>
+        <p14:creationId xmlns:p14="http://schemas.microsoft.com/office/powerpoint/2010/main" val="1410639464"/>
       </p:ext>
     </p:extLst>
   </p:cSld>
@@ -1831,7 +1892,10 @@
           <a:bodyPr/>
           <a:lstStyle/>
           <a:p>
-            <a:endParaRPr lang="en-US" dirty="0"/>
+            <a:r>
+              <a:rPr lang="en-US" dirty="0"/>
+              <a:t>Violates: callbacks</a:t>
+            </a:r>
           </a:p>
         </p:txBody>
       </p:sp>
@@ -1861,7 +1925,7 @@
     </p:spTree>
     <p:extLst>
       <p:ext uri="{BB962C8B-B14F-4D97-AF65-F5344CB8AC3E}">
-        <p14:creationId xmlns:p14="http://schemas.microsoft.com/office/powerpoint/2010/main" val="3959091096"/>
+        <p14:creationId xmlns:p14="http://schemas.microsoft.com/office/powerpoint/2010/main" val="1158402456"/>
       </p:ext>
     </p:extLst>
   </p:cSld>
@@ -1879,7 +1943,7 @@
         <p:cNvPr id="1" name="">
           <a:extLst>
             <a:ext uri="{FF2B5EF4-FFF2-40B4-BE49-F238E27FC236}">
-              <a16:creationId xmlns:a16="http://schemas.microsoft.com/office/drawing/2014/main" id="{240C5513-06E3-463A-A448-E19477B7E8BA}"/>
+              <a16:creationId xmlns:a16="http://schemas.microsoft.com/office/drawing/2014/main" id="{57090C26-EC55-4EE3-75A6-0BF55AC1AF97}"/>
             </a:ext>
           </a:extLst>
         </p:cNvPr>
@@ -1899,7 +1963,7 @@
           <p:cNvPr id="2" name="Slide Image Placeholder 1">
             <a:extLst>
               <a:ext uri="{FF2B5EF4-FFF2-40B4-BE49-F238E27FC236}">
-                <a16:creationId xmlns:a16="http://schemas.microsoft.com/office/drawing/2014/main" id="{A062B09B-2D24-42D8-68BF-E95420C310BF}"/>
+                <a16:creationId xmlns:a16="http://schemas.microsoft.com/office/drawing/2014/main" id="{9E2D56CA-1452-E6BC-5702-70D769848D8E}"/>
               </a:ext>
             </a:extLst>
           </p:cNvPr>
@@ -1922,7 +1986,7 @@
           <p:cNvPr id="3" name="Notes Placeholder 2">
             <a:extLst>
               <a:ext uri="{FF2B5EF4-FFF2-40B4-BE49-F238E27FC236}">
-                <a16:creationId xmlns:a16="http://schemas.microsoft.com/office/drawing/2014/main" id="{423BF460-B55F-4368-1456-6AF2D203741A}"/>
+                <a16:creationId xmlns:a16="http://schemas.microsoft.com/office/drawing/2014/main" id="{9B10BD4A-D53A-F566-4F80-824594B6D864}"/>
               </a:ext>
             </a:extLst>
           </p:cNvPr>
@@ -1938,7 +2002,11 @@
           <a:bodyPr/>
           <a:lstStyle/>
           <a:p>
-            <a:endParaRPr lang="en-US" dirty="0"/>
+            <a:pPr marL="171450" indent="-171450">
+              <a:buFont typeface="Arial" panose="020B0604020202020204" pitchFamily="34" charset="0"/>
+              <a:buChar char="•"/>
+            </a:pPr>
+            <a:endParaRPr lang="en-US" baseline="0" dirty="0"/>
           </a:p>
         </p:txBody>
       </p:sp>
@@ -1947,7 +2015,7 @@
           <p:cNvPr id="4" name="Slide Number Placeholder 3">
             <a:extLst>
               <a:ext uri="{FF2B5EF4-FFF2-40B4-BE49-F238E27FC236}">
-                <a16:creationId xmlns:a16="http://schemas.microsoft.com/office/drawing/2014/main" id="{D714A75B-00F0-EA76-58A3-E8483A028C10}"/>
+                <a16:creationId xmlns:a16="http://schemas.microsoft.com/office/drawing/2014/main" id="{FC678825-1E9F-760D-D8E0-2E836983F95A}"/>
               </a:ext>
             </a:extLst>
           </p:cNvPr>
@@ -1974,7 +2042,7 @@
     </p:spTree>
     <p:extLst>
       <p:ext uri="{BB962C8B-B14F-4D97-AF65-F5344CB8AC3E}">
-        <p14:creationId xmlns:p14="http://schemas.microsoft.com/office/powerpoint/2010/main" val="4029212349"/>
+        <p14:creationId xmlns:p14="http://schemas.microsoft.com/office/powerpoint/2010/main" val="1574697991"/>
       </p:ext>
     </p:extLst>
   </p:cSld>
@@ -1989,7 +2057,13 @@
   <p:cSld>
     <p:spTree>
       <p:nvGrpSpPr>
-        <p:cNvPr id="1" name=""/>
+        <p:cNvPr id="1" name="">
+          <a:extLst>
+            <a:ext uri="{FF2B5EF4-FFF2-40B4-BE49-F238E27FC236}">
+              <a16:creationId xmlns:a16="http://schemas.microsoft.com/office/drawing/2014/main" id="{D177689F-8068-6088-F571-19BD3A8BEAF9}"/>
+            </a:ext>
+          </a:extLst>
+        </p:cNvPr>
         <p:cNvGrpSpPr/>
         <p:nvPr/>
       </p:nvGrpSpPr>
@@ -2003,7 +2077,13 @@
       </p:grpSpPr>
       <p:sp>
         <p:nvSpPr>
-          <p:cNvPr id="2" name="Slide Image Placeholder 1"/>
+          <p:cNvPr id="2" name="Slide Image Placeholder 1">
+            <a:extLst>
+              <a:ext uri="{FF2B5EF4-FFF2-40B4-BE49-F238E27FC236}">
+                <a16:creationId xmlns:a16="http://schemas.microsoft.com/office/drawing/2014/main" id="{8904CA50-EA36-BBEC-25B1-75D61E8EFD3A}"/>
+              </a:ext>
+            </a:extLst>
+          </p:cNvPr>
           <p:cNvSpPr>
             <a:spLocks noGrp="1" noRot="1" noChangeAspect="1"/>
           </p:cNvSpPr>
@@ -2011,16 +2091,17 @@
             <p:ph type="sldImg"/>
           </p:nvPr>
         </p:nvSpPr>
-        <p:spPr>
-          <a:xfrm>
-            <a:off x="685800" y="1143000"/>
-            <a:ext cx="5486400" cy="3086100"/>
-          </a:xfrm>
-        </p:spPr>
-      </p:sp>
-      <p:sp>
-        <p:nvSpPr>
-          <p:cNvPr id="3" name="Notes Placeholder 2"/>
+        <p:spPr/>
+      </p:sp>
+      <p:sp>
+        <p:nvSpPr>
+          <p:cNvPr id="3" name="Notes Placeholder 2">
+            <a:extLst>
+              <a:ext uri="{FF2B5EF4-FFF2-40B4-BE49-F238E27FC236}">
+                <a16:creationId xmlns:a16="http://schemas.microsoft.com/office/drawing/2014/main" id="{9B231BEA-B677-902F-8182-CEE4C24C630A}"/>
+              </a:ext>
+            </a:extLst>
+          </p:cNvPr>
           <p:cNvSpPr>
             <a:spLocks noGrp="1"/>
           </p:cNvSpPr>
@@ -2033,22 +2114,32 @@
           <a:bodyPr/>
           <a:lstStyle/>
           <a:p>
-            <a:pPr marL="171450" indent="-171450">
-              <a:buFont typeface="Arial" panose="020B0604020202020204" pitchFamily="34" charset="0"/>
-              <a:buChar char="•"/>
-            </a:pPr>
-            <a:endParaRPr lang="en-US" baseline="0" dirty="0"/>
-          </a:p>
-        </p:txBody>
-      </p:sp>
-      <p:sp>
-        <p:nvSpPr>
-          <p:cNvPr id="4" name="Slide Number Placeholder 3"/>
-          <p:cNvSpPr>
-            <a:spLocks noGrp="1"/>
-          </p:cNvSpPr>
-          <p:nvPr>
-            <p:ph type="sldNum" sz="quarter" idx="10"/>
+            <a:r>
+              <a:rPr lang="en-US" dirty="0"/>
+              <a:t>Demo: </a:t>
+            </a:r>
+            <a:r>
+              <a:rPr lang="en-US" dirty="0" err="1"/>
+              <a:t>MoreExamples</a:t>
+            </a:r>
+            <a:endParaRPr lang="en-US" dirty="0"/>
+          </a:p>
+        </p:txBody>
+      </p:sp>
+      <p:sp>
+        <p:nvSpPr>
+          <p:cNvPr id="4" name="Slide Number Placeholder 3">
+            <a:extLst>
+              <a:ext uri="{FF2B5EF4-FFF2-40B4-BE49-F238E27FC236}">
+                <a16:creationId xmlns:a16="http://schemas.microsoft.com/office/drawing/2014/main" id="{35CFC155-764D-131A-B5AF-B7FC0B5421E9}"/>
+              </a:ext>
+            </a:extLst>
+          </p:cNvPr>
+          <p:cNvSpPr>
+            <a:spLocks noGrp="1"/>
+          </p:cNvSpPr>
+          <p:nvPr>
+            <p:ph type="sldNum" sz="quarter" idx="5"/>
           </p:nvPr>
         </p:nvSpPr>
         <p:spPr/>
@@ -2058,7 +2149,7 @@
           <a:p>
             <a:fld id="{94CE3395-F8FF-4336-B2AA-E15575B990E7}" type="slidenum">
               <a:rPr lang="en-US" smtClean="0"/>
-              <a:t>25</a:t>
+              <a:t>24</a:t>
             </a:fld>
             <a:endParaRPr lang="en-US" dirty="0"/>
           </a:p>
@@ -2067,7 +2158,7 @@
     </p:spTree>
     <p:extLst>
       <p:ext uri="{BB962C8B-B14F-4D97-AF65-F5344CB8AC3E}">
-        <p14:creationId xmlns:p14="http://schemas.microsoft.com/office/powerpoint/2010/main" val="1446029409"/>
+        <p14:creationId xmlns:p14="http://schemas.microsoft.com/office/powerpoint/2010/main" val="804388720"/>
       </p:ext>
     </p:extLst>
   </p:cSld>
@@ -2104,7 +2195,12 @@
             <p:ph type="sldImg"/>
           </p:nvPr>
         </p:nvSpPr>
-        <p:spPr/>
+        <p:spPr>
+          <a:xfrm>
+            <a:off x="685800" y="1143000"/>
+            <a:ext cx="5486400" cy="3086100"/>
+          </a:xfrm>
+        </p:spPr>
       </p:sp>
       <p:sp>
         <p:nvSpPr>
@@ -2121,37 +2217,6 @@
           <a:bodyPr/>
           <a:lstStyle/>
           <a:p>
-            <a:pPr marL="0" marR="0" indent="0" algn="l" defTabSz="914400" rtl="0" eaLnBrk="1" fontAlgn="auto" latinLnBrk="0" hangingPunct="1">
-              <a:lnSpc>
-                <a:spcPct val="100000"/>
-              </a:lnSpc>
-              <a:spcBef>
-                <a:spcPts val="0"/>
-              </a:spcBef>
-              <a:spcAft>
-                <a:spcPts val="0"/>
-              </a:spcAft>
-              <a:buClrTx/>
-              <a:buSzTx/>
-              <a:buFontTx/>
-              <a:buNone/>
-              <a:tabLst/>
-              <a:defRPr/>
-            </a:pPr>
-            <a:r>
-              <a:rPr lang="en-US" dirty="0"/>
-              <a:t>Usually, just pass </a:t>
-            </a:r>
-            <a:r>
-              <a:rPr lang="en-US" dirty="0" err="1"/>
-              <a:t>CancellationToken</a:t>
-            </a:r>
-            <a:r>
-              <a:rPr lang="en-US" dirty="0"/>
-              <a:t> to next method in the chain.</a:t>
-            </a:r>
-          </a:p>
-          <a:p>
             <a:endParaRPr lang="en-US" dirty="0"/>
           </a:p>
         </p:txBody>
@@ -2173,7 +2238,7 @@
           <a:p>
             <a:fld id="{94CE3395-F8FF-4336-B2AA-E15575B990E7}" type="slidenum">
               <a:rPr lang="en-US" smtClean="0"/>
-              <a:t>26</a:t>
+              <a:t>25</a:t>
             </a:fld>
             <a:endParaRPr lang="en-US" dirty="0"/>
           </a:p>
@@ -2182,7 +2247,7 @@
     </p:spTree>
     <p:extLst>
       <p:ext uri="{BB962C8B-B14F-4D97-AF65-F5344CB8AC3E}">
-        <p14:creationId xmlns:p14="http://schemas.microsoft.com/office/powerpoint/2010/main" val="435241344"/>
+        <p14:creationId xmlns:p14="http://schemas.microsoft.com/office/powerpoint/2010/main" val="3959091096"/>
       </p:ext>
     </p:extLst>
   </p:cSld>
@@ -2197,7 +2262,13 @@
   <p:cSld>
     <p:spTree>
       <p:nvGrpSpPr>
-        <p:cNvPr id="1" name=""/>
+        <p:cNvPr id="1" name="">
+          <a:extLst>
+            <a:ext uri="{FF2B5EF4-FFF2-40B4-BE49-F238E27FC236}">
+              <a16:creationId xmlns:a16="http://schemas.microsoft.com/office/drawing/2014/main" id="{DBA6D0DC-F9A1-618B-02AC-5FA4A34199AE}"/>
+            </a:ext>
+          </a:extLst>
+        </p:cNvPr>
         <p:cNvGrpSpPr/>
         <p:nvPr/>
       </p:nvGrpSpPr>
@@ -2211,7 +2282,13 @@
       </p:grpSpPr>
       <p:sp>
         <p:nvSpPr>
-          <p:cNvPr id="2" name="Slide Image Placeholder 1"/>
+          <p:cNvPr id="2" name="Slide Image Placeholder 1">
+            <a:extLst>
+              <a:ext uri="{FF2B5EF4-FFF2-40B4-BE49-F238E27FC236}">
+                <a16:creationId xmlns:a16="http://schemas.microsoft.com/office/drawing/2014/main" id="{E7517B8A-697D-FB44-459C-842280536E47}"/>
+              </a:ext>
+            </a:extLst>
+          </p:cNvPr>
           <p:cNvSpPr>
             <a:spLocks noGrp="1" noRot="1" noChangeAspect="1"/>
           </p:cNvSpPr>
@@ -2219,11 +2296,22 @@
             <p:ph type="sldImg"/>
           </p:nvPr>
         </p:nvSpPr>
-        <p:spPr/>
-      </p:sp>
-      <p:sp>
-        <p:nvSpPr>
-          <p:cNvPr id="3" name="Notes Placeholder 2"/>
+        <p:spPr>
+          <a:xfrm>
+            <a:off x="685800" y="1143000"/>
+            <a:ext cx="5486400" cy="3086100"/>
+          </a:xfrm>
+        </p:spPr>
+      </p:sp>
+      <p:sp>
+        <p:nvSpPr>
+          <p:cNvPr id="3" name="Notes Placeholder 2">
+            <a:extLst>
+              <a:ext uri="{FF2B5EF4-FFF2-40B4-BE49-F238E27FC236}">
+                <a16:creationId xmlns:a16="http://schemas.microsoft.com/office/drawing/2014/main" id="{376B18FF-B8DB-A8F8-1C6E-0A7F52A1073A}"/>
+              </a:ext>
+            </a:extLst>
+          </p:cNvPr>
           <p:cNvSpPr>
             <a:spLocks noGrp="1"/>
           </p:cNvSpPr>
@@ -2236,123 +2324,22 @@
           <a:bodyPr/>
           <a:lstStyle/>
           <a:p>
-            <a:pPr marL="0" marR="0" indent="0" algn="l" defTabSz="914400" rtl="0" eaLnBrk="1" fontAlgn="auto" latinLnBrk="0" hangingPunct="1">
-              <a:lnSpc>
-                <a:spcPct val="100000"/>
-              </a:lnSpc>
-              <a:spcBef>
-                <a:spcPts val="0"/>
-              </a:spcBef>
-              <a:spcAft>
-                <a:spcPts val="0"/>
-              </a:spcAft>
-              <a:buClrTx/>
-              <a:buSzTx/>
-              <a:buFontTx/>
-              <a:buNone/>
-              <a:tabLst/>
-              <a:defRPr/>
-            </a:pPr>
-            <a:r>
-              <a:rPr lang="en-US" dirty="0"/>
-              <a:t>Each</a:t>
-            </a:r>
-            <a:r>
-              <a:rPr lang="en-US" baseline="0" dirty="0"/>
-              <a:t> progress update is of type T.</a:t>
-            </a:r>
-          </a:p>
-          <a:p>
-            <a:pPr marL="0" marR="0" indent="0" algn="l" defTabSz="914400" rtl="0" eaLnBrk="1" fontAlgn="auto" latinLnBrk="0" hangingPunct="1">
-              <a:lnSpc>
-                <a:spcPct val="100000"/>
-              </a:lnSpc>
-              <a:spcBef>
-                <a:spcPts val="0"/>
-              </a:spcBef>
-              <a:spcAft>
-                <a:spcPts val="0"/>
-              </a:spcAft>
-              <a:buClrTx/>
-              <a:buSzTx/>
-              <a:buFontTx/>
-              <a:buNone/>
-              <a:tabLst/>
-              <a:defRPr/>
-            </a:pPr>
-            <a:endParaRPr lang="en-US" baseline="0" dirty="0"/>
-          </a:p>
-          <a:p>
-            <a:pPr marL="0" marR="0" indent="0" algn="l" defTabSz="914400" rtl="0" eaLnBrk="1" fontAlgn="auto" latinLnBrk="0" hangingPunct="1">
-              <a:lnSpc>
-                <a:spcPct val="100000"/>
-              </a:lnSpc>
-              <a:spcBef>
-                <a:spcPts val="0"/>
-              </a:spcBef>
-              <a:spcAft>
-                <a:spcPts val="0"/>
-              </a:spcAft>
-              <a:buClrTx/>
-              <a:buSzTx/>
-              <a:buFontTx/>
-              <a:buNone/>
-              <a:tabLst/>
-              <a:defRPr/>
-            </a:pPr>
-            <a:r>
-              <a:rPr lang="en-US" baseline="0" dirty="0"/>
-              <a:t>The built-in implementation is great for UI but isn’t intended to be used everywhere.</a:t>
-            </a:r>
-          </a:p>
-          <a:p>
-            <a:pPr marL="0" marR="0" indent="0" algn="l" defTabSz="914400" rtl="0" eaLnBrk="1" fontAlgn="auto" latinLnBrk="0" hangingPunct="1">
-              <a:lnSpc>
-                <a:spcPct val="100000"/>
-              </a:lnSpc>
-              <a:spcBef>
-                <a:spcPts val="0"/>
-              </a:spcBef>
-              <a:spcAft>
-                <a:spcPts val="0"/>
-              </a:spcAft>
-              <a:buClrTx/>
-              <a:buSzTx/>
-              <a:buFontTx/>
-              <a:buNone/>
-              <a:tabLst/>
-              <a:defRPr/>
-            </a:pPr>
-            <a:endParaRPr lang="en-US" baseline="0" dirty="0"/>
-          </a:p>
-          <a:p>
-            <a:pPr marL="0" marR="0" indent="0" algn="l" defTabSz="914400" rtl="0" eaLnBrk="1" fontAlgn="auto" latinLnBrk="0" hangingPunct="1">
-              <a:lnSpc>
-                <a:spcPct val="100000"/>
-              </a:lnSpc>
-              <a:spcBef>
-                <a:spcPts val="0"/>
-              </a:spcBef>
-              <a:spcAft>
-                <a:spcPts val="0"/>
-              </a:spcAft>
-              <a:buClrTx/>
-              <a:buSzTx/>
-              <a:buFontTx/>
-              <a:buNone/>
-              <a:tabLst/>
-              <a:defRPr/>
-            </a:pPr>
-            <a:endParaRPr lang="en-US" dirty="0"/>
-          </a:p>
-          <a:p>
-            <a:endParaRPr lang="en-US" dirty="0"/>
-          </a:p>
-        </p:txBody>
-      </p:sp>
-      <p:sp>
-        <p:nvSpPr>
-          <p:cNvPr id="4" name="Slide Number Placeholder 3"/>
+            <a:r>
+              <a:rPr lang="en-US" dirty="0"/>
+              <a:t>Do you work for Microsoft? Do you have Stephen Toub on speed dial?</a:t>
+            </a:r>
+          </a:p>
+        </p:txBody>
+      </p:sp>
+      <p:sp>
+        <p:nvSpPr>
+          <p:cNvPr id="4" name="Slide Number Placeholder 3">
+            <a:extLst>
+              <a:ext uri="{FF2B5EF4-FFF2-40B4-BE49-F238E27FC236}">
+                <a16:creationId xmlns:a16="http://schemas.microsoft.com/office/drawing/2014/main" id="{D47668EE-69CA-7EDF-6A38-9F5138194367}"/>
+              </a:ext>
+            </a:extLst>
+          </p:cNvPr>
           <p:cNvSpPr>
             <a:spLocks noGrp="1"/>
           </p:cNvSpPr>
@@ -2367,7 +2354,7 @@
           <a:p>
             <a:fld id="{94CE3395-F8FF-4336-B2AA-E15575B990E7}" type="slidenum">
               <a:rPr lang="en-US" smtClean="0"/>
-              <a:t>27</a:t>
+              <a:t>26</a:t>
             </a:fld>
             <a:endParaRPr lang="en-US" dirty="0"/>
           </a:p>
@@ -2376,7 +2363,7 @@
     </p:spTree>
     <p:extLst>
       <p:ext uri="{BB962C8B-B14F-4D97-AF65-F5344CB8AC3E}">
-        <p14:creationId xmlns:p14="http://schemas.microsoft.com/office/powerpoint/2010/main" val="2774933839"/>
+        <p14:creationId xmlns:p14="http://schemas.microsoft.com/office/powerpoint/2010/main" val="1008178604"/>
       </p:ext>
     </p:extLst>
   </p:cSld>
@@ -2391,7 +2378,13 @@
   <p:cSld>
     <p:spTree>
       <p:nvGrpSpPr>
-        <p:cNvPr id="1" name=""/>
+        <p:cNvPr id="1" name="">
+          <a:extLst>
+            <a:ext uri="{FF2B5EF4-FFF2-40B4-BE49-F238E27FC236}">
+              <a16:creationId xmlns:a16="http://schemas.microsoft.com/office/drawing/2014/main" id="{88F9A85E-716A-871D-359D-2D991D210F15}"/>
+            </a:ext>
+          </a:extLst>
+        </p:cNvPr>
         <p:cNvGrpSpPr/>
         <p:nvPr/>
       </p:nvGrpSpPr>
@@ -2405,7 +2398,13 @@
       </p:grpSpPr>
       <p:sp>
         <p:nvSpPr>
-          <p:cNvPr id="2" name="Slide Image Placeholder 1"/>
+          <p:cNvPr id="2" name="Slide Image Placeholder 1">
+            <a:extLst>
+              <a:ext uri="{FF2B5EF4-FFF2-40B4-BE49-F238E27FC236}">
+                <a16:creationId xmlns:a16="http://schemas.microsoft.com/office/drawing/2014/main" id="{0BE537CA-5362-064E-C4B4-DB24617B9664}"/>
+              </a:ext>
+            </a:extLst>
+          </p:cNvPr>
           <p:cNvSpPr>
             <a:spLocks noGrp="1" noRot="1" noChangeAspect="1"/>
           </p:cNvSpPr>
@@ -2422,7 +2421,13 @@
       </p:sp>
       <p:sp>
         <p:nvSpPr>
-          <p:cNvPr id="3" name="Notes Placeholder 2"/>
+          <p:cNvPr id="3" name="Notes Placeholder 2">
+            <a:extLst>
+              <a:ext uri="{FF2B5EF4-FFF2-40B4-BE49-F238E27FC236}">
+                <a16:creationId xmlns:a16="http://schemas.microsoft.com/office/drawing/2014/main" id="{7162DBAC-49E4-E969-E25C-9FDF34021799}"/>
+              </a:ext>
+            </a:extLst>
+          </p:cNvPr>
           <p:cNvSpPr>
             <a:spLocks noGrp="1"/>
           </p:cNvSpPr>
@@ -2441,7 +2446,13 @@
       </p:sp>
       <p:sp>
         <p:nvSpPr>
-          <p:cNvPr id="4" name="Slide Number Placeholder 3"/>
+          <p:cNvPr id="4" name="Slide Number Placeholder 3">
+            <a:extLst>
+              <a:ext uri="{FF2B5EF4-FFF2-40B4-BE49-F238E27FC236}">
+                <a16:creationId xmlns:a16="http://schemas.microsoft.com/office/drawing/2014/main" id="{9A3557BA-7230-0E80-E061-87A8FEC36858}"/>
+              </a:ext>
+            </a:extLst>
+          </p:cNvPr>
           <p:cNvSpPr>
             <a:spLocks noGrp="1"/>
           </p:cNvSpPr>
@@ -2456,7 +2467,7 @@
           <a:p>
             <a:fld id="{94CE3395-F8FF-4336-B2AA-E15575B990E7}" type="slidenum">
               <a:rPr lang="en-US" smtClean="0"/>
-              <a:t>28</a:t>
+              <a:t>27</a:t>
             </a:fld>
             <a:endParaRPr lang="en-US" dirty="0"/>
           </a:p>
@@ -2465,7 +2476,7 @@
     </p:spTree>
     <p:extLst>
       <p:ext uri="{BB962C8B-B14F-4D97-AF65-F5344CB8AC3E}">
-        <p14:creationId xmlns:p14="http://schemas.microsoft.com/office/powerpoint/2010/main" val="3944840889"/>
+        <p14:creationId xmlns:p14="http://schemas.microsoft.com/office/powerpoint/2010/main" val="287473823"/>
       </p:ext>
     </p:extLst>
   </p:cSld>
@@ -2480,7 +2491,13 @@
   <p:cSld>
     <p:spTree>
       <p:nvGrpSpPr>
-        <p:cNvPr id="1" name=""/>
+        <p:cNvPr id="1" name="">
+          <a:extLst>
+            <a:ext uri="{FF2B5EF4-FFF2-40B4-BE49-F238E27FC236}">
+              <a16:creationId xmlns:a16="http://schemas.microsoft.com/office/drawing/2014/main" id="{A9E809B8-1F72-7141-948D-CDBAE9D7E9AD}"/>
+            </a:ext>
+          </a:extLst>
+        </p:cNvPr>
         <p:cNvGrpSpPr/>
         <p:nvPr/>
       </p:nvGrpSpPr>
@@ -2494,7 +2511,13 @@
       </p:grpSpPr>
       <p:sp>
         <p:nvSpPr>
-          <p:cNvPr id="2" name="Slide Image Placeholder 1"/>
+          <p:cNvPr id="2" name="Slide Image Placeholder 1">
+            <a:extLst>
+              <a:ext uri="{FF2B5EF4-FFF2-40B4-BE49-F238E27FC236}">
+                <a16:creationId xmlns:a16="http://schemas.microsoft.com/office/drawing/2014/main" id="{81A2CF0B-8614-43C0-D52D-5AF93AC4E61D}"/>
+              </a:ext>
+            </a:extLst>
+          </p:cNvPr>
           <p:cNvSpPr>
             <a:spLocks noGrp="1" noRot="1" noChangeAspect="1"/>
           </p:cNvSpPr>
@@ -2502,11 +2525,22 @@
             <p:ph type="sldImg"/>
           </p:nvPr>
         </p:nvSpPr>
-        <p:spPr/>
-      </p:sp>
-      <p:sp>
-        <p:nvSpPr>
-          <p:cNvPr id="3" name="Notes Placeholder 2"/>
+        <p:spPr>
+          <a:xfrm>
+            <a:off x="685800" y="1143000"/>
+            <a:ext cx="5486400" cy="3086100"/>
+          </a:xfrm>
+        </p:spPr>
+      </p:sp>
+      <p:sp>
+        <p:nvSpPr>
+          <p:cNvPr id="3" name="Notes Placeholder 2">
+            <a:extLst>
+              <a:ext uri="{FF2B5EF4-FFF2-40B4-BE49-F238E27FC236}">
+                <a16:creationId xmlns:a16="http://schemas.microsoft.com/office/drawing/2014/main" id="{E001D39A-3C15-A503-B0B3-78E305A9F8A3}"/>
+              </a:ext>
+            </a:extLst>
+          </p:cNvPr>
           <p:cNvSpPr>
             <a:spLocks noGrp="1"/>
           </p:cNvSpPr>
@@ -2520,26 +2554,34 @@
           <a:lstStyle/>
           <a:p>
             <a:r>
-              <a:rPr lang="en-US" dirty="0"/>
-              <a:t>Cancellation / Progress Reporting</a:t>
-            </a:r>
-          </a:p>
-          <a:p>
-            <a:r>
-              <a:rPr lang="en-US" dirty="0"/>
-              <a:t>Pipelines</a:t>
-            </a:r>
-          </a:p>
-        </p:txBody>
-      </p:sp>
-      <p:sp>
-        <p:nvSpPr>
-          <p:cNvPr id="4" name="Slide Number Placeholder 3"/>
-          <p:cNvSpPr>
-            <a:spLocks noGrp="1"/>
-          </p:cNvSpPr>
-          <p:nvPr>
-            <p:ph type="sldNum" sz="quarter" idx="5"/>
+              <a:rPr lang="en-US" dirty="0" err="1"/>
+              <a:t>FromResult</a:t>
+            </a:r>
+            <a:r>
+              <a:rPr lang="en-US" dirty="0"/>
+              <a:t> is fine in mocks and other interface implementations </a:t>
+            </a:r>
+            <a:r>
+              <a:rPr lang="en-US" i="1" dirty="0"/>
+              <a:t>if there is no asynchronous work to do.</a:t>
+            </a:r>
+          </a:p>
+        </p:txBody>
+      </p:sp>
+      <p:sp>
+        <p:nvSpPr>
+          <p:cNvPr id="4" name="Slide Number Placeholder 3">
+            <a:extLst>
+              <a:ext uri="{FF2B5EF4-FFF2-40B4-BE49-F238E27FC236}">
+                <a16:creationId xmlns:a16="http://schemas.microsoft.com/office/drawing/2014/main" id="{629A07D3-7BBC-55B2-F839-4743D7481BF3}"/>
+              </a:ext>
+            </a:extLst>
+          </p:cNvPr>
+          <p:cNvSpPr>
+            <a:spLocks noGrp="1"/>
+          </p:cNvSpPr>
+          <p:nvPr>
+            <p:ph type="sldNum" sz="quarter" idx="10"/>
           </p:nvPr>
         </p:nvSpPr>
         <p:spPr/>
@@ -2549,7 +2591,7 @@
           <a:p>
             <a:fld id="{94CE3395-F8FF-4336-B2AA-E15575B990E7}" type="slidenum">
               <a:rPr lang="en-US" smtClean="0"/>
-              <a:t>29</a:t>
+              <a:t>28</a:t>
             </a:fld>
             <a:endParaRPr lang="en-US" dirty="0"/>
           </a:p>
@@ -2558,7 +2600,7 @@
     </p:spTree>
     <p:extLst>
       <p:ext uri="{BB962C8B-B14F-4D97-AF65-F5344CB8AC3E}">
-        <p14:creationId xmlns:p14="http://schemas.microsoft.com/office/powerpoint/2010/main" val="3919818340"/>
+        <p14:creationId xmlns:p14="http://schemas.microsoft.com/office/powerpoint/2010/main" val="3182752207"/>
       </p:ext>
     </p:extLst>
   </p:cSld>
@@ -2573,7 +2615,13 @@
   <p:cSld>
     <p:spTree>
       <p:nvGrpSpPr>
-        <p:cNvPr id="1" name=""/>
+        <p:cNvPr id="1" name="">
+          <a:extLst>
+            <a:ext uri="{FF2B5EF4-FFF2-40B4-BE49-F238E27FC236}">
+              <a16:creationId xmlns:a16="http://schemas.microsoft.com/office/drawing/2014/main" id="{F7245EED-8117-FA2D-963C-3231BBC377BA}"/>
+            </a:ext>
+          </a:extLst>
+        </p:cNvPr>
         <p:cNvGrpSpPr/>
         <p:nvPr/>
       </p:nvGrpSpPr>
@@ -2587,7 +2635,13 @@
       </p:grpSpPr>
       <p:sp>
         <p:nvSpPr>
-          <p:cNvPr id="2" name="Slide Image Placeholder 1"/>
+          <p:cNvPr id="2" name="Slide Image Placeholder 1">
+            <a:extLst>
+              <a:ext uri="{FF2B5EF4-FFF2-40B4-BE49-F238E27FC236}">
+                <a16:creationId xmlns:a16="http://schemas.microsoft.com/office/drawing/2014/main" id="{440DEAF5-60FD-6EEA-1752-1BA13C53180B}"/>
+              </a:ext>
+            </a:extLst>
+          </p:cNvPr>
           <p:cNvSpPr>
             <a:spLocks noGrp="1" noRot="1" noChangeAspect="1"/>
           </p:cNvSpPr>
@@ -2604,7 +2658,13 @@
       </p:sp>
       <p:sp>
         <p:nvSpPr>
-          <p:cNvPr id="3" name="Notes Placeholder 2"/>
+          <p:cNvPr id="3" name="Notes Placeholder 2">
+            <a:extLst>
+              <a:ext uri="{FF2B5EF4-FFF2-40B4-BE49-F238E27FC236}">
+                <a16:creationId xmlns:a16="http://schemas.microsoft.com/office/drawing/2014/main" id="{11944F90-B33D-9BC5-F68B-F4188CA110AF}"/>
+              </a:ext>
+            </a:extLst>
+          </p:cNvPr>
           <p:cNvSpPr>
             <a:spLocks noGrp="1"/>
           </p:cNvSpPr>
@@ -2617,13 +2677,132 @@
           <a:bodyPr/>
           <a:lstStyle/>
           <a:p>
-            <a:endParaRPr lang="en-US" baseline="0" dirty="0"/>
-          </a:p>
-        </p:txBody>
-      </p:sp>
-      <p:sp>
-        <p:nvSpPr>
-          <p:cNvPr id="4" name="Slide Number Placeholder 3"/>
+            <a:endParaRPr lang="en-US" i="1" dirty="0"/>
+          </a:p>
+        </p:txBody>
+      </p:sp>
+      <p:sp>
+        <p:nvSpPr>
+          <p:cNvPr id="4" name="Slide Number Placeholder 3">
+            <a:extLst>
+              <a:ext uri="{FF2B5EF4-FFF2-40B4-BE49-F238E27FC236}">
+                <a16:creationId xmlns:a16="http://schemas.microsoft.com/office/drawing/2014/main" id="{F676C77F-6F33-CB91-51DC-1B03207879C6}"/>
+              </a:ext>
+            </a:extLst>
+          </p:cNvPr>
+          <p:cNvSpPr>
+            <a:spLocks noGrp="1"/>
+          </p:cNvSpPr>
+          <p:nvPr>
+            <p:ph type="sldNum" sz="quarter" idx="10"/>
+          </p:nvPr>
+        </p:nvSpPr>
+        <p:spPr/>
+        <p:txBody>
+          <a:bodyPr/>
+          <a:lstStyle/>
+          <a:p>
+            <a:fld id="{94CE3395-F8FF-4336-B2AA-E15575B990E7}" type="slidenum">
+              <a:rPr lang="en-US" smtClean="0"/>
+              <a:t>29</a:t>
+            </a:fld>
+            <a:endParaRPr lang="en-US" dirty="0"/>
+          </a:p>
+        </p:txBody>
+      </p:sp>
+    </p:spTree>
+    <p:extLst>
+      <p:ext uri="{BB962C8B-B14F-4D97-AF65-F5344CB8AC3E}">
+        <p14:creationId xmlns:p14="http://schemas.microsoft.com/office/powerpoint/2010/main" val="266346969"/>
+      </p:ext>
+    </p:extLst>
+  </p:cSld>
+  <p:clrMapOvr>
+    <a:masterClrMapping/>
+  </p:clrMapOvr>
+</p:notes>
+</file>
+
+<file path=ppt/notesSlides/notesSlide28.xml><?xml version="1.0" encoding="utf-8"?>
+<p:notes xmlns:a="http://schemas.openxmlformats.org/drawingml/2006/main" xmlns:r="http://schemas.openxmlformats.org/officeDocument/2006/relationships" xmlns:p="http://schemas.openxmlformats.org/presentationml/2006/main">
+  <p:cSld>
+    <p:spTree>
+      <p:nvGrpSpPr>
+        <p:cNvPr id="1" name="">
+          <a:extLst>
+            <a:ext uri="{FF2B5EF4-FFF2-40B4-BE49-F238E27FC236}">
+              <a16:creationId xmlns:a16="http://schemas.microsoft.com/office/drawing/2014/main" id="{A6123E65-18AF-6A2E-8335-0483BB25F683}"/>
+            </a:ext>
+          </a:extLst>
+        </p:cNvPr>
+        <p:cNvGrpSpPr/>
+        <p:nvPr/>
+      </p:nvGrpSpPr>
+      <p:grpSpPr>
+        <a:xfrm>
+          <a:off x="0" y="0"/>
+          <a:ext cx="0" cy="0"/>
+          <a:chOff x="0" y="0"/>
+          <a:chExt cx="0" cy="0"/>
+        </a:xfrm>
+      </p:grpSpPr>
+      <p:sp>
+        <p:nvSpPr>
+          <p:cNvPr id="2" name="Slide Image Placeholder 1">
+            <a:extLst>
+              <a:ext uri="{FF2B5EF4-FFF2-40B4-BE49-F238E27FC236}">
+                <a16:creationId xmlns:a16="http://schemas.microsoft.com/office/drawing/2014/main" id="{2284714D-70D0-710F-3D5B-D91A270EF6EB}"/>
+              </a:ext>
+            </a:extLst>
+          </p:cNvPr>
+          <p:cNvSpPr>
+            <a:spLocks noGrp="1" noRot="1" noChangeAspect="1"/>
+          </p:cNvSpPr>
+          <p:nvPr>
+            <p:ph type="sldImg"/>
+          </p:nvPr>
+        </p:nvSpPr>
+        <p:spPr>
+          <a:xfrm>
+            <a:off x="685800" y="1143000"/>
+            <a:ext cx="5486400" cy="3086100"/>
+          </a:xfrm>
+        </p:spPr>
+      </p:sp>
+      <p:sp>
+        <p:nvSpPr>
+          <p:cNvPr id="3" name="Notes Placeholder 2">
+            <a:extLst>
+              <a:ext uri="{FF2B5EF4-FFF2-40B4-BE49-F238E27FC236}">
+                <a16:creationId xmlns:a16="http://schemas.microsoft.com/office/drawing/2014/main" id="{7656ED4C-4924-6328-9109-84B9A0EECC3B}"/>
+              </a:ext>
+            </a:extLst>
+          </p:cNvPr>
+          <p:cNvSpPr>
+            <a:spLocks noGrp="1"/>
+          </p:cNvSpPr>
+          <p:nvPr>
+            <p:ph type="body" idx="1"/>
+          </p:nvPr>
+        </p:nvSpPr>
+        <p:spPr/>
+        <p:txBody>
+          <a:bodyPr/>
+          <a:lstStyle/>
+          <a:p>
+            <a:endParaRPr lang="en-US" i="1" dirty="0"/>
+          </a:p>
+        </p:txBody>
+      </p:sp>
+      <p:sp>
+        <p:nvSpPr>
+          <p:cNvPr id="4" name="Slide Number Placeholder 3">
+            <a:extLst>
+              <a:ext uri="{FF2B5EF4-FFF2-40B4-BE49-F238E27FC236}">
+                <a16:creationId xmlns:a16="http://schemas.microsoft.com/office/drawing/2014/main" id="{84D459AD-44F9-67FC-DB55-54B4D4C6272D}"/>
+              </a:ext>
+            </a:extLst>
+          </p:cNvPr>
           <p:cNvSpPr>
             <a:spLocks noGrp="1"/>
           </p:cNvSpPr>
@@ -2647,7 +2826,120 @@
     </p:spTree>
     <p:extLst>
       <p:ext uri="{BB962C8B-B14F-4D97-AF65-F5344CB8AC3E}">
-        <p14:creationId xmlns:p14="http://schemas.microsoft.com/office/powerpoint/2010/main" val="2659012186"/>
+        <p14:creationId xmlns:p14="http://schemas.microsoft.com/office/powerpoint/2010/main" val="1170605547"/>
+      </p:ext>
+    </p:extLst>
+  </p:cSld>
+  <p:clrMapOvr>
+    <a:masterClrMapping/>
+  </p:clrMapOvr>
+</p:notes>
+</file>
+
+<file path=ppt/notesSlides/notesSlide29.xml><?xml version="1.0" encoding="utf-8"?>
+<p:notes xmlns:a="http://schemas.openxmlformats.org/drawingml/2006/main" xmlns:r="http://schemas.openxmlformats.org/officeDocument/2006/relationships" xmlns:p="http://schemas.openxmlformats.org/presentationml/2006/main">
+  <p:cSld>
+    <p:spTree>
+      <p:nvGrpSpPr>
+        <p:cNvPr id="1" name="">
+          <a:extLst>
+            <a:ext uri="{FF2B5EF4-FFF2-40B4-BE49-F238E27FC236}">
+              <a16:creationId xmlns:a16="http://schemas.microsoft.com/office/drawing/2014/main" id="{5801C788-A65D-2670-10CF-AD08337F7C80}"/>
+            </a:ext>
+          </a:extLst>
+        </p:cNvPr>
+        <p:cNvGrpSpPr/>
+        <p:nvPr/>
+      </p:nvGrpSpPr>
+      <p:grpSpPr>
+        <a:xfrm>
+          <a:off x="0" y="0"/>
+          <a:ext cx="0" cy="0"/>
+          <a:chOff x="0" y="0"/>
+          <a:chExt cx="0" cy="0"/>
+        </a:xfrm>
+      </p:grpSpPr>
+      <p:sp>
+        <p:nvSpPr>
+          <p:cNvPr id="2" name="Slide Image Placeholder 1">
+            <a:extLst>
+              <a:ext uri="{FF2B5EF4-FFF2-40B4-BE49-F238E27FC236}">
+                <a16:creationId xmlns:a16="http://schemas.microsoft.com/office/drawing/2014/main" id="{C103B1DA-24FF-B7EE-AB2A-47B28E1EF3CA}"/>
+              </a:ext>
+            </a:extLst>
+          </p:cNvPr>
+          <p:cNvSpPr>
+            <a:spLocks noGrp="1" noRot="1" noChangeAspect="1"/>
+          </p:cNvSpPr>
+          <p:nvPr>
+            <p:ph type="sldImg"/>
+          </p:nvPr>
+        </p:nvSpPr>
+        <p:spPr>
+          <a:xfrm>
+            <a:off x="685800" y="1143000"/>
+            <a:ext cx="5486400" cy="3086100"/>
+          </a:xfrm>
+        </p:spPr>
+      </p:sp>
+      <p:sp>
+        <p:nvSpPr>
+          <p:cNvPr id="3" name="Notes Placeholder 2">
+            <a:extLst>
+              <a:ext uri="{FF2B5EF4-FFF2-40B4-BE49-F238E27FC236}">
+                <a16:creationId xmlns:a16="http://schemas.microsoft.com/office/drawing/2014/main" id="{98AC67CC-8A68-F2BB-B866-9A5C2EF89BFF}"/>
+              </a:ext>
+            </a:extLst>
+          </p:cNvPr>
+          <p:cNvSpPr>
+            <a:spLocks noGrp="1"/>
+          </p:cNvSpPr>
+          <p:nvPr>
+            <p:ph type="body" idx="1"/>
+          </p:nvPr>
+        </p:nvSpPr>
+        <p:spPr/>
+        <p:txBody>
+          <a:bodyPr/>
+          <a:lstStyle/>
+          <a:p>
+            <a:endParaRPr lang="en-US" i="1" dirty="0"/>
+          </a:p>
+        </p:txBody>
+      </p:sp>
+      <p:sp>
+        <p:nvSpPr>
+          <p:cNvPr id="4" name="Slide Number Placeholder 3">
+            <a:extLst>
+              <a:ext uri="{FF2B5EF4-FFF2-40B4-BE49-F238E27FC236}">
+                <a16:creationId xmlns:a16="http://schemas.microsoft.com/office/drawing/2014/main" id="{AC82C6B4-A2E5-88A8-E418-D3699FC7D90C}"/>
+              </a:ext>
+            </a:extLst>
+          </p:cNvPr>
+          <p:cNvSpPr>
+            <a:spLocks noGrp="1"/>
+          </p:cNvSpPr>
+          <p:nvPr>
+            <p:ph type="sldNum" sz="quarter" idx="10"/>
+          </p:nvPr>
+        </p:nvSpPr>
+        <p:spPr/>
+        <p:txBody>
+          <a:bodyPr/>
+          <a:lstStyle/>
+          <a:p>
+            <a:fld id="{94CE3395-F8FF-4336-B2AA-E15575B990E7}" type="slidenum">
+              <a:rPr lang="en-US" smtClean="0"/>
+              <a:t>31</a:t>
+            </a:fld>
+            <a:endParaRPr lang="en-US" dirty="0"/>
+          </a:p>
+        </p:txBody>
+      </p:sp>
+    </p:spTree>
+    <p:extLst>
+      <p:ext uri="{BB962C8B-B14F-4D97-AF65-F5344CB8AC3E}">
+        <p14:creationId xmlns:p14="http://schemas.microsoft.com/office/powerpoint/2010/main" val="1010171819"/>
       </p:ext>
     </p:extLst>
   </p:cSld>
@@ -2732,6 +3024,788 @@
     <p:extLst>
       <p:ext uri="{BB962C8B-B14F-4D97-AF65-F5344CB8AC3E}">
         <p14:creationId xmlns:p14="http://schemas.microsoft.com/office/powerpoint/2010/main" val="2629754661"/>
+      </p:ext>
+    </p:extLst>
+  </p:cSld>
+  <p:clrMapOvr>
+    <a:masterClrMapping/>
+  </p:clrMapOvr>
+</p:notes>
+</file>
+
+<file path=ppt/notesSlides/notesSlide30.xml><?xml version="1.0" encoding="utf-8"?>
+<p:notes xmlns:a="http://schemas.openxmlformats.org/drawingml/2006/main" xmlns:r="http://schemas.openxmlformats.org/officeDocument/2006/relationships" xmlns:p="http://schemas.openxmlformats.org/presentationml/2006/main">
+  <p:cSld>
+    <p:spTree>
+      <p:nvGrpSpPr>
+        <p:cNvPr id="1" name="">
+          <a:extLst>
+            <a:ext uri="{FF2B5EF4-FFF2-40B4-BE49-F238E27FC236}">
+              <a16:creationId xmlns:a16="http://schemas.microsoft.com/office/drawing/2014/main" id="{2EE8DB5D-126D-D294-9FAF-ED8D4EDA349A}"/>
+            </a:ext>
+          </a:extLst>
+        </p:cNvPr>
+        <p:cNvGrpSpPr/>
+        <p:nvPr/>
+      </p:nvGrpSpPr>
+      <p:grpSpPr>
+        <a:xfrm>
+          <a:off x="0" y="0"/>
+          <a:ext cx="0" cy="0"/>
+          <a:chOff x="0" y="0"/>
+          <a:chExt cx="0" cy="0"/>
+        </a:xfrm>
+      </p:grpSpPr>
+      <p:sp>
+        <p:nvSpPr>
+          <p:cNvPr id="2" name="Slide Image Placeholder 1">
+            <a:extLst>
+              <a:ext uri="{FF2B5EF4-FFF2-40B4-BE49-F238E27FC236}">
+                <a16:creationId xmlns:a16="http://schemas.microsoft.com/office/drawing/2014/main" id="{7D78B643-C8A8-9F6F-5EB9-2C6A4A39FF2F}"/>
+              </a:ext>
+            </a:extLst>
+          </p:cNvPr>
+          <p:cNvSpPr>
+            <a:spLocks noGrp="1" noRot="1" noChangeAspect="1"/>
+          </p:cNvSpPr>
+          <p:nvPr>
+            <p:ph type="sldImg"/>
+          </p:nvPr>
+        </p:nvSpPr>
+        <p:spPr>
+          <a:xfrm>
+            <a:off x="685800" y="1143000"/>
+            <a:ext cx="5486400" cy="3086100"/>
+          </a:xfrm>
+        </p:spPr>
+      </p:sp>
+      <p:sp>
+        <p:nvSpPr>
+          <p:cNvPr id="3" name="Notes Placeholder 2">
+            <a:extLst>
+              <a:ext uri="{FF2B5EF4-FFF2-40B4-BE49-F238E27FC236}">
+                <a16:creationId xmlns:a16="http://schemas.microsoft.com/office/drawing/2014/main" id="{F0F92684-2587-6C61-B3D6-DF0A040A6D92}"/>
+              </a:ext>
+            </a:extLst>
+          </p:cNvPr>
+          <p:cNvSpPr>
+            <a:spLocks noGrp="1"/>
+          </p:cNvSpPr>
+          <p:nvPr>
+            <p:ph type="body" idx="1"/>
+          </p:nvPr>
+        </p:nvSpPr>
+        <p:spPr/>
+        <p:txBody>
+          <a:bodyPr/>
+          <a:lstStyle/>
+          <a:p>
+            <a:endParaRPr lang="en-US" i="1" dirty="0"/>
+          </a:p>
+        </p:txBody>
+      </p:sp>
+      <p:sp>
+        <p:nvSpPr>
+          <p:cNvPr id="4" name="Slide Number Placeholder 3">
+            <a:extLst>
+              <a:ext uri="{FF2B5EF4-FFF2-40B4-BE49-F238E27FC236}">
+                <a16:creationId xmlns:a16="http://schemas.microsoft.com/office/drawing/2014/main" id="{85595CD1-1959-2AB0-50D7-F49D267731E6}"/>
+              </a:ext>
+            </a:extLst>
+          </p:cNvPr>
+          <p:cNvSpPr>
+            <a:spLocks noGrp="1"/>
+          </p:cNvSpPr>
+          <p:nvPr>
+            <p:ph type="sldNum" sz="quarter" idx="10"/>
+          </p:nvPr>
+        </p:nvSpPr>
+        <p:spPr/>
+        <p:txBody>
+          <a:bodyPr/>
+          <a:lstStyle/>
+          <a:p>
+            <a:fld id="{94CE3395-F8FF-4336-B2AA-E15575B990E7}" type="slidenum">
+              <a:rPr lang="en-US" smtClean="0"/>
+              <a:t>32</a:t>
+            </a:fld>
+            <a:endParaRPr lang="en-US" dirty="0"/>
+          </a:p>
+        </p:txBody>
+      </p:sp>
+    </p:spTree>
+    <p:extLst>
+      <p:ext uri="{BB962C8B-B14F-4D97-AF65-F5344CB8AC3E}">
+        <p14:creationId xmlns:p14="http://schemas.microsoft.com/office/powerpoint/2010/main" val="961185198"/>
+      </p:ext>
+    </p:extLst>
+  </p:cSld>
+  <p:clrMapOvr>
+    <a:masterClrMapping/>
+  </p:clrMapOvr>
+</p:notes>
+</file>
+
+<file path=ppt/notesSlides/notesSlide31.xml><?xml version="1.0" encoding="utf-8"?>
+<p:notes xmlns:a="http://schemas.openxmlformats.org/drawingml/2006/main" xmlns:r="http://schemas.openxmlformats.org/officeDocument/2006/relationships" xmlns:p="http://schemas.openxmlformats.org/presentationml/2006/main">
+  <p:cSld>
+    <p:spTree>
+      <p:nvGrpSpPr>
+        <p:cNvPr id="1" name="">
+          <a:extLst>
+            <a:ext uri="{FF2B5EF4-FFF2-40B4-BE49-F238E27FC236}">
+              <a16:creationId xmlns:a16="http://schemas.microsoft.com/office/drawing/2014/main" id="{9950B20F-F7E1-C2CF-45B6-1C28803CCB49}"/>
+            </a:ext>
+          </a:extLst>
+        </p:cNvPr>
+        <p:cNvGrpSpPr/>
+        <p:nvPr/>
+      </p:nvGrpSpPr>
+      <p:grpSpPr>
+        <a:xfrm>
+          <a:off x="0" y="0"/>
+          <a:ext cx="0" cy="0"/>
+          <a:chOff x="0" y="0"/>
+          <a:chExt cx="0" cy="0"/>
+        </a:xfrm>
+      </p:grpSpPr>
+      <p:sp>
+        <p:nvSpPr>
+          <p:cNvPr id="2" name="Slide Image Placeholder 1">
+            <a:extLst>
+              <a:ext uri="{FF2B5EF4-FFF2-40B4-BE49-F238E27FC236}">
+                <a16:creationId xmlns:a16="http://schemas.microsoft.com/office/drawing/2014/main" id="{03F64A04-5117-E89E-D8B1-70E7BA6F6C21}"/>
+              </a:ext>
+            </a:extLst>
+          </p:cNvPr>
+          <p:cNvSpPr>
+            <a:spLocks noGrp="1" noRot="1" noChangeAspect="1"/>
+          </p:cNvSpPr>
+          <p:nvPr>
+            <p:ph type="sldImg"/>
+          </p:nvPr>
+        </p:nvSpPr>
+        <p:spPr>
+          <a:xfrm>
+            <a:off x="685800" y="1143000"/>
+            <a:ext cx="5486400" cy="3086100"/>
+          </a:xfrm>
+        </p:spPr>
+      </p:sp>
+      <p:sp>
+        <p:nvSpPr>
+          <p:cNvPr id="3" name="Notes Placeholder 2">
+            <a:extLst>
+              <a:ext uri="{FF2B5EF4-FFF2-40B4-BE49-F238E27FC236}">
+                <a16:creationId xmlns:a16="http://schemas.microsoft.com/office/drawing/2014/main" id="{02F5885E-2ACA-3B8A-0AAA-72D6EE2648CF}"/>
+              </a:ext>
+            </a:extLst>
+          </p:cNvPr>
+          <p:cNvSpPr>
+            <a:spLocks noGrp="1"/>
+          </p:cNvSpPr>
+          <p:nvPr>
+            <p:ph type="body" idx="1"/>
+          </p:nvPr>
+        </p:nvSpPr>
+        <p:spPr/>
+        <p:txBody>
+          <a:bodyPr/>
+          <a:lstStyle/>
+          <a:p>
+            <a:pPr marL="171450" indent="-171450">
+              <a:buFont typeface="Arial" panose="020B0604020202020204" pitchFamily="34" charset="0"/>
+              <a:buChar char="•"/>
+            </a:pPr>
+            <a:endParaRPr lang="en-US" baseline="0" dirty="0"/>
+          </a:p>
+        </p:txBody>
+      </p:sp>
+      <p:sp>
+        <p:nvSpPr>
+          <p:cNvPr id="4" name="Slide Number Placeholder 3">
+            <a:extLst>
+              <a:ext uri="{FF2B5EF4-FFF2-40B4-BE49-F238E27FC236}">
+                <a16:creationId xmlns:a16="http://schemas.microsoft.com/office/drawing/2014/main" id="{0E187396-FC60-DA50-90F8-0ACAEFE70C7E}"/>
+              </a:ext>
+            </a:extLst>
+          </p:cNvPr>
+          <p:cNvSpPr>
+            <a:spLocks noGrp="1"/>
+          </p:cNvSpPr>
+          <p:nvPr>
+            <p:ph type="sldNum" sz="quarter" idx="10"/>
+          </p:nvPr>
+        </p:nvSpPr>
+        <p:spPr/>
+        <p:txBody>
+          <a:bodyPr/>
+          <a:lstStyle/>
+          <a:p>
+            <a:fld id="{94CE3395-F8FF-4336-B2AA-E15575B990E7}" type="slidenum">
+              <a:rPr lang="en-US" smtClean="0"/>
+              <a:t>33</a:t>
+            </a:fld>
+            <a:endParaRPr lang="en-US" dirty="0"/>
+          </a:p>
+        </p:txBody>
+      </p:sp>
+    </p:spTree>
+    <p:extLst>
+      <p:ext uri="{BB962C8B-B14F-4D97-AF65-F5344CB8AC3E}">
+        <p14:creationId xmlns:p14="http://schemas.microsoft.com/office/powerpoint/2010/main" val="3517262565"/>
+      </p:ext>
+    </p:extLst>
+  </p:cSld>
+  <p:clrMapOvr>
+    <a:masterClrMapping/>
+  </p:clrMapOvr>
+</p:notes>
+</file>
+
+<file path=ppt/notesSlides/notesSlide32.xml><?xml version="1.0" encoding="utf-8"?>
+<p:notes xmlns:a="http://schemas.openxmlformats.org/drawingml/2006/main" xmlns:r="http://schemas.openxmlformats.org/officeDocument/2006/relationships" xmlns:p="http://schemas.openxmlformats.org/presentationml/2006/main">
+  <p:cSld>
+    <p:spTree>
+      <p:nvGrpSpPr>
+        <p:cNvPr id="1" name="">
+          <a:extLst>
+            <a:ext uri="{FF2B5EF4-FFF2-40B4-BE49-F238E27FC236}">
+              <a16:creationId xmlns:a16="http://schemas.microsoft.com/office/drawing/2014/main" id="{4A53B8A7-FDA4-08A6-21A6-71E0365594DA}"/>
+            </a:ext>
+          </a:extLst>
+        </p:cNvPr>
+        <p:cNvGrpSpPr/>
+        <p:nvPr/>
+      </p:nvGrpSpPr>
+      <p:grpSpPr>
+        <a:xfrm>
+          <a:off x="0" y="0"/>
+          <a:ext cx="0" cy="0"/>
+          <a:chOff x="0" y="0"/>
+          <a:chExt cx="0" cy="0"/>
+        </a:xfrm>
+      </p:grpSpPr>
+      <p:sp>
+        <p:nvSpPr>
+          <p:cNvPr id="2" name="Slide Image Placeholder 1">
+            <a:extLst>
+              <a:ext uri="{FF2B5EF4-FFF2-40B4-BE49-F238E27FC236}">
+                <a16:creationId xmlns:a16="http://schemas.microsoft.com/office/drawing/2014/main" id="{2D73AAAA-07B8-7E10-7383-089E0EF8B138}"/>
+              </a:ext>
+            </a:extLst>
+          </p:cNvPr>
+          <p:cNvSpPr>
+            <a:spLocks noGrp="1" noRot="1" noChangeAspect="1"/>
+          </p:cNvSpPr>
+          <p:nvPr>
+            <p:ph type="sldImg"/>
+          </p:nvPr>
+        </p:nvSpPr>
+        <p:spPr>
+          <a:xfrm>
+            <a:off x="685800" y="1143000"/>
+            <a:ext cx="5486400" cy="3086100"/>
+          </a:xfrm>
+        </p:spPr>
+      </p:sp>
+      <p:sp>
+        <p:nvSpPr>
+          <p:cNvPr id="3" name="Notes Placeholder 2">
+            <a:extLst>
+              <a:ext uri="{FF2B5EF4-FFF2-40B4-BE49-F238E27FC236}">
+                <a16:creationId xmlns:a16="http://schemas.microsoft.com/office/drawing/2014/main" id="{93BA6335-EEFF-0213-8F26-470F9A212DBD}"/>
+              </a:ext>
+            </a:extLst>
+          </p:cNvPr>
+          <p:cNvSpPr>
+            <a:spLocks noGrp="1"/>
+          </p:cNvSpPr>
+          <p:nvPr>
+            <p:ph type="body" idx="1"/>
+          </p:nvPr>
+        </p:nvSpPr>
+        <p:spPr/>
+        <p:txBody>
+          <a:bodyPr/>
+          <a:lstStyle/>
+          <a:p>
+            <a:endParaRPr lang="en-US" i="1" dirty="0"/>
+          </a:p>
+        </p:txBody>
+      </p:sp>
+      <p:sp>
+        <p:nvSpPr>
+          <p:cNvPr id="4" name="Slide Number Placeholder 3">
+            <a:extLst>
+              <a:ext uri="{FF2B5EF4-FFF2-40B4-BE49-F238E27FC236}">
+                <a16:creationId xmlns:a16="http://schemas.microsoft.com/office/drawing/2014/main" id="{A5F9154D-0738-437A-90C3-5854C4469AFA}"/>
+              </a:ext>
+            </a:extLst>
+          </p:cNvPr>
+          <p:cNvSpPr>
+            <a:spLocks noGrp="1"/>
+          </p:cNvSpPr>
+          <p:nvPr>
+            <p:ph type="sldNum" sz="quarter" idx="10"/>
+          </p:nvPr>
+        </p:nvSpPr>
+        <p:spPr/>
+        <p:txBody>
+          <a:bodyPr/>
+          <a:lstStyle/>
+          <a:p>
+            <a:fld id="{94CE3395-F8FF-4336-B2AA-E15575B990E7}" type="slidenum">
+              <a:rPr lang="en-US" smtClean="0"/>
+              <a:t>34</a:t>
+            </a:fld>
+            <a:endParaRPr lang="en-US" dirty="0"/>
+          </a:p>
+        </p:txBody>
+      </p:sp>
+    </p:spTree>
+    <p:extLst>
+      <p:ext uri="{BB962C8B-B14F-4D97-AF65-F5344CB8AC3E}">
+        <p14:creationId xmlns:p14="http://schemas.microsoft.com/office/powerpoint/2010/main" val="2673157379"/>
+      </p:ext>
+    </p:extLst>
+  </p:cSld>
+  <p:clrMapOvr>
+    <a:masterClrMapping/>
+  </p:clrMapOvr>
+</p:notes>
+</file>
+
+<file path=ppt/notesSlides/notesSlide33.xml><?xml version="1.0" encoding="utf-8"?>
+<p:notes xmlns:a="http://schemas.openxmlformats.org/drawingml/2006/main" xmlns:r="http://schemas.openxmlformats.org/officeDocument/2006/relationships" xmlns:p="http://schemas.openxmlformats.org/presentationml/2006/main">
+  <p:cSld>
+    <p:spTree>
+      <p:nvGrpSpPr>
+        <p:cNvPr id="1" name="">
+          <a:extLst>
+            <a:ext uri="{FF2B5EF4-FFF2-40B4-BE49-F238E27FC236}">
+              <a16:creationId xmlns:a16="http://schemas.microsoft.com/office/drawing/2014/main" id="{D521A505-D964-621B-889F-1E6C78FE2758}"/>
+            </a:ext>
+          </a:extLst>
+        </p:cNvPr>
+        <p:cNvGrpSpPr/>
+        <p:nvPr/>
+      </p:nvGrpSpPr>
+      <p:grpSpPr>
+        <a:xfrm>
+          <a:off x="0" y="0"/>
+          <a:ext cx="0" cy="0"/>
+          <a:chOff x="0" y="0"/>
+          <a:chExt cx="0" cy="0"/>
+        </a:xfrm>
+      </p:grpSpPr>
+      <p:sp>
+        <p:nvSpPr>
+          <p:cNvPr id="2" name="Slide Image Placeholder 1">
+            <a:extLst>
+              <a:ext uri="{FF2B5EF4-FFF2-40B4-BE49-F238E27FC236}">
+                <a16:creationId xmlns:a16="http://schemas.microsoft.com/office/drawing/2014/main" id="{E61C2948-6975-18B3-67F7-844546FC6B59}"/>
+              </a:ext>
+            </a:extLst>
+          </p:cNvPr>
+          <p:cNvSpPr>
+            <a:spLocks noGrp="1" noRot="1" noChangeAspect="1"/>
+          </p:cNvSpPr>
+          <p:nvPr>
+            <p:ph type="sldImg"/>
+          </p:nvPr>
+        </p:nvSpPr>
+        <p:spPr>
+          <a:xfrm>
+            <a:off x="685800" y="1143000"/>
+            <a:ext cx="5486400" cy="3086100"/>
+          </a:xfrm>
+        </p:spPr>
+      </p:sp>
+      <p:sp>
+        <p:nvSpPr>
+          <p:cNvPr id="3" name="Notes Placeholder 2">
+            <a:extLst>
+              <a:ext uri="{FF2B5EF4-FFF2-40B4-BE49-F238E27FC236}">
+                <a16:creationId xmlns:a16="http://schemas.microsoft.com/office/drawing/2014/main" id="{42AE4E95-628B-87E7-6CB7-995F04F2F981}"/>
+              </a:ext>
+            </a:extLst>
+          </p:cNvPr>
+          <p:cNvSpPr>
+            <a:spLocks noGrp="1"/>
+          </p:cNvSpPr>
+          <p:nvPr>
+            <p:ph type="body" idx="1"/>
+          </p:nvPr>
+        </p:nvSpPr>
+        <p:spPr/>
+        <p:txBody>
+          <a:bodyPr/>
+          <a:lstStyle/>
+          <a:p>
+            <a:endParaRPr lang="en-US" i="1" dirty="0"/>
+          </a:p>
+        </p:txBody>
+      </p:sp>
+      <p:sp>
+        <p:nvSpPr>
+          <p:cNvPr id="4" name="Slide Number Placeholder 3">
+            <a:extLst>
+              <a:ext uri="{FF2B5EF4-FFF2-40B4-BE49-F238E27FC236}">
+                <a16:creationId xmlns:a16="http://schemas.microsoft.com/office/drawing/2014/main" id="{D54AC931-B275-A360-7CA6-A7717C1767B9}"/>
+              </a:ext>
+            </a:extLst>
+          </p:cNvPr>
+          <p:cNvSpPr>
+            <a:spLocks noGrp="1"/>
+          </p:cNvSpPr>
+          <p:nvPr>
+            <p:ph type="sldNum" sz="quarter" idx="10"/>
+          </p:nvPr>
+        </p:nvSpPr>
+        <p:spPr/>
+        <p:txBody>
+          <a:bodyPr/>
+          <a:lstStyle/>
+          <a:p>
+            <a:fld id="{94CE3395-F8FF-4336-B2AA-E15575B990E7}" type="slidenum">
+              <a:rPr lang="en-US" smtClean="0"/>
+              <a:t>35</a:t>
+            </a:fld>
+            <a:endParaRPr lang="en-US" dirty="0"/>
+          </a:p>
+        </p:txBody>
+      </p:sp>
+    </p:spTree>
+    <p:extLst>
+      <p:ext uri="{BB962C8B-B14F-4D97-AF65-F5344CB8AC3E}">
+        <p14:creationId xmlns:p14="http://schemas.microsoft.com/office/powerpoint/2010/main" val="1086321040"/>
+      </p:ext>
+    </p:extLst>
+  </p:cSld>
+  <p:clrMapOvr>
+    <a:masterClrMapping/>
+  </p:clrMapOvr>
+</p:notes>
+</file>
+
+<file path=ppt/notesSlides/notesSlide34.xml><?xml version="1.0" encoding="utf-8"?>
+<p:notes xmlns:a="http://schemas.openxmlformats.org/drawingml/2006/main" xmlns:r="http://schemas.openxmlformats.org/officeDocument/2006/relationships" xmlns:p="http://schemas.openxmlformats.org/presentationml/2006/main">
+  <p:cSld>
+    <p:spTree>
+      <p:nvGrpSpPr>
+        <p:cNvPr id="1" name="">
+          <a:extLst>
+            <a:ext uri="{FF2B5EF4-FFF2-40B4-BE49-F238E27FC236}">
+              <a16:creationId xmlns:a16="http://schemas.microsoft.com/office/drawing/2014/main" id="{44C484F4-043C-E16A-AFBB-0DC4BF9B5F26}"/>
+            </a:ext>
+          </a:extLst>
+        </p:cNvPr>
+        <p:cNvGrpSpPr/>
+        <p:nvPr/>
+      </p:nvGrpSpPr>
+      <p:grpSpPr>
+        <a:xfrm>
+          <a:off x="0" y="0"/>
+          <a:ext cx="0" cy="0"/>
+          <a:chOff x="0" y="0"/>
+          <a:chExt cx="0" cy="0"/>
+        </a:xfrm>
+      </p:grpSpPr>
+      <p:sp>
+        <p:nvSpPr>
+          <p:cNvPr id="2" name="Slide Image Placeholder 1">
+            <a:extLst>
+              <a:ext uri="{FF2B5EF4-FFF2-40B4-BE49-F238E27FC236}">
+                <a16:creationId xmlns:a16="http://schemas.microsoft.com/office/drawing/2014/main" id="{452546B1-4870-3392-7DFB-AC4BC4903C86}"/>
+              </a:ext>
+            </a:extLst>
+          </p:cNvPr>
+          <p:cNvSpPr>
+            <a:spLocks noGrp="1" noRot="1" noChangeAspect="1"/>
+          </p:cNvSpPr>
+          <p:nvPr>
+            <p:ph type="sldImg"/>
+          </p:nvPr>
+        </p:nvSpPr>
+        <p:spPr>
+          <a:xfrm>
+            <a:off x="685800" y="1143000"/>
+            <a:ext cx="5486400" cy="3086100"/>
+          </a:xfrm>
+        </p:spPr>
+      </p:sp>
+      <p:sp>
+        <p:nvSpPr>
+          <p:cNvPr id="3" name="Notes Placeholder 2">
+            <a:extLst>
+              <a:ext uri="{FF2B5EF4-FFF2-40B4-BE49-F238E27FC236}">
+                <a16:creationId xmlns:a16="http://schemas.microsoft.com/office/drawing/2014/main" id="{FC300A33-0093-5606-4A91-33D1905EABE0}"/>
+              </a:ext>
+            </a:extLst>
+          </p:cNvPr>
+          <p:cNvSpPr>
+            <a:spLocks noGrp="1"/>
+          </p:cNvSpPr>
+          <p:nvPr>
+            <p:ph type="body" idx="1"/>
+          </p:nvPr>
+        </p:nvSpPr>
+        <p:spPr/>
+        <p:txBody>
+          <a:bodyPr/>
+          <a:lstStyle/>
+          <a:p>
+            <a:endParaRPr lang="en-US" i="1" dirty="0"/>
+          </a:p>
+        </p:txBody>
+      </p:sp>
+      <p:sp>
+        <p:nvSpPr>
+          <p:cNvPr id="4" name="Slide Number Placeholder 3">
+            <a:extLst>
+              <a:ext uri="{FF2B5EF4-FFF2-40B4-BE49-F238E27FC236}">
+                <a16:creationId xmlns:a16="http://schemas.microsoft.com/office/drawing/2014/main" id="{C281764F-4D90-0DCA-13A7-4288E9E2280D}"/>
+              </a:ext>
+            </a:extLst>
+          </p:cNvPr>
+          <p:cNvSpPr>
+            <a:spLocks noGrp="1"/>
+          </p:cNvSpPr>
+          <p:nvPr>
+            <p:ph type="sldNum" sz="quarter" idx="10"/>
+          </p:nvPr>
+        </p:nvSpPr>
+        <p:spPr/>
+        <p:txBody>
+          <a:bodyPr/>
+          <a:lstStyle/>
+          <a:p>
+            <a:fld id="{94CE3395-F8FF-4336-B2AA-E15575B990E7}" type="slidenum">
+              <a:rPr lang="en-US" smtClean="0"/>
+              <a:t>36</a:t>
+            </a:fld>
+            <a:endParaRPr lang="en-US" dirty="0"/>
+          </a:p>
+        </p:txBody>
+      </p:sp>
+    </p:spTree>
+    <p:extLst>
+      <p:ext uri="{BB962C8B-B14F-4D97-AF65-F5344CB8AC3E}">
+        <p14:creationId xmlns:p14="http://schemas.microsoft.com/office/powerpoint/2010/main" val="696715573"/>
+      </p:ext>
+    </p:extLst>
+  </p:cSld>
+  <p:clrMapOvr>
+    <a:masterClrMapping/>
+  </p:clrMapOvr>
+</p:notes>
+</file>
+
+<file path=ppt/notesSlides/notesSlide35.xml><?xml version="1.0" encoding="utf-8"?>
+<p:notes xmlns:a="http://schemas.openxmlformats.org/drawingml/2006/main" xmlns:r="http://schemas.openxmlformats.org/officeDocument/2006/relationships" xmlns:p="http://schemas.openxmlformats.org/presentationml/2006/main">
+  <p:cSld>
+    <p:spTree>
+      <p:nvGrpSpPr>
+        <p:cNvPr id="1" name="">
+          <a:extLst>
+            <a:ext uri="{FF2B5EF4-FFF2-40B4-BE49-F238E27FC236}">
+              <a16:creationId xmlns:a16="http://schemas.microsoft.com/office/drawing/2014/main" id="{AF1E8D65-3DDD-5B33-EF32-39921AAF8D7D}"/>
+            </a:ext>
+          </a:extLst>
+        </p:cNvPr>
+        <p:cNvGrpSpPr/>
+        <p:nvPr/>
+      </p:nvGrpSpPr>
+      <p:grpSpPr>
+        <a:xfrm>
+          <a:off x="0" y="0"/>
+          <a:ext cx="0" cy="0"/>
+          <a:chOff x="0" y="0"/>
+          <a:chExt cx="0" cy="0"/>
+        </a:xfrm>
+      </p:grpSpPr>
+      <p:sp>
+        <p:nvSpPr>
+          <p:cNvPr id="2" name="Slide Image Placeholder 1">
+            <a:extLst>
+              <a:ext uri="{FF2B5EF4-FFF2-40B4-BE49-F238E27FC236}">
+                <a16:creationId xmlns:a16="http://schemas.microsoft.com/office/drawing/2014/main" id="{2059F570-DF77-5C9A-8B3D-151878042B80}"/>
+              </a:ext>
+            </a:extLst>
+          </p:cNvPr>
+          <p:cNvSpPr>
+            <a:spLocks noGrp="1" noRot="1" noChangeAspect="1"/>
+          </p:cNvSpPr>
+          <p:nvPr>
+            <p:ph type="sldImg"/>
+          </p:nvPr>
+        </p:nvSpPr>
+        <p:spPr/>
+      </p:sp>
+      <p:sp>
+        <p:nvSpPr>
+          <p:cNvPr id="3" name="Notes Placeholder 2">
+            <a:extLst>
+              <a:ext uri="{FF2B5EF4-FFF2-40B4-BE49-F238E27FC236}">
+                <a16:creationId xmlns:a16="http://schemas.microsoft.com/office/drawing/2014/main" id="{BCA4E5D9-E312-059D-4E1A-7CC2D2A174DE}"/>
+              </a:ext>
+            </a:extLst>
+          </p:cNvPr>
+          <p:cNvSpPr>
+            <a:spLocks noGrp="1"/>
+          </p:cNvSpPr>
+          <p:nvPr>
+            <p:ph type="body" idx="1"/>
+          </p:nvPr>
+        </p:nvSpPr>
+        <p:spPr/>
+        <p:txBody>
+          <a:bodyPr/>
+          <a:lstStyle/>
+          <a:p>
+            <a:r>
+              <a:rPr lang="en-US" dirty="0"/>
+              <a:t>Demo: </a:t>
+            </a:r>
+            <a:r>
+              <a:rPr lang="en-US" dirty="0" err="1"/>
+              <a:t>ChannelsProgram</a:t>
+            </a:r>
+            <a:r>
+              <a:rPr lang="en-US" dirty="0"/>
+              <a:t>, Cancellation and Progress in </a:t>
+            </a:r>
+            <a:r>
+              <a:rPr lang="en-US"/>
+              <a:t>MainWindow</a:t>
+            </a:r>
+            <a:endParaRPr lang="en-US" dirty="0"/>
+          </a:p>
+        </p:txBody>
+      </p:sp>
+      <p:sp>
+        <p:nvSpPr>
+          <p:cNvPr id="4" name="Slide Number Placeholder 3">
+            <a:extLst>
+              <a:ext uri="{FF2B5EF4-FFF2-40B4-BE49-F238E27FC236}">
+                <a16:creationId xmlns:a16="http://schemas.microsoft.com/office/drawing/2014/main" id="{79FCAE1A-63F4-09FB-8AB2-278321B494C6}"/>
+              </a:ext>
+            </a:extLst>
+          </p:cNvPr>
+          <p:cNvSpPr>
+            <a:spLocks noGrp="1"/>
+          </p:cNvSpPr>
+          <p:nvPr>
+            <p:ph type="sldNum" sz="quarter" idx="5"/>
+          </p:nvPr>
+        </p:nvSpPr>
+        <p:spPr/>
+        <p:txBody>
+          <a:bodyPr/>
+          <a:lstStyle/>
+          <a:p>
+            <a:fld id="{94CE3395-F8FF-4336-B2AA-E15575B990E7}" type="slidenum">
+              <a:rPr lang="en-US" smtClean="0"/>
+              <a:t>37</a:t>
+            </a:fld>
+            <a:endParaRPr lang="en-US" dirty="0"/>
+          </a:p>
+        </p:txBody>
+      </p:sp>
+    </p:spTree>
+    <p:extLst>
+      <p:ext uri="{BB962C8B-B14F-4D97-AF65-F5344CB8AC3E}">
+        <p14:creationId xmlns:p14="http://schemas.microsoft.com/office/powerpoint/2010/main" val="1524422781"/>
+      </p:ext>
+    </p:extLst>
+  </p:cSld>
+  <p:clrMapOvr>
+    <a:masterClrMapping/>
+  </p:clrMapOvr>
+</p:notes>
+</file>
+
+<file path=ppt/notesSlides/notesSlide36.xml><?xml version="1.0" encoding="utf-8"?>
+<p:notes xmlns:a="http://schemas.openxmlformats.org/drawingml/2006/main" xmlns:r="http://schemas.openxmlformats.org/officeDocument/2006/relationships" xmlns:p="http://schemas.openxmlformats.org/presentationml/2006/main">
+  <p:cSld>
+    <p:spTree>
+      <p:nvGrpSpPr>
+        <p:cNvPr id="1" name=""/>
+        <p:cNvGrpSpPr/>
+        <p:nvPr/>
+      </p:nvGrpSpPr>
+      <p:grpSpPr>
+        <a:xfrm>
+          <a:off x="0" y="0"/>
+          <a:ext cx="0" cy="0"/>
+          <a:chOff x="0" y="0"/>
+          <a:chExt cx="0" cy="0"/>
+        </a:xfrm>
+      </p:grpSpPr>
+      <p:sp>
+        <p:nvSpPr>
+          <p:cNvPr id="2" name="Slide Image Placeholder 1"/>
+          <p:cNvSpPr>
+            <a:spLocks noGrp="1" noRot="1" noChangeAspect="1"/>
+          </p:cNvSpPr>
+          <p:nvPr>
+            <p:ph type="sldImg"/>
+          </p:nvPr>
+        </p:nvSpPr>
+        <p:spPr>
+          <a:xfrm>
+            <a:off x="685800" y="1143000"/>
+            <a:ext cx="5486400" cy="3086100"/>
+          </a:xfrm>
+        </p:spPr>
+      </p:sp>
+      <p:sp>
+        <p:nvSpPr>
+          <p:cNvPr id="3" name="Notes Placeholder 2"/>
+          <p:cNvSpPr>
+            <a:spLocks noGrp="1"/>
+          </p:cNvSpPr>
+          <p:nvPr>
+            <p:ph type="body" idx="1"/>
+          </p:nvPr>
+        </p:nvSpPr>
+        <p:spPr/>
+        <p:txBody>
+          <a:bodyPr/>
+          <a:lstStyle/>
+          <a:p>
+            <a:endParaRPr lang="en-US" baseline="0" dirty="0"/>
+          </a:p>
+        </p:txBody>
+      </p:sp>
+      <p:sp>
+        <p:nvSpPr>
+          <p:cNvPr id="4" name="Slide Number Placeholder 3"/>
+          <p:cNvSpPr>
+            <a:spLocks noGrp="1"/>
+          </p:cNvSpPr>
+          <p:nvPr>
+            <p:ph type="sldNum" sz="quarter" idx="10"/>
+          </p:nvPr>
+        </p:nvSpPr>
+        <p:spPr/>
+        <p:txBody>
+          <a:bodyPr/>
+          <a:lstStyle/>
+          <a:p>
+            <a:fld id="{94CE3395-F8FF-4336-B2AA-E15575B990E7}" type="slidenum">
+              <a:rPr lang="en-US" smtClean="0"/>
+              <a:t>38</a:t>
+            </a:fld>
+            <a:endParaRPr lang="en-US" dirty="0"/>
+          </a:p>
+        </p:txBody>
+      </p:sp>
+    </p:spTree>
+    <p:extLst>
+      <p:ext uri="{BB962C8B-B14F-4D97-AF65-F5344CB8AC3E}">
+        <p14:creationId xmlns:p14="http://schemas.microsoft.com/office/powerpoint/2010/main" val="2659012186"/>
       </p:ext>
     </p:extLst>
   </p:cSld>
@@ -6637,7 +7711,15 @@
             </a:pPr>
             <a:r>
               <a:rPr lang="en-US" dirty="0"/>
-              <a:t>Await does not mean “run on the thread pool”</a:t>
+              <a:t>Await does </a:t>
+            </a:r>
+            <a:r>
+              <a:rPr lang="en-US" b="1" dirty="0"/>
+              <a:t>not</a:t>
+            </a:r>
+            <a:r>
+              <a:rPr lang="en-US" dirty="0"/>
+              <a:t> mean “run on the thread pool”</a:t>
             </a:r>
           </a:p>
           <a:p>
@@ -7105,7 +8187,7 @@
           <a:p>
             <a:r>
               <a:rPr lang="en-US" dirty="0"/>
-              <a:t>Correctly conceptualizing Async (1)</a:t>
+              <a:t>Conceptualizing Async: Task is the method</a:t>
             </a:r>
           </a:p>
         </p:txBody>
@@ -7198,7 +8280,7 @@
             </a:r>
             <a:r>
               <a:rPr lang="en-US" dirty="0"/>
-              <a:t> can pause a method’s execution.</a:t>
+              <a:t> pauses the method’s execution.</a:t>
             </a:r>
           </a:p>
         </p:txBody>
@@ -7259,7 +8341,7 @@
           <a:p>
             <a:r>
               <a:rPr lang="en-US" dirty="0"/>
-              <a:t>Correctly conceptualizing Async (2)</a:t>
+              <a:t>Conceptualizing Async: Types</a:t>
             </a:r>
           </a:p>
         </p:txBody>
@@ -7383,7 +8465,7 @@
           <a:p>
             <a:r>
               <a:rPr lang="en-US" dirty="0"/>
-              <a:t>(hint: async is a monad in functional languages)</a:t>
+              <a:t>(hint: async is almost a monad in functional languages)</a:t>
             </a:r>
           </a:p>
         </p:txBody>
@@ -7444,7 +8526,7 @@
           <a:p>
             <a:r>
               <a:rPr lang="en-US" dirty="0"/>
-              <a:t>Correctly conceptualizing Async (3)</a:t>
+              <a:t>Conceptualizing Async: Callbacks</a:t>
             </a:r>
           </a:p>
         </p:txBody>
@@ -7592,6 +8674,53 @@
           </a:p>
         </p:txBody>
       </p:sp>
+      <p:pic>
+        <p:nvPicPr>
+          <p:cNvPr id="2" name="Picture 2" descr="High Quality Charlie Conspiracy (Always Sunny in Philidelphia) Blank Meme Template">
+            <a:extLst>
+              <a:ext uri="{FF2B5EF4-FFF2-40B4-BE49-F238E27FC236}">
+                <a16:creationId xmlns:a16="http://schemas.microsoft.com/office/drawing/2014/main" id="{01BC9D15-5A22-7E7B-60AF-825B9BFC759A}"/>
+              </a:ext>
+            </a:extLst>
+          </p:cNvPr>
+          <p:cNvPicPr>
+            <a:picLocks noChangeAspect="1" noChangeArrowheads="1"/>
+          </p:cNvPicPr>
+          <p:nvPr/>
+        </p:nvPicPr>
+        <p:blipFill>
+          <a:blip r:embed="rId3" cstate="print">
+            <a:extLst>
+              <a:ext uri="{28A0092B-C50C-407E-A947-70E740481C1C}">
+                <a14:useLocalDpi xmlns:a14="http://schemas.microsoft.com/office/drawing/2010/main" val="0"/>
+              </a:ext>
+            </a:extLst>
+          </a:blip>
+          <a:srcRect/>
+          <a:stretch>
+            <a:fillRect/>
+          </a:stretch>
+        </p:blipFill>
+        <p:spPr bwMode="auto">
+          <a:xfrm>
+            <a:off x="8901431" y="4527677"/>
+            <a:ext cx="3021330" cy="2265998"/>
+          </a:xfrm>
+          <a:prstGeom prst="rect">
+            <a:avLst/>
+          </a:prstGeom>
+          <a:noFill/>
+          <a:extLst>
+            <a:ext uri="{909E8E84-426E-40DD-AFC4-6F175D3DCCD1}">
+              <a14:hiddenFill xmlns:a14="http://schemas.microsoft.com/office/drawing/2010/main">
+                <a:solidFill>
+                  <a:srgbClr val="FFFFFF"/>
+                </a:solidFill>
+              </a14:hiddenFill>
+            </a:ext>
+          </a:extLst>
+        </p:spPr>
+      </p:pic>
     </p:spTree>
     <p:extLst>
       <p:ext uri="{BB962C8B-B14F-4D97-AF65-F5344CB8AC3E}">
@@ -7613,7 +8742,13 @@
   <p:cSld>
     <p:spTree>
       <p:nvGrpSpPr>
-        <p:cNvPr id="1" name=""/>
+        <p:cNvPr id="1" name="">
+          <a:extLst>
+            <a:ext uri="{FF2B5EF4-FFF2-40B4-BE49-F238E27FC236}">
+              <a16:creationId xmlns:a16="http://schemas.microsoft.com/office/drawing/2014/main" id="{F394F9A4-1F41-40C4-6CD5-CDFDB823B412}"/>
+            </a:ext>
+          </a:extLst>
+        </p:cNvPr>
         <p:cNvGrpSpPr/>
         <p:nvPr/>
       </p:nvGrpSpPr>
@@ -7625,133 +8760,45 @@
           <a:chExt cx="0" cy="0"/>
         </a:xfrm>
       </p:grpSpPr>
-      <p:sp>
-        <p:nvSpPr>
-          <p:cNvPr id="2" name="Title 1">
+      <p:pic>
+        <p:nvPicPr>
+          <p:cNvPr id="3" name="Picture 2">
             <a:extLst>
               <a:ext uri="{FF2B5EF4-FFF2-40B4-BE49-F238E27FC236}">
-                <a16:creationId xmlns:a16="http://schemas.microsoft.com/office/drawing/2014/main" id="{D6EFDEDC-D2E2-9862-36B3-29094A237787}"/>
+                <a16:creationId xmlns:a16="http://schemas.microsoft.com/office/drawing/2014/main" id="{CA66EE53-91AE-D865-DA59-E8D4DCA9FAFF}"/>
               </a:ext>
             </a:extLst>
           </p:cNvPr>
-          <p:cNvSpPr>
-            <a:spLocks noGrp="1"/>
-          </p:cNvSpPr>
-          <p:nvPr>
-            <p:ph type="title"/>
-          </p:nvPr>
-        </p:nvSpPr>
-        <p:spPr/>
-        <p:txBody>
-          <a:bodyPr/>
-          <a:lstStyle/>
-          <a:p>
-            <a:r>
-              <a:rPr lang="en-US" dirty="0"/>
-              <a:t>Task is an object</a:t>
-            </a:r>
-          </a:p>
-        </p:txBody>
-      </p:sp>
-      <p:sp>
-        <p:nvSpPr>
-          <p:cNvPr id="3" name="Text Placeholder 2">
+          <p:cNvPicPr>
+            <a:picLocks noChangeAspect="1"/>
+          </p:cNvPicPr>
+          <p:nvPr/>
+        </p:nvPicPr>
+        <p:blipFill>
+          <a:blip r:embed="rId3">
             <a:extLst>
-              <a:ext uri="{FF2B5EF4-FFF2-40B4-BE49-F238E27FC236}">
-                <a16:creationId xmlns:a16="http://schemas.microsoft.com/office/drawing/2014/main" id="{74185B40-DE64-125F-EEE7-5DE6B2E3DE49}"/>
+              <a:ext uri="{28A0092B-C50C-407E-A947-70E740481C1C}">
+                <a14:useLocalDpi xmlns:a14="http://schemas.microsoft.com/office/drawing/2010/main" val="0"/>
               </a:ext>
             </a:extLst>
-          </p:cNvPr>
-          <p:cNvSpPr>
-            <a:spLocks noGrp="1"/>
-          </p:cNvSpPr>
-          <p:nvPr>
-            <p:ph type="body" sz="quarter" idx="10"/>
-          </p:nvPr>
-        </p:nvSpPr>
+          </a:blip>
+          <a:srcRect/>
+          <a:stretch/>
+        </p:blipFill>
         <p:spPr>
           <a:xfrm>
-            <a:off x="269239" y="1197324"/>
-            <a:ext cx="11653523" cy="2922788"/>
+            <a:off x="1524001" y="0"/>
+            <a:ext cx="9143997" cy="6857999"/>
           </a:xfrm>
+          <a:prstGeom prst="rect">
+            <a:avLst/>
+          </a:prstGeom>
         </p:spPr>
-        <p:txBody>
-          <a:bodyPr/>
-          <a:lstStyle/>
-          <a:p>
-            <a:pPr marL="457200" indent="-457200">
-              <a:buFontTx/>
-              <a:buChar char="-"/>
-            </a:pPr>
-            <a:r>
-              <a:rPr lang="en-US" dirty="0"/>
-              <a:t>Task is not magic.</a:t>
-            </a:r>
-          </a:p>
-          <a:p>
-            <a:pPr marL="457200" indent="-457200">
-              <a:buFontTx/>
-              <a:buChar char="-"/>
-            </a:pPr>
-            <a:r>
-              <a:rPr lang="en-US" dirty="0"/>
-              <a:t>You can save it in a variable and await it later.</a:t>
-            </a:r>
-          </a:p>
-          <a:p>
-            <a:pPr marL="457200" indent="-457200">
-              <a:buFontTx/>
-              <a:buChar char="-"/>
-            </a:pPr>
-            <a:r>
-              <a:rPr lang="en-US" dirty="0"/>
-              <a:t>You can combine it naturally with other objects:</a:t>
-            </a:r>
-          </a:p>
-          <a:p>
-            <a:pPr marL="796926" lvl="1" indent="-457200">
-              <a:buFontTx/>
-              <a:buChar char="-"/>
-            </a:pPr>
-            <a:r>
-              <a:rPr lang="en-US" dirty="0"/>
-              <a:t>List&lt;Task&gt; (but beware </a:t>
-            </a:r>
-            <a:r>
-              <a:rPr lang="en-US" dirty="0" err="1"/>
-              <a:t>IEnumerable</a:t>
-            </a:r>
-            <a:r>
-              <a:rPr lang="en-US" dirty="0"/>
-              <a:t>&lt;Task&gt;)</a:t>
-            </a:r>
-          </a:p>
-          <a:p>
-            <a:pPr marL="796926" lvl="1" indent="-457200">
-              <a:buFontTx/>
-              <a:buChar char="-"/>
-            </a:pPr>
-            <a:r>
-              <a:rPr lang="en-US" dirty="0"/>
-              <a:t>Func&lt;Task&gt;</a:t>
-            </a:r>
-          </a:p>
-          <a:p>
-            <a:pPr marL="796926" lvl="1" indent="-457200">
-              <a:buFontTx/>
-              <a:buChar char="-"/>
-            </a:pPr>
-            <a:r>
-              <a:rPr lang="en-US" dirty="0"/>
-              <a:t>Lazy&lt;Task&gt;</a:t>
-            </a:r>
-          </a:p>
-        </p:txBody>
-      </p:sp>
+      </p:pic>
     </p:spTree>
     <p:extLst>
       <p:ext uri="{BB962C8B-B14F-4D97-AF65-F5344CB8AC3E}">
-        <p14:creationId xmlns:p14="http://schemas.microsoft.com/office/powerpoint/2010/main" val="2530352320"/>
+        <p14:creationId xmlns:p14="http://schemas.microsoft.com/office/powerpoint/2010/main" val="4149037075"/>
       </p:ext>
     </p:extLst>
   </p:cSld>
@@ -7783,10 +8830,10 @@
       </p:grpSpPr>
       <p:sp>
         <p:nvSpPr>
-          <p:cNvPr id="4" name="Title 3">
+          <p:cNvPr id="2" name="Title 1">
             <a:extLst>
               <a:ext uri="{FF2B5EF4-FFF2-40B4-BE49-F238E27FC236}">
-                <a16:creationId xmlns:a16="http://schemas.microsoft.com/office/drawing/2014/main" id="{EC6A6C7C-AEF7-54E5-CB98-94471829ABB9}"/>
+                <a16:creationId xmlns:a16="http://schemas.microsoft.com/office/drawing/2014/main" id="{D6EFDEDC-D2E2-9862-36B3-29094A237787}"/>
               </a:ext>
             </a:extLst>
           </p:cNvPr>
@@ -7803,67 +8850,129 @@
           <a:lstStyle/>
           <a:p>
             <a:r>
-              <a:rPr lang="en-US" dirty="0" err="1"/>
-              <a:t>Demotime</a:t>
-            </a:r>
-            <a:r>
-              <a:rPr lang="en-US" dirty="0"/>
-              <a:t>!</a:t>
-            </a:r>
-          </a:p>
-        </p:txBody>
-      </p:sp>
-      <p:pic>
-        <p:nvPicPr>
-          <p:cNvPr id="1026" name="Picture 2" descr="nunc est cudendum (Hammertime in Latin) | el camino de amanda">
+              <a:rPr lang="en-US" dirty="0"/>
+              <a:t>Tip: Task is an object</a:t>
+            </a:r>
+          </a:p>
+        </p:txBody>
+      </p:sp>
+      <p:sp>
+        <p:nvSpPr>
+          <p:cNvPr id="3" name="Text Placeholder 2">
             <a:extLst>
               <a:ext uri="{FF2B5EF4-FFF2-40B4-BE49-F238E27FC236}">
-                <a16:creationId xmlns:a16="http://schemas.microsoft.com/office/drawing/2014/main" id="{0FBE562E-243D-EBC9-0350-0BD4A127A4D2}"/>
+                <a16:creationId xmlns:a16="http://schemas.microsoft.com/office/drawing/2014/main" id="{74185B40-DE64-125F-EEE7-5DE6B2E3DE49}"/>
               </a:ext>
             </a:extLst>
           </p:cNvPr>
-          <p:cNvPicPr>
-            <a:picLocks noChangeAspect="1" noChangeArrowheads="1"/>
-          </p:cNvPicPr>
-          <p:nvPr/>
-        </p:nvPicPr>
-        <p:blipFill>
-          <a:blip r:embed="rId2">
-            <a:extLst>
-              <a:ext uri="{28A0092B-C50C-407E-A947-70E740481C1C}">
-                <a14:useLocalDpi xmlns:a14="http://schemas.microsoft.com/office/drawing/2010/main" val="0"/>
-              </a:ext>
-            </a:extLst>
-          </a:blip>
-          <a:srcRect/>
-          <a:stretch>
-            <a:fillRect/>
-          </a:stretch>
-        </p:blipFill>
-        <p:spPr bwMode="auto">
+          <p:cNvSpPr>
+            <a:spLocks noGrp="1"/>
+          </p:cNvSpPr>
+          <p:nvPr>
+            <p:ph type="body" sz="quarter" idx="10"/>
+          </p:nvPr>
+        </p:nvSpPr>
+        <p:spPr>
           <a:xfrm>
-            <a:off x="7795864" y="1395412"/>
-            <a:ext cx="2800350" cy="4067175"/>
+            <a:off x="269239" y="1197324"/>
+            <a:ext cx="11653523" cy="3321037"/>
           </a:xfrm>
-          <a:prstGeom prst="rect">
-            <a:avLst/>
-          </a:prstGeom>
-          <a:noFill/>
-          <a:extLst>
-            <a:ext uri="{909E8E84-426E-40DD-AFC4-6F175D3DCCD1}">
-              <a14:hiddenFill xmlns:a14="http://schemas.microsoft.com/office/drawing/2010/main">
-                <a:solidFill>
-                  <a:srgbClr val="FFFFFF"/>
-                </a:solidFill>
-              </a14:hiddenFill>
-            </a:ext>
-          </a:extLst>
         </p:spPr>
-      </p:pic>
+        <p:txBody>
+          <a:bodyPr/>
+          <a:lstStyle/>
+          <a:p>
+            <a:pPr marL="457200" indent="-457200">
+              <a:buFontTx/>
+              <a:buChar char="-"/>
+            </a:pPr>
+            <a:r>
+              <a:rPr lang="en-US" dirty="0"/>
+              <a:t>Task is not magic.</a:t>
+            </a:r>
+          </a:p>
+          <a:p>
+            <a:pPr marL="796926" lvl="1" indent="-457200">
+              <a:buFontTx/>
+              <a:buChar char="-"/>
+            </a:pPr>
+            <a:r>
+              <a:rPr lang="en-US" dirty="0"/>
+              <a:t>Neither is </a:t>
+            </a:r>
+            <a:r>
+              <a:rPr lang="en-US" dirty="0" err="1"/>
+              <a:t>ValueTask</a:t>
+            </a:r>
+            <a:r>
+              <a:rPr lang="en-US" dirty="0"/>
+              <a:t>, but VT is a mutable value type, so it’s a bit trickier.</a:t>
+            </a:r>
+          </a:p>
+          <a:p>
+            <a:pPr marL="457200" indent="-457200">
+              <a:buFontTx/>
+              <a:buChar char="-"/>
+            </a:pPr>
+            <a:r>
+              <a:rPr lang="en-US" dirty="0"/>
+              <a:t>You can save it in a variable and await it later.</a:t>
+            </a:r>
+          </a:p>
+          <a:p>
+            <a:pPr marL="457200" indent="-457200">
+              <a:buFontTx/>
+              <a:buChar char="-"/>
+            </a:pPr>
+            <a:r>
+              <a:rPr lang="en-US" dirty="0"/>
+              <a:t>You can combine it naturally with (and in) other objects:</a:t>
+            </a:r>
+          </a:p>
+          <a:p>
+            <a:pPr marL="796926" lvl="1" indent="-457200">
+              <a:buFontTx/>
+              <a:buChar char="-"/>
+            </a:pPr>
+            <a:r>
+              <a:rPr lang="en-US" dirty="0"/>
+              <a:t>List&lt;Task&gt; (but beware </a:t>
+            </a:r>
+            <a:r>
+              <a:rPr lang="en-US" dirty="0" err="1"/>
+              <a:t>IEnumerable</a:t>
+            </a:r>
+            <a:r>
+              <a:rPr lang="en-US" dirty="0"/>
+              <a:t>&lt;Task&gt;)</a:t>
+            </a:r>
+          </a:p>
+          <a:p>
+            <a:pPr marL="796926" lvl="1" indent="-457200">
+              <a:buFontTx/>
+              <a:buChar char="-"/>
+            </a:pPr>
+            <a:r>
+              <a:rPr lang="en-US" dirty="0"/>
+              <a:t>Func&lt;Task&gt;</a:t>
+            </a:r>
+          </a:p>
+          <a:p>
+            <a:pPr marL="796926" lvl="1" indent="-457200">
+              <a:buFontTx/>
+              <a:buChar char="-"/>
+            </a:pPr>
+            <a:r>
+              <a:rPr lang="en-US" dirty="0"/>
+              <a:t>Lazy&lt;Task&lt;T&gt;&gt;</a:t>
+            </a:r>
+          </a:p>
+        </p:txBody>
+      </p:sp>
     </p:spTree>
     <p:extLst>
       <p:ext uri="{BB962C8B-B14F-4D97-AF65-F5344CB8AC3E}">
-        <p14:creationId xmlns:p14="http://schemas.microsoft.com/office/powerpoint/2010/main" val="4224689839"/>
+        <p14:creationId xmlns:p14="http://schemas.microsoft.com/office/powerpoint/2010/main" val="2530352320"/>
       </p:ext>
     </p:extLst>
   </p:cSld>
@@ -7895,7 +9004,13 @@
       </p:grpSpPr>
       <p:sp>
         <p:nvSpPr>
-          <p:cNvPr id="2" name="Title 1"/>
+          <p:cNvPr id="3" name="Title 2">
+            <a:extLst>
+              <a:ext uri="{FF2B5EF4-FFF2-40B4-BE49-F238E27FC236}">
+                <a16:creationId xmlns:a16="http://schemas.microsoft.com/office/drawing/2014/main" id="{6DC829FB-6C47-1442-C197-D823808B268B}"/>
+              </a:ext>
+            </a:extLst>
+          </p:cNvPr>
           <p:cNvSpPr>
             <a:spLocks noGrp="1"/>
           </p:cNvSpPr>
@@ -7910,15 +9025,258 @@
           <a:p>
             <a:r>
               <a:rPr lang="en-US" dirty="0"/>
-              <a:t>Usage Mistakes</a:t>
-            </a:r>
-          </a:p>
-        </p:txBody>
-      </p:sp>
+              <a:t>Rules Around </a:t>
+            </a:r>
+            <a:r>
+              <a:rPr lang="en-US" dirty="0" err="1"/>
+              <a:t>ValueTask</a:t>
+            </a:r>
+            <a:endParaRPr lang="en-US" dirty="0"/>
+          </a:p>
+        </p:txBody>
+      </p:sp>
+      <p:sp>
+        <p:nvSpPr>
+          <p:cNvPr id="4" name="Text Placeholder 3">
+            <a:extLst>
+              <a:ext uri="{FF2B5EF4-FFF2-40B4-BE49-F238E27FC236}">
+                <a16:creationId xmlns:a16="http://schemas.microsoft.com/office/drawing/2014/main" id="{446DB1A2-496F-86BC-5024-8622FC2738C2}"/>
+              </a:ext>
+            </a:extLst>
+          </p:cNvPr>
+          <p:cNvSpPr>
+            <a:spLocks noGrp="1"/>
+          </p:cNvSpPr>
+          <p:nvPr>
+            <p:ph type="body" sz="quarter" idx="10"/>
+          </p:nvPr>
+        </p:nvSpPr>
+        <p:spPr>
+          <a:xfrm>
+            <a:off x="269239" y="1197322"/>
+            <a:ext cx="11653522" cy="4520405"/>
+          </a:xfrm>
+        </p:spPr>
+        <p:txBody>
+          <a:bodyPr/>
+          <a:lstStyle/>
+          <a:p>
+            <a:pPr marL="457200" indent="-457200">
+              <a:buFontTx/>
+              <a:buChar char="-"/>
+            </a:pPr>
+            <a:r>
+              <a:rPr lang="en-US" dirty="0"/>
+              <a:t>Only consume once!</a:t>
+            </a:r>
+          </a:p>
+          <a:p>
+            <a:pPr marL="796926" lvl="1" indent="-457200">
+              <a:buFontTx/>
+              <a:buChar char="-"/>
+            </a:pPr>
+            <a:r>
+              <a:rPr lang="en-US" dirty="0">
+                <a:latin typeface="Consolas" panose="020B0609020204030204" pitchFamily="49" charset="0"/>
+              </a:rPr>
+              <a:t>await</a:t>
+            </a:r>
+            <a:r>
+              <a:rPr lang="en-US" dirty="0"/>
+              <a:t> – the 99% case.</a:t>
+            </a:r>
+          </a:p>
+          <a:p>
+            <a:pPr marL="796926" lvl="1" indent="-457200">
+              <a:buFontTx/>
+              <a:buChar char="-"/>
+            </a:pPr>
+            <a:r>
+              <a:rPr lang="en-US" dirty="0"/>
+              <a:t>Advanced: </a:t>
+            </a:r>
+            <a:r>
+              <a:rPr lang="en-US" dirty="0" err="1">
+                <a:latin typeface="Consolas" panose="020B0609020204030204" pitchFamily="49" charset="0"/>
+              </a:rPr>
+              <a:t>IsCompleted</a:t>
+            </a:r>
+            <a:r>
+              <a:rPr lang="en-US" dirty="0"/>
+              <a:t> for fast path.</a:t>
+            </a:r>
+          </a:p>
+          <a:p>
+            <a:pPr marL="457200" indent="-457200">
+              <a:buFontTx/>
+              <a:buChar char="-"/>
+            </a:pPr>
+            <a:r>
+              <a:rPr lang="en-US" dirty="0"/>
+              <a:t>Cannot block!</a:t>
+            </a:r>
+          </a:p>
+          <a:p>
+            <a:pPr marL="796926" lvl="1" indent="-457200">
+              <a:buFontTx/>
+              <a:buChar char="-"/>
+            </a:pPr>
+            <a:r>
+              <a:rPr lang="en-US" dirty="0">
+                <a:latin typeface="Consolas" panose="020B0609020204030204" pitchFamily="49" charset="0"/>
+              </a:rPr>
+              <a:t>.Result</a:t>
+            </a:r>
+            <a:r>
+              <a:rPr lang="en-US" dirty="0"/>
+              <a:t> and </a:t>
+            </a:r>
+            <a:r>
+              <a:rPr lang="en-US" dirty="0">
+                <a:latin typeface="Consolas" panose="020B0609020204030204" pitchFamily="49" charset="0"/>
+              </a:rPr>
+              <a:t>.</a:t>
+            </a:r>
+            <a:r>
+              <a:rPr lang="en-US" dirty="0" err="1">
+                <a:latin typeface="Consolas" panose="020B0609020204030204" pitchFamily="49" charset="0"/>
+              </a:rPr>
+              <a:t>GetAwaiter</a:t>
+            </a:r>
+            <a:r>
+              <a:rPr lang="en-US" dirty="0">
+                <a:latin typeface="Consolas" panose="020B0609020204030204" pitchFamily="49" charset="0"/>
+              </a:rPr>
+              <a:t>().</a:t>
+            </a:r>
+            <a:r>
+              <a:rPr lang="en-US" dirty="0" err="1">
+                <a:latin typeface="Consolas" panose="020B0609020204030204" pitchFamily="49" charset="0"/>
+              </a:rPr>
+              <a:t>GetResult</a:t>
+            </a:r>
+            <a:r>
+              <a:rPr lang="en-US" dirty="0">
+                <a:latin typeface="Consolas" panose="020B0609020204030204" pitchFamily="49" charset="0"/>
+              </a:rPr>
+              <a:t>()</a:t>
+            </a:r>
+            <a:r>
+              <a:rPr lang="en-US" dirty="0">
+                <a:latin typeface="+mn-lt"/>
+              </a:rPr>
+              <a:t> will </a:t>
+            </a:r>
+            <a:r>
+              <a:rPr lang="en-US" i="1" dirty="0">
+                <a:latin typeface="+mn-lt"/>
+              </a:rPr>
+              <a:t>compile</a:t>
+            </a:r>
+            <a:r>
+              <a:rPr lang="en-US" dirty="0">
+                <a:latin typeface="+mn-lt"/>
+              </a:rPr>
+              <a:t> but may fail at runtime.</a:t>
+            </a:r>
+          </a:p>
+          <a:p>
+            <a:pPr marL="796926" lvl="1" indent="-457200">
+              <a:buFontTx/>
+              <a:buChar char="-"/>
+            </a:pPr>
+            <a:r>
+              <a:rPr lang="en-US" dirty="0">
+                <a:latin typeface="+mn-lt"/>
+              </a:rPr>
+              <a:t>Even worse, they may work at runtime (block) and then fail at runtime after upgrade.</a:t>
+            </a:r>
+            <a:endParaRPr lang="en-US" dirty="0">
+              <a:latin typeface="Consolas" panose="020B0609020204030204" pitchFamily="49" charset="0"/>
+            </a:endParaRPr>
+          </a:p>
+          <a:p>
+            <a:pPr marL="457200" indent="-457200">
+              <a:buFontTx/>
+              <a:buChar char="-"/>
+            </a:pPr>
+            <a:endParaRPr lang="en-US" dirty="0"/>
+          </a:p>
+          <a:p>
+            <a:pPr marL="457200" indent="-457200">
+              <a:buFontTx/>
+              <a:buChar char="-"/>
+            </a:pPr>
+            <a:r>
+              <a:rPr lang="en-US" dirty="0"/>
+              <a:t>Need to bend the rules? </a:t>
+            </a:r>
+            <a:r>
+              <a:rPr lang="en-US" dirty="0" err="1">
+                <a:latin typeface="Consolas" panose="020B0609020204030204" pitchFamily="49" charset="0"/>
+              </a:rPr>
+              <a:t>AsTask</a:t>
+            </a:r>
+            <a:r>
+              <a:rPr lang="en-US" dirty="0">
+                <a:latin typeface="Consolas" panose="020B0609020204030204" pitchFamily="49" charset="0"/>
+              </a:rPr>
+              <a:t>()</a:t>
+            </a:r>
+          </a:p>
+        </p:txBody>
+      </p:sp>
+      <p:pic>
+        <p:nvPicPr>
+          <p:cNvPr id="1028" name="Picture 4" descr="RULES, THERE ARE, FOLLOW THEM, YOU MUST - Meme Generator">
+            <a:extLst>
+              <a:ext uri="{FF2B5EF4-FFF2-40B4-BE49-F238E27FC236}">
+                <a16:creationId xmlns:a16="http://schemas.microsoft.com/office/drawing/2014/main" id="{DAEB2EF1-56BE-F32C-4E09-3FCC6423A33B}"/>
+              </a:ext>
+            </a:extLst>
+          </p:cNvPr>
+          <p:cNvPicPr>
+            <a:picLocks noChangeAspect="1" noChangeArrowheads="1"/>
+          </p:cNvPicPr>
+          <p:nvPr/>
+        </p:nvPicPr>
+        <p:blipFill>
+          <a:blip r:embed="rId2">
+            <a:extLst>
+              <a:ext uri="{28A0092B-C50C-407E-A947-70E740481C1C}">
+                <a14:useLocalDpi xmlns:a14="http://schemas.microsoft.com/office/drawing/2010/main" val="0"/>
+              </a:ext>
+            </a:extLst>
+          </a:blip>
+          <a:srcRect/>
+          <a:stretch>
+            <a:fillRect/>
+          </a:stretch>
+        </p:blipFill>
+        <p:spPr bwMode="auto">
+          <a:xfrm>
+            <a:off x="8463280" y="156905"/>
+            <a:ext cx="3459480" cy="2618454"/>
+          </a:xfrm>
+          <a:prstGeom prst="rect">
+            <a:avLst/>
+          </a:prstGeom>
+          <a:noFill/>
+          <a:extLst>
+            <a:ext uri="{909E8E84-426E-40DD-AFC4-6F175D3DCCD1}">
+              <a14:hiddenFill xmlns:a14="http://schemas.microsoft.com/office/drawing/2010/main">
+                <a:solidFill>
+                  <a:srgbClr val="FFFFFF"/>
+                </a:solidFill>
+              </a14:hiddenFill>
+            </a:ext>
+          </a:extLst>
+        </p:spPr>
+      </p:pic>
     </p:spTree>
     <p:extLst>
       <p:ext uri="{BB962C8B-B14F-4D97-AF65-F5344CB8AC3E}">
-        <p14:creationId xmlns:p14="http://schemas.microsoft.com/office/powerpoint/2010/main" val="3801221277"/>
+        <p14:creationId xmlns:p14="http://schemas.microsoft.com/office/powerpoint/2010/main" val="3552367281"/>
       </p:ext>
     </p:extLst>
   </p:cSld>
@@ -8033,7 +9391,7 @@
       </p:grpSpPr>
       <p:sp>
         <p:nvSpPr>
-          <p:cNvPr id="3" name="Title 2"/>
+          <p:cNvPr id="2" name="Title 1"/>
           <p:cNvSpPr>
             <a:spLocks noGrp="1"/>
           </p:cNvSpPr>
@@ -8048,128 +9406,62 @@
           <a:p>
             <a:r>
               <a:rPr lang="en-US" dirty="0"/>
-              <a:t>Avoid Async Void </a:t>
-            </a:r>
-            <a:r>
-              <a:rPr lang="en-US" sz="4000" dirty="0">
-                <a:hlinkClick r:id="rId3"/>
-              </a:rPr>
-              <a:t>–Me, 2013</a:t>
-            </a:r>
-            <a:endParaRPr lang="en-US" sz="4000" dirty="0"/>
-          </a:p>
-        </p:txBody>
-      </p:sp>
-      <p:sp>
-        <p:nvSpPr>
-          <p:cNvPr id="4" name="Text Placeholder 3"/>
-          <p:cNvSpPr>
-            <a:spLocks noGrp="1"/>
-          </p:cNvSpPr>
-          <p:nvPr>
-            <p:ph type="body" sz="quarter" idx="10"/>
-          </p:nvPr>
-        </p:nvSpPr>
-        <p:spPr>
+              <a:t>Usage</a:t>
+            </a:r>
+            <a:br>
+              <a:rPr lang="en-US" dirty="0"/>
+            </a:br>
+            <a:r>
+              <a:rPr lang="en-US" dirty="0"/>
+              <a:t>Mistakes</a:t>
+            </a:r>
+          </a:p>
+        </p:txBody>
+      </p:sp>
+      <p:pic>
+        <p:nvPicPr>
+          <p:cNvPr id="3" name="Picture 2" descr="C:\Flux Capacitor.jpg">
+            <a:extLst>
+              <a:ext uri="{FF2B5EF4-FFF2-40B4-BE49-F238E27FC236}">
+                <a16:creationId xmlns:a16="http://schemas.microsoft.com/office/drawing/2014/main" id="{F4EBC6E0-C771-1FD5-284F-263184F1FB70}"/>
+              </a:ext>
+            </a:extLst>
+          </p:cNvPr>
+          <p:cNvPicPr>
+            <a:picLocks noChangeAspect="1" noChangeArrowheads="1"/>
+          </p:cNvPicPr>
+          <p:nvPr/>
+        </p:nvPicPr>
+        <p:blipFill>
+          <a:blip r:embed="rId3" cstate="print"/>
+          <a:stretch>
+            <a:fillRect/>
+          </a:stretch>
+        </p:blipFill>
+        <p:spPr bwMode="auto">
           <a:xfrm>
-            <a:off x="269239" y="1197324"/>
-            <a:ext cx="11653523" cy="3918637"/>
+            <a:off x="6714491" y="1165609"/>
+            <a:ext cx="4648200" cy="3633342"/>
           </a:xfrm>
+          <a:prstGeom prst="rect">
+            <a:avLst/>
+          </a:prstGeom>
+          <a:noFill/>
+          <a:extLst>
+            <a:ext uri="{909E8E84-426E-40DD-AFC4-6F175D3DCCD1}">
+              <a14:hiddenFill xmlns:a14="http://schemas.microsoft.com/office/drawing/2010/main">
+                <a:solidFill>
+                  <a:srgbClr val="FFFFFF"/>
+                </a:solidFill>
+              </a14:hiddenFill>
+            </a:ext>
+          </a:extLst>
         </p:spPr>
-        <p:txBody>
-          <a:bodyPr/>
-          <a:lstStyle/>
-          <a:p>
-            <a:r>
-              <a:rPr lang="en-US" dirty="0">
-                <a:latin typeface="Consolas" panose="020B0609020204030204" pitchFamily="49" charset="0"/>
-              </a:rPr>
-              <a:t>void</a:t>
-            </a:r>
-            <a:r>
-              <a:rPr lang="en-US" dirty="0"/>
-              <a:t> is not a natural type for </a:t>
-            </a:r>
-            <a:r>
-              <a:rPr lang="en-US" dirty="0">
-                <a:latin typeface="Consolas" panose="020B0609020204030204" pitchFamily="49" charset="0"/>
-              </a:rPr>
-              <a:t>async</a:t>
-            </a:r>
-            <a:r>
-              <a:rPr lang="en-US" dirty="0"/>
-              <a:t> methods:</a:t>
-            </a:r>
-          </a:p>
-          <a:p>
-            <a:pPr marL="457200" indent="-457200">
-              <a:buFontTx/>
-              <a:buChar char="-"/>
-            </a:pPr>
-            <a:r>
-              <a:rPr lang="en-US" dirty="0"/>
-              <a:t>Doesn’t represent execution.</a:t>
-            </a:r>
-          </a:p>
-          <a:p>
-            <a:pPr marL="457200" indent="-457200">
-              <a:buFontTx/>
-              <a:buChar char="-"/>
-            </a:pPr>
-            <a:r>
-              <a:rPr lang="en-US" dirty="0"/>
-              <a:t>No way to detect completion (shutdown, results).</a:t>
-            </a:r>
-          </a:p>
-          <a:p>
-            <a:pPr marL="457200" indent="-457200">
-              <a:buFontTx/>
-              <a:buChar char="-"/>
-            </a:pPr>
-            <a:r>
-              <a:rPr lang="en-US" dirty="0"/>
-              <a:t>Awkward error handling (no try/catch).</a:t>
-            </a:r>
-          </a:p>
-          <a:p>
-            <a:pPr marL="457200" indent="-457200">
-              <a:buFontTx/>
-              <a:buChar char="-"/>
-            </a:pPr>
-            <a:r>
-              <a:rPr lang="en-US" dirty="0"/>
-              <a:t>Doesn’t exist in other async/await languages.</a:t>
-            </a:r>
-          </a:p>
-          <a:p>
-            <a:pPr marL="457200" indent="-457200">
-              <a:buFontTx/>
-              <a:buChar char="-"/>
-            </a:pPr>
-            <a:endParaRPr lang="en-US" dirty="0"/>
-          </a:p>
-          <a:p>
-            <a:r>
-              <a:rPr lang="en-US" dirty="0"/>
-              <a:t>Primary purpose: </a:t>
-            </a:r>
-            <a:r>
-              <a:rPr lang="en-US" dirty="0">
-                <a:latin typeface="Consolas" panose="020B0609020204030204" pitchFamily="49" charset="0"/>
-              </a:rPr>
-              <a:t>async</a:t>
-            </a:r>
-            <a:r>
-              <a:rPr lang="en-US" dirty="0"/>
-              <a:t> event handlers.</a:t>
-            </a:r>
-          </a:p>
-        </p:txBody>
-      </p:sp>
+      </p:pic>
     </p:spTree>
     <p:extLst>
       <p:ext uri="{BB962C8B-B14F-4D97-AF65-F5344CB8AC3E}">
-        <p14:creationId xmlns:p14="http://schemas.microsoft.com/office/powerpoint/2010/main" val="2349577873"/>
+        <p14:creationId xmlns:p14="http://schemas.microsoft.com/office/powerpoint/2010/main" val="3801221277"/>
       </p:ext>
     </p:extLst>
   </p:cSld>
@@ -8216,8 +9508,15 @@
           <a:p>
             <a:r>
               <a:rPr lang="en-US" dirty="0"/>
-              <a:t>Blocking on Async Code</a:t>
-            </a:r>
+              <a:t>Avoid Async Void </a:t>
+            </a:r>
+            <a:r>
+              <a:rPr lang="en-US" sz="4000" dirty="0">
+                <a:hlinkClick r:id="rId3"/>
+              </a:rPr>
+              <a:t>–Me, 2013</a:t>
+            </a:r>
+            <a:endParaRPr lang="en-US" sz="4000" dirty="0"/>
           </a:p>
         </p:txBody>
       </p:sp>
@@ -8234,7 +9533,7 @@
         <p:spPr>
           <a:xfrm>
             <a:off x="269239" y="1197324"/>
-            <a:ext cx="11653523" cy="4702891"/>
+            <a:ext cx="11653523" cy="3918637"/>
           </a:xfrm>
         </p:spPr>
         <p:txBody>
@@ -8242,57 +9541,64 @@
           <a:lstStyle/>
           <a:p>
             <a:r>
-              <a:rPr lang="en-US" dirty="0"/>
-              <a:t>Can cause deadlocks</a:t>
-            </a:r>
-          </a:p>
-          <a:p>
-            <a:pPr marL="796926" lvl="1" indent="-457200">
+              <a:rPr lang="en-US" dirty="0">
+                <a:latin typeface="Consolas" panose="020B0609020204030204" pitchFamily="49" charset="0"/>
+              </a:rPr>
+              <a:t>void</a:t>
+            </a:r>
+            <a:r>
+              <a:rPr lang="en-US" dirty="0"/>
+              <a:t> is not a natural type for </a:t>
+            </a:r>
+            <a:r>
+              <a:rPr lang="en-US" dirty="0">
+                <a:latin typeface="Consolas" panose="020B0609020204030204" pitchFamily="49" charset="0"/>
+              </a:rPr>
+              <a:t>async</a:t>
+            </a:r>
+            <a:r>
+              <a:rPr lang="en-US" dirty="0"/>
+              <a:t> methods:</a:t>
+            </a:r>
+          </a:p>
+          <a:p>
+            <a:pPr marL="457200" indent="-457200">
               <a:buFontTx/>
               <a:buChar char="-"/>
             </a:pPr>
             <a:r>
-              <a:rPr lang="en-US" dirty="0">
-                <a:hlinkClick r:id="rId3"/>
-              </a:rPr>
-              <a:t>https://tinyurl.com/AsyncAllTheWay</a:t>
-            </a:r>
-            <a:endParaRPr lang="en-US" dirty="0"/>
-          </a:p>
-          <a:p>
-            <a:pPr marL="796926" lvl="1" indent="-457200">
+              <a:rPr lang="en-US" dirty="0"/>
+              <a:t>Doesn’t represent execution.</a:t>
+            </a:r>
+          </a:p>
+          <a:p>
+            <a:pPr marL="457200" indent="-457200">
               <a:buFontTx/>
               <a:buChar char="-"/>
             </a:pPr>
             <a:r>
               <a:rPr lang="en-US" dirty="0"/>
-              <a:t>When await pauses a method, it captures a context (</a:t>
-            </a:r>
-            <a:r>
-              <a:rPr lang="en-US" dirty="0" err="1"/>
-              <a:t>SynchronizationContext</a:t>
-            </a:r>
-            <a:r>
-              <a:rPr lang="en-US" dirty="0"/>
-              <a:t> / </a:t>
-            </a:r>
-            <a:r>
-              <a:rPr lang="en-US" dirty="0" err="1"/>
-              <a:t>TaskScheduler</a:t>
-            </a:r>
-            <a:r>
-              <a:rPr lang="en-US" dirty="0"/>
-              <a:t>), and resumes the method in that context.</a:t>
-            </a:r>
-          </a:p>
-          <a:p>
-            <a:pPr marL="1030290" lvl="2" indent="-457200">
+              <a:t>No way to detect completion (shutdown, results).</a:t>
+            </a:r>
+          </a:p>
+          <a:p>
+            <a:pPr marL="457200" indent="-457200">
               <a:buFontTx/>
               <a:buChar char="-"/>
             </a:pPr>
             <a:r>
               <a:rPr lang="en-US" dirty="0"/>
-              <a:t>Some contexts only allow one thread at a time.</a:t>
+              <a:t>Awkward error handling (no try/catch).</a:t>
+            </a:r>
+          </a:p>
+          <a:p>
+            <a:pPr marL="457200" indent="-457200">
+              <a:buFontTx/>
+              <a:buChar char="-"/>
+            </a:pPr>
+            <a:r>
+              <a:rPr lang="en-US" dirty="0"/>
+              <a:t>Doesn’t exist in other async/await languages.</a:t>
             </a:r>
           </a:p>
           <a:p>
@@ -8305,47 +9611,25 @@
           <a:p>
             <a:r>
               <a:rPr lang="en-US" dirty="0"/>
-              <a:t>Thread pool exhaustion</a:t>
-            </a:r>
-          </a:p>
-          <a:p>
-            <a:pPr marL="796926" lvl="1" indent="-457200">
-              <a:buFontTx/>
-              <a:buChar char="-"/>
-            </a:pPr>
-            <a:r>
-              <a:rPr lang="en-US" dirty="0"/>
-              <a:t>Blocking on async code uses a thread pool thread and then requires </a:t>
-            </a:r>
-            <a:r>
-              <a:rPr lang="en-US" i="1" dirty="0"/>
-              <a:t>another</a:t>
-            </a:r>
-            <a:r>
-              <a:rPr lang="en-US" dirty="0"/>
-              <a:t> thread pool thread to unblock!</a:t>
-            </a:r>
-          </a:p>
-          <a:p>
-            <a:pPr marL="796926" lvl="1" indent="-457200">
-              <a:buFontTx/>
-              <a:buChar char="-"/>
-            </a:pPr>
-            <a:endParaRPr lang="en-US" dirty="0"/>
-          </a:p>
-          <a:p>
-            <a:pPr marL="796926" lvl="1" indent="-457200">
-              <a:buFontTx/>
-              <a:buChar char="-"/>
-            </a:pPr>
-            <a:endParaRPr lang="en-US" dirty="0"/>
+              <a:t>Primary purpose: </a:t>
+            </a:r>
+            <a:r>
+              <a:rPr lang="en-US" dirty="0">
+                <a:latin typeface="Consolas" panose="020B0609020204030204" pitchFamily="49" charset="0"/>
+              </a:rPr>
+              <a:t>async</a:t>
+            </a:r>
+            <a:r>
+              <a:rPr lang="en-US" dirty="0"/>
+              <a:t> event handlers.</a:t>
+            </a:r>
           </a:p>
         </p:txBody>
       </p:sp>
     </p:spTree>
     <p:extLst>
       <p:ext uri="{BB962C8B-B14F-4D97-AF65-F5344CB8AC3E}">
-        <p14:creationId xmlns:p14="http://schemas.microsoft.com/office/powerpoint/2010/main" val="3012007790"/>
+        <p14:creationId xmlns:p14="http://schemas.microsoft.com/office/powerpoint/2010/main" val="2349577873"/>
       </p:ext>
     </p:extLst>
   </p:cSld>
@@ -8392,7 +9676,7 @@
           <a:p>
             <a:r>
               <a:rPr lang="en-US" dirty="0"/>
-              <a:t>Mistakes!</a:t>
+              <a:t>Blocking on Async Code</a:t>
             </a:r>
           </a:p>
         </p:txBody>
@@ -8410,7 +9694,7 @@
         <p:spPr>
           <a:xfrm>
             <a:off x="269239" y="1197324"/>
-            <a:ext cx="11653523" cy="5013937"/>
+            <a:ext cx="11653523" cy="4702891"/>
           </a:xfrm>
         </p:spPr>
         <p:txBody>
@@ -8419,91 +9703,109 @@
           <a:p>
             <a:r>
               <a:rPr lang="en-US" dirty="0"/>
-              <a:t>Fire and forget</a:t>
-            </a:r>
-          </a:p>
-          <a:p>
-            <a:r>
-              <a:rPr lang="en-US" dirty="0"/>
-              <a:t>Side effects instead of returning results</a:t>
-            </a:r>
-          </a:p>
-          <a:p>
+              <a:t>Can cause deadlocks</a:t>
+            </a:r>
+          </a:p>
+          <a:p>
+            <a:pPr marL="796926" lvl="1" indent="-457200">
+              <a:buFontTx/>
+              <a:buChar char="-"/>
+            </a:pPr>
+            <a:r>
+              <a:rPr lang="en-US" dirty="0">
+                <a:hlinkClick r:id="rId3"/>
+              </a:rPr>
+              <a:t>https://tinyurl.com/AsyncAllTheWay</a:t>
+            </a:r>
+            <a:endParaRPr lang="en-US" dirty="0"/>
+          </a:p>
+          <a:p>
+            <a:pPr marL="796926" lvl="1" indent="-457200">
+              <a:buFontTx/>
+              <a:buChar char="-"/>
+            </a:pPr>
+            <a:r>
+              <a:rPr lang="en-US" dirty="0"/>
+              <a:t>When await pauses a method, it captures a context (</a:t>
+            </a:r>
             <a:r>
               <a:rPr lang="en-US" dirty="0" err="1"/>
-              <a:t>ContinueWith</a:t>
-            </a:r>
-            <a:r>
-              <a:rPr lang="en-US" dirty="0"/>
-              <a:t>, </a:t>
+              <a:t>SynchronizationContext</a:t>
+            </a:r>
+            <a:r>
+              <a:rPr lang="en-US" dirty="0"/>
+              <a:t> / </a:t>
             </a:r>
             <a:r>
               <a:rPr lang="en-US" dirty="0" err="1"/>
-              <a:t>StartNew</a:t>
-            </a:r>
-            <a:r>
-              <a:rPr lang="en-US" dirty="0"/>
-              <a:t>, Task constructor</a:t>
-            </a:r>
-          </a:p>
-          <a:p>
-            <a:r>
-              <a:rPr lang="en-US" dirty="0"/>
-              <a:t>Eliding async/await in non-trivial methods</a:t>
-            </a:r>
-          </a:p>
-          <a:p>
-            <a:r>
-              <a:rPr lang="en-US" dirty="0" err="1"/>
-              <a:t>WaitAsync</a:t>
-            </a:r>
-            <a:r>
-              <a:rPr lang="en-US" dirty="0"/>
-              <a:t>(token) to “cancel” a task</a:t>
-            </a:r>
-          </a:p>
-          <a:p>
-            <a:r>
-              <a:rPr lang="en-US" dirty="0"/>
-              <a:t>Using </a:t>
-            </a:r>
-            <a:r>
-              <a:rPr lang="en-US" dirty="0" err="1"/>
-              <a:t>ConfigureAwait</a:t>
-            </a:r>
-            <a:r>
-              <a:rPr lang="en-US" dirty="0"/>
-              <a:t>(false) to avoid deadlocks</a:t>
-            </a:r>
-          </a:p>
-          <a:p>
-            <a:r>
-              <a:rPr lang="en-US" dirty="0" err="1"/>
-              <a:t>WhenAny</a:t>
-            </a:r>
-            <a:r>
-              <a:rPr lang="en-US" dirty="0"/>
-              <a:t> + Remove</a:t>
-            </a:r>
-          </a:p>
-          <a:p>
-            <a:r>
-              <a:rPr lang="en-US" dirty="0"/>
-              <a:t>Async events: Strategy vs Observer</a:t>
-            </a:r>
-          </a:p>
-          <a:p>
-            <a:r>
-              <a:rPr lang="en-US" dirty="0"/>
-              <a:t>Fake async methods</a:t>
-            </a:r>
+              <a:t>TaskScheduler</a:t>
+            </a:r>
+            <a:r>
+              <a:rPr lang="en-US" dirty="0"/>
+              <a:t>), and resumes the method in that context.</a:t>
+            </a:r>
+          </a:p>
+          <a:p>
+            <a:pPr marL="1030290" lvl="2" indent="-457200">
+              <a:buFontTx/>
+              <a:buChar char="-"/>
+            </a:pPr>
+            <a:r>
+              <a:rPr lang="en-US" dirty="0"/>
+              <a:t>Some contexts only allow one thread at a time.</a:t>
+            </a:r>
+          </a:p>
+          <a:p>
+            <a:pPr marL="457200" indent="-457200">
+              <a:buFontTx/>
+              <a:buChar char="-"/>
+            </a:pPr>
+            <a:endParaRPr lang="en-US" dirty="0"/>
+          </a:p>
+          <a:p>
+            <a:r>
+              <a:rPr lang="en-US" dirty="0"/>
+              <a:t>Thread pool exhaustion</a:t>
+            </a:r>
+          </a:p>
+          <a:p>
+            <a:pPr marL="796926" lvl="1" indent="-457200">
+              <a:buFontTx/>
+              <a:buChar char="-"/>
+            </a:pPr>
+            <a:r>
+              <a:rPr lang="en-US" dirty="0"/>
+              <a:t>Blocking on async code uses a thread pool thread and then requires </a:t>
+            </a:r>
+            <a:r>
+              <a:rPr lang="en-US" i="1" dirty="0"/>
+              <a:t>another</a:t>
+            </a:r>
+            <a:r>
+              <a:rPr lang="en-US" dirty="0"/>
+              <a:t> thread pool thread to unblock!</a:t>
+            </a:r>
+          </a:p>
+          <a:p>
+            <a:pPr marL="796926" lvl="1" indent="-457200">
+              <a:buFontTx/>
+              <a:buChar char="-"/>
+            </a:pPr>
+            <a:endParaRPr lang="en-US" dirty="0"/>
+          </a:p>
+          <a:p>
+            <a:pPr marL="796926" lvl="1" indent="-457200">
+              <a:buFontTx/>
+              <a:buChar char="-"/>
+            </a:pPr>
+            <a:endParaRPr lang="en-US" dirty="0"/>
           </a:p>
         </p:txBody>
       </p:sp>
     </p:spTree>
     <p:extLst>
       <p:ext uri="{BB962C8B-B14F-4D97-AF65-F5344CB8AC3E}">
-        <p14:creationId xmlns:p14="http://schemas.microsoft.com/office/powerpoint/2010/main" val="210393301"/>
+        <p14:creationId xmlns:p14="http://schemas.microsoft.com/office/powerpoint/2010/main" val="3012007790"/>
       </p:ext>
     </p:extLst>
   </p:cSld>
@@ -8524,7 +9826,7 @@
         <p:cNvPr id="1" name="">
           <a:extLst>
             <a:ext uri="{FF2B5EF4-FFF2-40B4-BE49-F238E27FC236}">
-              <a16:creationId xmlns:a16="http://schemas.microsoft.com/office/drawing/2014/main" id="{A9C60516-A3C0-632E-4633-0349A11FBBC6}"/>
+              <a16:creationId xmlns:a16="http://schemas.microsoft.com/office/drawing/2014/main" id="{03B593F7-AD5E-1A02-D777-51A9C5F6EE39}"/>
             </a:ext>
           </a:extLst>
         </p:cNvPr>
@@ -8541,10 +9843,10 @@
       </p:grpSpPr>
       <p:sp>
         <p:nvSpPr>
-          <p:cNvPr id="3" name="Title 2">
+          <p:cNvPr id="2" name="Title 1">
             <a:extLst>
               <a:ext uri="{FF2B5EF4-FFF2-40B4-BE49-F238E27FC236}">
-                <a16:creationId xmlns:a16="http://schemas.microsoft.com/office/drawing/2014/main" id="{6D394611-EF1E-54F9-64F0-3A8F03BE91AB}"/>
+                <a16:creationId xmlns:a16="http://schemas.microsoft.com/office/drawing/2014/main" id="{C48D1014-7CD0-FBA3-35D3-DC5F9E6F2590}"/>
               </a:ext>
             </a:extLst>
           </p:cNvPr>
@@ -8562,432 +9864,24 @@
           <a:p>
             <a:r>
               <a:rPr lang="en-US" dirty="0"/>
-              <a:t>Adding unnecessary callbacks</a:t>
-            </a:r>
-          </a:p>
-        </p:txBody>
-      </p:sp>
-      <p:sp>
-        <p:nvSpPr>
-          <p:cNvPr id="4" name="Text Placeholder 3">
+              <a:t>Many, Many</a:t>
+            </a:r>
+            <a:br>
+              <a:rPr lang="en-US" dirty="0"/>
+            </a:br>
+            <a:r>
+              <a:rPr lang="en-US" dirty="0"/>
+              <a:t>More Mistakes</a:t>
+            </a:r>
+          </a:p>
+        </p:txBody>
+      </p:sp>
+      <p:pic>
+        <p:nvPicPr>
+          <p:cNvPr id="1026" name="Picture 2">
             <a:extLst>
               <a:ext uri="{FF2B5EF4-FFF2-40B4-BE49-F238E27FC236}">
-                <a16:creationId xmlns:a16="http://schemas.microsoft.com/office/drawing/2014/main" id="{185EB6D3-1816-08C1-DF28-89B398DC540B}"/>
-              </a:ext>
-            </a:extLst>
-          </p:cNvPr>
-          <p:cNvSpPr>
-            <a:spLocks noGrp="1"/>
-          </p:cNvSpPr>
-          <p:nvPr>
-            <p:ph type="body" sz="quarter" idx="10"/>
-          </p:nvPr>
-        </p:nvSpPr>
-        <p:spPr>
-          <a:xfrm>
-            <a:off x="269239" y="1197324"/>
-            <a:ext cx="11653523" cy="4153829"/>
-          </a:xfrm>
-        </p:spPr>
-        <p:txBody>
-          <a:bodyPr/>
-          <a:lstStyle/>
-          <a:p>
-            <a:r>
-              <a:rPr lang="en-US" dirty="0"/>
-              <a:t>Old code:</a:t>
-            </a:r>
-          </a:p>
-          <a:p>
-            <a:pPr lvl="1"/>
-            <a:r>
-              <a:rPr lang="en-US" dirty="0">
-                <a:latin typeface="Consolas" panose="020B0609020204030204" pitchFamily="49" charset="0"/>
-              </a:rPr>
-              <a:t>void DoSomething(Action </a:t>
-            </a:r>
-            <a:r>
-              <a:rPr lang="en-US" dirty="0" err="1">
-                <a:latin typeface="Consolas" panose="020B0609020204030204" pitchFamily="49" charset="0"/>
-              </a:rPr>
-              <a:t>onComplete</a:t>
-            </a:r>
-            <a:r>
-              <a:rPr lang="en-US" dirty="0">
-                <a:latin typeface="Consolas" panose="020B0609020204030204" pitchFamily="49" charset="0"/>
-              </a:rPr>
-              <a:t>) { …; </a:t>
-            </a:r>
-            <a:r>
-              <a:rPr lang="en-US" dirty="0" err="1">
-                <a:latin typeface="Consolas" panose="020B0609020204030204" pitchFamily="49" charset="0"/>
-              </a:rPr>
-              <a:t>onComplete</a:t>
-            </a:r>
-            <a:r>
-              <a:rPr lang="en-US" dirty="0">
-                <a:latin typeface="Consolas" panose="020B0609020204030204" pitchFamily="49" charset="0"/>
-              </a:rPr>
-              <a:t>(); }</a:t>
-            </a:r>
-            <a:br>
-              <a:rPr lang="en-US" dirty="0">
-                <a:latin typeface="Consolas" panose="020B0609020204030204" pitchFamily="49" charset="0"/>
-              </a:rPr>
-            </a:br>
-            <a:r>
-              <a:rPr lang="en-US" dirty="0">
-                <a:latin typeface="Consolas" panose="020B0609020204030204" pitchFamily="49" charset="0"/>
-              </a:rPr>
-              <a:t>A();</a:t>
-            </a:r>
-            <a:br>
-              <a:rPr lang="en-US" dirty="0">
-                <a:latin typeface="Consolas" panose="020B0609020204030204" pitchFamily="49" charset="0"/>
-              </a:rPr>
-            </a:br>
-            <a:r>
-              <a:rPr lang="en-US" dirty="0">
-                <a:latin typeface="Consolas" panose="020B0609020204030204" pitchFamily="49" charset="0"/>
-              </a:rPr>
-              <a:t>DoSomething(() =&gt; B());</a:t>
-            </a:r>
-          </a:p>
-          <a:p>
-            <a:endParaRPr lang="en-US" dirty="0"/>
-          </a:p>
-          <a:p>
-            <a:r>
-              <a:rPr lang="en-US" dirty="0"/>
-              <a:t>New code:</a:t>
-            </a:r>
-          </a:p>
-          <a:p>
-            <a:pPr lvl="1"/>
-            <a:r>
-              <a:rPr lang="en-US" dirty="0">
-                <a:latin typeface="Consolas" panose="020B0609020204030204" pitchFamily="49" charset="0"/>
-              </a:rPr>
-              <a:t>Task </a:t>
-            </a:r>
-            <a:r>
-              <a:rPr lang="en-US" dirty="0" err="1">
-                <a:latin typeface="Consolas" panose="020B0609020204030204" pitchFamily="49" charset="0"/>
-              </a:rPr>
-              <a:t>DoSomethingAsync</a:t>
-            </a:r>
-            <a:r>
-              <a:rPr lang="en-US" dirty="0">
-                <a:latin typeface="Consolas" panose="020B0609020204030204" pitchFamily="49" charset="0"/>
-              </a:rPr>
-              <a:t>() { …; }</a:t>
-            </a:r>
-            <a:br>
-              <a:rPr lang="en-US" dirty="0">
-                <a:latin typeface="Consolas" panose="020B0609020204030204" pitchFamily="49" charset="0"/>
-              </a:rPr>
-            </a:br>
-            <a:r>
-              <a:rPr lang="en-US" dirty="0">
-                <a:latin typeface="Consolas" panose="020B0609020204030204" pitchFamily="49" charset="0"/>
-              </a:rPr>
-              <a:t>A();</a:t>
-            </a:r>
-            <a:br>
-              <a:rPr lang="en-US" dirty="0">
-                <a:latin typeface="Consolas" panose="020B0609020204030204" pitchFamily="49" charset="0"/>
-              </a:rPr>
-            </a:br>
-            <a:r>
-              <a:rPr lang="en-US" dirty="0">
-                <a:latin typeface="Consolas" panose="020B0609020204030204" pitchFamily="49" charset="0"/>
-              </a:rPr>
-              <a:t>await DoSomething();</a:t>
-            </a:r>
-            <a:br>
-              <a:rPr lang="en-US" dirty="0">
-                <a:latin typeface="Consolas" panose="020B0609020204030204" pitchFamily="49" charset="0"/>
-              </a:rPr>
-            </a:br>
-            <a:r>
-              <a:rPr lang="en-US" dirty="0">
-                <a:latin typeface="Consolas" panose="020B0609020204030204" pitchFamily="49" charset="0"/>
-              </a:rPr>
-              <a:t>B();</a:t>
-            </a:r>
-          </a:p>
-        </p:txBody>
-      </p:sp>
-    </p:spTree>
-    <p:extLst>
-      <p:ext uri="{BB962C8B-B14F-4D97-AF65-F5344CB8AC3E}">
-        <p14:creationId xmlns:p14="http://schemas.microsoft.com/office/powerpoint/2010/main" val="3575222398"/>
-      </p:ext>
-    </p:extLst>
-  </p:cSld>
-  <p:clrMapOvr>
-    <a:masterClrMapping/>
-  </p:clrMapOvr>
-  <p:transition>
-    <p:fade/>
-  </p:transition>
-</p:sld>
-</file>
-
-<file path=ppt/slides/slide24.xml><?xml version="1.0" encoding="utf-8"?>
-<p:sld xmlns:a="http://schemas.openxmlformats.org/drawingml/2006/main" xmlns:r="http://schemas.openxmlformats.org/officeDocument/2006/relationships" xmlns:p="http://schemas.openxmlformats.org/presentationml/2006/main">
-  <p:cSld>
-    <p:spTree>
-      <p:nvGrpSpPr>
-        <p:cNvPr id="1" name=""/>
-        <p:cNvGrpSpPr/>
-        <p:nvPr/>
-      </p:nvGrpSpPr>
-      <p:grpSpPr>
-        <a:xfrm>
-          <a:off x="0" y="0"/>
-          <a:ext cx="0" cy="0"/>
-          <a:chOff x="0" y="0"/>
-          <a:chExt cx="0" cy="0"/>
-        </a:xfrm>
-      </p:grpSpPr>
-      <p:sp>
-        <p:nvSpPr>
-          <p:cNvPr id="3" name="Title 2">
-            <a:extLst>
-              <a:ext uri="{FF2B5EF4-FFF2-40B4-BE49-F238E27FC236}">
-                <a16:creationId xmlns:a16="http://schemas.microsoft.com/office/drawing/2014/main" id="{6DC829FB-6C47-1442-C197-D823808B268B}"/>
-              </a:ext>
-            </a:extLst>
-          </p:cNvPr>
-          <p:cNvSpPr>
-            <a:spLocks noGrp="1"/>
-          </p:cNvSpPr>
-          <p:nvPr>
-            <p:ph type="title"/>
-          </p:nvPr>
-        </p:nvSpPr>
-        <p:spPr/>
-        <p:txBody>
-          <a:bodyPr/>
-          <a:lstStyle/>
-          <a:p>
-            <a:r>
-              <a:rPr lang="en-US" dirty="0"/>
-              <a:t>Rules Around </a:t>
-            </a:r>
-            <a:r>
-              <a:rPr lang="en-US" dirty="0" err="1"/>
-              <a:t>ValueTask</a:t>
-            </a:r>
-            <a:endParaRPr lang="en-US" dirty="0"/>
-          </a:p>
-        </p:txBody>
-      </p:sp>
-      <p:sp>
-        <p:nvSpPr>
-          <p:cNvPr id="4" name="Text Placeholder 3">
-            <a:extLst>
-              <a:ext uri="{FF2B5EF4-FFF2-40B4-BE49-F238E27FC236}">
-                <a16:creationId xmlns:a16="http://schemas.microsoft.com/office/drawing/2014/main" id="{446DB1A2-496F-86BC-5024-8622FC2738C2}"/>
-              </a:ext>
-            </a:extLst>
-          </p:cNvPr>
-          <p:cNvSpPr>
-            <a:spLocks noGrp="1"/>
-          </p:cNvSpPr>
-          <p:nvPr>
-            <p:ph type="body" sz="quarter" idx="10"/>
-          </p:nvPr>
-        </p:nvSpPr>
-        <p:spPr>
-          <a:xfrm>
-            <a:off x="269239" y="1197322"/>
-            <a:ext cx="11653522" cy="4742196"/>
-          </a:xfrm>
-        </p:spPr>
-        <p:txBody>
-          <a:bodyPr/>
-          <a:lstStyle/>
-          <a:p>
-            <a:pPr marL="457200" indent="-457200">
-              <a:buFontTx/>
-              <a:buChar char="-"/>
-            </a:pPr>
-            <a:r>
-              <a:rPr lang="en-US" dirty="0"/>
-              <a:t>Only consume once!</a:t>
-            </a:r>
-          </a:p>
-          <a:p>
-            <a:pPr marL="796926" lvl="1" indent="-457200">
-              <a:buFontTx/>
-              <a:buChar char="-"/>
-            </a:pPr>
-            <a:r>
-              <a:rPr lang="en-US" dirty="0">
-                <a:latin typeface="Consolas" panose="020B0609020204030204" pitchFamily="49" charset="0"/>
-              </a:rPr>
-              <a:t>await</a:t>
-            </a:r>
-            <a:r>
-              <a:rPr lang="en-US" dirty="0"/>
-              <a:t> – the 99% case.</a:t>
-            </a:r>
-          </a:p>
-          <a:p>
-            <a:pPr marL="796926" lvl="1" indent="-457200">
-              <a:buFontTx/>
-              <a:buChar char="-"/>
-            </a:pPr>
-            <a:r>
-              <a:rPr lang="en-US" dirty="0"/>
-              <a:t>Advanced: </a:t>
-            </a:r>
-            <a:r>
-              <a:rPr lang="en-US" dirty="0" err="1">
-                <a:latin typeface="Consolas" panose="020B0609020204030204" pitchFamily="49" charset="0"/>
-              </a:rPr>
-              <a:t>IsCompleted</a:t>
-            </a:r>
-            <a:r>
-              <a:rPr lang="en-US" dirty="0"/>
-              <a:t> for fast path.</a:t>
-            </a:r>
-          </a:p>
-          <a:p>
-            <a:pPr marL="457200" indent="-457200">
-              <a:buFontTx/>
-              <a:buChar char="-"/>
-            </a:pPr>
-            <a:endParaRPr lang="en-US" dirty="0"/>
-          </a:p>
-          <a:p>
-            <a:pPr marL="457200" indent="-457200">
-              <a:buFontTx/>
-              <a:buChar char="-"/>
-            </a:pPr>
-            <a:r>
-              <a:rPr lang="en-US" dirty="0"/>
-              <a:t>Cannot block!</a:t>
-            </a:r>
-          </a:p>
-          <a:p>
-            <a:pPr marL="796926" lvl="1" indent="-457200">
-              <a:buFontTx/>
-              <a:buChar char="-"/>
-            </a:pPr>
-            <a:r>
-              <a:rPr lang="en-US" dirty="0">
-                <a:latin typeface="Consolas" panose="020B0609020204030204" pitchFamily="49" charset="0"/>
-              </a:rPr>
-              <a:t>.Result</a:t>
-            </a:r>
-            <a:r>
-              <a:rPr lang="en-US" dirty="0"/>
-              <a:t> and </a:t>
-            </a:r>
-            <a:r>
-              <a:rPr lang="en-US" dirty="0">
-                <a:latin typeface="Consolas" panose="020B0609020204030204" pitchFamily="49" charset="0"/>
-              </a:rPr>
-              <a:t>.</a:t>
-            </a:r>
-            <a:r>
-              <a:rPr lang="en-US" dirty="0" err="1">
-                <a:latin typeface="Consolas" panose="020B0609020204030204" pitchFamily="49" charset="0"/>
-              </a:rPr>
-              <a:t>GetAwaiter</a:t>
-            </a:r>
-            <a:r>
-              <a:rPr lang="en-US" dirty="0">
-                <a:latin typeface="Consolas" panose="020B0609020204030204" pitchFamily="49" charset="0"/>
-              </a:rPr>
-              <a:t>().</a:t>
-            </a:r>
-            <a:r>
-              <a:rPr lang="en-US" dirty="0" err="1">
-                <a:latin typeface="Consolas" panose="020B0609020204030204" pitchFamily="49" charset="0"/>
-              </a:rPr>
-              <a:t>GetResult</a:t>
-            </a:r>
-            <a:r>
-              <a:rPr lang="en-US" dirty="0">
-                <a:latin typeface="Consolas" panose="020B0609020204030204" pitchFamily="49" charset="0"/>
-              </a:rPr>
-              <a:t>()</a:t>
-            </a:r>
-            <a:r>
-              <a:rPr lang="en-US" dirty="0">
-                <a:latin typeface="+mn-lt"/>
-              </a:rPr>
-              <a:t> will </a:t>
-            </a:r>
-            <a:r>
-              <a:rPr lang="en-US" i="1" dirty="0">
-                <a:latin typeface="+mn-lt"/>
-              </a:rPr>
-              <a:t>compile</a:t>
-            </a:r>
-            <a:r>
-              <a:rPr lang="en-US" dirty="0">
-                <a:latin typeface="+mn-lt"/>
-              </a:rPr>
-              <a:t> but may fail at runtime.</a:t>
-            </a:r>
-          </a:p>
-          <a:p>
-            <a:pPr marL="796926" lvl="1" indent="-457200">
-              <a:buFontTx/>
-              <a:buChar char="-"/>
-            </a:pPr>
-            <a:r>
-              <a:rPr lang="en-US" dirty="0">
-                <a:latin typeface="+mn-lt"/>
-              </a:rPr>
-              <a:t>Even worse, they may work at runtime (block) and then later fail at runtime.</a:t>
-            </a:r>
-            <a:endParaRPr lang="en-US" dirty="0">
-              <a:latin typeface="Consolas" panose="020B0609020204030204" pitchFamily="49" charset="0"/>
-            </a:endParaRPr>
-          </a:p>
-          <a:p>
-            <a:pPr marL="457200" indent="-457200">
-              <a:buFontTx/>
-              <a:buChar char="-"/>
-            </a:pPr>
-            <a:endParaRPr lang="en-US" dirty="0"/>
-          </a:p>
-          <a:p>
-            <a:pPr marL="457200" indent="-457200">
-              <a:buFontTx/>
-              <a:buChar char="-"/>
-            </a:pPr>
-            <a:r>
-              <a:rPr lang="en-US" dirty="0"/>
-              <a:t>Need to bend the rules? </a:t>
-            </a:r>
-            <a:r>
-              <a:rPr lang="en-US" dirty="0" err="1">
-                <a:latin typeface="Consolas" panose="020B0609020204030204" pitchFamily="49" charset="0"/>
-              </a:rPr>
-              <a:t>AsTask</a:t>
-            </a:r>
-            <a:r>
-              <a:rPr lang="en-US" dirty="0">
-                <a:latin typeface="Consolas" panose="020B0609020204030204" pitchFamily="49" charset="0"/>
-              </a:rPr>
-              <a:t>()</a:t>
-            </a:r>
-          </a:p>
-        </p:txBody>
-      </p:sp>
-      <p:pic>
-        <p:nvPicPr>
-          <p:cNvPr id="1028" name="Picture 4" descr="RULES, THERE ARE, FOLLOW THEM, YOU MUST - Meme Generator">
-            <a:extLst>
-              <a:ext uri="{FF2B5EF4-FFF2-40B4-BE49-F238E27FC236}">
-                <a16:creationId xmlns:a16="http://schemas.microsoft.com/office/drawing/2014/main" id="{DAEB2EF1-56BE-F32C-4E09-3FCC6423A33B}"/>
+                <a16:creationId xmlns:a16="http://schemas.microsoft.com/office/drawing/2014/main" id="{4660BFEE-0CDB-3891-808A-70EDCEC6EFD3}"/>
               </a:ext>
             </a:extLst>
           </p:cNvPr>
@@ -8997,7 +9891,7 @@
           <p:nvPr/>
         </p:nvPicPr>
         <p:blipFill>
-          <a:blip r:embed="rId2">
+          <a:blip r:embed="rId3">
             <a:extLst>
               <a:ext uri="{28A0092B-C50C-407E-A947-70E740481C1C}">
                 <a14:useLocalDpi xmlns:a14="http://schemas.microsoft.com/office/drawing/2010/main" val="0"/>
@@ -9011,8 +9905,8 @@
         </p:blipFill>
         <p:spPr bwMode="auto">
           <a:xfrm>
-            <a:off x="8463280" y="156905"/>
-            <a:ext cx="3459480" cy="2618454"/>
+            <a:off x="7386194" y="1885950"/>
+            <a:ext cx="4536567" cy="3086100"/>
           </a:xfrm>
           <a:prstGeom prst="rect">
             <a:avLst/>
@@ -9032,7 +9926,81 @@
     </p:spTree>
     <p:extLst>
       <p:ext uri="{BB962C8B-B14F-4D97-AF65-F5344CB8AC3E}">
-        <p14:creationId xmlns:p14="http://schemas.microsoft.com/office/powerpoint/2010/main" val="4124275277"/>
+        <p14:creationId xmlns:p14="http://schemas.microsoft.com/office/powerpoint/2010/main" val="618442230"/>
+      </p:ext>
+    </p:extLst>
+  </p:cSld>
+  <p:clrMapOvr>
+    <a:masterClrMapping/>
+  </p:clrMapOvr>
+  <p:transition>
+    <p:fade/>
+  </p:transition>
+</p:sld>
+</file>
+
+<file path=ppt/slides/slide24.xml><?xml version="1.0" encoding="utf-8"?>
+<p:sld xmlns:a="http://schemas.openxmlformats.org/drawingml/2006/main" xmlns:r="http://schemas.openxmlformats.org/officeDocument/2006/relationships" xmlns:p="http://schemas.openxmlformats.org/presentationml/2006/main">
+  <p:cSld>
+    <p:spTree>
+      <p:nvGrpSpPr>
+        <p:cNvPr id="1" name="">
+          <a:extLst>
+            <a:ext uri="{FF2B5EF4-FFF2-40B4-BE49-F238E27FC236}">
+              <a16:creationId xmlns:a16="http://schemas.microsoft.com/office/drawing/2014/main" id="{4FA051DD-C298-B3E9-4523-FDB24EF0FB2F}"/>
+            </a:ext>
+          </a:extLst>
+        </p:cNvPr>
+        <p:cNvGrpSpPr/>
+        <p:nvPr/>
+      </p:nvGrpSpPr>
+      <p:grpSpPr>
+        <a:xfrm>
+          <a:off x="0" y="0"/>
+          <a:ext cx="0" cy="0"/>
+          <a:chOff x="0" y="0"/>
+          <a:chExt cx="0" cy="0"/>
+        </a:xfrm>
+      </p:grpSpPr>
+      <p:pic>
+        <p:nvPicPr>
+          <p:cNvPr id="3" name="Picture 2">
+            <a:extLst>
+              <a:ext uri="{FF2B5EF4-FFF2-40B4-BE49-F238E27FC236}">
+                <a16:creationId xmlns:a16="http://schemas.microsoft.com/office/drawing/2014/main" id="{23CE0CFF-637C-8977-663A-1233903BCBF3}"/>
+              </a:ext>
+            </a:extLst>
+          </p:cNvPr>
+          <p:cNvPicPr>
+            <a:picLocks noChangeAspect="1"/>
+          </p:cNvPicPr>
+          <p:nvPr/>
+        </p:nvPicPr>
+        <p:blipFill>
+          <a:blip r:embed="rId3">
+            <a:extLst>
+              <a:ext uri="{28A0092B-C50C-407E-A947-70E740481C1C}">
+                <a14:useLocalDpi xmlns:a14="http://schemas.microsoft.com/office/drawing/2010/main" val="0"/>
+              </a:ext>
+            </a:extLst>
+          </a:blip>
+          <a:srcRect/>
+          <a:stretch/>
+        </p:blipFill>
+        <p:spPr>
+          <a:xfrm>
+            <a:off x="1524001" y="0"/>
+            <a:ext cx="9143997" cy="6857999"/>
+          </a:xfrm>
+          <a:prstGeom prst="rect">
+            <a:avLst/>
+          </a:prstGeom>
+        </p:spPr>
+      </p:pic>
+    </p:spTree>
+    <p:extLst>
+      <p:ext uri="{BB962C8B-B14F-4D97-AF65-F5344CB8AC3E}">
+        <p14:creationId xmlns:p14="http://schemas.microsoft.com/office/powerpoint/2010/main" val="3706812276"/>
       </p:ext>
     </p:extLst>
   </p:cSld>
@@ -9064,7 +10032,7 @@
       </p:grpSpPr>
       <p:sp>
         <p:nvSpPr>
-          <p:cNvPr id="2" name="Title 1"/>
+          <p:cNvPr id="3" name="Title 2"/>
           <p:cNvSpPr>
             <a:spLocks noGrp="1"/>
           </p:cNvSpPr>
@@ -9079,14 +10047,112 @@
           <a:p>
             <a:r>
               <a:rPr lang="en-US" dirty="0"/>
-              <a:t>Not Invented Here</a:t>
-            </a:r>
-            <a:br>
-              <a:rPr lang="en-US" dirty="0"/>
-            </a:br>
-            <a:r>
-              <a:rPr lang="en-US" sz="6000" dirty="0"/>
-              <a:t>(actually more like “I didn’t know!”)</a:t>
+              <a:t>Common Mistakes</a:t>
+            </a:r>
+          </a:p>
+        </p:txBody>
+      </p:sp>
+      <p:sp>
+        <p:nvSpPr>
+          <p:cNvPr id="4" name="Text Placeholder 3"/>
+          <p:cNvSpPr>
+            <a:spLocks noGrp="1"/>
+          </p:cNvSpPr>
+          <p:nvPr>
+            <p:ph type="body" sz="quarter" idx="10"/>
+          </p:nvPr>
+        </p:nvSpPr>
+        <p:spPr>
+          <a:xfrm>
+            <a:off x="269239" y="1197324"/>
+            <a:ext cx="11653523" cy="4250394"/>
+          </a:xfrm>
+        </p:spPr>
+        <p:txBody>
+          <a:bodyPr/>
+          <a:lstStyle/>
+          <a:p>
+            <a:r>
+              <a:rPr lang="en-US" dirty="0"/>
+              <a:t>Fire and forget</a:t>
+            </a:r>
+          </a:p>
+          <a:p>
+            <a:pPr marL="457200" indent="-457200">
+              <a:buFontTx/>
+              <a:buChar char="-"/>
+            </a:pPr>
+            <a:r>
+              <a:rPr lang="en-US" dirty="0"/>
+              <a:t>Discarding the task is discarding the results of that function.</a:t>
+            </a:r>
+          </a:p>
+          <a:p>
+            <a:pPr marL="457200" indent="-457200">
+              <a:buFontTx/>
+              <a:buChar char="-"/>
+            </a:pPr>
+            <a:r>
+              <a:rPr lang="en-US" dirty="0"/>
+              <a:t>If you don’t care about the results of a function, </a:t>
+            </a:r>
+            <a:r>
+              <a:rPr lang="en-US" i="1" dirty="0"/>
+              <a:t>why are you calling it at all?</a:t>
+            </a:r>
+          </a:p>
+          <a:p>
+            <a:pPr marL="457200" indent="-457200">
+              <a:buFontTx/>
+              <a:buChar char="-"/>
+            </a:pPr>
+            <a:r>
+              <a:rPr lang="en-US" dirty="0"/>
+              <a:t>Without joining the execution (await):</a:t>
+            </a:r>
+          </a:p>
+          <a:p>
+            <a:pPr marL="796926" lvl="1" indent="-457200">
+              <a:buFontTx/>
+              <a:buChar char="-"/>
+            </a:pPr>
+            <a:r>
+              <a:rPr lang="en-US" dirty="0"/>
+              <a:t>Exceptions are ignored.</a:t>
+            </a:r>
+          </a:p>
+          <a:p>
+            <a:pPr marL="796926" lvl="1" indent="-457200">
+              <a:buFontTx/>
+              <a:buChar char="-"/>
+            </a:pPr>
+            <a:r>
+              <a:rPr lang="en-US" dirty="0"/>
+              <a:t>App can’t know when side effects have completed.</a:t>
+            </a:r>
+          </a:p>
+          <a:p>
+            <a:pPr marL="796926" lvl="1" indent="-457200">
+              <a:buFontTx/>
+              <a:buChar char="-"/>
+            </a:pPr>
+            <a:r>
+              <a:rPr lang="en-US" dirty="0"/>
+              <a:t>App can’t know when it’s safe to shut down / suspend.</a:t>
+            </a:r>
+          </a:p>
+          <a:p>
+            <a:pPr marL="1030290" lvl="2" indent="-457200">
+              <a:buFontTx/>
+              <a:buChar char="-"/>
+            </a:pPr>
+            <a:r>
+              <a:rPr lang="en-US" dirty="0"/>
+              <a:t>Shutting down is </a:t>
+            </a:r>
+            <a:r>
+              <a:rPr lang="en-US" i="1" dirty="0"/>
+              <a:t>normal behavior!</a:t>
             </a:r>
           </a:p>
         </p:txBody>
@@ -9094,7 +10160,7 @@
     </p:spTree>
     <p:extLst>
       <p:ext uri="{BB962C8B-B14F-4D97-AF65-F5344CB8AC3E}">
-        <p14:creationId xmlns:p14="http://schemas.microsoft.com/office/powerpoint/2010/main" val="818270129"/>
+        <p14:creationId xmlns:p14="http://schemas.microsoft.com/office/powerpoint/2010/main" val="210393301"/>
       </p:ext>
     </p:extLst>
   </p:cSld>
@@ -9112,7 +10178,13 @@
   <p:cSld>
     <p:spTree>
       <p:nvGrpSpPr>
-        <p:cNvPr id="1" name=""/>
+        <p:cNvPr id="1" name="">
+          <a:extLst>
+            <a:ext uri="{FF2B5EF4-FFF2-40B4-BE49-F238E27FC236}">
+              <a16:creationId xmlns:a16="http://schemas.microsoft.com/office/drawing/2014/main" id="{7B053FAE-09E7-09CC-E838-BBFBDA68D2F0}"/>
+            </a:ext>
+          </a:extLst>
+        </p:cNvPr>
         <p:cNvGrpSpPr/>
         <p:nvPr/>
       </p:nvGrpSpPr>
@@ -9126,7 +10198,13 @@
       </p:grpSpPr>
       <p:sp>
         <p:nvSpPr>
-          <p:cNvPr id="3" name="Title 2"/>
+          <p:cNvPr id="3" name="Title 2">
+            <a:extLst>
+              <a:ext uri="{FF2B5EF4-FFF2-40B4-BE49-F238E27FC236}">
+                <a16:creationId xmlns:a16="http://schemas.microsoft.com/office/drawing/2014/main" id="{1175B2DC-446B-F03D-D372-38D184F0D133}"/>
+              </a:ext>
+            </a:extLst>
+          </p:cNvPr>
           <p:cNvSpPr>
             <a:spLocks noGrp="1"/>
           </p:cNvSpPr>
@@ -9141,14 +10219,20 @@
           <a:p>
             <a:r>
               <a:rPr lang="en-US" dirty="0"/>
-              <a:t>Cancellation</a:t>
-            </a:r>
-          </a:p>
-        </p:txBody>
-      </p:sp>
-      <p:sp>
-        <p:nvSpPr>
-          <p:cNvPr id="4" name="Text Placeholder 3"/>
+              <a:t>Common Mistakes</a:t>
+            </a:r>
+          </a:p>
+        </p:txBody>
+      </p:sp>
+      <p:sp>
+        <p:nvSpPr>
+          <p:cNvPr id="4" name="Text Placeholder 3">
+            <a:extLst>
+              <a:ext uri="{FF2B5EF4-FFF2-40B4-BE49-F238E27FC236}">
+                <a16:creationId xmlns:a16="http://schemas.microsoft.com/office/drawing/2014/main" id="{B40B2B3A-1BE1-0BBF-C9E8-5C2D3E147DE1}"/>
+              </a:ext>
+            </a:extLst>
+          </p:cNvPr>
           <p:cNvSpPr>
             <a:spLocks noGrp="1"/>
           </p:cNvSpPr>
@@ -9158,93 +10242,131 @@
         </p:nvSpPr>
         <p:spPr>
           <a:xfrm>
-            <a:off x="269239" y="1197322"/>
-            <a:ext cx="11653522" cy="3918637"/>
+            <a:off x="269239" y="1197324"/>
+            <a:ext cx="11653523" cy="3769237"/>
           </a:xfrm>
         </p:spPr>
         <p:txBody>
           <a:bodyPr/>
           <a:lstStyle/>
           <a:p>
+            <a:r>
+              <a:rPr lang="en-US" dirty="0"/>
+              <a:t>Dangerous Methods</a:t>
+            </a:r>
+          </a:p>
+          <a:p>
+            <a:pPr marL="457200" indent="-457200">
+              <a:buFontTx/>
+              <a:buChar char="-"/>
+            </a:pPr>
+            <a:r>
+              <a:rPr lang="en-US" dirty="0"/>
+              <a:t>The Task constructor should never be used. </a:t>
+            </a:r>
+            <a:r>
+              <a:rPr lang="en-US" b="1" dirty="0"/>
+              <a:t>Ever.</a:t>
+            </a:r>
+          </a:p>
+          <a:p>
+            <a:pPr marL="457200" indent="-457200">
+              <a:buFontTx/>
+              <a:buChar char="-"/>
+            </a:pPr>
+            <a:r>
+              <a:rPr lang="en-US" dirty="0" err="1"/>
+              <a:t>StartNew</a:t>
+            </a:r>
+            <a:r>
+              <a:rPr lang="en-US" dirty="0"/>
+              <a:t> and </a:t>
+            </a:r>
+            <a:r>
+              <a:rPr lang="en-US" dirty="0" err="1"/>
+              <a:t>ContinueWith</a:t>
+            </a:r>
+            <a:r>
+              <a:rPr lang="en-US" dirty="0"/>
+              <a:t> should </a:t>
+            </a:r>
+            <a:r>
+              <a:rPr lang="en-US" i="1" dirty="0"/>
+              <a:t>almost never </a:t>
+            </a:r>
+            <a:r>
+              <a:rPr lang="en-US" dirty="0"/>
+              <a:t>be used.</a:t>
+            </a:r>
+          </a:p>
+          <a:p>
+            <a:pPr marL="796926" lvl="1" indent="-457200">
+              <a:buFontTx/>
+              <a:buChar char="-"/>
+            </a:pPr>
+            <a:r>
+              <a:rPr lang="en-US" dirty="0"/>
+              <a:t>This means you.</a:t>
+            </a:r>
+          </a:p>
+          <a:p>
+            <a:pPr marL="457200" indent="-457200">
+              <a:buFontTx/>
+              <a:buChar char="-"/>
+            </a:pPr>
+            <a:r>
+              <a:rPr lang="en-US" dirty="0" err="1"/>
+              <a:t>ContinueWith</a:t>
+            </a:r>
+            <a:r>
+              <a:rPr lang="en-US" dirty="0"/>
+              <a:t> =&gt; await</a:t>
+            </a:r>
+          </a:p>
+          <a:p>
+            <a:pPr marL="457200" indent="-457200">
+              <a:buFontTx/>
+              <a:buChar char="-"/>
+            </a:pPr>
+            <a:r>
+              <a:rPr lang="en-US" dirty="0" err="1"/>
+              <a:t>StartNew</a:t>
+            </a:r>
+            <a:r>
+              <a:rPr lang="en-US" dirty="0"/>
+              <a:t> =&gt; </a:t>
+            </a:r>
+            <a:r>
+              <a:rPr lang="en-US" dirty="0" err="1"/>
+              <a:t>Task.Run</a:t>
+            </a:r>
             <a:endParaRPr lang="en-US" dirty="0"/>
           </a:p>
           <a:p>
-            <a:r>
-              <a:rPr lang="en-US" dirty="0" err="1">
-                <a:latin typeface="Consolas" panose="020B0609020204030204" pitchFamily="49" charset="0"/>
-              </a:rPr>
-              <a:t>CancellationTokenSource</a:t>
-            </a:r>
-            <a:r>
-              <a:rPr lang="en-US" dirty="0"/>
-              <a:t> – controls a </a:t>
-            </a:r>
-            <a:r>
-              <a:rPr lang="en-US" dirty="0" err="1">
-                <a:latin typeface="Consolas" panose="020B0609020204030204" pitchFamily="49" charset="0"/>
-              </a:rPr>
-              <a:t>CancellationToken</a:t>
+            <a:pPr marL="457200" indent="-457200">
+              <a:buFontTx/>
+              <a:buChar char="-"/>
+            </a:pPr>
+            <a:r>
+              <a:rPr lang="en-US" dirty="0" err="1"/>
+              <a:t>Task.Task</a:t>
+            </a:r>
+            <a:r>
+              <a:rPr lang="en-US" dirty="0"/>
+              <a:t> =&gt; Func&lt;Task&gt; / </a:t>
+            </a:r>
+            <a:r>
+              <a:rPr lang="en-US" dirty="0" err="1"/>
+              <a:t>Task.Run</a:t>
             </a:r>
             <a:endParaRPr lang="en-US" dirty="0"/>
-          </a:p>
-          <a:p>
-            <a:endParaRPr lang="en-US" dirty="0"/>
-          </a:p>
-          <a:p>
-            <a:r>
-              <a:rPr lang="en-US" dirty="0" err="1">
-                <a:latin typeface="Consolas" panose="020B0609020204030204" pitchFamily="49" charset="0"/>
-              </a:rPr>
-              <a:t>CancellationToken</a:t>
-            </a:r>
-            <a:r>
-              <a:rPr lang="en-US" dirty="0"/>
-              <a:t> – used to detect cancellation.</a:t>
-            </a:r>
-          </a:p>
-          <a:p>
-            <a:pPr marL="457200" indent="-457200">
-              <a:buFont typeface="Arial" panose="020B0604020202020204" pitchFamily="34" charset="0"/>
-              <a:buChar char="•"/>
-            </a:pPr>
-            <a:r>
-              <a:rPr lang="en-US" dirty="0" err="1">
-                <a:latin typeface="Consolas" panose="020B0609020204030204" pitchFamily="49" charset="0"/>
-              </a:rPr>
-              <a:t>ThrowIfCancellationRequested</a:t>
-            </a:r>
-            <a:endParaRPr lang="en-US" dirty="0">
-              <a:latin typeface="Consolas" panose="020B0609020204030204" pitchFamily="49" charset="0"/>
-            </a:endParaRPr>
-          </a:p>
-          <a:p>
-            <a:pPr marL="457200" indent="-457200">
-              <a:buFont typeface="Arial" panose="020B0604020202020204" pitchFamily="34" charset="0"/>
-              <a:buChar char="•"/>
-            </a:pPr>
-            <a:r>
-              <a:rPr lang="en-US" dirty="0">
-                <a:latin typeface="Consolas" panose="020B0609020204030204" pitchFamily="49" charset="0"/>
-              </a:rPr>
-              <a:t>Register(delegate)</a:t>
-            </a:r>
-          </a:p>
-          <a:p>
-            <a:pPr marL="457200" indent="-457200">
-              <a:buFont typeface="Arial" panose="020B0604020202020204" pitchFamily="34" charset="0"/>
-              <a:buChar char="•"/>
-            </a:pPr>
-            <a:r>
-              <a:rPr lang="en-US" dirty="0"/>
-              <a:t>Seldom used directly.</a:t>
-            </a:r>
           </a:p>
         </p:txBody>
       </p:sp>
     </p:spTree>
     <p:extLst>
       <p:ext uri="{BB962C8B-B14F-4D97-AF65-F5344CB8AC3E}">
-        <p14:creationId xmlns:p14="http://schemas.microsoft.com/office/powerpoint/2010/main" val="3205144365"/>
+        <p14:creationId xmlns:p14="http://schemas.microsoft.com/office/powerpoint/2010/main" val="988477262"/>
       </p:ext>
     </p:extLst>
   </p:cSld>
@@ -9262,7 +10384,13 @@
   <p:cSld>
     <p:spTree>
       <p:nvGrpSpPr>
-        <p:cNvPr id="1" name=""/>
+        <p:cNvPr id="1" name="">
+          <a:extLst>
+            <a:ext uri="{FF2B5EF4-FFF2-40B4-BE49-F238E27FC236}">
+              <a16:creationId xmlns:a16="http://schemas.microsoft.com/office/drawing/2014/main" id="{75C97423-E7D2-A77B-D0AB-7BE786DB388D}"/>
+            </a:ext>
+          </a:extLst>
+        </p:cNvPr>
         <p:cNvGrpSpPr/>
         <p:nvPr/>
       </p:nvGrpSpPr>
@@ -9276,7 +10404,13 @@
       </p:grpSpPr>
       <p:sp>
         <p:nvSpPr>
-          <p:cNvPr id="3" name="Title 2"/>
+          <p:cNvPr id="3" name="Title 2">
+            <a:extLst>
+              <a:ext uri="{FF2B5EF4-FFF2-40B4-BE49-F238E27FC236}">
+                <a16:creationId xmlns:a16="http://schemas.microsoft.com/office/drawing/2014/main" id="{422D8613-A5A3-6093-4784-C9804E67F353}"/>
+              </a:ext>
+            </a:extLst>
+          </p:cNvPr>
           <p:cNvSpPr>
             <a:spLocks noGrp="1"/>
           </p:cNvSpPr>
@@ -9291,14 +10425,20 @@
           <a:p>
             <a:r>
               <a:rPr lang="en-US" dirty="0"/>
-              <a:t>Progress Reporting</a:t>
-            </a:r>
-          </a:p>
-        </p:txBody>
-      </p:sp>
-      <p:sp>
-        <p:nvSpPr>
-          <p:cNvPr id="4" name="Text Placeholder 3"/>
+              <a:t>Common Mistakes</a:t>
+            </a:r>
+          </a:p>
+        </p:txBody>
+      </p:sp>
+      <p:sp>
+        <p:nvSpPr>
+          <p:cNvPr id="4" name="Text Placeholder 3">
+            <a:extLst>
+              <a:ext uri="{FF2B5EF4-FFF2-40B4-BE49-F238E27FC236}">
+                <a16:creationId xmlns:a16="http://schemas.microsoft.com/office/drawing/2014/main" id="{6028005E-D705-D641-16C8-7656AF4135E1}"/>
+              </a:ext>
+            </a:extLst>
+          </p:cNvPr>
           <p:cNvSpPr>
             <a:spLocks noGrp="1"/>
           </p:cNvSpPr>
@@ -9308,74 +10448,46 @@
         </p:nvSpPr>
         <p:spPr>
           <a:xfrm>
-            <a:off x="269239" y="1197322"/>
-            <a:ext cx="11653522" cy="3918637"/>
+            <a:off x="269239" y="1197324"/>
+            <a:ext cx="11653523" cy="2176109"/>
           </a:xfrm>
         </p:spPr>
         <p:txBody>
           <a:bodyPr/>
           <a:lstStyle/>
           <a:p>
+            <a:r>
+              <a:rPr lang="en-US" dirty="0"/>
+              <a:t>Side effects instead of returning results</a:t>
+            </a:r>
+          </a:p>
+          <a:p>
+            <a:pPr marL="457200" indent="-457200">
+              <a:buFontTx/>
+              <a:buChar char="-"/>
+            </a:pPr>
+            <a:r>
+              <a:rPr lang="en-US" dirty="0"/>
+              <a:t>Async will gently nudge you towards a more functional programming style. Don’t resist.</a:t>
+            </a:r>
+          </a:p>
+          <a:p>
+            <a:pPr marL="457200" indent="-457200">
+              <a:buFontTx/>
+              <a:buChar char="-"/>
+            </a:pPr>
+            <a:r>
+              <a:rPr lang="en-US" dirty="0" err="1"/>
+              <a:t>Stream.Position</a:t>
+            </a:r>
             <a:endParaRPr lang="en-US" dirty="0"/>
-          </a:p>
-          <a:p>
-            <a:r>
-              <a:rPr lang="en-US" dirty="0" err="1">
-                <a:latin typeface="Consolas" panose="020B0609020204030204" pitchFamily="49" charset="0"/>
-              </a:rPr>
-              <a:t>IProgress</a:t>
-            </a:r>
-            <a:r>
-              <a:rPr lang="en-US" dirty="0">
-                <a:latin typeface="Consolas" panose="020B0609020204030204" pitchFamily="49" charset="0"/>
-              </a:rPr>
-              <a:t>&lt;T&gt;</a:t>
-            </a:r>
-            <a:r>
-              <a:rPr lang="en-US" dirty="0"/>
-              <a:t> - a “sink” for progress updates.</a:t>
-            </a:r>
-          </a:p>
-          <a:p>
-            <a:endParaRPr lang="en-US" dirty="0"/>
-          </a:p>
-          <a:p>
-            <a:r>
-              <a:rPr lang="en-US" dirty="0">
-                <a:latin typeface="Consolas" panose="020B0609020204030204" pitchFamily="49" charset="0"/>
-              </a:rPr>
-              <a:t>Progress&lt;T&gt;</a:t>
-            </a:r>
-            <a:r>
-              <a:rPr lang="en-US" dirty="0"/>
-              <a:t> - built-in implementation.</a:t>
-            </a:r>
-          </a:p>
-          <a:p>
-            <a:endParaRPr lang="en-US" dirty="0"/>
-          </a:p>
-          <a:p>
-            <a:r>
-              <a:rPr lang="en-US" dirty="0"/>
-              <a:t>Others, too!</a:t>
-            </a:r>
-          </a:p>
-          <a:p>
-            <a:pPr marL="457200" indent="-457200">
-              <a:buFont typeface="Arial" panose="020B0604020202020204" pitchFamily="34" charset="0"/>
-              <a:buChar char="•"/>
-            </a:pPr>
-            <a:r>
-              <a:rPr lang="en-US" dirty="0"/>
-              <a:t>Your own. E.g., for throttling UI updates.</a:t>
-            </a:r>
           </a:p>
         </p:txBody>
       </p:sp>
     </p:spTree>
     <p:extLst>
       <p:ext uri="{BB962C8B-B14F-4D97-AF65-F5344CB8AC3E}">
-        <p14:creationId xmlns:p14="http://schemas.microsoft.com/office/powerpoint/2010/main" val="2292083711"/>
+        <p14:creationId xmlns:p14="http://schemas.microsoft.com/office/powerpoint/2010/main" val="550518225"/>
       </p:ext>
     </p:extLst>
   </p:cSld>
@@ -9393,7 +10505,13 @@
   <p:cSld>
     <p:spTree>
       <p:nvGrpSpPr>
-        <p:cNvPr id="1" name=""/>
+        <p:cNvPr id="1" name="">
+          <a:extLst>
+            <a:ext uri="{FF2B5EF4-FFF2-40B4-BE49-F238E27FC236}">
+              <a16:creationId xmlns:a16="http://schemas.microsoft.com/office/drawing/2014/main" id="{05A0F348-F69E-1DBE-D9EE-70022CF47A9D}"/>
+            </a:ext>
+          </a:extLst>
+        </p:cNvPr>
         <p:cNvGrpSpPr/>
         <p:nvPr/>
       </p:nvGrpSpPr>
@@ -9407,7 +10525,13 @@
       </p:grpSpPr>
       <p:sp>
         <p:nvSpPr>
-          <p:cNvPr id="3" name="Title 2"/>
+          <p:cNvPr id="3" name="Title 2">
+            <a:extLst>
+              <a:ext uri="{FF2B5EF4-FFF2-40B4-BE49-F238E27FC236}">
+                <a16:creationId xmlns:a16="http://schemas.microsoft.com/office/drawing/2014/main" id="{E77AC198-678F-498E-CF04-3DEEB66155CF}"/>
+              </a:ext>
+            </a:extLst>
+          </p:cNvPr>
           <p:cNvSpPr>
             <a:spLocks noGrp="1"/>
           </p:cNvSpPr>
@@ -9422,14 +10546,20 @@
           <a:p>
             <a:r>
               <a:rPr lang="en-US" dirty="0"/>
-              <a:t>Pipelines (ETL)</a:t>
-            </a:r>
-          </a:p>
-        </p:txBody>
-      </p:sp>
-      <p:sp>
-        <p:nvSpPr>
-          <p:cNvPr id="4" name="Text Placeholder 3"/>
+              <a:t>Common Mistakes</a:t>
+            </a:r>
+          </a:p>
+        </p:txBody>
+      </p:sp>
+      <p:sp>
+        <p:nvSpPr>
+          <p:cNvPr id="4" name="Text Placeholder 3">
+            <a:extLst>
+              <a:ext uri="{FF2B5EF4-FFF2-40B4-BE49-F238E27FC236}">
+                <a16:creationId xmlns:a16="http://schemas.microsoft.com/office/drawing/2014/main" id="{518450C0-5431-5069-7530-36C1BEEA1E7A}"/>
+              </a:ext>
+            </a:extLst>
+          </p:cNvPr>
           <p:cNvSpPr>
             <a:spLocks noGrp="1"/>
           </p:cNvSpPr>
@@ -9440,7 +10570,7 @@
         <p:spPr>
           <a:xfrm>
             <a:off x="269239" y="1197324"/>
-            <a:ext cx="11653523" cy="1728037"/>
+            <a:ext cx="11653523" cy="4366708"/>
           </a:xfrm>
         </p:spPr>
         <p:txBody>
@@ -9449,101 +10579,85 @@
           <a:p>
             <a:r>
               <a:rPr lang="en-US" dirty="0"/>
-              <a:t>Use </a:t>
-            </a:r>
-            <a:r>
-              <a:rPr lang="en-US" dirty="0" err="1">
-                <a:latin typeface="Consolas" panose="020B0609020204030204" pitchFamily="49" charset="0"/>
-              </a:rPr>
-              <a:t>System.Threading.Channels</a:t>
-            </a:r>
-            <a:r>
-              <a:rPr lang="en-US" dirty="0"/>
-              <a:t> if possible.</a:t>
-            </a:r>
-          </a:p>
-          <a:p>
-            <a:endParaRPr lang="en-US" dirty="0"/>
-          </a:p>
-          <a:p>
-            <a:r>
-              <a:rPr lang="en-US" dirty="0"/>
-              <a:t>(Use TPL Dataflow if you need all the bells and whistles).</a:t>
-            </a:r>
-          </a:p>
-        </p:txBody>
-      </p:sp>
-    </p:spTree>
-    <p:extLst>
-      <p:ext uri="{BB962C8B-B14F-4D97-AF65-F5344CB8AC3E}">
-        <p14:creationId xmlns:p14="http://schemas.microsoft.com/office/powerpoint/2010/main" val="935365020"/>
-      </p:ext>
-    </p:extLst>
-  </p:cSld>
-  <p:clrMapOvr>
-    <a:masterClrMapping/>
-  </p:clrMapOvr>
-  <p:transition>
-    <p:fade/>
-  </p:transition>
-</p:sld>
-</file>
-
-<file path=ppt/slides/slide29.xml><?xml version="1.0" encoding="utf-8"?>
-<p:sld xmlns:a="http://schemas.openxmlformats.org/drawingml/2006/main" xmlns:r="http://schemas.openxmlformats.org/officeDocument/2006/relationships" xmlns:p="http://schemas.openxmlformats.org/presentationml/2006/main">
-  <p:cSld>
-    <p:spTree>
-      <p:nvGrpSpPr>
-        <p:cNvPr id="1" name=""/>
-        <p:cNvGrpSpPr/>
-        <p:nvPr/>
-      </p:nvGrpSpPr>
-      <p:grpSpPr>
-        <a:xfrm>
-          <a:off x="0" y="0"/>
-          <a:ext cx="0" cy="0"/>
-          <a:chOff x="0" y="0"/>
-          <a:chExt cx="0" cy="0"/>
-        </a:xfrm>
-      </p:grpSpPr>
-      <p:sp>
-        <p:nvSpPr>
-          <p:cNvPr id="4" name="Title 3">
+              <a:t>Eliding (removing) async/await in non-trivial methods</a:t>
+            </a:r>
+          </a:p>
+          <a:p>
+            <a:pPr marL="457200" indent="-457200">
+              <a:buFontTx/>
+              <a:buChar char="-"/>
+            </a:pPr>
+            <a:r>
+              <a:rPr lang="en-US" dirty="0"/>
+              <a:t>Exceptions become synchronous (not on the Task).</a:t>
+            </a:r>
+          </a:p>
+          <a:p>
+            <a:pPr marL="457200" indent="-457200">
+              <a:buFontTx/>
+              <a:buChar char="-"/>
+            </a:pPr>
+            <a:r>
+              <a:rPr lang="en-US" dirty="0"/>
+              <a:t>Disposal and try/catch don’t work as expected.</a:t>
+            </a:r>
+          </a:p>
+          <a:p>
+            <a:pPr marL="457200" indent="-457200">
+              <a:buFontTx/>
+              <a:buChar char="-"/>
+            </a:pPr>
+            <a:r>
+              <a:rPr lang="en-US" dirty="0"/>
+              <a:t>If you have any code other than calling another method, then NOT OK.</a:t>
+            </a:r>
+          </a:p>
+          <a:p>
+            <a:pPr marL="457200" indent="-457200">
+              <a:buFontTx/>
+              <a:buChar char="-"/>
+            </a:pPr>
+            <a:r>
+              <a:rPr lang="en-US" dirty="0"/>
+              <a:t>Using </a:t>
+            </a:r>
+            <a:r>
+              <a:rPr lang="en-US" dirty="0" err="1"/>
+              <a:t>Task.FromResult</a:t>
+            </a:r>
+            <a:r>
+              <a:rPr lang="en-US" dirty="0"/>
+              <a:t>? No.</a:t>
+            </a:r>
+          </a:p>
+          <a:p>
+            <a:pPr marL="457200" indent="-457200">
+              <a:buFontTx/>
+              <a:buChar char="-"/>
+            </a:pPr>
+            <a:r>
+              <a:rPr lang="en-US" dirty="0"/>
+              <a:t>Are you writing an overload? OK.</a:t>
+            </a:r>
+          </a:p>
+          <a:p>
+            <a:pPr marL="457200" indent="-457200">
+              <a:buFontTx/>
+              <a:buChar char="-"/>
+            </a:pPr>
+            <a:r>
+              <a:rPr lang="en-US" dirty="0"/>
+              <a:t>Is it an expression-bodied method? OK…</a:t>
+            </a:r>
+          </a:p>
+        </p:txBody>
+      </p:sp>
+      <p:pic>
+        <p:nvPicPr>
+          <p:cNvPr id="2" name="Picture 2" descr="They're more what you'd call guidelines than actual rules - They're more what you'd call guidelines than actual rules  Barbosa Rules">
             <a:extLst>
               <a:ext uri="{FF2B5EF4-FFF2-40B4-BE49-F238E27FC236}">
-                <a16:creationId xmlns:a16="http://schemas.microsoft.com/office/drawing/2014/main" id="{EC6A6C7C-AEF7-54E5-CB98-94471829ABB9}"/>
-              </a:ext>
-            </a:extLst>
-          </p:cNvPr>
-          <p:cNvSpPr>
-            <a:spLocks noGrp="1"/>
-          </p:cNvSpPr>
-          <p:nvPr>
-            <p:ph type="title"/>
-          </p:nvPr>
-        </p:nvSpPr>
-        <p:spPr/>
-        <p:txBody>
-          <a:bodyPr/>
-          <a:lstStyle/>
-          <a:p>
-            <a:r>
-              <a:rPr lang="en-US" dirty="0" err="1"/>
-              <a:t>Demotime</a:t>
-            </a:r>
-            <a:r>
-              <a:rPr lang="en-US" dirty="0"/>
-              <a:t>!</a:t>
-            </a:r>
-          </a:p>
-        </p:txBody>
-      </p:sp>
-      <p:pic>
-        <p:nvPicPr>
-          <p:cNvPr id="1026" name="Picture 2" descr="nunc est cudendum (Hammertime in Latin) | el camino de amanda">
-            <a:extLst>
-              <a:ext uri="{FF2B5EF4-FFF2-40B4-BE49-F238E27FC236}">
-                <a16:creationId xmlns:a16="http://schemas.microsoft.com/office/drawing/2014/main" id="{0FBE562E-243D-EBC9-0350-0BD4A127A4D2}"/>
+                <a16:creationId xmlns:a16="http://schemas.microsoft.com/office/drawing/2014/main" id="{AB8A7B4A-259B-F6C9-3704-E6FE25F13729}"/>
               </a:ext>
             </a:extLst>
           </p:cNvPr>
@@ -9567,8 +10681,8 @@
         </p:blipFill>
         <p:spPr bwMode="auto">
           <a:xfrm>
-            <a:off x="7795864" y="1395412"/>
-            <a:ext cx="2800350" cy="4067175"/>
+            <a:off x="8766810" y="3429000"/>
+            <a:ext cx="3048000" cy="2286000"/>
           </a:xfrm>
           <a:prstGeom prst="rect">
             <a:avLst/>
@@ -9588,7 +10702,139 @@
     </p:spTree>
     <p:extLst>
       <p:ext uri="{BB962C8B-B14F-4D97-AF65-F5344CB8AC3E}">
-        <p14:creationId xmlns:p14="http://schemas.microsoft.com/office/powerpoint/2010/main" val="26616789"/>
+        <p14:creationId xmlns:p14="http://schemas.microsoft.com/office/powerpoint/2010/main" val="4142821145"/>
+      </p:ext>
+    </p:extLst>
+  </p:cSld>
+  <p:clrMapOvr>
+    <a:masterClrMapping/>
+  </p:clrMapOvr>
+  <p:transition>
+    <p:fade/>
+  </p:transition>
+</p:sld>
+</file>
+
+<file path=ppt/slides/slide29.xml><?xml version="1.0" encoding="utf-8"?>
+<p:sld xmlns:a="http://schemas.openxmlformats.org/drawingml/2006/main" xmlns:r="http://schemas.openxmlformats.org/officeDocument/2006/relationships" xmlns:p="http://schemas.openxmlformats.org/presentationml/2006/main">
+  <p:cSld>
+    <p:spTree>
+      <p:nvGrpSpPr>
+        <p:cNvPr id="1" name="">
+          <a:extLst>
+            <a:ext uri="{FF2B5EF4-FFF2-40B4-BE49-F238E27FC236}">
+              <a16:creationId xmlns:a16="http://schemas.microsoft.com/office/drawing/2014/main" id="{F4F0CDD1-9CD9-5C43-0893-FF410F6C2A32}"/>
+            </a:ext>
+          </a:extLst>
+        </p:cNvPr>
+        <p:cNvGrpSpPr/>
+        <p:nvPr/>
+      </p:nvGrpSpPr>
+      <p:grpSpPr>
+        <a:xfrm>
+          <a:off x="0" y="0"/>
+          <a:ext cx="0" cy="0"/>
+          <a:chOff x="0" y="0"/>
+          <a:chExt cx="0" cy="0"/>
+        </a:xfrm>
+      </p:grpSpPr>
+      <p:sp>
+        <p:nvSpPr>
+          <p:cNvPr id="3" name="Title 2">
+            <a:extLst>
+              <a:ext uri="{FF2B5EF4-FFF2-40B4-BE49-F238E27FC236}">
+                <a16:creationId xmlns:a16="http://schemas.microsoft.com/office/drawing/2014/main" id="{73C5A9C6-1D10-26E5-DB6B-7C8B1A403332}"/>
+              </a:ext>
+            </a:extLst>
+          </p:cNvPr>
+          <p:cNvSpPr>
+            <a:spLocks noGrp="1"/>
+          </p:cNvSpPr>
+          <p:nvPr>
+            <p:ph type="title"/>
+          </p:nvPr>
+        </p:nvSpPr>
+        <p:spPr/>
+        <p:txBody>
+          <a:bodyPr/>
+          <a:lstStyle/>
+          <a:p>
+            <a:r>
+              <a:rPr lang="en-US" dirty="0"/>
+              <a:t>Common Mistakes</a:t>
+            </a:r>
+          </a:p>
+        </p:txBody>
+      </p:sp>
+      <p:sp>
+        <p:nvSpPr>
+          <p:cNvPr id="4" name="Text Placeholder 3">
+            <a:extLst>
+              <a:ext uri="{FF2B5EF4-FFF2-40B4-BE49-F238E27FC236}">
+                <a16:creationId xmlns:a16="http://schemas.microsoft.com/office/drawing/2014/main" id="{C8482D1B-5EA0-CCC2-D914-6FCBBF63F7B0}"/>
+              </a:ext>
+            </a:extLst>
+          </p:cNvPr>
+          <p:cNvSpPr>
+            <a:spLocks noGrp="1"/>
+          </p:cNvSpPr>
+          <p:nvPr>
+            <p:ph type="body" sz="quarter" idx="10"/>
+          </p:nvPr>
+        </p:nvSpPr>
+        <p:spPr>
+          <a:xfrm>
+            <a:off x="269239" y="1197324"/>
+            <a:ext cx="11653523" cy="1728037"/>
+          </a:xfrm>
+        </p:spPr>
+        <p:txBody>
+          <a:bodyPr/>
+          <a:lstStyle/>
+          <a:p>
+            <a:r>
+              <a:rPr lang="en-US" dirty="0" err="1"/>
+              <a:t>WaitAsync</a:t>
+            </a:r>
+            <a:r>
+              <a:rPr lang="en-US" dirty="0"/>
+              <a:t>(</a:t>
+            </a:r>
+            <a:r>
+              <a:rPr lang="en-US" dirty="0" err="1"/>
+              <a:t>CancellationToken</a:t>
+            </a:r>
+            <a:r>
+              <a:rPr lang="en-US" dirty="0"/>
+              <a:t>) to “cancel” a task</a:t>
+            </a:r>
+          </a:p>
+          <a:p>
+            <a:pPr marL="457200" indent="-457200">
+              <a:buFontTx/>
+              <a:buChar char="-"/>
+            </a:pPr>
+            <a:r>
+              <a:rPr lang="en-US" dirty="0"/>
+              <a:t>The token cancels the wait, not the task.</a:t>
+            </a:r>
+          </a:p>
+          <a:p>
+            <a:pPr marL="457200" indent="-457200">
+              <a:buFontTx/>
+              <a:buChar char="-"/>
+            </a:pPr>
+            <a:r>
+              <a:rPr lang="en-US" dirty="0"/>
+              <a:t>You should pass the token into the code returning the task.</a:t>
+            </a:r>
+          </a:p>
+        </p:txBody>
+      </p:sp>
+    </p:spTree>
+    <p:extLst>
+      <p:ext uri="{BB962C8B-B14F-4D97-AF65-F5344CB8AC3E}">
+        <p14:creationId xmlns:p14="http://schemas.microsoft.com/office/powerpoint/2010/main" val="1842560924"/>
       </p:ext>
     </p:extLst>
   </p:cSld>
@@ -9675,6 +10921,1106 @@
 </file>
 
 <file path=ppt/slides/slide30.xml><?xml version="1.0" encoding="utf-8"?>
+<p:sld xmlns:a="http://schemas.openxmlformats.org/drawingml/2006/main" xmlns:r="http://schemas.openxmlformats.org/officeDocument/2006/relationships" xmlns:p="http://schemas.openxmlformats.org/presentationml/2006/main">
+  <p:cSld>
+    <p:spTree>
+      <p:nvGrpSpPr>
+        <p:cNvPr id="1" name="">
+          <a:extLst>
+            <a:ext uri="{FF2B5EF4-FFF2-40B4-BE49-F238E27FC236}">
+              <a16:creationId xmlns:a16="http://schemas.microsoft.com/office/drawing/2014/main" id="{F454C0CF-0A9B-D4E6-2FE2-8D904BCEB6CD}"/>
+            </a:ext>
+          </a:extLst>
+        </p:cNvPr>
+        <p:cNvGrpSpPr/>
+        <p:nvPr/>
+      </p:nvGrpSpPr>
+      <p:grpSpPr>
+        <a:xfrm>
+          <a:off x="0" y="0"/>
+          <a:ext cx="0" cy="0"/>
+          <a:chOff x="0" y="0"/>
+          <a:chExt cx="0" cy="0"/>
+        </a:xfrm>
+      </p:grpSpPr>
+      <p:sp>
+        <p:nvSpPr>
+          <p:cNvPr id="3" name="Title 2">
+            <a:extLst>
+              <a:ext uri="{FF2B5EF4-FFF2-40B4-BE49-F238E27FC236}">
+                <a16:creationId xmlns:a16="http://schemas.microsoft.com/office/drawing/2014/main" id="{5A8C9654-BA5E-3E1B-254B-FEE43CFA7DFE}"/>
+              </a:ext>
+            </a:extLst>
+          </p:cNvPr>
+          <p:cNvSpPr>
+            <a:spLocks noGrp="1"/>
+          </p:cNvSpPr>
+          <p:nvPr>
+            <p:ph type="title"/>
+          </p:nvPr>
+        </p:nvSpPr>
+        <p:spPr/>
+        <p:txBody>
+          <a:bodyPr/>
+          <a:lstStyle/>
+          <a:p>
+            <a:r>
+              <a:rPr lang="en-US" dirty="0"/>
+              <a:t>Common Mistakes</a:t>
+            </a:r>
+          </a:p>
+        </p:txBody>
+      </p:sp>
+      <p:sp>
+        <p:nvSpPr>
+          <p:cNvPr id="4" name="Text Placeholder 3">
+            <a:extLst>
+              <a:ext uri="{FF2B5EF4-FFF2-40B4-BE49-F238E27FC236}">
+                <a16:creationId xmlns:a16="http://schemas.microsoft.com/office/drawing/2014/main" id="{60CBA262-0912-CF1D-01C4-8E7BD60BE03D}"/>
+              </a:ext>
+            </a:extLst>
+          </p:cNvPr>
+          <p:cNvSpPr>
+            <a:spLocks noGrp="1"/>
+          </p:cNvSpPr>
+          <p:nvPr>
+            <p:ph type="body" sz="quarter" idx="10"/>
+          </p:nvPr>
+        </p:nvSpPr>
+        <p:spPr>
+          <a:xfrm>
+            <a:off x="269239" y="1197324"/>
+            <a:ext cx="11653523" cy="2624180"/>
+          </a:xfrm>
+        </p:spPr>
+        <p:txBody>
+          <a:bodyPr/>
+          <a:lstStyle/>
+          <a:p>
+            <a:r>
+              <a:rPr lang="en-US" dirty="0"/>
+              <a:t>Fake async methods</a:t>
+            </a:r>
+          </a:p>
+          <a:p>
+            <a:pPr marL="457200" indent="-457200">
+              <a:buFontTx/>
+              <a:buChar char="-"/>
+            </a:pPr>
+            <a:r>
+              <a:rPr lang="en-US" dirty="0"/>
+              <a:t>Method implementations wrapped in </a:t>
+            </a:r>
+            <a:r>
+              <a:rPr lang="en-US" dirty="0" err="1"/>
+              <a:t>Task.Run</a:t>
+            </a:r>
+            <a:br>
+              <a:rPr lang="en-US" dirty="0"/>
+            </a:br>
+            <a:r>
+              <a:rPr lang="en-US" dirty="0"/>
+              <a:t>are a code smell.</a:t>
+            </a:r>
+          </a:p>
+          <a:p>
+            <a:pPr marL="457200" indent="-457200">
+              <a:buFontTx/>
+              <a:buChar char="-"/>
+            </a:pPr>
+            <a:r>
+              <a:rPr lang="en-US" i="1" dirty="0"/>
+              <a:t>Call</a:t>
+            </a:r>
+            <a:r>
+              <a:rPr lang="en-US" dirty="0"/>
+              <a:t> methods with </a:t>
+            </a:r>
+            <a:r>
+              <a:rPr lang="en-US" dirty="0" err="1"/>
+              <a:t>Task.Run</a:t>
+            </a:r>
+            <a:r>
+              <a:rPr lang="en-US" dirty="0"/>
+              <a:t> (if appropriate);</a:t>
+            </a:r>
+            <a:br>
+              <a:rPr lang="en-US" dirty="0"/>
+            </a:br>
+            <a:r>
+              <a:rPr lang="en-US" dirty="0"/>
+              <a:t>don’t </a:t>
+            </a:r>
+            <a:r>
+              <a:rPr lang="en-US" i="1" dirty="0"/>
+              <a:t>implement</a:t>
+            </a:r>
+            <a:r>
+              <a:rPr lang="en-US" dirty="0"/>
+              <a:t> them with </a:t>
+            </a:r>
+            <a:r>
+              <a:rPr lang="en-US" dirty="0" err="1"/>
+              <a:t>Task.Run</a:t>
+            </a:r>
+            <a:r>
+              <a:rPr lang="en-US" dirty="0"/>
+              <a:t>.</a:t>
+            </a:r>
+          </a:p>
+        </p:txBody>
+      </p:sp>
+    </p:spTree>
+    <p:extLst>
+      <p:ext uri="{BB962C8B-B14F-4D97-AF65-F5344CB8AC3E}">
+        <p14:creationId xmlns:p14="http://schemas.microsoft.com/office/powerpoint/2010/main" val="1410123693"/>
+      </p:ext>
+    </p:extLst>
+  </p:cSld>
+  <p:clrMapOvr>
+    <a:masterClrMapping/>
+  </p:clrMapOvr>
+  <p:transition>
+    <p:fade/>
+  </p:transition>
+</p:sld>
+</file>
+
+<file path=ppt/slides/slide31.xml><?xml version="1.0" encoding="utf-8"?>
+<p:sld xmlns:a="http://schemas.openxmlformats.org/drawingml/2006/main" xmlns:r="http://schemas.openxmlformats.org/officeDocument/2006/relationships" xmlns:p="http://schemas.openxmlformats.org/presentationml/2006/main">
+  <p:cSld>
+    <p:spTree>
+      <p:nvGrpSpPr>
+        <p:cNvPr id="1" name="">
+          <a:extLst>
+            <a:ext uri="{FF2B5EF4-FFF2-40B4-BE49-F238E27FC236}">
+              <a16:creationId xmlns:a16="http://schemas.microsoft.com/office/drawing/2014/main" id="{2A4A84F2-3CC7-4241-40F3-3C1E4A810344}"/>
+            </a:ext>
+          </a:extLst>
+        </p:cNvPr>
+        <p:cNvGrpSpPr/>
+        <p:nvPr/>
+      </p:nvGrpSpPr>
+      <p:grpSpPr>
+        <a:xfrm>
+          <a:off x="0" y="0"/>
+          <a:ext cx="0" cy="0"/>
+          <a:chOff x="0" y="0"/>
+          <a:chExt cx="0" cy="0"/>
+        </a:xfrm>
+      </p:grpSpPr>
+      <p:sp>
+        <p:nvSpPr>
+          <p:cNvPr id="3" name="Title 2">
+            <a:extLst>
+              <a:ext uri="{FF2B5EF4-FFF2-40B4-BE49-F238E27FC236}">
+                <a16:creationId xmlns:a16="http://schemas.microsoft.com/office/drawing/2014/main" id="{FC6AECC0-ABFE-18EC-DA36-6F7820211B92}"/>
+              </a:ext>
+            </a:extLst>
+          </p:cNvPr>
+          <p:cNvSpPr>
+            <a:spLocks noGrp="1"/>
+          </p:cNvSpPr>
+          <p:nvPr>
+            <p:ph type="title"/>
+          </p:nvPr>
+        </p:nvSpPr>
+        <p:spPr/>
+        <p:txBody>
+          <a:bodyPr/>
+          <a:lstStyle/>
+          <a:p>
+            <a:r>
+              <a:rPr lang="en-US" dirty="0"/>
+              <a:t>Common Mistakes</a:t>
+            </a:r>
+          </a:p>
+        </p:txBody>
+      </p:sp>
+      <p:sp>
+        <p:nvSpPr>
+          <p:cNvPr id="4" name="Text Placeholder 3">
+            <a:extLst>
+              <a:ext uri="{FF2B5EF4-FFF2-40B4-BE49-F238E27FC236}">
+                <a16:creationId xmlns:a16="http://schemas.microsoft.com/office/drawing/2014/main" id="{7FBBD7CF-65B9-549F-2EBA-C13EBC7D4E32}"/>
+              </a:ext>
+            </a:extLst>
+          </p:cNvPr>
+          <p:cNvSpPr>
+            <a:spLocks noGrp="1"/>
+          </p:cNvSpPr>
+          <p:nvPr>
+            <p:ph type="body" sz="quarter" idx="10"/>
+          </p:nvPr>
+        </p:nvSpPr>
+        <p:spPr>
+          <a:xfrm>
+            <a:off x="269239" y="1197324"/>
+            <a:ext cx="11653523" cy="2823337"/>
+          </a:xfrm>
+        </p:spPr>
+        <p:txBody>
+          <a:bodyPr/>
+          <a:lstStyle/>
+          <a:p>
+            <a:r>
+              <a:rPr lang="en-US" dirty="0"/>
+              <a:t>Using </a:t>
+            </a:r>
+            <a:r>
+              <a:rPr lang="en-US" dirty="0" err="1"/>
+              <a:t>WhenAny</a:t>
+            </a:r>
+            <a:r>
+              <a:rPr lang="en-US" dirty="0"/>
+              <a:t> + Remove to process tasks as they complete.</a:t>
+            </a:r>
+          </a:p>
+          <a:p>
+            <a:pPr marL="457200" indent="-457200">
+              <a:buFontTx/>
+              <a:buChar char="-"/>
+            </a:pPr>
+            <a:r>
+              <a:rPr lang="en-US" dirty="0"/>
+              <a:t>Unnecessary O(N^2)</a:t>
+            </a:r>
+          </a:p>
+          <a:p>
+            <a:pPr marL="457200" indent="-457200">
+              <a:buFontTx/>
+              <a:buChar char="-"/>
+            </a:pPr>
+            <a:r>
+              <a:rPr lang="en-US" dirty="0"/>
+              <a:t>Best: compose async methods.</a:t>
+            </a:r>
+          </a:p>
+          <a:p>
+            <a:pPr marL="457200" indent="-457200">
+              <a:buFontTx/>
+              <a:buChar char="-"/>
+            </a:pPr>
+            <a:r>
+              <a:rPr lang="en-US" dirty="0"/>
+              <a:t>Better: </a:t>
+            </a:r>
+            <a:r>
+              <a:rPr lang="en-US" dirty="0" err="1"/>
+              <a:t>Task.WhenEach</a:t>
+            </a:r>
+            <a:endParaRPr lang="en-US" dirty="0"/>
+          </a:p>
+          <a:p>
+            <a:pPr marL="457200" indent="-457200">
+              <a:buFontTx/>
+              <a:buChar char="-"/>
+            </a:pPr>
+            <a:r>
+              <a:rPr lang="en-US" dirty="0"/>
+              <a:t>Good: </a:t>
+            </a:r>
+            <a:r>
+              <a:rPr lang="en-US" dirty="0" err="1"/>
+              <a:t>Nito.AsyncEx</a:t>
+            </a:r>
+            <a:r>
+              <a:rPr lang="en-US" dirty="0"/>
+              <a:t> </a:t>
+            </a:r>
+            <a:r>
+              <a:rPr lang="en-US" dirty="0" err="1"/>
+              <a:t>OrderByCompletion</a:t>
+            </a:r>
+            <a:endParaRPr lang="en-US" dirty="0"/>
+          </a:p>
+        </p:txBody>
+      </p:sp>
+    </p:spTree>
+    <p:extLst>
+      <p:ext uri="{BB962C8B-B14F-4D97-AF65-F5344CB8AC3E}">
+        <p14:creationId xmlns:p14="http://schemas.microsoft.com/office/powerpoint/2010/main" val="549771731"/>
+      </p:ext>
+    </p:extLst>
+  </p:cSld>
+  <p:clrMapOvr>
+    <a:masterClrMapping/>
+  </p:clrMapOvr>
+  <p:transition>
+    <p:fade/>
+  </p:transition>
+</p:sld>
+</file>
+
+<file path=ppt/slides/slide32.xml><?xml version="1.0" encoding="utf-8"?>
+<p:sld xmlns:a="http://schemas.openxmlformats.org/drawingml/2006/main" xmlns:r="http://schemas.openxmlformats.org/officeDocument/2006/relationships" xmlns:p="http://schemas.openxmlformats.org/presentationml/2006/main">
+  <p:cSld>
+    <p:spTree>
+      <p:nvGrpSpPr>
+        <p:cNvPr id="1" name="">
+          <a:extLst>
+            <a:ext uri="{FF2B5EF4-FFF2-40B4-BE49-F238E27FC236}">
+              <a16:creationId xmlns:a16="http://schemas.microsoft.com/office/drawing/2014/main" id="{4DDC2C15-ADFA-3FE2-7120-5EF4A5F0BBE8}"/>
+            </a:ext>
+          </a:extLst>
+        </p:cNvPr>
+        <p:cNvGrpSpPr/>
+        <p:nvPr/>
+      </p:nvGrpSpPr>
+      <p:grpSpPr>
+        <a:xfrm>
+          <a:off x="0" y="0"/>
+          <a:ext cx="0" cy="0"/>
+          <a:chOff x="0" y="0"/>
+          <a:chExt cx="0" cy="0"/>
+        </a:xfrm>
+      </p:grpSpPr>
+      <p:sp>
+        <p:nvSpPr>
+          <p:cNvPr id="3" name="Title 2">
+            <a:extLst>
+              <a:ext uri="{FF2B5EF4-FFF2-40B4-BE49-F238E27FC236}">
+                <a16:creationId xmlns:a16="http://schemas.microsoft.com/office/drawing/2014/main" id="{D1E33185-505C-E341-ECB9-60CDCEA3EC82}"/>
+              </a:ext>
+            </a:extLst>
+          </p:cNvPr>
+          <p:cNvSpPr>
+            <a:spLocks noGrp="1"/>
+          </p:cNvSpPr>
+          <p:nvPr>
+            <p:ph type="title"/>
+          </p:nvPr>
+        </p:nvSpPr>
+        <p:spPr/>
+        <p:txBody>
+          <a:bodyPr/>
+          <a:lstStyle/>
+          <a:p>
+            <a:r>
+              <a:rPr lang="en-US" dirty="0"/>
+              <a:t>Common Mistakes</a:t>
+            </a:r>
+          </a:p>
+        </p:txBody>
+      </p:sp>
+      <p:sp>
+        <p:nvSpPr>
+          <p:cNvPr id="4" name="Text Placeholder 3">
+            <a:extLst>
+              <a:ext uri="{FF2B5EF4-FFF2-40B4-BE49-F238E27FC236}">
+                <a16:creationId xmlns:a16="http://schemas.microsoft.com/office/drawing/2014/main" id="{4F1185C5-A954-F914-8C41-BF75B94BF611}"/>
+              </a:ext>
+            </a:extLst>
+          </p:cNvPr>
+          <p:cNvSpPr>
+            <a:spLocks noGrp="1"/>
+          </p:cNvSpPr>
+          <p:nvPr>
+            <p:ph type="body" sz="quarter" idx="10"/>
+          </p:nvPr>
+        </p:nvSpPr>
+        <p:spPr>
+          <a:xfrm>
+            <a:off x="269239" y="1197324"/>
+            <a:ext cx="11653523" cy="1180388"/>
+          </a:xfrm>
+        </p:spPr>
+        <p:txBody>
+          <a:bodyPr/>
+          <a:lstStyle/>
+          <a:p>
+            <a:r>
+              <a:rPr lang="en-US" dirty="0"/>
+              <a:t>Unnecessary callbacks</a:t>
+            </a:r>
+          </a:p>
+          <a:p>
+            <a:r>
+              <a:rPr lang="en-US" dirty="0"/>
+              <a:t>Task </a:t>
+            </a:r>
+            <a:r>
+              <a:rPr lang="en-US" i="1" dirty="0"/>
+              <a:t>already has</a:t>
+            </a:r>
+            <a:r>
+              <a:rPr lang="en-US" dirty="0"/>
+              <a:t> callbacks. Just use await.</a:t>
+            </a:r>
+          </a:p>
+        </p:txBody>
+      </p:sp>
+    </p:spTree>
+    <p:extLst>
+      <p:ext uri="{BB962C8B-B14F-4D97-AF65-F5344CB8AC3E}">
+        <p14:creationId xmlns:p14="http://schemas.microsoft.com/office/powerpoint/2010/main" val="3741933252"/>
+      </p:ext>
+    </p:extLst>
+  </p:cSld>
+  <p:clrMapOvr>
+    <a:masterClrMapping/>
+  </p:clrMapOvr>
+  <p:transition>
+    <p:fade/>
+  </p:transition>
+</p:sld>
+</file>
+
+<file path=ppt/slides/slide33.xml><?xml version="1.0" encoding="utf-8"?>
+<p:sld xmlns:a="http://schemas.openxmlformats.org/drawingml/2006/main" xmlns:r="http://schemas.openxmlformats.org/officeDocument/2006/relationships" xmlns:p="http://schemas.openxmlformats.org/presentationml/2006/main">
+  <p:cSld>
+    <p:spTree>
+      <p:nvGrpSpPr>
+        <p:cNvPr id="1" name="">
+          <a:extLst>
+            <a:ext uri="{FF2B5EF4-FFF2-40B4-BE49-F238E27FC236}">
+              <a16:creationId xmlns:a16="http://schemas.microsoft.com/office/drawing/2014/main" id="{CCB771D4-F766-2F44-4898-0E15F056CF07}"/>
+            </a:ext>
+          </a:extLst>
+        </p:cNvPr>
+        <p:cNvGrpSpPr/>
+        <p:nvPr/>
+      </p:nvGrpSpPr>
+      <p:grpSpPr>
+        <a:xfrm>
+          <a:off x="0" y="0"/>
+          <a:ext cx="0" cy="0"/>
+          <a:chOff x="0" y="0"/>
+          <a:chExt cx="0" cy="0"/>
+        </a:xfrm>
+      </p:grpSpPr>
+      <p:sp>
+        <p:nvSpPr>
+          <p:cNvPr id="2" name="Title 1">
+            <a:extLst>
+              <a:ext uri="{FF2B5EF4-FFF2-40B4-BE49-F238E27FC236}">
+                <a16:creationId xmlns:a16="http://schemas.microsoft.com/office/drawing/2014/main" id="{C94A330D-FB72-0517-45A0-52CB7A5FA460}"/>
+              </a:ext>
+            </a:extLst>
+          </p:cNvPr>
+          <p:cNvSpPr>
+            <a:spLocks noGrp="1"/>
+          </p:cNvSpPr>
+          <p:nvPr>
+            <p:ph type="title"/>
+          </p:nvPr>
+        </p:nvSpPr>
+        <p:spPr/>
+        <p:txBody>
+          <a:bodyPr/>
+          <a:lstStyle/>
+          <a:p>
+            <a:r>
+              <a:rPr lang="en-US" dirty="0"/>
+              <a:t>Bonus Round!</a:t>
+            </a:r>
+          </a:p>
+        </p:txBody>
+      </p:sp>
+      <p:pic>
+        <p:nvPicPr>
+          <p:cNvPr id="2050" name="Picture 2">
+            <a:extLst>
+              <a:ext uri="{FF2B5EF4-FFF2-40B4-BE49-F238E27FC236}">
+                <a16:creationId xmlns:a16="http://schemas.microsoft.com/office/drawing/2014/main" id="{4D9233A2-0FA5-1BD4-7EBB-C162CD198A94}"/>
+              </a:ext>
+            </a:extLst>
+          </p:cNvPr>
+          <p:cNvPicPr>
+            <a:picLocks noChangeAspect="1" noChangeArrowheads="1"/>
+          </p:cNvPicPr>
+          <p:nvPr/>
+        </p:nvPicPr>
+        <p:blipFill>
+          <a:blip r:embed="rId3">
+            <a:extLst>
+              <a:ext uri="{28A0092B-C50C-407E-A947-70E740481C1C}">
+                <a14:useLocalDpi xmlns:a14="http://schemas.microsoft.com/office/drawing/2010/main" val="0"/>
+              </a:ext>
+            </a:extLst>
+          </a:blip>
+          <a:srcRect/>
+          <a:stretch>
+            <a:fillRect/>
+          </a:stretch>
+        </p:blipFill>
+        <p:spPr bwMode="auto">
+          <a:xfrm>
+            <a:off x="7488608" y="1211580"/>
+            <a:ext cx="4269052" cy="3188018"/>
+          </a:xfrm>
+          <a:prstGeom prst="rect">
+            <a:avLst/>
+          </a:prstGeom>
+          <a:noFill/>
+          <a:extLst>
+            <a:ext uri="{909E8E84-426E-40DD-AFC4-6F175D3DCCD1}">
+              <a14:hiddenFill xmlns:a14="http://schemas.microsoft.com/office/drawing/2010/main">
+                <a:solidFill>
+                  <a:srgbClr val="FFFFFF"/>
+                </a:solidFill>
+              </a14:hiddenFill>
+            </a:ext>
+          </a:extLst>
+        </p:spPr>
+      </p:pic>
+    </p:spTree>
+    <p:extLst>
+      <p:ext uri="{BB962C8B-B14F-4D97-AF65-F5344CB8AC3E}">
+        <p14:creationId xmlns:p14="http://schemas.microsoft.com/office/powerpoint/2010/main" val="442969736"/>
+      </p:ext>
+    </p:extLst>
+  </p:cSld>
+  <p:clrMapOvr>
+    <a:masterClrMapping/>
+  </p:clrMapOvr>
+  <p:transition>
+    <p:fade/>
+  </p:transition>
+</p:sld>
+</file>
+
+<file path=ppt/slides/slide34.xml><?xml version="1.0" encoding="utf-8"?>
+<p:sld xmlns:a="http://schemas.openxmlformats.org/drawingml/2006/main" xmlns:r="http://schemas.openxmlformats.org/officeDocument/2006/relationships" xmlns:p="http://schemas.openxmlformats.org/presentationml/2006/main">
+  <p:cSld>
+    <p:spTree>
+      <p:nvGrpSpPr>
+        <p:cNvPr id="1" name="">
+          <a:extLst>
+            <a:ext uri="{FF2B5EF4-FFF2-40B4-BE49-F238E27FC236}">
+              <a16:creationId xmlns:a16="http://schemas.microsoft.com/office/drawing/2014/main" id="{04DCB90F-52D3-DEE0-E2EA-83A285B6B58A}"/>
+            </a:ext>
+          </a:extLst>
+        </p:cNvPr>
+        <p:cNvGrpSpPr/>
+        <p:nvPr/>
+      </p:nvGrpSpPr>
+      <p:grpSpPr>
+        <a:xfrm>
+          <a:off x="0" y="0"/>
+          <a:ext cx="0" cy="0"/>
+          <a:chOff x="0" y="0"/>
+          <a:chExt cx="0" cy="0"/>
+        </a:xfrm>
+      </p:grpSpPr>
+      <p:sp>
+        <p:nvSpPr>
+          <p:cNvPr id="3" name="Title 2">
+            <a:extLst>
+              <a:ext uri="{FF2B5EF4-FFF2-40B4-BE49-F238E27FC236}">
+                <a16:creationId xmlns:a16="http://schemas.microsoft.com/office/drawing/2014/main" id="{3EB60D05-9C09-529D-59CC-F22B066E223B}"/>
+              </a:ext>
+            </a:extLst>
+          </p:cNvPr>
+          <p:cNvSpPr>
+            <a:spLocks noGrp="1"/>
+          </p:cNvSpPr>
+          <p:nvPr>
+            <p:ph type="title"/>
+          </p:nvPr>
+        </p:nvSpPr>
+        <p:spPr/>
+        <p:txBody>
+          <a:bodyPr/>
+          <a:lstStyle/>
+          <a:p>
+            <a:r>
+              <a:rPr lang="en-US" dirty="0"/>
+              <a:t>Common Mistakes</a:t>
+            </a:r>
+          </a:p>
+        </p:txBody>
+      </p:sp>
+      <p:sp>
+        <p:nvSpPr>
+          <p:cNvPr id="4" name="Text Placeholder 3">
+            <a:extLst>
+              <a:ext uri="{FF2B5EF4-FFF2-40B4-BE49-F238E27FC236}">
+                <a16:creationId xmlns:a16="http://schemas.microsoft.com/office/drawing/2014/main" id="{E7E09CA5-CC29-E42E-EF74-E65DDFA98DC1}"/>
+              </a:ext>
+            </a:extLst>
+          </p:cNvPr>
+          <p:cNvSpPr>
+            <a:spLocks noGrp="1"/>
+          </p:cNvSpPr>
+          <p:nvPr>
+            <p:ph type="body" sz="quarter" idx="10"/>
+          </p:nvPr>
+        </p:nvSpPr>
+        <p:spPr>
+          <a:xfrm>
+            <a:off x="269239" y="1197324"/>
+            <a:ext cx="11653523" cy="2723759"/>
+          </a:xfrm>
+        </p:spPr>
+        <p:txBody>
+          <a:bodyPr/>
+          <a:lstStyle/>
+          <a:p>
+            <a:r>
+              <a:rPr lang="en-US" dirty="0"/>
+              <a:t>Using </a:t>
+            </a:r>
+            <a:r>
+              <a:rPr lang="en-US" dirty="0" err="1"/>
+              <a:t>ConfigureAwait</a:t>
+            </a:r>
+            <a:r>
+              <a:rPr lang="en-US" dirty="0"/>
+              <a:t>(false) </a:t>
+            </a:r>
+            <a:r>
+              <a:rPr lang="en-US" u="sng" dirty="0"/>
+              <a:t>to avoid deadlocks</a:t>
+            </a:r>
+          </a:p>
+          <a:p>
+            <a:r>
+              <a:rPr lang="en-US" dirty="0"/>
+              <a:t>Problems:</a:t>
+            </a:r>
+          </a:p>
+          <a:p>
+            <a:pPr marL="457200" indent="-457200">
+              <a:buFontTx/>
+              <a:buChar char="-"/>
+            </a:pPr>
+            <a:r>
+              <a:rPr lang="en-US" dirty="0"/>
+              <a:t>Have to use it </a:t>
+            </a:r>
+            <a:r>
+              <a:rPr lang="en-US" i="1" dirty="0"/>
+              <a:t>everywhere!</a:t>
+            </a:r>
+            <a:r>
+              <a:rPr lang="en-US" dirty="0"/>
+              <a:t> If you miss even one, you can deadlock in prod.</a:t>
+            </a:r>
+          </a:p>
+          <a:p>
+            <a:pPr marL="457200" indent="-457200">
+              <a:buFontTx/>
+              <a:buChar char="-"/>
+            </a:pPr>
+            <a:r>
+              <a:rPr lang="en-US" dirty="0"/>
+              <a:t>You’re still blocking the UI thread. </a:t>
+            </a:r>
+          </a:p>
+        </p:txBody>
+      </p:sp>
+    </p:spTree>
+    <p:extLst>
+      <p:ext uri="{BB962C8B-B14F-4D97-AF65-F5344CB8AC3E}">
+        <p14:creationId xmlns:p14="http://schemas.microsoft.com/office/powerpoint/2010/main" val="3410146210"/>
+      </p:ext>
+    </p:extLst>
+  </p:cSld>
+  <p:clrMapOvr>
+    <a:masterClrMapping/>
+  </p:clrMapOvr>
+  <p:transition>
+    <p:fade/>
+  </p:transition>
+</p:sld>
+</file>
+
+<file path=ppt/slides/slide35.xml><?xml version="1.0" encoding="utf-8"?>
+<p:sld xmlns:a="http://schemas.openxmlformats.org/drawingml/2006/main" xmlns:r="http://schemas.openxmlformats.org/officeDocument/2006/relationships" xmlns:p="http://schemas.openxmlformats.org/presentationml/2006/main">
+  <p:cSld>
+    <p:spTree>
+      <p:nvGrpSpPr>
+        <p:cNvPr id="1" name="">
+          <a:extLst>
+            <a:ext uri="{FF2B5EF4-FFF2-40B4-BE49-F238E27FC236}">
+              <a16:creationId xmlns:a16="http://schemas.microsoft.com/office/drawing/2014/main" id="{A16CB230-B1CA-105C-F0BD-6D17CA4ECA37}"/>
+            </a:ext>
+          </a:extLst>
+        </p:cNvPr>
+        <p:cNvGrpSpPr/>
+        <p:nvPr/>
+      </p:nvGrpSpPr>
+      <p:grpSpPr>
+        <a:xfrm>
+          <a:off x="0" y="0"/>
+          <a:ext cx="0" cy="0"/>
+          <a:chOff x="0" y="0"/>
+          <a:chExt cx="0" cy="0"/>
+        </a:xfrm>
+      </p:grpSpPr>
+      <p:sp>
+        <p:nvSpPr>
+          <p:cNvPr id="3" name="Title 2">
+            <a:extLst>
+              <a:ext uri="{FF2B5EF4-FFF2-40B4-BE49-F238E27FC236}">
+                <a16:creationId xmlns:a16="http://schemas.microsoft.com/office/drawing/2014/main" id="{8E7F5D12-9470-6358-89F7-890826E0221E}"/>
+              </a:ext>
+            </a:extLst>
+          </p:cNvPr>
+          <p:cNvSpPr>
+            <a:spLocks noGrp="1"/>
+          </p:cNvSpPr>
+          <p:nvPr>
+            <p:ph type="title"/>
+          </p:nvPr>
+        </p:nvSpPr>
+        <p:spPr/>
+        <p:txBody>
+          <a:bodyPr/>
+          <a:lstStyle/>
+          <a:p>
+            <a:r>
+              <a:rPr lang="en-US" dirty="0"/>
+              <a:t>Common Mistakes</a:t>
+            </a:r>
+          </a:p>
+        </p:txBody>
+      </p:sp>
+      <p:sp>
+        <p:nvSpPr>
+          <p:cNvPr id="4" name="Text Placeholder 3">
+            <a:extLst>
+              <a:ext uri="{FF2B5EF4-FFF2-40B4-BE49-F238E27FC236}">
+                <a16:creationId xmlns:a16="http://schemas.microsoft.com/office/drawing/2014/main" id="{8E619ADF-0479-96EA-50E1-9BF9156CF8FC}"/>
+              </a:ext>
+            </a:extLst>
+          </p:cNvPr>
+          <p:cNvSpPr>
+            <a:spLocks noGrp="1"/>
+          </p:cNvSpPr>
+          <p:nvPr>
+            <p:ph type="body" sz="quarter" idx="10"/>
+          </p:nvPr>
+        </p:nvSpPr>
+        <p:spPr>
+          <a:xfrm>
+            <a:off x="269239" y="1197324"/>
+            <a:ext cx="11653523" cy="4516044"/>
+          </a:xfrm>
+        </p:spPr>
+        <p:txBody>
+          <a:bodyPr/>
+          <a:lstStyle/>
+          <a:p>
+            <a:r>
+              <a:rPr lang="en-US" dirty="0"/>
+              <a:t>Async events: Strategy vs Observer</a:t>
+            </a:r>
+          </a:p>
+          <a:p>
+            <a:r>
+              <a:rPr lang="en-US" dirty="0"/>
+              <a:t>You find yourself wanting to allow asynchronous event handlers </a:t>
+            </a:r>
+            <a:r>
+              <a:rPr lang="en-US" i="1" dirty="0"/>
+              <a:t>that cannot be async void</a:t>
+            </a:r>
+            <a:r>
+              <a:rPr lang="en-US" dirty="0"/>
+              <a:t>. The event-raising code must (a)wait the handlers, possibly retrieving results.</a:t>
+            </a:r>
+          </a:p>
+          <a:p>
+            <a:pPr marL="457200" indent="-457200">
+              <a:buFontTx/>
+              <a:buChar char="-"/>
+            </a:pPr>
+            <a:r>
+              <a:rPr lang="en-US" dirty="0"/>
+              <a:t>Events are used to implement the Observer pattern.</a:t>
+            </a:r>
+          </a:p>
+          <a:p>
+            <a:pPr marL="457200" indent="-457200">
+              <a:buFontTx/>
+              <a:buChar char="-"/>
+            </a:pPr>
+            <a:r>
+              <a:rPr lang="en-US" dirty="0"/>
+              <a:t>Your code is using the Strategy pattern. It </a:t>
+            </a:r>
+            <a:r>
+              <a:rPr lang="en-US" i="1" dirty="0"/>
+              <a:t>shouldn’t be an event</a:t>
+            </a:r>
+            <a:r>
+              <a:rPr lang="en-US" dirty="0"/>
+              <a:t>. It should be a method, probably on an interface. Replacing an interface with an event is a design shortcut that only works in the synchronous world.</a:t>
+            </a:r>
+          </a:p>
+        </p:txBody>
+      </p:sp>
+    </p:spTree>
+    <p:extLst>
+      <p:ext uri="{BB962C8B-B14F-4D97-AF65-F5344CB8AC3E}">
+        <p14:creationId xmlns:p14="http://schemas.microsoft.com/office/powerpoint/2010/main" val="3478357499"/>
+      </p:ext>
+    </p:extLst>
+  </p:cSld>
+  <p:clrMapOvr>
+    <a:masterClrMapping/>
+  </p:clrMapOvr>
+  <p:transition>
+    <p:fade/>
+  </p:transition>
+</p:sld>
+</file>
+
+<file path=ppt/slides/slide36.xml><?xml version="1.0" encoding="utf-8"?>
+<p:sld xmlns:a="http://schemas.openxmlformats.org/drawingml/2006/main" xmlns:r="http://schemas.openxmlformats.org/officeDocument/2006/relationships" xmlns:p="http://schemas.openxmlformats.org/presentationml/2006/main">
+  <p:cSld>
+    <p:spTree>
+      <p:nvGrpSpPr>
+        <p:cNvPr id="1" name="">
+          <a:extLst>
+            <a:ext uri="{FF2B5EF4-FFF2-40B4-BE49-F238E27FC236}">
+              <a16:creationId xmlns:a16="http://schemas.microsoft.com/office/drawing/2014/main" id="{4F2B21A2-108D-0259-004E-0F3486EA329D}"/>
+            </a:ext>
+          </a:extLst>
+        </p:cNvPr>
+        <p:cNvGrpSpPr/>
+        <p:nvPr/>
+      </p:nvGrpSpPr>
+      <p:grpSpPr>
+        <a:xfrm>
+          <a:off x="0" y="0"/>
+          <a:ext cx="0" cy="0"/>
+          <a:chOff x="0" y="0"/>
+          <a:chExt cx="0" cy="0"/>
+        </a:xfrm>
+      </p:grpSpPr>
+      <p:sp>
+        <p:nvSpPr>
+          <p:cNvPr id="3" name="Title 2">
+            <a:extLst>
+              <a:ext uri="{FF2B5EF4-FFF2-40B4-BE49-F238E27FC236}">
+                <a16:creationId xmlns:a16="http://schemas.microsoft.com/office/drawing/2014/main" id="{BF7A733D-435F-E48B-6BEA-8F9145B1C3BA}"/>
+              </a:ext>
+            </a:extLst>
+          </p:cNvPr>
+          <p:cNvSpPr>
+            <a:spLocks noGrp="1"/>
+          </p:cNvSpPr>
+          <p:nvPr>
+            <p:ph type="title"/>
+          </p:nvPr>
+        </p:nvSpPr>
+        <p:spPr/>
+        <p:txBody>
+          <a:bodyPr/>
+          <a:lstStyle/>
+          <a:p>
+            <a:r>
+              <a:rPr lang="en-US" dirty="0"/>
+              <a:t>Common Mistakes</a:t>
+            </a:r>
+          </a:p>
+        </p:txBody>
+      </p:sp>
+      <p:sp>
+        <p:nvSpPr>
+          <p:cNvPr id="4" name="Text Placeholder 3">
+            <a:extLst>
+              <a:ext uri="{FF2B5EF4-FFF2-40B4-BE49-F238E27FC236}">
+                <a16:creationId xmlns:a16="http://schemas.microsoft.com/office/drawing/2014/main" id="{36B2F2C5-48BA-C0BC-66A2-CB8208ACD2BA}"/>
+              </a:ext>
+            </a:extLst>
+          </p:cNvPr>
+          <p:cNvSpPr>
+            <a:spLocks noGrp="1"/>
+          </p:cNvSpPr>
+          <p:nvPr>
+            <p:ph type="body" sz="quarter" idx="10"/>
+          </p:nvPr>
+        </p:nvSpPr>
+        <p:spPr>
+          <a:xfrm>
+            <a:off x="269239" y="1197324"/>
+            <a:ext cx="11653523" cy="3122009"/>
+          </a:xfrm>
+        </p:spPr>
+        <p:txBody>
+          <a:bodyPr/>
+          <a:lstStyle/>
+          <a:p>
+            <a:r>
+              <a:rPr lang="en-US" dirty="0"/>
+              <a:t>These types already exist – you don’t need to reinvent them!</a:t>
+            </a:r>
+          </a:p>
+          <a:p>
+            <a:pPr marL="457200" indent="-457200">
+              <a:buFontTx/>
+              <a:buChar char="-"/>
+            </a:pPr>
+            <a:r>
+              <a:rPr lang="en-US" dirty="0"/>
+              <a:t>Cancellation: </a:t>
+            </a:r>
+            <a:r>
+              <a:rPr lang="en-US" dirty="0" err="1"/>
+              <a:t>CancellationToken</a:t>
+            </a:r>
+            <a:r>
+              <a:rPr lang="en-US" dirty="0"/>
+              <a:t>, </a:t>
+            </a:r>
+            <a:r>
+              <a:rPr lang="en-US" dirty="0" err="1"/>
+              <a:t>CancellationTokenSource</a:t>
+            </a:r>
+            <a:r>
+              <a:rPr lang="en-US" dirty="0"/>
+              <a:t>, </a:t>
+            </a:r>
+            <a:r>
+              <a:rPr lang="en-US" dirty="0" err="1"/>
+              <a:t>OperationCanceledException</a:t>
+            </a:r>
+            <a:endParaRPr lang="en-US" dirty="0"/>
+          </a:p>
+          <a:p>
+            <a:pPr marL="457200" indent="-457200">
+              <a:buFontTx/>
+              <a:buChar char="-"/>
+            </a:pPr>
+            <a:r>
+              <a:rPr lang="en-US" dirty="0"/>
+              <a:t>Progress reporting: </a:t>
+            </a:r>
+            <a:r>
+              <a:rPr lang="en-US" dirty="0" err="1"/>
+              <a:t>IProgress</a:t>
+            </a:r>
+            <a:r>
+              <a:rPr lang="en-US" dirty="0"/>
+              <a:t>&lt;T&gt;, Progress&lt;T&gt;</a:t>
+            </a:r>
+          </a:p>
+          <a:p>
+            <a:pPr marL="457200" indent="-457200">
+              <a:buFontTx/>
+              <a:buChar char="-"/>
+            </a:pPr>
+            <a:r>
+              <a:rPr lang="en-US" dirty="0"/>
+              <a:t>Consumer/producer queues: </a:t>
+            </a:r>
+            <a:r>
+              <a:rPr lang="en-US" dirty="0" err="1"/>
+              <a:t>System.Threading.Channels</a:t>
+            </a:r>
+            <a:endParaRPr lang="en-US" dirty="0"/>
+          </a:p>
+          <a:p>
+            <a:pPr marL="796926" lvl="1" indent="-457200">
+              <a:buFontTx/>
+              <a:buChar char="-"/>
+            </a:pPr>
+            <a:r>
+              <a:rPr lang="en-US" dirty="0" err="1"/>
+              <a:t>TPL.Dataflow</a:t>
+            </a:r>
+            <a:r>
+              <a:rPr lang="en-US" dirty="0"/>
+              <a:t> is still around, too!</a:t>
+            </a:r>
+          </a:p>
+        </p:txBody>
+      </p:sp>
+    </p:spTree>
+    <p:extLst>
+      <p:ext uri="{BB962C8B-B14F-4D97-AF65-F5344CB8AC3E}">
+        <p14:creationId xmlns:p14="http://schemas.microsoft.com/office/powerpoint/2010/main" val="3322065606"/>
+      </p:ext>
+    </p:extLst>
+  </p:cSld>
+  <p:clrMapOvr>
+    <a:masterClrMapping/>
+  </p:clrMapOvr>
+  <p:transition>
+    <p:fade/>
+  </p:transition>
+</p:sld>
+</file>
+
+<file path=ppt/slides/slide37.xml><?xml version="1.0" encoding="utf-8"?>
+<p:sld xmlns:a="http://schemas.openxmlformats.org/drawingml/2006/main" xmlns:r="http://schemas.openxmlformats.org/officeDocument/2006/relationships" xmlns:p="http://schemas.openxmlformats.org/presentationml/2006/main">
+  <p:cSld>
+    <p:spTree>
+      <p:nvGrpSpPr>
+        <p:cNvPr id="1" name="">
+          <a:extLst>
+            <a:ext uri="{FF2B5EF4-FFF2-40B4-BE49-F238E27FC236}">
+              <a16:creationId xmlns:a16="http://schemas.microsoft.com/office/drawing/2014/main" id="{1604D77F-F1A3-D940-1CB2-FD6E8792A751}"/>
+            </a:ext>
+          </a:extLst>
+        </p:cNvPr>
+        <p:cNvGrpSpPr/>
+        <p:nvPr/>
+      </p:nvGrpSpPr>
+      <p:grpSpPr>
+        <a:xfrm>
+          <a:off x="0" y="0"/>
+          <a:ext cx="0" cy="0"/>
+          <a:chOff x="0" y="0"/>
+          <a:chExt cx="0" cy="0"/>
+        </a:xfrm>
+      </p:grpSpPr>
+      <p:pic>
+        <p:nvPicPr>
+          <p:cNvPr id="3" name="Picture 2">
+            <a:extLst>
+              <a:ext uri="{FF2B5EF4-FFF2-40B4-BE49-F238E27FC236}">
+                <a16:creationId xmlns:a16="http://schemas.microsoft.com/office/drawing/2014/main" id="{A62C5318-F6D6-ACAA-1DD5-9B0218B411DD}"/>
+              </a:ext>
+            </a:extLst>
+          </p:cNvPr>
+          <p:cNvPicPr>
+            <a:picLocks noChangeAspect="1"/>
+          </p:cNvPicPr>
+          <p:nvPr/>
+        </p:nvPicPr>
+        <p:blipFill>
+          <a:blip r:embed="rId3">
+            <a:extLst>
+              <a:ext uri="{28A0092B-C50C-407E-A947-70E740481C1C}">
+                <a14:useLocalDpi xmlns:a14="http://schemas.microsoft.com/office/drawing/2010/main" val="0"/>
+              </a:ext>
+            </a:extLst>
+          </a:blip>
+          <a:srcRect/>
+          <a:stretch/>
+        </p:blipFill>
+        <p:spPr>
+          <a:xfrm>
+            <a:off x="1524001" y="0"/>
+            <a:ext cx="9143997" cy="6857999"/>
+          </a:xfrm>
+          <a:prstGeom prst="rect">
+            <a:avLst/>
+          </a:prstGeom>
+        </p:spPr>
+      </p:pic>
+    </p:spTree>
+    <p:extLst>
+      <p:ext uri="{BB962C8B-B14F-4D97-AF65-F5344CB8AC3E}">
+        <p14:creationId xmlns:p14="http://schemas.microsoft.com/office/powerpoint/2010/main" val="4256638909"/>
+      </p:ext>
+    </p:extLst>
+  </p:cSld>
+  <p:clrMapOvr>
+    <a:masterClrMapping/>
+  </p:clrMapOvr>
+  <p:transition>
+    <p:fade/>
+  </p:transition>
+</p:sld>
+</file>
+
+<file path=ppt/slides/slide38.xml><?xml version="1.0" encoding="utf-8"?>
 <p:sld xmlns:a="http://schemas.openxmlformats.org/drawingml/2006/main" xmlns:r="http://schemas.openxmlformats.org/officeDocument/2006/relationships" xmlns:p="http://schemas.openxmlformats.org/presentationml/2006/main">
   <p:cSld>
     <p:spTree>

--- a/Async Pitfalls/Async Pitfalls.pptx
+++ b/Async Pitfalls/Async Pitfalls.pptx
@@ -281,7 +281,7 @@
           <a:p>
             <a:fld id="{574E8BCA-0B4F-4373-B78E-3D2899449797}" type="datetimeFigureOut">
               <a:rPr lang="en-US" smtClean="0"/>
-              <a:t>9/11/2025</a:t>
+              <a:t>9/12/2025</a:t>
             </a:fld>
             <a:endParaRPr lang="en-US" dirty="0"/>
           </a:p>
@@ -599,6 +599,15 @@
           <a:p>
             <a:r>
               <a:rPr lang="en-US" dirty="0"/>
+              <a:t>København</a:t>
+            </a:r>
+          </a:p>
+          <a:p>
+            <a:endParaRPr lang="en-US" dirty="0"/>
+          </a:p>
+          <a:p>
+            <a:r>
+              <a:rPr lang="en-US" dirty="0"/>
               <a:t>Questions welcome!</a:t>
             </a:r>
           </a:p>
@@ -1012,9 +1021,9 @@
           <a:bodyPr/>
           <a:lstStyle/>
           <a:p>
-            <a:pPr marL="171450" indent="-171450">
+            <a:pPr marL="0" indent="0">
               <a:buFont typeface="Arial" panose="020B0604020202020204" pitchFamily="34" charset="0"/>
-              <a:buChar char="•"/>
+              <a:buNone/>
             </a:pPr>
             <a:endParaRPr lang="en-US" baseline="0" dirty="0"/>
           </a:p>
@@ -1404,7 +1413,23 @@
             </a:r>
             <a:r>
               <a:rPr lang="en-US" dirty="0"/>
-              <a:t> [ConsoleApp1]</a:t>
+              <a:t> [ConsoleApp1</a:t>
+            </a:r>
+            <a:r>
+              <a:rPr lang="en-US"/>
+              <a:t>], simple </a:t>
+            </a:r>
+            <a:r>
+              <a:rPr lang="en-US" dirty="0"/>
+              <a:t>part of </a:t>
+            </a:r>
+            <a:r>
+              <a:rPr lang="en-US" dirty="0" err="1"/>
+              <a:t>MainWindow</a:t>
+            </a:r>
+            <a:r>
+              <a:rPr lang="en-US" dirty="0"/>
+              <a:t>.</a:t>
             </a:r>
           </a:p>
         </p:txBody>
@@ -1716,7 +1741,7 @@
             </a:pPr>
             <a:r>
               <a:rPr lang="en-US" dirty="0"/>
-              <a:t>Most importantly: I don’t center my identity in being a developer. If AI takes my job, I’d be bummed but not devastated.</a:t>
+              <a:t>Most importantly: I don’t center my identity in being a developer. I don’t think AI will take over programming; but if AI takes my job, I would be disappointed but not devastated.</a:t>
             </a:r>
           </a:p>
           <a:p>
@@ -3443,7 +3468,19 @@
           <a:bodyPr/>
           <a:lstStyle/>
           <a:p>
-            <a:endParaRPr lang="en-US" i="1" dirty="0"/>
+            <a:r>
+              <a:rPr lang="en-US" i="0" dirty="0"/>
+              <a:t>Solution: The event </a:t>
+            </a:r>
+            <a:r>
+              <a:rPr lang="en-US" i="1" dirty="0"/>
+              <a:t>shouldn’t be an event</a:t>
+            </a:r>
+            <a:r>
+              <a:rPr lang="en-US" dirty="0"/>
+              <a:t>. It should be a method, probably on an interface. Replacing an interface with an event is a design shortcut that only works in the synchronous world.</a:t>
+            </a:r>
+            <a:endParaRPr lang="en-US" i="0" dirty="0"/>
           </a:p>
         </p:txBody>
       </p:sp>
@@ -3666,19 +3703,19 @@
           <a:p>
             <a:r>
               <a:rPr lang="en-US" dirty="0"/>
-              <a:t>Demo: </a:t>
+              <a:t>Demo: Cancellation and Progress in </a:t>
+            </a:r>
+            <a:r>
+              <a:rPr lang="en-US" dirty="0" err="1"/>
+              <a:t>MainWindow</a:t>
+            </a:r>
+            <a:r>
+              <a:rPr lang="en-US" dirty="0"/>
+              <a:t>, </a:t>
             </a:r>
             <a:r>
               <a:rPr lang="en-US" dirty="0" err="1"/>
               <a:t>ChannelsProgram</a:t>
-            </a:r>
-            <a:r>
-              <a:rPr lang="en-US" dirty="0"/>
-              <a:t>, Cancellation and Progress in </a:t>
-            </a:r>
-            <a:r>
-              <a:rPr lang="en-US"/>
-              <a:t>MainWindow</a:t>
             </a:r>
             <a:endParaRPr lang="en-US" dirty="0"/>
           </a:p>
@@ -3775,6 +3812,14 @@
           <a:bodyPr/>
           <a:lstStyle/>
           <a:p>
+            <a:r>
+              <a:rPr lang="en-US" baseline="0" dirty="0"/>
+              <a:t>Mange </a:t>
+            </a:r>
+            <a:r>
+              <a:rPr lang="en-US" baseline="0" dirty="0" err="1"/>
+              <a:t>tak</a:t>
+            </a:r>
             <a:endParaRPr lang="en-US" baseline="0" dirty="0"/>
           </a:p>
         </p:txBody>
@@ -4517,7 +4562,7 @@
             </a:pPr>
             <a:r>
               <a:rPr lang="en-US" strike="noStrike" baseline="0" dirty="0"/>
-              <a:t>By default a context is captured: </a:t>
+              <a:t>By default, a context is captured: </a:t>
             </a:r>
             <a:r>
               <a:rPr lang="en-US" strike="noStrike" baseline="0" dirty="0" err="1"/>
@@ -7840,7 +7885,7 @@
           <p:nvPr>
             <p:extLst>
               <p:ext uri="{D42A27DB-BD31-4B8C-83A1-F6EECF244321}">
-                <p14:modId xmlns:p14="http://schemas.microsoft.com/office/powerpoint/2010/main" val="1616410215"/>
+                <p14:modId xmlns:p14="http://schemas.microsoft.com/office/powerpoint/2010/main" val="364774572"/>
               </p:ext>
             </p:extLst>
           </p:nvPr>
@@ -7933,8 +7978,11 @@
                       <a:pPr algn="l"/>
                       <a:r>
                         <a:rPr lang="en-US" sz="2400" dirty="0"/>
-                        <a:t>Primary benefit: </a:t>
+                        <a:t>Primary benefit:</a:t>
                       </a:r>
+                      <a:br>
+                        <a:rPr lang="en-US" sz="2400" dirty="0"/>
+                      </a:br>
                       <a:r>
                         <a:rPr lang="en-US" sz="2400" i="1" dirty="0"/>
                         <a:t>Scalability</a:t>
@@ -8010,9 +8058,12 @@
                         <a:rPr lang="en-US" sz="2400" dirty="0"/>
                         <a:t>10x-100x scalability</a:t>
                       </a:r>
+                      <a:br>
+                        <a:rPr lang="en-US" sz="2400" baseline="0" dirty="0"/>
+                      </a:br>
                       <a:r>
                         <a:rPr lang="en-US" sz="2400" baseline="0" dirty="0"/>
-                        <a:t> (same box)</a:t>
+                        <a:t>(same box)</a:t>
                       </a:r>
                       <a:endParaRPr lang="en-US" sz="2400" dirty="0"/>
                     </a:p>
@@ -8055,7 +8106,14 @@
                       </a:r>
                       <a:r>
                         <a:rPr lang="en-US" sz="2400" baseline="0" dirty="0"/>
-                        <a:t> response to bursting traffic</a:t>
+                        <a:t> response to</a:t>
+                      </a:r>
+                      <a:br>
+                        <a:rPr lang="en-US" sz="2400" baseline="0" dirty="0"/>
+                      </a:br>
+                      <a:r>
+                        <a:rPr lang="en-US" sz="2400" baseline="0" dirty="0"/>
+                        <a:t>bursting traffic</a:t>
                       </a:r>
                       <a:endParaRPr lang="en-US" sz="2400" dirty="0"/>
                     </a:p>
@@ -8365,7 +8423,7 @@
         <p:spPr>
           <a:xfrm>
             <a:off x="291541" y="1197324"/>
-            <a:ext cx="11653523" cy="4167551"/>
+            <a:ext cx="11653523" cy="3719480"/>
           </a:xfrm>
         </p:spPr>
         <p:txBody>
@@ -8397,19 +8455,6 @@
             <a:endParaRPr lang="en-US" dirty="0"/>
           </a:p>
           <a:p>
-            <a:r>
-              <a:rPr lang="en-US" dirty="0">
-                <a:latin typeface="Consolas" panose="020B0609020204030204" pitchFamily="49" charset="0"/>
-              </a:rPr>
-              <a:t>Task&lt;T&gt;</a:t>
-            </a:r>
-            <a:r>
-              <a:rPr lang="en-US" dirty="0"/>
-              <a:t> wraps the result of an async method</a:t>
-            </a:r>
-            <a:br>
-              <a:rPr lang="en-US" dirty="0"/>
-            </a:br>
             <a:r>
               <a:rPr lang="en-US" dirty="0">
                 <a:latin typeface="Consolas" panose="020B0609020204030204" pitchFamily="49" charset="0"/>
@@ -8887,8 +8932,14 @@
               <a:buChar char="-"/>
             </a:pPr>
             <a:r>
-              <a:rPr lang="en-US" dirty="0"/>
-              <a:t>Task is not magic.</a:t>
+              <a:rPr lang="en-US" dirty="0">
+                <a:latin typeface="Consolas" panose="020B0609020204030204" pitchFamily="49" charset="0"/>
+              </a:rPr>
+              <a:t>Task</a:t>
+            </a:r>
+            <a:r>
+              <a:rPr lang="en-US" dirty="0"/>
+              <a:t> is not magic.</a:t>
             </a:r>
           </a:p>
           <a:p>
@@ -8901,7 +8952,9 @@
               <a:t>Neither is </a:t>
             </a:r>
             <a:r>
-              <a:rPr lang="en-US" dirty="0" err="1"/>
+              <a:rPr lang="en-US" dirty="0" err="1">
+                <a:latin typeface="Consolas" panose="020B0609020204030204" pitchFamily="49" charset="0"/>
+              </a:rPr>
               <a:t>ValueTask</a:t>
             </a:r>
             <a:r>
@@ -8935,16 +8988,30 @@
               <a:buChar char="-"/>
             </a:pPr>
             <a:r>
-              <a:rPr lang="en-US" dirty="0"/>
-              <a:t>List&lt;Task&gt; (but beware </a:t>
-            </a:r>
-            <a:r>
-              <a:rPr lang="en-US" dirty="0" err="1"/>
+              <a:rPr lang="en-US" dirty="0">
+                <a:latin typeface="Consolas" panose="020B0609020204030204" pitchFamily="49" charset="0"/>
+              </a:rPr>
+              <a:t>List&lt;Task&gt;</a:t>
+            </a:r>
+            <a:r>
+              <a:rPr lang="en-US" dirty="0"/>
+              <a:t> (but beware </a:t>
+            </a:r>
+            <a:r>
+              <a:rPr lang="en-US" dirty="0" err="1">
+                <a:latin typeface="Consolas" panose="020B0609020204030204" pitchFamily="49" charset="0"/>
+              </a:rPr>
               <a:t>IEnumerable</a:t>
             </a:r>
             <a:r>
-              <a:rPr lang="en-US" dirty="0"/>
-              <a:t>&lt;Task&gt;)</a:t>
+              <a:rPr lang="en-US" dirty="0">
+                <a:latin typeface="Consolas" panose="020B0609020204030204" pitchFamily="49" charset="0"/>
+              </a:rPr>
+              <a:t>&lt;Task&gt;</a:t>
+            </a:r>
+            <a:r>
+              <a:rPr lang="en-US" dirty="0"/>
+              <a:t>)</a:t>
             </a:r>
           </a:p>
           <a:p>
@@ -8953,7 +9020,9 @@
               <a:buChar char="-"/>
             </a:pPr>
             <a:r>
-              <a:rPr lang="en-US" dirty="0"/>
+              <a:rPr lang="en-US" dirty="0">
+                <a:latin typeface="Consolas" panose="020B0609020204030204" pitchFamily="49" charset="0"/>
+              </a:rPr>
               <a:t>Func&lt;Task&gt;</a:t>
             </a:r>
           </a:p>
@@ -8963,7 +9032,9 @@
               <a:buChar char="-"/>
             </a:pPr>
             <a:r>
-              <a:rPr lang="en-US" dirty="0"/>
+              <a:rPr lang="en-US" dirty="0">
+                <a:latin typeface="Consolas" panose="020B0609020204030204" pitchFamily="49" charset="0"/>
+              </a:rPr>
               <a:t>Lazy&lt;Task&lt;T&gt;&gt;</a:t>
             </a:r>
           </a:p>
@@ -9726,23 +9797,24 @@
             </a:pPr>
             <a:r>
               <a:rPr lang="en-US" dirty="0"/>
-              <a:t>When await pauses a method, it captures a context (</a:t>
-            </a:r>
-            <a:r>
-              <a:rPr lang="en-US" dirty="0" err="1"/>
-              <a:t>SynchronizationContext</a:t>
-            </a:r>
-            <a:r>
-              <a:rPr lang="en-US" dirty="0"/>
-              <a:t> / </a:t>
-            </a:r>
-            <a:r>
-              <a:rPr lang="en-US" dirty="0" err="1"/>
-              <a:t>TaskScheduler</a:t>
-            </a:r>
-            <a:r>
-              <a:rPr lang="en-US" dirty="0"/>
-              <a:t>), and resumes the method in that context.</a:t>
+              <a:t>When </a:t>
+            </a:r>
+            <a:r>
+              <a:rPr lang="en-US" dirty="0">
+                <a:latin typeface="Consolas" panose="020B0609020204030204" pitchFamily="49" charset="0"/>
+              </a:rPr>
+              <a:t>await</a:t>
+            </a:r>
+            <a:r>
+              <a:rPr lang="en-US" dirty="0"/>
+              <a:t> pauses a method, it captures a context,</a:t>
+            </a:r>
+            <a:br>
+              <a:rPr lang="en-US" dirty="0"/>
+            </a:br>
+            <a:r>
+              <a:rPr lang="en-US" dirty="0"/>
+              <a:t>and resumes the method in that context.</a:t>
             </a:r>
           </a:p>
           <a:p>
@@ -9752,7 +9824,7 @@
             </a:pPr>
             <a:r>
               <a:rPr lang="en-US" dirty="0"/>
-              <a:t>Some contexts only allow one thread at a time.</a:t>
+              <a:t>Some contexts only allow one thread at a time. E.g., UI.</a:t>
             </a:r>
           </a:p>
           <a:p>
@@ -10094,8 +10166,11 @@
             </a:pPr>
             <a:r>
               <a:rPr lang="en-US" dirty="0"/>
-              <a:t>If you don’t care about the results of a function, </a:t>
-            </a:r>
+              <a:t>If you don’t care about the results of a function, then</a:t>
+            </a:r>
+            <a:br>
+              <a:rPr lang="en-US" dirty="0"/>
+            </a:br>
             <a:r>
               <a:rPr lang="en-US" i="1" dirty="0"/>
               <a:t>why are you calling it at all?</a:t>
@@ -10262,7 +10337,17 @@
             </a:pPr>
             <a:r>
               <a:rPr lang="en-US" dirty="0"/>
-              <a:t>The Task constructor should never be used. </a:t>
+              <a:t>The </a:t>
+            </a:r>
+            <a:r>
+              <a:rPr lang="en-US" dirty="0">
+                <a:latin typeface="Consolas" panose="020B0609020204030204" pitchFamily="49" charset="0"/>
+              </a:rPr>
+              <a:t>Task</a:t>
+            </a:r>
+            <a:r>
+              <a:rPr lang="en-US" dirty="0"/>
+              <a:t> constructor should never be used. </a:t>
             </a:r>
             <a:r>
               <a:rPr lang="en-US" b="1" dirty="0"/>
@@ -10275,7 +10360,9 @@
               <a:buChar char="-"/>
             </a:pPr>
             <a:r>
-              <a:rPr lang="en-US" dirty="0" err="1"/>
+              <a:rPr lang="en-US" dirty="0" err="1">
+                <a:latin typeface="Consolas" panose="020B0609020204030204" pitchFamily="49" charset="0"/>
+              </a:rPr>
               <a:t>StartNew</a:t>
             </a:r>
             <a:r>
@@ -10283,7 +10370,9 @@
               <a:t> and </a:t>
             </a:r>
             <a:r>
-              <a:rPr lang="en-US" dirty="0" err="1"/>
+              <a:rPr lang="en-US" dirty="0" err="1">
+                <a:latin typeface="Consolas" panose="020B0609020204030204" pitchFamily="49" charset="0"/>
+              </a:rPr>
               <a:t>ContinueWith</a:t>
             </a:r>
             <a:r>
@@ -10315,12 +10404,20 @@
               <a:buChar char="-"/>
             </a:pPr>
             <a:r>
-              <a:rPr lang="en-US" dirty="0" err="1"/>
+              <a:rPr lang="en-US" dirty="0" err="1">
+                <a:latin typeface="Consolas" panose="020B0609020204030204" pitchFamily="49" charset="0"/>
+              </a:rPr>
               <a:t>ContinueWith</a:t>
             </a:r>
             <a:r>
               <a:rPr lang="en-US" dirty="0"/>
-              <a:t> =&gt; await</a:t>
+              <a:t> =&gt; </a:t>
+            </a:r>
+            <a:r>
+              <a:rPr lang="en-US" dirty="0">
+                <a:latin typeface="Consolas" panose="020B0609020204030204" pitchFamily="49" charset="0"/>
+              </a:rPr>
+              <a:t>await</a:t>
             </a:r>
           </a:p>
           <a:p>
@@ -10329,7 +10426,9 @@
               <a:buChar char="-"/>
             </a:pPr>
             <a:r>
-              <a:rPr lang="en-US" dirty="0" err="1"/>
+              <a:rPr lang="en-US" dirty="0" err="1">
+                <a:latin typeface="Consolas" panose="020B0609020204030204" pitchFamily="49" charset="0"/>
+              </a:rPr>
               <a:t>StartNew</a:t>
             </a:r>
             <a:r>
@@ -10337,10 +10436,14 @@
               <a:t> =&gt; </a:t>
             </a:r>
             <a:r>
-              <a:rPr lang="en-US" dirty="0" err="1"/>
+              <a:rPr lang="en-US" dirty="0" err="1">
+                <a:latin typeface="Consolas" panose="020B0609020204030204" pitchFamily="49" charset="0"/>
+              </a:rPr>
               <a:t>Task.Run</a:t>
             </a:r>
-            <a:endParaRPr lang="en-US" dirty="0"/>
+            <a:endParaRPr lang="en-US" dirty="0">
+              <a:latin typeface="Consolas" panose="020B0609020204030204" pitchFamily="49" charset="0"/>
+            </a:endParaRPr>
           </a:p>
           <a:p>
             <a:pPr marL="457200" indent="-457200">
@@ -10348,18 +10451,34 @@
               <a:buChar char="-"/>
             </a:pPr>
             <a:r>
-              <a:rPr lang="en-US" dirty="0" err="1"/>
-              <a:t>Task.Task</a:t>
-            </a:r>
-            <a:r>
-              <a:rPr lang="en-US" dirty="0"/>
-              <a:t> =&gt; Func&lt;Task&gt; / </a:t>
-            </a:r>
-            <a:r>
-              <a:rPr lang="en-US" dirty="0" err="1"/>
+              <a:rPr lang="en-US" dirty="0">
+                <a:latin typeface="Consolas" panose="020B0609020204030204" pitchFamily="49" charset="0"/>
+              </a:rPr>
+              <a:t>Task</a:t>
+            </a:r>
+            <a:r>
+              <a:rPr lang="en-US" dirty="0"/>
+              <a:t> constructor =&gt; </a:t>
+            </a:r>
+            <a:r>
+              <a:rPr lang="en-US" dirty="0">
+                <a:latin typeface="Consolas" panose="020B0609020204030204" pitchFamily="49" charset="0"/>
+              </a:rPr>
+              <a:t>Func&lt;Task&gt; </a:t>
+            </a:r>
+            <a:r>
+              <a:rPr lang="en-US" dirty="0"/>
+              <a:t>/ </a:t>
+            </a:r>
+            <a:r>
+              <a:rPr lang="en-US" dirty="0" err="1">
+                <a:latin typeface="Consolas" panose="020B0609020204030204" pitchFamily="49" charset="0"/>
+              </a:rPr>
               <a:t>Task.Run</a:t>
             </a:r>
-            <a:endParaRPr lang="en-US" dirty="0"/>
+            <a:endParaRPr lang="en-US" dirty="0">
+              <a:latin typeface="Consolas" panose="020B0609020204030204" pitchFamily="49" charset="0"/>
+            </a:endParaRPr>
           </a:p>
         </p:txBody>
       </p:sp>
@@ -10477,10 +10596,14 @@
               <a:buChar char="-"/>
             </a:pPr>
             <a:r>
-              <a:rPr lang="en-US" dirty="0" err="1"/>
+              <a:rPr lang="en-US" dirty="0" err="1">
+                <a:latin typeface="Consolas" panose="020B0609020204030204" pitchFamily="49" charset="0"/>
+              </a:rPr>
               <a:t>Stream.Position</a:t>
             </a:r>
-            <a:endParaRPr lang="en-US" dirty="0"/>
+            <a:endParaRPr lang="en-US" dirty="0">
+              <a:latin typeface="Consolas" panose="020B0609020204030204" pitchFamily="49" charset="0"/>
+            </a:endParaRPr>
           </a:p>
         </p:txBody>
       </p:sp>
@@ -10579,7 +10702,27 @@
           <a:p>
             <a:r>
               <a:rPr lang="en-US" dirty="0"/>
-              <a:t>Eliding (removing) async/await in non-trivial methods</a:t>
+              <a:t>Eliding (removing) </a:t>
+            </a:r>
+            <a:r>
+              <a:rPr lang="en-US" dirty="0">
+                <a:latin typeface="Consolas" panose="020B0609020204030204" pitchFamily="49" charset="0"/>
+              </a:rPr>
+              <a:t>async</a:t>
+            </a:r>
+            <a:r>
+              <a:rPr lang="en-US" dirty="0"/>
+              <a:t>/</a:t>
+            </a:r>
+            <a:r>
+              <a:rPr lang="en-US" dirty="0">
+                <a:latin typeface="Consolas" panose="020B0609020204030204" pitchFamily="49" charset="0"/>
+              </a:rPr>
+              <a:t>await</a:t>
+            </a:r>
+            <a:r>
+              <a:rPr lang="en-US" dirty="0"/>
+              <a:t> in non-trivial methods</a:t>
             </a:r>
           </a:p>
           <a:p>
@@ -10589,7 +10732,17 @@
             </a:pPr>
             <a:r>
               <a:rPr lang="en-US" dirty="0"/>
-              <a:t>Exceptions become synchronous (not on the Task).</a:t>
+              <a:t>Exceptions become synchronous (not on the </a:t>
+            </a:r>
+            <a:r>
+              <a:rPr lang="en-US" dirty="0">
+                <a:latin typeface="Consolas" panose="020B0609020204030204" pitchFamily="49" charset="0"/>
+              </a:rPr>
+              <a:t>Task</a:t>
+            </a:r>
+            <a:r>
+              <a:rPr lang="en-US" dirty="0"/>
+              <a:t>).</a:t>
             </a:r>
           </a:p>
           <a:p>
@@ -10622,7 +10775,9 @@
               <a:t>Using </a:t>
             </a:r>
             <a:r>
-              <a:rPr lang="en-US" dirty="0" err="1"/>
+              <a:rPr lang="en-US" dirty="0" err="1">
+                <a:latin typeface="Consolas" panose="020B0609020204030204" pitchFamily="49" charset="0"/>
+              </a:rPr>
               <a:t>Task.FromResult</a:t>
             </a:r>
             <a:r>
@@ -10793,20 +10948,32 @@
           <a:lstStyle/>
           <a:p>
             <a:r>
-              <a:rPr lang="en-US" dirty="0" err="1"/>
+              <a:rPr lang="en-US" dirty="0" err="1">
+                <a:latin typeface="Consolas" panose="020B0609020204030204" pitchFamily="49" charset="0"/>
+              </a:rPr>
               <a:t>WaitAsync</a:t>
             </a:r>
             <a:r>
-              <a:rPr lang="en-US" dirty="0"/>
+              <a:rPr lang="en-US" dirty="0">
+                <a:latin typeface="Consolas" panose="020B0609020204030204" pitchFamily="49" charset="0"/>
+              </a:rPr>
               <a:t>(</a:t>
             </a:r>
             <a:r>
-              <a:rPr lang="en-US" dirty="0" err="1"/>
+              <a:rPr lang="en-US" dirty="0" err="1">
+                <a:latin typeface="Consolas" panose="020B0609020204030204" pitchFamily="49" charset="0"/>
+              </a:rPr>
               <a:t>CancellationToken</a:t>
             </a:r>
             <a:r>
-              <a:rPr lang="en-US" dirty="0"/>
-              <a:t>) to “cancel” a task</a:t>
+              <a:rPr lang="en-US" dirty="0">
+                <a:latin typeface="Consolas" panose="020B0609020204030204" pitchFamily="49" charset="0"/>
+              </a:rPr>
+              <a:t>) </a:t>
+            </a:r>
+            <a:r>
+              <a:rPr lang="en-US" dirty="0"/>
+              <a:t>to “cancel” a task</a:t>
             </a:r>
           </a:p>
           <a:p>
@@ -10999,7 +11166,17 @@
           <a:p>
             <a:r>
               <a:rPr lang="en-US" dirty="0"/>
-              <a:t>Fake async methods</a:t>
+              <a:t>Fake </a:t>
+            </a:r>
+            <a:r>
+              <a:rPr lang="en-US" dirty="0">
+                <a:latin typeface="Consolas" panose="020B0609020204030204" pitchFamily="49" charset="0"/>
+              </a:rPr>
+              <a:t>async</a:t>
+            </a:r>
+            <a:r>
+              <a:rPr lang="en-US" dirty="0"/>
+              <a:t> methods</a:t>
             </a:r>
           </a:p>
           <a:p>
@@ -11012,7 +11189,9 @@
               <a:t>Method implementations wrapped in </a:t>
             </a:r>
             <a:r>
-              <a:rPr lang="en-US" dirty="0" err="1"/>
+              <a:rPr lang="en-US" dirty="0" err="1">
+                <a:latin typeface="Consolas" panose="020B0609020204030204" pitchFamily="49" charset="0"/>
+              </a:rPr>
               <a:t>Task.Run</a:t>
             </a:r>
             <a:br>
@@ -11037,12 +11216,20 @@
               <a:t> methods with </a:t>
             </a:r>
             <a:r>
-              <a:rPr lang="en-US" dirty="0" err="1"/>
+              <a:rPr lang="en-US" dirty="0" err="1">
+                <a:latin typeface="Consolas" panose="020B0609020204030204" pitchFamily="49" charset="0"/>
+              </a:rPr>
               <a:t>Task.Run</a:t>
             </a:r>
             <a:r>
-              <a:rPr lang="en-US" dirty="0"/>
-              <a:t> (if appropriate);</a:t>
+              <a:rPr lang="en-US" dirty="0">
+                <a:latin typeface="Consolas" panose="020B0609020204030204" pitchFamily="49" charset="0"/>
+              </a:rPr>
+              <a:t> </a:t>
+            </a:r>
+            <a:r>
+              <a:rPr lang="en-US" dirty="0"/>
+              <a:t>(if appropriate);</a:t>
             </a:r>
             <a:br>
               <a:rPr lang="en-US" dirty="0"/>
@@ -11060,7 +11247,9 @@
               <a:t> them with </a:t>
             </a:r>
             <a:r>
-              <a:rPr lang="en-US" dirty="0" err="1"/>
+              <a:rPr lang="en-US" dirty="0" err="1">
+                <a:latin typeface="Consolas" panose="020B0609020204030204" pitchFamily="49" charset="0"/>
+              </a:rPr>
               <a:t>Task.Run</a:t>
             </a:r>
             <a:r>
@@ -11168,12 +11357,24 @@
               <a:t>Using </a:t>
             </a:r>
             <a:r>
-              <a:rPr lang="en-US" dirty="0" err="1"/>
+              <a:rPr lang="en-US" dirty="0" err="1">
+                <a:latin typeface="Consolas" panose="020B0609020204030204" pitchFamily="49" charset="0"/>
+              </a:rPr>
               <a:t>WhenAny</a:t>
             </a:r>
             <a:r>
               <a:rPr lang="en-US" dirty="0"/>
-              <a:t> + Remove to process tasks as they complete.</a:t>
+              <a:t> + </a:t>
+            </a:r>
+            <a:r>
+              <a:rPr lang="en-US" dirty="0">
+                <a:latin typeface="Consolas" panose="020B0609020204030204" pitchFamily="49" charset="0"/>
+              </a:rPr>
+              <a:t>Remove</a:t>
+            </a:r>
+            <a:r>
+              <a:rPr lang="en-US" dirty="0"/>
+              <a:t> to process tasks as they complete.</a:t>
             </a:r>
           </a:p>
           <a:p>
@@ -11193,7 +11394,17 @@
             </a:pPr>
             <a:r>
               <a:rPr lang="en-US" dirty="0"/>
-              <a:t>Best: compose async methods.</a:t>
+              <a:t>Best: compose </a:t>
+            </a:r>
+            <a:r>
+              <a:rPr lang="en-US" dirty="0">
+                <a:latin typeface="Consolas" panose="020B0609020204030204" pitchFamily="49" charset="0"/>
+              </a:rPr>
+              <a:t>async</a:t>
+            </a:r>
+            <a:r>
+              <a:rPr lang="en-US" dirty="0"/>
+              <a:t> methods.</a:t>
             </a:r>
           </a:p>
           <a:p>
@@ -11206,10 +11417,14 @@
               <a:t>Better: </a:t>
             </a:r>
             <a:r>
-              <a:rPr lang="en-US" dirty="0" err="1"/>
+              <a:rPr lang="en-US" dirty="0" err="1">
+                <a:latin typeface="Consolas" panose="020B0609020204030204" pitchFamily="49" charset="0"/>
+              </a:rPr>
               <a:t>Task.WhenEach</a:t>
             </a:r>
-            <a:endParaRPr lang="en-US" dirty="0"/>
+            <a:endParaRPr lang="en-US" dirty="0">
+              <a:latin typeface="Consolas" panose="020B0609020204030204" pitchFamily="49" charset="0"/>
+            </a:endParaRPr>
           </a:p>
           <a:p>
             <a:pPr marL="457200" indent="-457200">
@@ -11221,18 +11436,24 @@
               <a:t>Good: </a:t>
             </a:r>
             <a:r>
+              <a:rPr lang="en-US" dirty="0" err="1">
+                <a:latin typeface="Consolas" panose="020B0609020204030204" pitchFamily="49" charset="0"/>
+              </a:rPr>
+              <a:t>OrderByCompletion</a:t>
+            </a:r>
+            <a:r>
+              <a:rPr lang="en-US" dirty="0">
+                <a:latin typeface="+mn-lt"/>
+              </a:rPr>
+              <a:t> from </a:t>
+            </a:r>
+            <a:r>
               <a:rPr lang="en-US" dirty="0" err="1"/>
               <a:t>Nito.AsyncEx</a:t>
             </a:r>
-            <a:r>
-              <a:rPr lang="en-US" dirty="0"/>
-              <a:t> </a:t>
-            </a:r>
-            <a:r>
-              <a:rPr lang="en-US" dirty="0" err="1"/>
-              <a:t>OrderByCompletion</a:t>
-            </a:r>
-            <a:endParaRPr lang="en-US" dirty="0"/>
+            <a:endParaRPr lang="en-US" dirty="0">
+              <a:latin typeface="Consolas" panose="020B0609020204030204" pitchFamily="49" charset="0"/>
+            </a:endParaRPr>
           </a:p>
         </p:txBody>
       </p:sp>
@@ -11336,8 +11557,14 @@
           </a:p>
           <a:p>
             <a:r>
-              <a:rPr lang="en-US" dirty="0"/>
-              <a:t>Task </a:t>
+              <a:rPr lang="en-US" dirty="0">
+                <a:latin typeface="Consolas" panose="020B0609020204030204" pitchFamily="49" charset="0"/>
+              </a:rPr>
+              <a:t>Task</a:t>
+            </a:r>
+            <a:r>
+              <a:rPr lang="en-US" dirty="0"/>
+              <a:t> </a:t>
             </a:r>
             <a:r>
               <a:rPr lang="en-US" i="1" dirty="0"/>
@@ -11345,7 +11572,17 @@
             </a:r>
             <a:r>
               <a:rPr lang="en-US" dirty="0"/>
-              <a:t> callbacks. Just use await.</a:t>
+              <a:t> callbacks. Just use </a:t>
+            </a:r>
+            <a:r>
+              <a:rPr lang="en-US" dirty="0">
+                <a:latin typeface="Consolas" panose="020B0609020204030204" pitchFamily="49" charset="0"/>
+              </a:rPr>
+              <a:t>await</a:t>
+            </a:r>
+            <a:r>
+              <a:rPr lang="en-US" dirty="0"/>
+              <a:t>.</a:t>
             </a:r>
           </a:p>
         </p:txBody>
@@ -11562,12 +11799,20 @@
               <a:t>Using </a:t>
             </a:r>
             <a:r>
-              <a:rPr lang="en-US" dirty="0" err="1"/>
+              <a:rPr lang="en-US" dirty="0" err="1">
+                <a:latin typeface="Consolas" panose="020B0609020204030204" pitchFamily="49" charset="0"/>
+              </a:rPr>
               <a:t>ConfigureAwait</a:t>
             </a:r>
             <a:r>
-              <a:rPr lang="en-US" dirty="0"/>
-              <a:t>(false) </a:t>
+              <a:rPr lang="en-US" dirty="0">
+                <a:latin typeface="Consolas" panose="020B0609020204030204" pitchFamily="49" charset="0"/>
+              </a:rPr>
+              <a:t>(false)</a:t>
+            </a:r>
+            <a:r>
+              <a:rPr lang="en-US" dirty="0"/>
+              <a:t> </a:t>
             </a:r>
             <a:r>
               <a:rPr lang="en-US" u="sng" dirty="0"/>
@@ -11696,7 +11941,7 @@
         <p:spPr>
           <a:xfrm>
             <a:off x="269239" y="1197324"/>
-            <a:ext cx="11653523" cy="4516044"/>
+            <a:ext cx="11653523" cy="4267130"/>
           </a:xfrm>
         </p:spPr>
         <p:txBody>
@@ -11709,6 +11954,9 @@
             </a:r>
           </a:p>
           <a:p>
+            <a:endParaRPr lang="en-US" dirty="0"/>
+          </a:p>
+          <a:p>
             <a:r>
               <a:rPr lang="en-US" dirty="0"/>
               <a:t>You find yourself wanting to allow asynchronous event handlers </a:t>
@@ -11721,6 +11969,9 @@
               <a:rPr lang="en-US" dirty="0"/>
               <a:t>. The event-raising code must (a)wait the handlers, possibly retrieving results.</a:t>
             </a:r>
+          </a:p>
+          <a:p>
+            <a:endParaRPr lang="en-US" dirty="0"/>
           </a:p>
           <a:p>
             <a:pPr marL="457200" indent="-457200">
@@ -11739,15 +11990,7 @@
             </a:pPr>
             <a:r>
               <a:rPr lang="en-US" dirty="0"/>
-              <a:t>Your code is using the Strategy pattern. It </a:t>
-            </a:r>
-            <a:r>
-              <a:rPr lang="en-US" i="1" dirty="0"/>
-              <a:t>shouldn’t be an event</a:t>
-            </a:r>
-            <a:r>
-              <a:rPr lang="en-US" dirty="0"/>
-              <a:t>. It should be a method, probably on an interface. Replacing an interface with an event is a design shortcut that only works in the synchronous world.</a:t>
+              <a:t>Your code is using the Strategy pattern.</a:t>
             </a:r>
           </a:p>
         </p:txBody>
@@ -11838,7 +12081,7 @@
         <p:spPr>
           <a:xfrm>
             <a:off x="269239" y="1197324"/>
-            <a:ext cx="11653523" cy="3122009"/>
+            <a:ext cx="11653523" cy="3570080"/>
           </a:xfrm>
         </p:spPr>
         <p:txBody>
@@ -11860,7 +12103,9 @@
               <a:t>Cancellation: </a:t>
             </a:r>
             <a:r>
-              <a:rPr lang="en-US" dirty="0" err="1"/>
+              <a:rPr lang="en-US" dirty="0" err="1">
+                <a:latin typeface="Consolas" panose="020B0609020204030204" pitchFamily="49" charset="0"/>
+              </a:rPr>
               <a:t>CancellationToken</a:t>
             </a:r>
             <a:r>
@@ -11868,7 +12113,9 @@
               <a:t>, </a:t>
             </a:r>
             <a:r>
-              <a:rPr lang="en-US" dirty="0" err="1"/>
+              <a:rPr lang="en-US" dirty="0" err="1">
+                <a:latin typeface="Consolas" panose="020B0609020204030204" pitchFamily="49" charset="0"/>
+              </a:rPr>
               <a:t>CancellationTokenSource</a:t>
             </a:r>
             <a:r>
@@ -11876,10 +12123,14 @@
               <a:t>, </a:t>
             </a:r>
             <a:r>
-              <a:rPr lang="en-US" dirty="0" err="1"/>
+              <a:rPr lang="en-US" dirty="0" err="1">
+                <a:latin typeface="Consolas" panose="020B0609020204030204" pitchFamily="49" charset="0"/>
+              </a:rPr>
               <a:t>OperationCanceledException</a:t>
             </a:r>
-            <a:endParaRPr lang="en-US" dirty="0"/>
+            <a:endParaRPr lang="en-US" dirty="0">
+              <a:latin typeface="Consolas" panose="020B0609020204030204" pitchFamily="49" charset="0"/>
+            </a:endParaRPr>
           </a:p>
           <a:p>
             <a:pPr marL="457200" indent="-457200">
@@ -11891,12 +12142,26 @@
               <a:t>Progress reporting: </a:t>
             </a:r>
             <a:r>
-              <a:rPr lang="en-US" dirty="0" err="1"/>
+              <a:rPr lang="en-US" dirty="0" err="1">
+                <a:latin typeface="Consolas" panose="020B0609020204030204" pitchFamily="49" charset="0"/>
+              </a:rPr>
               <a:t>IProgress</a:t>
             </a:r>
             <a:r>
-              <a:rPr lang="en-US" dirty="0"/>
-              <a:t>&lt;T&gt;, Progress&lt;T&gt;</a:t>
+              <a:rPr lang="en-US" dirty="0">
+                <a:latin typeface="Consolas" panose="020B0609020204030204" pitchFamily="49" charset="0"/>
+              </a:rPr>
+              <a:t>&lt;T&gt;</a:t>
+            </a:r>
+            <a:r>
+              <a:rPr lang="en-US" dirty="0"/>
+              <a:t>, </a:t>
+            </a:r>
+            <a:r>
+              <a:rPr lang="en-US" dirty="0">
+                <a:latin typeface="Consolas" panose="020B0609020204030204" pitchFamily="49" charset="0"/>
+              </a:rPr>
+              <a:t>Progress&lt;T&gt;</a:t>
             </a:r>
           </a:p>
           <a:p>

--- a/Async Pitfalls/Async Pitfalls.pptx
+++ b/Async Pitfalls/Async Pitfalls.pptx
@@ -7611,6 +7611,36 @@
           </a:p>
         </p:txBody>
       </p:sp>
+      <p:pic>
+        <p:nvPicPr>
+          <p:cNvPr id="5" name="Picture 4">
+            <a:extLst>
+              <a:ext uri="{FF2B5EF4-FFF2-40B4-BE49-F238E27FC236}">
+                <a16:creationId xmlns:a16="http://schemas.microsoft.com/office/drawing/2014/main" id="{2DF73BAB-61BF-7F85-097B-C4803473005E}"/>
+              </a:ext>
+            </a:extLst>
+          </p:cNvPr>
+          <p:cNvPicPr>
+            <a:picLocks noChangeAspect="1"/>
+          </p:cNvPicPr>
+          <p:nvPr/>
+        </p:nvPicPr>
+        <p:blipFill>
+          <a:blip r:embed="rId4"/>
+          <a:stretch>
+            <a:fillRect/>
+          </a:stretch>
+        </p:blipFill>
+        <p:spPr>
+          <a:xfrm>
+            <a:off x="409575" y="4690109"/>
+            <a:ext cx="2025015" cy="2025015"/>
+          </a:xfrm>
+          <a:prstGeom prst="rect">
+            <a:avLst/>
+          </a:prstGeom>
+        </p:spPr>
+      </p:pic>
     </p:spTree>
     <p:extLst>
       <p:ext uri="{BB962C8B-B14F-4D97-AF65-F5344CB8AC3E}">
@@ -7821,6 +7851,36 @@
           </a:p>
         </p:txBody>
       </p:sp>
+      <p:pic>
+        <p:nvPicPr>
+          <p:cNvPr id="5" name="Picture 4">
+            <a:extLst>
+              <a:ext uri="{FF2B5EF4-FFF2-40B4-BE49-F238E27FC236}">
+                <a16:creationId xmlns:a16="http://schemas.microsoft.com/office/drawing/2014/main" id="{84471EC7-5088-DDB2-303B-6F215910FA34}"/>
+              </a:ext>
+            </a:extLst>
+          </p:cNvPr>
+          <p:cNvPicPr>
+            <a:picLocks noChangeAspect="1"/>
+          </p:cNvPicPr>
+          <p:nvPr/>
+        </p:nvPicPr>
+        <p:blipFill>
+          <a:blip r:embed="rId4"/>
+          <a:stretch>
+            <a:fillRect/>
+          </a:stretch>
+        </p:blipFill>
+        <p:spPr>
+          <a:xfrm>
+            <a:off x="9673589" y="3291839"/>
+            <a:ext cx="2143125" cy="2143125"/>
+          </a:xfrm>
+          <a:prstGeom prst="rect">
+            <a:avLst/>
+          </a:prstGeom>
+        </p:spPr>
+      </p:pic>
     </p:spTree>
     <p:extLst>
       <p:ext uri="{BB962C8B-B14F-4D97-AF65-F5344CB8AC3E}">
@@ -9697,6 +9757,36 @@
           </a:p>
         </p:txBody>
       </p:sp>
+      <p:pic>
+        <p:nvPicPr>
+          <p:cNvPr id="5" name="Picture 4">
+            <a:extLst>
+              <a:ext uri="{FF2B5EF4-FFF2-40B4-BE49-F238E27FC236}">
+                <a16:creationId xmlns:a16="http://schemas.microsoft.com/office/drawing/2014/main" id="{B9C52843-12BC-3A51-C5A6-D6A5F4A2FAF5}"/>
+              </a:ext>
+            </a:extLst>
+          </p:cNvPr>
+          <p:cNvPicPr>
+            <a:picLocks noChangeAspect="1"/>
+          </p:cNvPicPr>
+          <p:nvPr/>
+        </p:nvPicPr>
+        <p:blipFill>
+          <a:blip r:embed="rId4"/>
+          <a:stretch>
+            <a:fillRect/>
+          </a:stretch>
+        </p:blipFill>
+        <p:spPr>
+          <a:xfrm>
+            <a:off x="9181466" y="3827194"/>
+            <a:ext cx="2741295" cy="2741295"/>
+          </a:xfrm>
+          <a:prstGeom prst="rect">
+            <a:avLst/>
+          </a:prstGeom>
+        </p:spPr>
+      </p:pic>
     </p:spTree>
     <p:extLst>
       <p:ext uri="{BB962C8B-B14F-4D97-AF65-F5344CB8AC3E}">
@@ -9874,6 +9964,36 @@
           </a:p>
         </p:txBody>
       </p:sp>
+      <p:pic>
+        <p:nvPicPr>
+          <p:cNvPr id="5" name="Picture 4">
+            <a:extLst>
+              <a:ext uri="{FF2B5EF4-FFF2-40B4-BE49-F238E27FC236}">
+                <a16:creationId xmlns:a16="http://schemas.microsoft.com/office/drawing/2014/main" id="{76A3F293-D6CF-D193-F414-39F6DDCB3315}"/>
+              </a:ext>
+            </a:extLst>
+          </p:cNvPr>
+          <p:cNvPicPr>
+            <a:picLocks noChangeAspect="1"/>
+          </p:cNvPicPr>
+          <p:nvPr/>
+        </p:nvPicPr>
+        <p:blipFill>
+          <a:blip r:embed="rId4"/>
+          <a:stretch>
+            <a:fillRect/>
+          </a:stretch>
+        </p:blipFill>
+        <p:spPr>
+          <a:xfrm>
+            <a:off x="8702039" y="1197324"/>
+            <a:ext cx="2714625" cy="2714625"/>
+          </a:xfrm>
+          <a:prstGeom prst="rect">
+            <a:avLst/>
+          </a:prstGeom>
+        </p:spPr>
+      </p:pic>
     </p:spTree>
     <p:extLst>
       <p:ext uri="{BB962C8B-B14F-4D97-AF65-F5344CB8AC3E}">
@@ -12324,36 +12444,6 @@
           </a:p>
         </p:txBody>
       </p:sp>
-      <p:pic>
-        <p:nvPicPr>
-          <p:cNvPr id="5" name="Picture 4"/>
-          <p:cNvPicPr>
-            <a:picLocks noChangeAspect="1"/>
-          </p:cNvPicPr>
-          <p:nvPr/>
-        </p:nvPicPr>
-        <p:blipFill>
-          <a:blip r:embed="rId3" cstate="print">
-            <a:extLst>
-              <a:ext uri="{28A0092B-C50C-407E-A947-70E740481C1C}">
-                <a14:useLocalDpi xmlns:a14="http://schemas.microsoft.com/office/drawing/2010/main" val="0"/>
-              </a:ext>
-            </a:extLst>
-          </a:blip>
-          <a:stretch>
-            <a:fillRect/>
-          </a:stretch>
-        </p:blipFill>
-        <p:spPr>
-          <a:xfrm>
-            <a:off x="6724529" y="1103070"/>
-            <a:ext cx="3129100" cy="3981780"/>
-          </a:xfrm>
-          <a:prstGeom prst="rect">
-            <a:avLst/>
-          </a:prstGeom>
-        </p:spPr>
-      </p:pic>
       <p:sp>
         <p:nvSpPr>
           <p:cNvPr id="6" name="TextBox 5"/>
@@ -12395,79 +12485,36 @@
           </a:p>
         </p:txBody>
       </p:sp>
-      <p:sp>
-        <p:nvSpPr>
-          <p:cNvPr id="7" name="TextBox 6"/>
-          <p:cNvSpPr txBox="1"/>
+      <p:pic>
+        <p:nvPicPr>
+          <p:cNvPr id="3" name="Picture 2">
+            <a:extLst>
+              <a:ext uri="{FF2B5EF4-FFF2-40B4-BE49-F238E27FC236}">
+                <a16:creationId xmlns:a16="http://schemas.microsoft.com/office/drawing/2014/main" id="{775DB5BF-3678-6657-292D-705C8FF1DBA4}"/>
+              </a:ext>
+            </a:extLst>
+          </p:cNvPr>
+          <p:cNvPicPr>
+            <a:picLocks noChangeAspect="1"/>
+          </p:cNvPicPr>
           <p:nvPr/>
-        </p:nvSpPr>
+        </p:nvPicPr>
+        <p:blipFill>
+          <a:blip r:embed="rId3"/>
+          <a:stretch>
+            <a:fillRect/>
+          </a:stretch>
+        </p:blipFill>
         <p:spPr>
           <a:xfrm>
-            <a:off x="6795786" y="5084852"/>
-            <a:ext cx="3003707" cy="346249"/>
+            <a:off x="6936105" y="942975"/>
+            <a:ext cx="4286250" cy="4286250"/>
           </a:xfrm>
           <a:prstGeom prst="rect">
             <a:avLst/>
           </a:prstGeom>
-          <a:noFill/>
         </p:spPr>
-        <p:txBody>
-          <a:bodyPr wrap="none" lIns="137160" tIns="109728" rIns="137160" bIns="109728" rtlCol="0">
-            <a:spAutoFit/>
-          </a:bodyPr>
-          <a:lstStyle/>
-          <a:p>
-            <a:pPr>
-              <a:lnSpc>
-                <a:spcPct val="90000"/>
-              </a:lnSpc>
-              <a:spcAft>
-                <a:spcPts val="450"/>
-              </a:spcAft>
-            </a:pPr>
-            <a:r>
-              <a:rPr lang="en-US" sz="900" dirty="0">
-                <a:solidFill>
-                  <a:schemeClr val="bg1"/>
-                </a:solidFill>
-              </a:rPr>
-              <a:t>Image from </a:t>
-            </a:r>
-            <a:r>
-              <a:rPr lang="en-US" sz="900" dirty="0" err="1">
-                <a:solidFill>
-                  <a:schemeClr val="bg1"/>
-                </a:solidFill>
-              </a:rPr>
-              <a:t>Etsy</a:t>
-            </a:r>
-            <a:r>
-              <a:rPr lang="en-US" sz="900" dirty="0">
-                <a:solidFill>
-                  <a:schemeClr val="bg1"/>
-                </a:solidFill>
-              </a:rPr>
-              <a:t> user </a:t>
-            </a:r>
-            <a:r>
-              <a:rPr lang="en-US" sz="900" dirty="0" err="1">
-                <a:solidFill>
-                  <a:schemeClr val="bg1"/>
-                </a:solidFill>
-              </a:rPr>
-              <a:t>Rosewine</a:t>
-            </a:r>
-            <a:r>
-              <a:rPr lang="en-US" sz="900" dirty="0">
-                <a:solidFill>
-                  <a:schemeClr val="bg1"/>
-                </a:solidFill>
-              </a:rPr>
-              <a:t>; used with permission</a:t>
-            </a:r>
-          </a:p>
-        </p:txBody>
-      </p:sp>
+      </p:pic>
     </p:spTree>
     <p:extLst>
       <p:ext uri="{BB962C8B-B14F-4D97-AF65-F5344CB8AC3E}">
@@ -13146,6 +13193,36 @@
           </a:p>
         </p:txBody>
       </p:sp>
+      <p:pic>
+        <p:nvPicPr>
+          <p:cNvPr id="4" name="Picture 3">
+            <a:extLst>
+              <a:ext uri="{FF2B5EF4-FFF2-40B4-BE49-F238E27FC236}">
+                <a16:creationId xmlns:a16="http://schemas.microsoft.com/office/drawing/2014/main" id="{6E4C6EAE-2D5E-488C-2E62-E745E6063654}"/>
+              </a:ext>
+            </a:extLst>
+          </p:cNvPr>
+          <p:cNvPicPr>
+            <a:picLocks noChangeAspect="1"/>
+          </p:cNvPicPr>
+          <p:nvPr/>
+        </p:nvPicPr>
+        <p:blipFill>
+          <a:blip r:embed="rId4"/>
+          <a:stretch>
+            <a:fillRect/>
+          </a:stretch>
+        </p:blipFill>
+        <p:spPr>
+          <a:xfrm>
+            <a:off x="8096250" y="1032510"/>
+            <a:ext cx="3962400" cy="3962400"/>
+          </a:xfrm>
+          <a:prstGeom prst="rect">
+            <a:avLst/>
+          </a:prstGeom>
+        </p:spPr>
+      </p:pic>
     </p:spTree>
     <p:extLst>
       <p:ext uri="{BB962C8B-B14F-4D97-AF65-F5344CB8AC3E}">

--- a/Async Pitfalls/Async Pitfalls.pptx
+++ b/Async Pitfalls/Async Pitfalls.pptx
@@ -6,47 +6,49 @@
     <p:sldMasterId id="2147483718" r:id="rId2"/>
   </p:sldMasterIdLst>
   <p:notesMasterIdLst>
-    <p:notesMasterId r:id="rId41"/>
+    <p:notesMasterId r:id="rId43"/>
   </p:notesMasterIdLst>
   <p:sldIdLst>
-    <p:sldId id="256" r:id="rId3"/>
-    <p:sldId id="258" r:id="rId4"/>
-    <p:sldId id="317" r:id="rId5"/>
-    <p:sldId id="393" r:id="rId6"/>
-    <p:sldId id="394" r:id="rId7"/>
-    <p:sldId id="481" r:id="rId8"/>
-    <p:sldId id="395" r:id="rId9"/>
-    <p:sldId id="396" r:id="rId10"/>
-    <p:sldId id="397" r:id="rId11"/>
-    <p:sldId id="409" r:id="rId12"/>
-    <p:sldId id="400" r:id="rId13"/>
-    <p:sldId id="476" r:id="rId14"/>
-    <p:sldId id="474" r:id="rId15"/>
-    <p:sldId id="458" r:id="rId16"/>
-    <p:sldId id="459" r:id="rId17"/>
-    <p:sldId id="460" r:id="rId18"/>
-    <p:sldId id="360" r:id="rId19"/>
-    <p:sldId id="483" r:id="rId20"/>
-    <p:sldId id="330" r:id="rId21"/>
-    <p:sldId id="465" r:id="rId22"/>
-    <p:sldId id="464" r:id="rId23"/>
-    <p:sldId id="467" r:id="rId24"/>
-    <p:sldId id="491" r:id="rId25"/>
-    <p:sldId id="496" r:id="rId26"/>
-    <p:sldId id="466" r:id="rId27"/>
-    <p:sldId id="484" r:id="rId28"/>
-    <p:sldId id="485" r:id="rId29"/>
-    <p:sldId id="486" r:id="rId30"/>
-    <p:sldId id="487" r:id="rId31"/>
-    <p:sldId id="488" r:id="rId32"/>
-    <p:sldId id="494" r:id="rId33"/>
-    <p:sldId id="495" r:id="rId34"/>
-    <p:sldId id="492" r:id="rId35"/>
-    <p:sldId id="490" r:id="rId36"/>
-    <p:sldId id="493" r:id="rId37"/>
-    <p:sldId id="489" r:id="rId38"/>
-    <p:sldId id="497" r:id="rId39"/>
-    <p:sldId id="390" r:id="rId40"/>
+    <p:sldId id="341" r:id="rId3"/>
+    <p:sldId id="256" r:id="rId4"/>
+    <p:sldId id="498" r:id="rId5"/>
+    <p:sldId id="258" r:id="rId6"/>
+    <p:sldId id="317" r:id="rId7"/>
+    <p:sldId id="393" r:id="rId8"/>
+    <p:sldId id="394" r:id="rId9"/>
+    <p:sldId id="481" r:id="rId10"/>
+    <p:sldId id="395" r:id="rId11"/>
+    <p:sldId id="396" r:id="rId12"/>
+    <p:sldId id="397" r:id="rId13"/>
+    <p:sldId id="409" r:id="rId14"/>
+    <p:sldId id="400" r:id="rId15"/>
+    <p:sldId id="476" r:id="rId16"/>
+    <p:sldId id="474" r:id="rId17"/>
+    <p:sldId id="458" r:id="rId18"/>
+    <p:sldId id="459" r:id="rId19"/>
+    <p:sldId id="460" r:id="rId20"/>
+    <p:sldId id="360" r:id="rId21"/>
+    <p:sldId id="483" r:id="rId22"/>
+    <p:sldId id="330" r:id="rId23"/>
+    <p:sldId id="465" r:id="rId24"/>
+    <p:sldId id="464" r:id="rId25"/>
+    <p:sldId id="467" r:id="rId26"/>
+    <p:sldId id="491" r:id="rId27"/>
+    <p:sldId id="496" r:id="rId28"/>
+    <p:sldId id="466" r:id="rId29"/>
+    <p:sldId id="484" r:id="rId30"/>
+    <p:sldId id="485" r:id="rId31"/>
+    <p:sldId id="486" r:id="rId32"/>
+    <p:sldId id="487" r:id="rId33"/>
+    <p:sldId id="488" r:id="rId34"/>
+    <p:sldId id="494" r:id="rId35"/>
+    <p:sldId id="495" r:id="rId36"/>
+    <p:sldId id="492" r:id="rId37"/>
+    <p:sldId id="490" r:id="rId38"/>
+    <p:sldId id="493" r:id="rId39"/>
+    <p:sldId id="489" r:id="rId40"/>
+    <p:sldId id="497" r:id="rId41"/>
+    <p:sldId id="390" r:id="rId42"/>
   </p:sldIdLst>
   <p:sldSz cx="12192000" cy="6858000"/>
   <p:notesSz cx="6858000" cy="9144000"/>
@@ -150,7 +152,9 @@
       <p14:sectionLst xmlns:p14="http://schemas.microsoft.com/office/powerpoint/2010/main">
         <p14:section name="Presentation" id="{40A61D7E-2C9D-4E7E-977C-2B6EC2434CD7}">
           <p14:sldIdLst>
+            <p14:sldId id="341"/>
             <p14:sldId id="256"/>
+            <p14:sldId id="498"/>
             <p14:sldId id="258"/>
             <p14:sldId id="317"/>
             <p14:sldId id="393"/>
@@ -281,7 +285,7 @@
           <a:p>
             <a:fld id="{574E8BCA-0B4F-4373-B78E-3D2899449797}" type="datetimeFigureOut">
               <a:rPr lang="en-US" smtClean="0"/>
-              <a:t>9/12/2025</a:t>
+              <a:t>10/26/2025</a:t>
             </a:fld>
             <a:endParaRPr lang="en-US" dirty="0"/>
           </a:p>
@@ -647,7 +651,7 @@
           <a:p>
             <a:fld id="{94CE3395-F8FF-4336-B2AA-E15575B990E7}" type="slidenum">
               <a:rPr lang="en-US" smtClean="0"/>
-              <a:t>1</a:t>
+              <a:t>2</a:t>
             </a:fld>
             <a:endParaRPr lang="en-US" dirty="0"/>
           </a:p>
@@ -693,12 +697,7 @@
             <p:ph type="sldImg"/>
           </p:nvPr>
         </p:nvSpPr>
-        <p:spPr>
-          <a:xfrm>
-            <a:off x="685800" y="1143000"/>
-            <a:ext cx="5486400" cy="3086100"/>
-          </a:xfrm>
-        </p:spPr>
+        <p:spPr/>
       </p:sp>
       <p:sp>
         <p:nvSpPr>
@@ -715,11 +714,48 @@
           <a:bodyPr/>
           <a:lstStyle/>
           <a:p>
-            <a:pPr marL="171450" indent="-171450">
-              <a:buFont typeface="Arial" panose="020B0604020202020204" pitchFamily="34" charset="0"/>
-              <a:buChar char="•"/>
+            <a:pPr marL="0" indent="0">
+              <a:buFontTx/>
+              <a:buNone/>
             </a:pPr>
-            <a:endParaRPr lang="en-US" baseline="0" dirty="0"/>
+            <a:r>
+              <a:rPr lang="en-US" strike="noStrike" baseline="0" dirty="0"/>
+              <a:t>By default, a context is captured: </a:t>
+            </a:r>
+            <a:r>
+              <a:rPr lang="en-US" strike="noStrike" baseline="0" dirty="0" err="1"/>
+              <a:t>SynchronizationContext</a:t>
+            </a:r>
+            <a:r>
+              <a:rPr lang="en-US" strike="noStrike" baseline="0" dirty="0"/>
+              <a:t> or </a:t>
+            </a:r>
+            <a:r>
+              <a:rPr lang="en-US" strike="noStrike" baseline="0" dirty="0" err="1"/>
+              <a:t>TaskScheduler</a:t>
+            </a:r>
+            <a:r>
+              <a:rPr lang="en-US" strike="noStrike" baseline="0" dirty="0"/>
+              <a:t>.</a:t>
+            </a:r>
+          </a:p>
+          <a:p>
+            <a:pPr marL="0" indent="0">
+              <a:buFontTx/>
+              <a:buNone/>
+            </a:pPr>
+            <a:r>
+              <a:rPr lang="en-US" strike="noStrike" baseline="0" dirty="0"/>
+              <a:t>Usually a </a:t>
+            </a:r>
+            <a:r>
+              <a:rPr lang="en-US" strike="noStrike" baseline="0" dirty="0" err="1"/>
+              <a:t>SynchronizationContext</a:t>
+            </a:r>
+            <a:r>
+              <a:rPr lang="en-US" strike="noStrike" baseline="0" dirty="0"/>
+              <a:t> for UI apps (or old-school ASP.NET), or else the thread pool.</a:t>
+            </a:r>
           </a:p>
         </p:txBody>
       </p:sp>
@@ -740,7 +776,7 @@
           <a:p>
             <a:fld id="{94CE3395-F8FF-4336-B2AA-E15575B990E7}" type="slidenum">
               <a:rPr lang="en-US" smtClean="0"/>
-              <a:t>10</a:t>
+              <a:t>11</a:t>
             </a:fld>
             <a:endParaRPr lang="en-US" dirty="0"/>
           </a:p>
@@ -749,7 +785,7 @@
     </p:spTree>
     <p:extLst>
       <p:ext uri="{BB962C8B-B14F-4D97-AF65-F5344CB8AC3E}">
-        <p14:creationId xmlns:p14="http://schemas.microsoft.com/office/powerpoint/2010/main" val="414935935"/>
+        <p14:creationId xmlns:p14="http://schemas.microsoft.com/office/powerpoint/2010/main" val="2069781445"/>
       </p:ext>
     </p:extLst>
   </p:cSld>
@@ -808,27 +844,11 @@
           <a:bodyPr/>
           <a:lstStyle/>
           <a:p>
-            <a:r>
-              <a:rPr lang="en-US" dirty="0"/>
-              <a:t>In fact, async/await </a:t>
-            </a:r>
-            <a:r>
-              <a:rPr lang="en-US" i="1" dirty="0"/>
-              <a:t>reduces</a:t>
-            </a:r>
-            <a:r>
-              <a:rPr lang="en-US" dirty="0"/>
-              <a:t> the number of threads used in your application.</a:t>
-            </a:r>
-          </a:p>
-          <a:p>
-            <a:endParaRPr lang="en-US" dirty="0"/>
-          </a:p>
-          <a:p>
-            <a:r>
-              <a:rPr lang="en-US" dirty="0"/>
-              <a:t>You can do both async and parallel, but realize they work in different ways!</a:t>
-            </a:r>
+            <a:pPr marL="171450" indent="-171450">
+              <a:buFont typeface="Arial" panose="020B0604020202020204" pitchFamily="34" charset="0"/>
+              <a:buChar char="•"/>
+            </a:pPr>
+            <a:endParaRPr lang="en-US" baseline="0" dirty="0"/>
           </a:p>
         </p:txBody>
       </p:sp>
@@ -849,7 +869,7 @@
           <a:p>
             <a:fld id="{94CE3395-F8FF-4336-B2AA-E15575B990E7}" type="slidenum">
               <a:rPr lang="en-US" smtClean="0"/>
-              <a:t>11</a:t>
+              <a:t>12</a:t>
             </a:fld>
             <a:endParaRPr lang="en-US" dirty="0"/>
           </a:p>
@@ -858,7 +878,7 @@
     </p:spTree>
     <p:extLst>
       <p:ext uri="{BB962C8B-B14F-4D97-AF65-F5344CB8AC3E}">
-        <p14:creationId xmlns:p14="http://schemas.microsoft.com/office/powerpoint/2010/main" val="2229543039"/>
+        <p14:creationId xmlns:p14="http://schemas.microsoft.com/office/powerpoint/2010/main" val="414935935"/>
       </p:ext>
     </p:extLst>
   </p:cSld>
@@ -919,19 +939,24 @@
           <a:p>
             <a:r>
               <a:rPr lang="en-US" dirty="0"/>
-              <a:t>The</a:t>
-            </a:r>
-            <a:r>
-              <a:rPr lang="en-US" baseline="0" dirty="0"/>
-              <a:t> benefits for client and server are different, but both come from the same core: </a:t>
-            </a:r>
-            <a:r>
-              <a:rPr lang="en-US" i="1" baseline="0" dirty="0"/>
-              <a:t>freeing up threads</a:t>
-            </a:r>
-            <a:r>
-              <a:rPr lang="en-US" baseline="0" dirty="0"/>
-              <a:t>. (Not using more threads).</a:t>
+              <a:t>In fact, async/await </a:t>
+            </a:r>
+            <a:r>
+              <a:rPr lang="en-US" i="1" dirty="0"/>
+              <a:t>reduces</a:t>
+            </a:r>
+            <a:r>
+              <a:rPr lang="en-US" dirty="0"/>
+              <a:t> the number of threads used in your application.</a:t>
+            </a:r>
+          </a:p>
+          <a:p>
+            <a:endParaRPr lang="en-US" dirty="0"/>
+          </a:p>
+          <a:p>
+            <a:r>
+              <a:rPr lang="en-US" dirty="0"/>
+              <a:t>You can do both async and parallel, but realize they work in different ways!</a:t>
             </a:r>
           </a:p>
         </p:txBody>
@@ -953,7 +978,7 @@
           <a:p>
             <a:fld id="{94CE3395-F8FF-4336-B2AA-E15575B990E7}" type="slidenum">
               <a:rPr lang="en-US" smtClean="0"/>
-              <a:t>12</a:t>
+              <a:t>13</a:t>
             </a:fld>
             <a:endParaRPr lang="en-US" dirty="0"/>
           </a:p>
@@ -962,7 +987,7 @@
     </p:spTree>
     <p:extLst>
       <p:ext uri="{BB962C8B-B14F-4D97-AF65-F5344CB8AC3E}">
-        <p14:creationId xmlns:p14="http://schemas.microsoft.com/office/powerpoint/2010/main" val="901930446"/>
+        <p14:creationId xmlns:p14="http://schemas.microsoft.com/office/powerpoint/2010/main" val="2229543039"/>
       </p:ext>
     </p:extLst>
   </p:cSld>
@@ -1021,11 +1046,22 @@
           <a:bodyPr/>
           <a:lstStyle/>
           <a:p>
-            <a:pPr marL="0" indent="0">
-              <a:buFont typeface="Arial" panose="020B0604020202020204" pitchFamily="34" charset="0"/>
-              <a:buNone/>
-            </a:pPr>
-            <a:endParaRPr lang="en-US" baseline="0" dirty="0"/>
+            <a:r>
+              <a:rPr lang="en-US" dirty="0"/>
+              <a:t>The</a:t>
+            </a:r>
+            <a:r>
+              <a:rPr lang="en-US" baseline="0" dirty="0"/>
+              <a:t> benefits for client and server are different, but both come from the same core: </a:t>
+            </a:r>
+            <a:r>
+              <a:rPr lang="en-US" i="1" baseline="0" dirty="0"/>
+              <a:t>freeing up threads</a:t>
+            </a:r>
+            <a:r>
+              <a:rPr lang="en-US" baseline="0" dirty="0"/>
+              <a:t>. (Not using more threads).</a:t>
+            </a:r>
           </a:p>
         </p:txBody>
       </p:sp>
@@ -1046,7 +1082,7 @@
           <a:p>
             <a:fld id="{94CE3395-F8FF-4336-B2AA-E15575B990E7}" type="slidenum">
               <a:rPr lang="en-US" smtClean="0"/>
-              <a:t>13</a:t>
+              <a:t>14</a:t>
             </a:fld>
             <a:endParaRPr lang="en-US" dirty="0"/>
           </a:p>
@@ -1055,7 +1091,7 @@
     </p:spTree>
     <p:extLst>
       <p:ext uri="{BB962C8B-B14F-4D97-AF65-F5344CB8AC3E}">
-        <p14:creationId xmlns:p14="http://schemas.microsoft.com/office/powerpoint/2010/main" val="1678693088"/>
+        <p14:creationId xmlns:p14="http://schemas.microsoft.com/office/powerpoint/2010/main" val="901930446"/>
       </p:ext>
     </p:extLst>
   </p:cSld>
@@ -1092,7 +1128,12 @@
             <p:ph type="sldImg"/>
           </p:nvPr>
         </p:nvSpPr>
-        <p:spPr/>
+        <p:spPr>
+          <a:xfrm>
+            <a:off x="685800" y="1143000"/>
+            <a:ext cx="5486400" cy="3086100"/>
+          </a:xfrm>
+        </p:spPr>
       </p:sp>
       <p:sp>
         <p:nvSpPr>
@@ -1109,10 +1150,11 @@
           <a:bodyPr/>
           <a:lstStyle/>
           <a:p>
-            <a:r>
-              <a:rPr lang="en-US" dirty="0"/>
-              <a:t>This is my default conceptualization, and the one I describe when first teaching async/await.</a:t>
-            </a:r>
+            <a:pPr marL="0" indent="0">
+              <a:buFont typeface="Arial" panose="020B0604020202020204" pitchFamily="34" charset="0"/>
+              <a:buNone/>
+            </a:pPr>
+            <a:endParaRPr lang="en-US" baseline="0" dirty="0"/>
           </a:p>
         </p:txBody>
       </p:sp>
@@ -1123,7 +1165,7 @@
             <a:spLocks noGrp="1"/>
           </p:cNvSpPr>
           <p:nvPr>
-            <p:ph type="sldNum" sz="quarter" idx="5"/>
+            <p:ph type="sldNum" sz="quarter" idx="10"/>
           </p:nvPr>
         </p:nvSpPr>
         <p:spPr/>
@@ -1133,7 +1175,7 @@
           <a:p>
             <a:fld id="{94CE3395-F8FF-4336-B2AA-E15575B990E7}" type="slidenum">
               <a:rPr lang="en-US" smtClean="0"/>
-              <a:t>14</a:t>
+              <a:t>15</a:t>
             </a:fld>
             <a:endParaRPr lang="en-US" dirty="0"/>
           </a:p>
@@ -1142,7 +1184,7 @@
     </p:spTree>
     <p:extLst>
       <p:ext uri="{BB962C8B-B14F-4D97-AF65-F5344CB8AC3E}">
-        <p14:creationId xmlns:p14="http://schemas.microsoft.com/office/powerpoint/2010/main" val="205427322"/>
+        <p14:creationId xmlns:p14="http://schemas.microsoft.com/office/powerpoint/2010/main" val="1678693088"/>
       </p:ext>
     </p:extLst>
   </p:cSld>
@@ -1198,22 +1240,7 @@
           <a:p>
             <a:r>
               <a:rPr lang="en-US" dirty="0"/>
-              <a:t>This conceptualization is useful when you are doing something functional and you need to figure out your types.</a:t>
-            </a:r>
-          </a:p>
-          <a:p>
-            <a:endParaRPr lang="en-US" dirty="0"/>
-          </a:p>
-          <a:p>
-            <a:r>
-              <a:rPr lang="en-US" dirty="0"/>
-              <a:t>“I have a Task&lt;string&gt;. How do I get the string out of it?”</a:t>
-            </a:r>
-          </a:p>
-          <a:p>
-            <a:r>
-              <a:rPr lang="en-US" dirty="0"/>
-              <a:t>“If my function returns Task&lt;string&gt;, why do I return a string value?”</a:t>
+              <a:t>This is my default conceptualization, and the one I describe when first teaching async/await.</a:t>
             </a:r>
           </a:p>
         </p:txBody>
@@ -1235,7 +1262,7 @@
           <a:p>
             <a:fld id="{94CE3395-F8FF-4336-B2AA-E15575B990E7}" type="slidenum">
               <a:rPr lang="en-US" smtClean="0"/>
-              <a:t>15</a:t>
+              <a:t>16</a:t>
             </a:fld>
             <a:endParaRPr lang="en-US" dirty="0"/>
           </a:p>
@@ -1244,7 +1271,7 @@
     </p:spTree>
     <p:extLst>
       <p:ext uri="{BB962C8B-B14F-4D97-AF65-F5344CB8AC3E}">
-        <p14:creationId xmlns:p14="http://schemas.microsoft.com/office/powerpoint/2010/main" val="921818843"/>
+        <p14:creationId xmlns:p14="http://schemas.microsoft.com/office/powerpoint/2010/main" val="205427322"/>
       </p:ext>
     </p:extLst>
   </p:cSld>
@@ -1300,7 +1327,22 @@
           <a:p>
             <a:r>
               <a:rPr lang="en-US" dirty="0"/>
-              <a:t>This conceptualization is how async actually works, and explains how the GC works with async and why your call stack is “reversed”.</a:t>
+              <a:t>This conceptualization is useful when you are doing something functional and you need to figure out your types.</a:t>
+            </a:r>
+          </a:p>
+          <a:p>
+            <a:endParaRPr lang="en-US" dirty="0"/>
+          </a:p>
+          <a:p>
+            <a:r>
+              <a:rPr lang="en-US" dirty="0"/>
+              <a:t>“I have a Task&lt;string&gt;. How do I get the string out of it?”</a:t>
+            </a:r>
+          </a:p>
+          <a:p>
+            <a:r>
+              <a:rPr lang="en-US" dirty="0"/>
+              <a:t>“If my function returns Task&lt;string&gt;, why do I return a string value?”</a:t>
             </a:r>
           </a:p>
         </p:txBody>
@@ -1322,7 +1364,94 @@
           <a:p>
             <a:fld id="{94CE3395-F8FF-4336-B2AA-E15575B990E7}" type="slidenum">
               <a:rPr lang="en-US" smtClean="0"/>
-              <a:t>16</a:t>
+              <a:t>17</a:t>
+            </a:fld>
+            <a:endParaRPr lang="en-US" dirty="0"/>
+          </a:p>
+        </p:txBody>
+      </p:sp>
+    </p:spTree>
+    <p:extLst>
+      <p:ext uri="{BB962C8B-B14F-4D97-AF65-F5344CB8AC3E}">
+        <p14:creationId xmlns:p14="http://schemas.microsoft.com/office/powerpoint/2010/main" val="921818843"/>
+      </p:ext>
+    </p:extLst>
+  </p:cSld>
+  <p:clrMapOvr>
+    <a:masterClrMapping/>
+  </p:clrMapOvr>
+</p:notes>
+</file>
+
+<file path=ppt/notesSlides/notesSlide17.xml><?xml version="1.0" encoding="utf-8"?>
+<p:notes xmlns:a="http://schemas.openxmlformats.org/drawingml/2006/main" xmlns:r="http://schemas.openxmlformats.org/officeDocument/2006/relationships" xmlns:p="http://schemas.openxmlformats.org/presentationml/2006/main">
+  <p:cSld>
+    <p:spTree>
+      <p:nvGrpSpPr>
+        <p:cNvPr id="1" name=""/>
+        <p:cNvGrpSpPr/>
+        <p:nvPr/>
+      </p:nvGrpSpPr>
+      <p:grpSpPr>
+        <a:xfrm>
+          <a:off x="0" y="0"/>
+          <a:ext cx="0" cy="0"/>
+          <a:chOff x="0" y="0"/>
+          <a:chExt cx="0" cy="0"/>
+        </a:xfrm>
+      </p:grpSpPr>
+      <p:sp>
+        <p:nvSpPr>
+          <p:cNvPr id="2" name="Slide Image Placeholder 1"/>
+          <p:cNvSpPr>
+            <a:spLocks noGrp="1" noRot="1" noChangeAspect="1"/>
+          </p:cNvSpPr>
+          <p:nvPr>
+            <p:ph type="sldImg"/>
+          </p:nvPr>
+        </p:nvSpPr>
+        <p:spPr/>
+      </p:sp>
+      <p:sp>
+        <p:nvSpPr>
+          <p:cNvPr id="3" name="Notes Placeholder 2"/>
+          <p:cNvSpPr>
+            <a:spLocks noGrp="1"/>
+          </p:cNvSpPr>
+          <p:nvPr>
+            <p:ph type="body" idx="1"/>
+          </p:nvPr>
+        </p:nvSpPr>
+        <p:spPr/>
+        <p:txBody>
+          <a:bodyPr/>
+          <a:lstStyle/>
+          <a:p>
+            <a:r>
+              <a:rPr lang="en-US" dirty="0"/>
+              <a:t>This conceptualization is how async actually works, and explains how the GC works with async and why your call stack is “reversed”.</a:t>
+            </a:r>
+          </a:p>
+        </p:txBody>
+      </p:sp>
+      <p:sp>
+        <p:nvSpPr>
+          <p:cNvPr id="4" name="Slide Number Placeholder 3"/>
+          <p:cNvSpPr>
+            <a:spLocks noGrp="1"/>
+          </p:cNvSpPr>
+          <p:nvPr>
+            <p:ph type="sldNum" sz="quarter" idx="5"/>
+          </p:nvPr>
+        </p:nvSpPr>
+        <p:spPr/>
+        <p:txBody>
+          <a:bodyPr/>
+          <a:lstStyle/>
+          <a:p>
+            <a:fld id="{94CE3395-F8FF-4336-B2AA-E15575B990E7}" type="slidenum">
+              <a:rPr lang="en-US" smtClean="0"/>
+              <a:t>18</a:t>
             </a:fld>
             <a:endParaRPr lang="en-US" dirty="0"/>
           </a:p>
@@ -1341,7 +1470,7 @@
 </p:notes>
 </file>
 
-<file path=ppt/notesSlides/notesSlide17.xml><?xml version="1.0" encoding="utf-8"?>
+<file path=ppt/notesSlides/notesSlide18.xml><?xml version="1.0" encoding="utf-8"?>
 <p:notes xmlns:a="http://schemas.openxmlformats.org/drawingml/2006/main" xmlns:r="http://schemas.openxmlformats.org/officeDocument/2006/relationships" xmlns:p="http://schemas.openxmlformats.org/presentationml/2006/main">
   <p:cSld>
     <p:spTree>
@@ -1457,7 +1586,7 @@
           <a:p>
             <a:fld id="{94CE3395-F8FF-4336-B2AA-E15575B990E7}" type="slidenum">
               <a:rPr lang="en-US" smtClean="0"/>
-              <a:t>17</a:t>
+              <a:t>19</a:t>
             </a:fld>
             <a:endParaRPr lang="en-US" dirty="0"/>
           </a:p>
@@ -1467,99 +1596,6 @@
     <p:extLst>
       <p:ext uri="{BB962C8B-B14F-4D97-AF65-F5344CB8AC3E}">
         <p14:creationId xmlns:p14="http://schemas.microsoft.com/office/powerpoint/2010/main" val="4073102866"/>
-      </p:ext>
-    </p:extLst>
-  </p:cSld>
-  <p:clrMapOvr>
-    <a:masterClrMapping/>
-  </p:clrMapOvr>
-</p:notes>
-</file>
-
-<file path=ppt/notesSlides/notesSlide18.xml><?xml version="1.0" encoding="utf-8"?>
-<p:notes xmlns:a="http://schemas.openxmlformats.org/drawingml/2006/main" xmlns:r="http://schemas.openxmlformats.org/officeDocument/2006/relationships" xmlns:p="http://schemas.openxmlformats.org/presentationml/2006/main">
-  <p:cSld>
-    <p:spTree>
-      <p:nvGrpSpPr>
-        <p:cNvPr id="1" name=""/>
-        <p:cNvGrpSpPr/>
-        <p:nvPr/>
-      </p:nvGrpSpPr>
-      <p:grpSpPr>
-        <a:xfrm>
-          <a:off x="0" y="0"/>
-          <a:ext cx="0" cy="0"/>
-          <a:chOff x="0" y="0"/>
-          <a:chExt cx="0" cy="0"/>
-        </a:xfrm>
-      </p:grpSpPr>
-      <p:sp>
-        <p:nvSpPr>
-          <p:cNvPr id="2" name="Slide Image Placeholder 1"/>
-          <p:cNvSpPr>
-            <a:spLocks noGrp="1" noRot="1" noChangeAspect="1"/>
-          </p:cNvSpPr>
-          <p:nvPr>
-            <p:ph type="sldImg"/>
-          </p:nvPr>
-        </p:nvSpPr>
-        <p:spPr>
-          <a:xfrm>
-            <a:off x="685800" y="1143000"/>
-            <a:ext cx="5486400" cy="3086100"/>
-          </a:xfrm>
-        </p:spPr>
-      </p:sp>
-      <p:sp>
-        <p:nvSpPr>
-          <p:cNvPr id="3" name="Notes Placeholder 2"/>
-          <p:cNvSpPr>
-            <a:spLocks noGrp="1"/>
-          </p:cNvSpPr>
-          <p:nvPr>
-            <p:ph type="body" idx="1"/>
-          </p:nvPr>
-        </p:nvSpPr>
-        <p:spPr/>
-        <p:txBody>
-          <a:bodyPr/>
-          <a:lstStyle/>
-          <a:p>
-            <a:pPr marL="171450" indent="-171450">
-              <a:buFont typeface="Arial" panose="020B0604020202020204" pitchFamily="34" charset="0"/>
-              <a:buChar char="•"/>
-            </a:pPr>
-            <a:endParaRPr lang="en-US" baseline="0" dirty="0"/>
-          </a:p>
-        </p:txBody>
-      </p:sp>
-      <p:sp>
-        <p:nvSpPr>
-          <p:cNvPr id="4" name="Slide Number Placeholder 3"/>
-          <p:cNvSpPr>
-            <a:spLocks noGrp="1"/>
-          </p:cNvSpPr>
-          <p:nvPr>
-            <p:ph type="sldNum" sz="quarter" idx="10"/>
-          </p:nvPr>
-        </p:nvSpPr>
-        <p:spPr/>
-        <p:txBody>
-          <a:bodyPr/>
-          <a:lstStyle/>
-          <a:p>
-            <a:fld id="{94CE3395-F8FF-4336-B2AA-E15575B990E7}" type="slidenum">
-              <a:rPr lang="en-US" smtClean="0"/>
-              <a:t>20</a:t>
-            </a:fld>
-            <a:endParaRPr lang="en-US" dirty="0"/>
-          </a:p>
-        </p:txBody>
-      </p:sp>
-    </p:spTree>
-    <p:extLst>
-      <p:ext uri="{BB962C8B-B14F-4D97-AF65-F5344CB8AC3E}">
-        <p14:creationId xmlns:p14="http://schemas.microsoft.com/office/powerpoint/2010/main" val="3248846039"/>
       </p:ext>
     </p:extLst>
   </p:cSld>
@@ -1618,27 +1654,11 @@
           <a:bodyPr/>
           <a:lstStyle/>
           <a:p>
-            <a:r>
-              <a:rPr lang="en-US" dirty="0"/>
-              <a:t>Async void is </a:t>
-            </a:r>
-            <a:r>
-              <a:rPr lang="en-US" i="1" dirty="0"/>
-              <a:t>occasionally</a:t>
-            </a:r>
-            <a:r>
-              <a:rPr lang="en-US" dirty="0"/>
-              <a:t> useful elsewhere, like processing loops in pipelines.</a:t>
-            </a:r>
-          </a:p>
-          <a:p>
-            <a:endParaRPr lang="en-US" dirty="0"/>
-          </a:p>
-          <a:p>
-            <a:r>
-              <a:rPr lang="en-US" dirty="0"/>
-              <a:t>Violates: “Task is the method”</a:t>
-            </a:r>
+            <a:pPr marL="171450" indent="-171450">
+              <a:buFont typeface="Arial" panose="020B0604020202020204" pitchFamily="34" charset="0"/>
+              <a:buChar char="•"/>
+            </a:pPr>
+            <a:endParaRPr lang="en-US" baseline="0" dirty="0"/>
           </a:p>
         </p:txBody>
       </p:sp>
@@ -1659,7 +1679,7 @@
           <a:p>
             <a:fld id="{94CE3395-F8FF-4336-B2AA-E15575B990E7}" type="slidenum">
               <a:rPr lang="en-US" smtClean="0"/>
-              <a:t>21</a:t>
+              <a:t>22</a:t>
             </a:fld>
             <a:endParaRPr lang="en-US" dirty="0"/>
           </a:p>
@@ -1668,7 +1688,7 @@
     </p:spTree>
     <p:extLst>
       <p:ext uri="{BB962C8B-B14F-4D97-AF65-F5344CB8AC3E}">
-        <p14:creationId xmlns:p14="http://schemas.microsoft.com/office/powerpoint/2010/main" val="1410639464"/>
+        <p14:creationId xmlns:p14="http://schemas.microsoft.com/office/powerpoint/2010/main" val="3248846039"/>
       </p:ext>
     </p:extLst>
   </p:cSld>
@@ -1683,7 +1703,13 @@
   <p:cSld>
     <p:spTree>
       <p:nvGrpSpPr>
-        <p:cNvPr id="1" name=""/>
+        <p:cNvPr id="1" name="">
+          <a:extLst>
+            <a:ext uri="{FF2B5EF4-FFF2-40B4-BE49-F238E27FC236}">
+              <a16:creationId xmlns:a16="http://schemas.microsoft.com/office/drawing/2014/main" id="{783D6874-2073-11B8-E9DF-5FDC800E77D5}"/>
+            </a:ext>
+          </a:extLst>
+        </p:cNvPr>
         <p:cNvGrpSpPr/>
         <p:nvPr/>
       </p:nvGrpSpPr>
@@ -1697,7 +1723,13 @@
       </p:grpSpPr>
       <p:sp>
         <p:nvSpPr>
-          <p:cNvPr id="2" name="Slide Image Placeholder 1"/>
+          <p:cNvPr id="2" name="Slide Image Placeholder 1">
+            <a:extLst>
+              <a:ext uri="{FF2B5EF4-FFF2-40B4-BE49-F238E27FC236}">
+                <a16:creationId xmlns:a16="http://schemas.microsoft.com/office/drawing/2014/main" id="{E946331C-A16C-E84F-39DA-A1D255D3C195}"/>
+              </a:ext>
+            </a:extLst>
+          </p:cNvPr>
           <p:cNvSpPr>
             <a:spLocks noGrp="1" noRot="1" noChangeAspect="1"/>
           </p:cNvSpPr>
@@ -1705,11 +1737,22 @@
             <p:ph type="sldImg"/>
           </p:nvPr>
         </p:nvSpPr>
-        <p:spPr/>
-      </p:sp>
-      <p:sp>
-        <p:nvSpPr>
-          <p:cNvPr id="3" name="Notes Placeholder 2"/>
+        <p:spPr>
+          <a:xfrm>
+            <a:off x="685800" y="1143000"/>
+            <a:ext cx="5486400" cy="3086100"/>
+          </a:xfrm>
+        </p:spPr>
+      </p:sp>
+      <p:sp>
+        <p:nvSpPr>
+          <p:cNvPr id="3" name="Notes Placeholder 2">
+            <a:extLst>
+              <a:ext uri="{FF2B5EF4-FFF2-40B4-BE49-F238E27FC236}">
+                <a16:creationId xmlns:a16="http://schemas.microsoft.com/office/drawing/2014/main" id="{764A389D-B190-FFF1-6F23-91DC2A6470F8}"/>
+              </a:ext>
+            </a:extLst>
+          </p:cNvPr>
           <p:cNvSpPr>
             <a:spLocks noGrp="1"/>
           </p:cNvSpPr>
@@ -1722,119 +1765,48 @@
           <a:bodyPr/>
           <a:lstStyle/>
           <a:p>
-            <a:pPr marL="171450" marR="0" lvl="0" indent="-171450" algn="l" defTabSz="914400" rtl="0" eaLnBrk="1" fontAlgn="auto" latinLnBrk="0" hangingPunct="1">
-              <a:lnSpc>
-                <a:spcPct val="100000"/>
-              </a:lnSpc>
-              <a:spcBef>
-                <a:spcPts val="0"/>
-              </a:spcBef>
-              <a:spcAft>
-                <a:spcPts val="0"/>
-              </a:spcAft>
-              <a:buClrTx/>
-              <a:buSzTx/>
-              <a:buFontTx/>
-              <a:buChar char="-"/>
-              <a:tabLst/>
-              <a:defRPr/>
-            </a:pPr>
-            <a:r>
-              <a:rPr lang="en-US" dirty="0"/>
-              <a:t>Most importantly: I don’t center my identity in being a developer. I don’t think AI will take over programming; but if AI takes my job, I would be disappointed but not devastated.</a:t>
-            </a:r>
-          </a:p>
-          <a:p>
-            <a:pPr marL="171450" marR="0" lvl="0" indent="-171450" algn="l" defTabSz="914400" rtl="0" eaLnBrk="1" fontAlgn="auto" latinLnBrk="0" hangingPunct="1">
-              <a:lnSpc>
-                <a:spcPct val="100000"/>
-              </a:lnSpc>
-              <a:spcBef>
-                <a:spcPts val="0"/>
-              </a:spcBef>
-              <a:spcAft>
-                <a:spcPts val="0"/>
-              </a:spcAft>
-              <a:buClrTx/>
-              <a:buSzTx/>
-              <a:buFontTx/>
-              <a:buChar char="-"/>
-              <a:tabLst/>
-              <a:defRPr/>
-            </a:pPr>
-            <a:r>
-              <a:rPr lang="en-US" dirty="0"/>
-              <a:t>Microsoft MVP</a:t>
-            </a:r>
-          </a:p>
-          <a:p>
-            <a:pPr marL="171450" indent="-171450">
-              <a:buFontTx/>
-              <a:buChar char="-"/>
-            </a:pPr>
-            <a:r>
-              <a:rPr lang="en-US" dirty="0"/>
-              <a:t>Top async/await answerer on Stack Overflow</a:t>
-            </a:r>
-          </a:p>
-          <a:p>
-            <a:pPr marL="171450" indent="-171450">
-              <a:buFontTx/>
-              <a:buChar char="-"/>
-            </a:pPr>
-            <a:r>
-              <a:rPr lang="en-US" dirty="0"/>
-              <a:t>Assisted hundreds of companies with async adoption across all kinds of applications (available for contract work!)</a:t>
-            </a:r>
-          </a:p>
-          <a:p>
-            <a:pPr marL="171450" indent="-171450">
-              <a:buFontTx/>
-              <a:buChar char="-"/>
-            </a:pPr>
-            <a:r>
-              <a:rPr lang="en-US" dirty="0"/>
-              <a:t>Blog has been the go-to source for async advice for years</a:t>
-            </a:r>
-          </a:p>
-          <a:p>
-            <a:pPr marL="171450" indent="-171450">
-              <a:buFontTx/>
-              <a:buChar char="-"/>
-            </a:pPr>
-            <a:r>
-              <a:rPr lang="en-US" dirty="0"/>
-              <a:t>Contributor of some of the MS documentation on subjects such as </a:t>
-            </a:r>
-            <a:r>
-              <a:rPr lang="en-US" dirty="0" err="1"/>
-              <a:t>ValueTask</a:t>
-            </a:r>
+            <a:r>
+              <a:rPr lang="en-US" dirty="0"/>
+              <a:t>København</a:t>
+            </a:r>
+          </a:p>
+          <a:p>
             <a:endParaRPr lang="en-US" dirty="0"/>
           </a:p>
           <a:p>
-            <a:pPr marL="171450" indent="-171450">
-              <a:buFontTx/>
-              <a:buChar char="-"/>
-            </a:pPr>
-            <a:r>
-              <a:rPr lang="en-US" dirty="0"/>
-              <a:t>Maintainer of </a:t>
-            </a:r>
-            <a:r>
-              <a:rPr lang="en-US" dirty="0" err="1"/>
-              <a:t>AsyncEx</a:t>
-            </a:r>
-            <a:r>
-              <a:rPr lang="en-US" dirty="0"/>
-              <a:t>, a library with &gt;50M downloads which provides asynchronous coordination primitives and other async helper types</a:t>
-            </a:r>
-          </a:p>
-        </p:txBody>
-      </p:sp>
-      <p:sp>
-        <p:nvSpPr>
-          <p:cNvPr id="4" name="Slide Number Placeholder 3"/>
+            <a:r>
+              <a:rPr lang="en-US" dirty="0"/>
+              <a:t>Questions welcome!</a:t>
+            </a:r>
+          </a:p>
+          <a:p>
+            <a:endParaRPr lang="en-US" dirty="0"/>
+          </a:p>
+          <a:p>
+            <a:r>
+              <a:rPr lang="en-US" dirty="0"/>
+              <a:t>Context: </a:t>
+            </a:r>
+            <a:r>
+              <a:rPr lang="en-US" i="1" dirty="0"/>
+              <a:t>all</a:t>
+            </a:r>
+            <a:r>
+              <a:rPr lang="en-US" dirty="0"/>
+              <a:t> .NET code. Many talks/blog posts assume either UI or ASP.NET context; we'll cover both.</a:t>
+            </a:r>
+          </a:p>
+        </p:txBody>
+      </p:sp>
+      <p:sp>
+        <p:nvSpPr>
+          <p:cNvPr id="4" name="Slide Number Placeholder 3">
+            <a:extLst>
+              <a:ext uri="{FF2B5EF4-FFF2-40B4-BE49-F238E27FC236}">
+                <a16:creationId xmlns:a16="http://schemas.microsoft.com/office/drawing/2014/main" id="{8241DCEE-BA99-22CC-EB32-05A33A441A00}"/>
+              </a:ext>
+            </a:extLst>
+          </p:cNvPr>
           <p:cNvSpPr>
             <a:spLocks noGrp="1"/>
           </p:cNvSpPr>
@@ -1849,7 +1821,7 @@
           <a:p>
             <a:fld id="{94CE3395-F8FF-4336-B2AA-E15575B990E7}" type="slidenum">
               <a:rPr lang="en-US" smtClean="0"/>
-              <a:t>2</a:t>
+              <a:t>3</a:t>
             </a:fld>
             <a:endParaRPr lang="en-US" dirty="0"/>
           </a:p>
@@ -1858,7 +1830,7 @@
     </p:spTree>
     <p:extLst>
       <p:ext uri="{BB962C8B-B14F-4D97-AF65-F5344CB8AC3E}">
-        <p14:creationId xmlns:p14="http://schemas.microsoft.com/office/powerpoint/2010/main" val="1864669848"/>
+        <p14:creationId xmlns:p14="http://schemas.microsoft.com/office/powerpoint/2010/main" val="3226899484"/>
       </p:ext>
     </p:extLst>
   </p:cSld>
@@ -1919,7 +1891,24 @@
           <a:p>
             <a:r>
               <a:rPr lang="en-US" dirty="0"/>
-              <a:t>Violates: callbacks</a:t>
+              <a:t>Async void is </a:t>
+            </a:r>
+            <a:r>
+              <a:rPr lang="en-US" i="1" dirty="0"/>
+              <a:t>occasionally</a:t>
+            </a:r>
+            <a:r>
+              <a:rPr lang="en-US" dirty="0"/>
+              <a:t> useful elsewhere, like processing loops in pipelines.</a:t>
+            </a:r>
+          </a:p>
+          <a:p>
+            <a:endParaRPr lang="en-US" dirty="0"/>
+          </a:p>
+          <a:p>
+            <a:r>
+              <a:rPr lang="en-US" dirty="0"/>
+              <a:t>Violates: “Task is the method”</a:t>
             </a:r>
           </a:p>
         </p:txBody>
@@ -1941,7 +1930,99 @@
           <a:p>
             <a:fld id="{94CE3395-F8FF-4336-B2AA-E15575B990E7}" type="slidenum">
               <a:rPr lang="en-US" smtClean="0"/>
-              <a:t>22</a:t>
+              <a:t>23</a:t>
+            </a:fld>
+            <a:endParaRPr lang="en-US" dirty="0"/>
+          </a:p>
+        </p:txBody>
+      </p:sp>
+    </p:spTree>
+    <p:extLst>
+      <p:ext uri="{BB962C8B-B14F-4D97-AF65-F5344CB8AC3E}">
+        <p14:creationId xmlns:p14="http://schemas.microsoft.com/office/powerpoint/2010/main" val="1410639464"/>
+      </p:ext>
+    </p:extLst>
+  </p:cSld>
+  <p:clrMapOvr>
+    <a:masterClrMapping/>
+  </p:clrMapOvr>
+</p:notes>
+</file>
+
+<file path=ppt/notesSlides/notesSlide21.xml><?xml version="1.0" encoding="utf-8"?>
+<p:notes xmlns:a="http://schemas.openxmlformats.org/drawingml/2006/main" xmlns:r="http://schemas.openxmlformats.org/officeDocument/2006/relationships" xmlns:p="http://schemas.openxmlformats.org/presentationml/2006/main">
+  <p:cSld>
+    <p:spTree>
+      <p:nvGrpSpPr>
+        <p:cNvPr id="1" name=""/>
+        <p:cNvGrpSpPr/>
+        <p:nvPr/>
+      </p:nvGrpSpPr>
+      <p:grpSpPr>
+        <a:xfrm>
+          <a:off x="0" y="0"/>
+          <a:ext cx="0" cy="0"/>
+          <a:chOff x="0" y="0"/>
+          <a:chExt cx="0" cy="0"/>
+        </a:xfrm>
+      </p:grpSpPr>
+      <p:sp>
+        <p:nvSpPr>
+          <p:cNvPr id="2" name="Slide Image Placeholder 1"/>
+          <p:cNvSpPr>
+            <a:spLocks noGrp="1" noRot="1" noChangeAspect="1"/>
+          </p:cNvSpPr>
+          <p:nvPr>
+            <p:ph type="sldImg"/>
+          </p:nvPr>
+        </p:nvSpPr>
+        <p:spPr>
+          <a:xfrm>
+            <a:off x="685800" y="1143000"/>
+            <a:ext cx="5486400" cy="3086100"/>
+          </a:xfrm>
+        </p:spPr>
+      </p:sp>
+      <p:sp>
+        <p:nvSpPr>
+          <p:cNvPr id="3" name="Notes Placeholder 2"/>
+          <p:cNvSpPr>
+            <a:spLocks noGrp="1"/>
+          </p:cNvSpPr>
+          <p:nvPr>
+            <p:ph type="body" idx="1"/>
+          </p:nvPr>
+        </p:nvSpPr>
+        <p:spPr/>
+        <p:txBody>
+          <a:bodyPr/>
+          <a:lstStyle/>
+          <a:p>
+            <a:r>
+              <a:rPr lang="en-US" dirty="0"/>
+              <a:t>Violates: callbacks</a:t>
+            </a:r>
+          </a:p>
+        </p:txBody>
+      </p:sp>
+      <p:sp>
+        <p:nvSpPr>
+          <p:cNvPr id="4" name="Slide Number Placeholder 3"/>
+          <p:cNvSpPr>
+            <a:spLocks noGrp="1"/>
+          </p:cNvSpPr>
+          <p:nvPr>
+            <p:ph type="sldNum" sz="quarter" idx="10"/>
+          </p:nvPr>
+        </p:nvSpPr>
+        <p:spPr/>
+        <p:txBody>
+          <a:bodyPr/>
+          <a:lstStyle/>
+          <a:p>
+            <a:fld id="{94CE3395-F8FF-4336-B2AA-E15575B990E7}" type="slidenum">
+              <a:rPr lang="en-US" smtClean="0"/>
+              <a:t>24</a:t>
             </a:fld>
             <a:endParaRPr lang="en-US" dirty="0"/>
           </a:p>
@@ -1960,7 +2041,7 @@
 </p:notes>
 </file>
 
-<file path=ppt/notesSlides/notesSlide21.xml><?xml version="1.0" encoding="utf-8"?>
+<file path=ppt/notesSlides/notesSlide22.xml><?xml version="1.0" encoding="utf-8"?>
 <p:notes xmlns:a="http://schemas.openxmlformats.org/drawingml/2006/main" xmlns:r="http://schemas.openxmlformats.org/officeDocument/2006/relationships" xmlns:p="http://schemas.openxmlformats.org/presentationml/2006/main">
   <p:cSld>
     <p:spTree>
@@ -2058,7 +2139,7 @@
           <a:p>
             <a:fld id="{94CE3395-F8FF-4336-B2AA-E15575B990E7}" type="slidenum">
               <a:rPr lang="en-US" smtClean="0"/>
-              <a:t>23</a:t>
+              <a:t>25</a:t>
             </a:fld>
             <a:endParaRPr lang="en-US" dirty="0"/>
           </a:p>
@@ -2077,7 +2158,7 @@
 </p:notes>
 </file>
 
-<file path=ppt/notesSlides/notesSlide22.xml><?xml version="1.0" encoding="utf-8"?>
+<file path=ppt/notesSlides/notesSlide23.xml><?xml version="1.0" encoding="utf-8"?>
 <p:notes xmlns:a="http://schemas.openxmlformats.org/drawingml/2006/main" xmlns:r="http://schemas.openxmlformats.org/officeDocument/2006/relationships" xmlns:p="http://schemas.openxmlformats.org/presentationml/2006/main">
   <p:cSld>
     <p:spTree>
@@ -2174,7 +2255,7 @@
           <a:p>
             <a:fld id="{94CE3395-F8FF-4336-B2AA-E15575B990E7}" type="slidenum">
               <a:rPr lang="en-US" smtClean="0"/>
-              <a:t>24</a:t>
+              <a:t>26</a:t>
             </a:fld>
             <a:endParaRPr lang="en-US" dirty="0"/>
           </a:p>
@@ -2193,7 +2274,7 @@
 </p:notes>
 </file>
 
-<file path=ppt/notesSlides/notesSlide23.xml><?xml version="1.0" encoding="utf-8"?>
+<file path=ppt/notesSlides/notesSlide24.xml><?xml version="1.0" encoding="utf-8"?>
 <p:notes xmlns:a="http://schemas.openxmlformats.org/drawingml/2006/main" xmlns:r="http://schemas.openxmlformats.org/officeDocument/2006/relationships" xmlns:p="http://schemas.openxmlformats.org/presentationml/2006/main">
   <p:cSld>
     <p:spTree>
@@ -2263,7 +2344,7 @@
           <a:p>
             <a:fld id="{94CE3395-F8FF-4336-B2AA-E15575B990E7}" type="slidenum">
               <a:rPr lang="en-US" smtClean="0"/>
-              <a:t>25</a:t>
+              <a:t>27</a:t>
             </a:fld>
             <a:endParaRPr lang="en-US" dirty="0"/>
           </a:p>
@@ -2282,7 +2363,7 @@
 </p:notes>
 </file>
 
-<file path=ppt/notesSlides/notesSlide24.xml><?xml version="1.0" encoding="utf-8"?>
+<file path=ppt/notesSlides/notesSlide25.xml><?xml version="1.0" encoding="utf-8"?>
 <p:notes xmlns:a="http://schemas.openxmlformats.org/drawingml/2006/main" xmlns:r="http://schemas.openxmlformats.org/officeDocument/2006/relationships" xmlns:p="http://schemas.openxmlformats.org/presentationml/2006/main">
   <p:cSld>
     <p:spTree>
@@ -2379,7 +2460,7 @@
           <a:p>
             <a:fld id="{94CE3395-F8FF-4336-B2AA-E15575B990E7}" type="slidenum">
               <a:rPr lang="en-US" smtClean="0"/>
-              <a:t>26</a:t>
+              <a:t>28</a:t>
             </a:fld>
             <a:endParaRPr lang="en-US" dirty="0"/>
           </a:p>
@@ -2398,7 +2479,7 @@
 </p:notes>
 </file>
 
-<file path=ppt/notesSlides/notesSlide25.xml><?xml version="1.0" encoding="utf-8"?>
+<file path=ppt/notesSlides/notesSlide26.xml><?xml version="1.0" encoding="utf-8"?>
 <p:notes xmlns:a="http://schemas.openxmlformats.org/drawingml/2006/main" xmlns:r="http://schemas.openxmlformats.org/officeDocument/2006/relationships" xmlns:p="http://schemas.openxmlformats.org/presentationml/2006/main">
   <p:cSld>
     <p:spTree>
@@ -2492,7 +2573,7 @@
           <a:p>
             <a:fld id="{94CE3395-F8FF-4336-B2AA-E15575B990E7}" type="slidenum">
               <a:rPr lang="en-US" smtClean="0"/>
-              <a:t>27</a:t>
+              <a:t>29</a:t>
             </a:fld>
             <a:endParaRPr lang="en-US" dirty="0"/>
           </a:p>
@@ -2511,7 +2592,7 @@
 </p:notes>
 </file>
 
-<file path=ppt/notesSlides/notesSlide26.xml><?xml version="1.0" encoding="utf-8"?>
+<file path=ppt/notesSlides/notesSlide27.xml><?xml version="1.0" encoding="utf-8"?>
 <p:notes xmlns:a="http://schemas.openxmlformats.org/drawingml/2006/main" xmlns:r="http://schemas.openxmlformats.org/officeDocument/2006/relationships" xmlns:p="http://schemas.openxmlformats.org/presentationml/2006/main">
   <p:cSld>
     <p:spTree>
@@ -2616,7 +2697,7 @@
           <a:p>
             <a:fld id="{94CE3395-F8FF-4336-B2AA-E15575B990E7}" type="slidenum">
               <a:rPr lang="en-US" smtClean="0"/>
-              <a:t>28</a:t>
+              <a:t>30</a:t>
             </a:fld>
             <a:endParaRPr lang="en-US" dirty="0"/>
           </a:p>
@@ -2635,7 +2716,7 @@
 </p:notes>
 </file>
 
-<file path=ppt/notesSlides/notesSlide27.xml><?xml version="1.0" encoding="utf-8"?>
+<file path=ppt/notesSlides/notesSlide28.xml><?xml version="1.0" encoding="utf-8"?>
 <p:notes xmlns:a="http://schemas.openxmlformats.org/drawingml/2006/main" xmlns:r="http://schemas.openxmlformats.org/officeDocument/2006/relationships" xmlns:p="http://schemas.openxmlformats.org/presentationml/2006/main">
   <p:cSld>
     <p:spTree>
@@ -2729,7 +2810,7 @@
           <a:p>
             <a:fld id="{94CE3395-F8FF-4336-B2AA-E15575B990E7}" type="slidenum">
               <a:rPr lang="en-US" smtClean="0"/>
-              <a:t>29</a:t>
+              <a:t>31</a:t>
             </a:fld>
             <a:endParaRPr lang="en-US" dirty="0"/>
           </a:p>
@@ -2748,7 +2829,7 @@
 </p:notes>
 </file>
 
-<file path=ppt/notesSlides/notesSlide28.xml><?xml version="1.0" encoding="utf-8"?>
+<file path=ppt/notesSlides/notesSlide29.xml><?xml version="1.0" encoding="utf-8"?>
 <p:notes xmlns:a="http://schemas.openxmlformats.org/drawingml/2006/main" xmlns:r="http://schemas.openxmlformats.org/officeDocument/2006/relationships" xmlns:p="http://schemas.openxmlformats.org/presentationml/2006/main">
   <p:cSld>
     <p:spTree>
@@ -2842,7 +2923,7 @@
           <a:p>
             <a:fld id="{94CE3395-F8FF-4336-B2AA-E15575B990E7}" type="slidenum">
               <a:rPr lang="en-US" smtClean="0"/>
-              <a:t>30</a:t>
+              <a:t>32</a:t>
             </a:fld>
             <a:endParaRPr lang="en-US" dirty="0"/>
           </a:p>
@@ -2852,119 +2933,6 @@
     <p:extLst>
       <p:ext uri="{BB962C8B-B14F-4D97-AF65-F5344CB8AC3E}">
         <p14:creationId xmlns:p14="http://schemas.microsoft.com/office/powerpoint/2010/main" val="1170605547"/>
-      </p:ext>
-    </p:extLst>
-  </p:cSld>
-  <p:clrMapOvr>
-    <a:masterClrMapping/>
-  </p:clrMapOvr>
-</p:notes>
-</file>
-
-<file path=ppt/notesSlides/notesSlide29.xml><?xml version="1.0" encoding="utf-8"?>
-<p:notes xmlns:a="http://schemas.openxmlformats.org/drawingml/2006/main" xmlns:r="http://schemas.openxmlformats.org/officeDocument/2006/relationships" xmlns:p="http://schemas.openxmlformats.org/presentationml/2006/main">
-  <p:cSld>
-    <p:spTree>
-      <p:nvGrpSpPr>
-        <p:cNvPr id="1" name="">
-          <a:extLst>
-            <a:ext uri="{FF2B5EF4-FFF2-40B4-BE49-F238E27FC236}">
-              <a16:creationId xmlns:a16="http://schemas.microsoft.com/office/drawing/2014/main" id="{5801C788-A65D-2670-10CF-AD08337F7C80}"/>
-            </a:ext>
-          </a:extLst>
-        </p:cNvPr>
-        <p:cNvGrpSpPr/>
-        <p:nvPr/>
-      </p:nvGrpSpPr>
-      <p:grpSpPr>
-        <a:xfrm>
-          <a:off x="0" y="0"/>
-          <a:ext cx="0" cy="0"/>
-          <a:chOff x="0" y="0"/>
-          <a:chExt cx="0" cy="0"/>
-        </a:xfrm>
-      </p:grpSpPr>
-      <p:sp>
-        <p:nvSpPr>
-          <p:cNvPr id="2" name="Slide Image Placeholder 1">
-            <a:extLst>
-              <a:ext uri="{FF2B5EF4-FFF2-40B4-BE49-F238E27FC236}">
-                <a16:creationId xmlns:a16="http://schemas.microsoft.com/office/drawing/2014/main" id="{C103B1DA-24FF-B7EE-AB2A-47B28E1EF3CA}"/>
-              </a:ext>
-            </a:extLst>
-          </p:cNvPr>
-          <p:cNvSpPr>
-            <a:spLocks noGrp="1" noRot="1" noChangeAspect="1"/>
-          </p:cNvSpPr>
-          <p:nvPr>
-            <p:ph type="sldImg"/>
-          </p:nvPr>
-        </p:nvSpPr>
-        <p:spPr>
-          <a:xfrm>
-            <a:off x="685800" y="1143000"/>
-            <a:ext cx="5486400" cy="3086100"/>
-          </a:xfrm>
-        </p:spPr>
-      </p:sp>
-      <p:sp>
-        <p:nvSpPr>
-          <p:cNvPr id="3" name="Notes Placeholder 2">
-            <a:extLst>
-              <a:ext uri="{FF2B5EF4-FFF2-40B4-BE49-F238E27FC236}">
-                <a16:creationId xmlns:a16="http://schemas.microsoft.com/office/drawing/2014/main" id="{98AC67CC-8A68-F2BB-B866-9A5C2EF89BFF}"/>
-              </a:ext>
-            </a:extLst>
-          </p:cNvPr>
-          <p:cNvSpPr>
-            <a:spLocks noGrp="1"/>
-          </p:cNvSpPr>
-          <p:nvPr>
-            <p:ph type="body" idx="1"/>
-          </p:nvPr>
-        </p:nvSpPr>
-        <p:spPr/>
-        <p:txBody>
-          <a:bodyPr/>
-          <a:lstStyle/>
-          <a:p>
-            <a:endParaRPr lang="en-US" i="1" dirty="0"/>
-          </a:p>
-        </p:txBody>
-      </p:sp>
-      <p:sp>
-        <p:nvSpPr>
-          <p:cNvPr id="4" name="Slide Number Placeholder 3">
-            <a:extLst>
-              <a:ext uri="{FF2B5EF4-FFF2-40B4-BE49-F238E27FC236}">
-                <a16:creationId xmlns:a16="http://schemas.microsoft.com/office/drawing/2014/main" id="{AC82C6B4-A2E5-88A8-E418-D3699FC7D90C}"/>
-              </a:ext>
-            </a:extLst>
-          </p:cNvPr>
-          <p:cNvSpPr>
-            <a:spLocks noGrp="1"/>
-          </p:cNvSpPr>
-          <p:nvPr>
-            <p:ph type="sldNum" sz="quarter" idx="10"/>
-          </p:nvPr>
-        </p:nvSpPr>
-        <p:spPr/>
-        <p:txBody>
-          <a:bodyPr/>
-          <a:lstStyle/>
-          <a:p>
-            <a:fld id="{94CE3395-F8FF-4336-B2AA-E15575B990E7}" type="slidenum">
-              <a:rPr lang="en-US" smtClean="0"/>
-              <a:t>31</a:t>
-            </a:fld>
-            <a:endParaRPr lang="en-US" dirty="0"/>
-          </a:p>
-        </p:txBody>
-      </p:sp>
-    </p:spTree>
-    <p:extLst>
-      <p:ext uri="{BB962C8B-B14F-4D97-AF65-F5344CB8AC3E}">
-        <p14:creationId xmlns:p14="http://schemas.microsoft.com/office/powerpoint/2010/main" val="1010171819"/>
       </p:ext>
     </p:extLst>
   </p:cSld>
@@ -3018,7 +2986,113 @@
           <a:bodyPr/>
           <a:lstStyle/>
           <a:p>
-            <a:endParaRPr lang="en-US"/>
+            <a:pPr marL="171450" marR="0" lvl="0" indent="-171450" algn="l" defTabSz="914400" rtl="0" eaLnBrk="1" fontAlgn="auto" latinLnBrk="0" hangingPunct="1">
+              <a:lnSpc>
+                <a:spcPct val="100000"/>
+              </a:lnSpc>
+              <a:spcBef>
+                <a:spcPts val="0"/>
+              </a:spcBef>
+              <a:spcAft>
+                <a:spcPts val="0"/>
+              </a:spcAft>
+              <a:buClrTx/>
+              <a:buSzTx/>
+              <a:buFontTx/>
+              <a:buChar char="-"/>
+              <a:tabLst/>
+              <a:defRPr/>
+            </a:pPr>
+            <a:r>
+              <a:rPr lang="en-US" dirty="0"/>
+              <a:t>Most importantly: I don’t center my identity in being a developer. I don’t think AI will take over programming; but if AI takes my job, I would be disappointed but not devastated.</a:t>
+            </a:r>
+          </a:p>
+          <a:p>
+            <a:pPr marL="171450" marR="0" lvl="0" indent="-171450" algn="l" defTabSz="914400" rtl="0" eaLnBrk="1" fontAlgn="auto" latinLnBrk="0" hangingPunct="1">
+              <a:lnSpc>
+                <a:spcPct val="100000"/>
+              </a:lnSpc>
+              <a:spcBef>
+                <a:spcPts val="0"/>
+              </a:spcBef>
+              <a:spcAft>
+                <a:spcPts val="0"/>
+              </a:spcAft>
+              <a:buClrTx/>
+              <a:buSzTx/>
+              <a:buFontTx/>
+              <a:buChar char="-"/>
+              <a:tabLst/>
+              <a:defRPr/>
+            </a:pPr>
+            <a:r>
+              <a:rPr lang="en-US" dirty="0"/>
+              <a:t>Microsoft MVP</a:t>
+            </a:r>
+          </a:p>
+          <a:p>
+            <a:pPr marL="171450" indent="-171450">
+              <a:buFontTx/>
+              <a:buChar char="-"/>
+            </a:pPr>
+            <a:r>
+              <a:rPr lang="en-US" dirty="0"/>
+              <a:t>Top async/await answerer on Stack Overflow</a:t>
+            </a:r>
+          </a:p>
+          <a:p>
+            <a:pPr marL="171450" indent="-171450">
+              <a:buFontTx/>
+              <a:buChar char="-"/>
+            </a:pPr>
+            <a:r>
+              <a:rPr lang="en-US" dirty="0"/>
+              <a:t>Assisted hundreds of companies with async adoption across all kinds of applications (available for contract work!)</a:t>
+            </a:r>
+          </a:p>
+          <a:p>
+            <a:pPr marL="171450" indent="-171450">
+              <a:buFontTx/>
+              <a:buChar char="-"/>
+            </a:pPr>
+            <a:r>
+              <a:rPr lang="en-US" dirty="0"/>
+              <a:t>Blog has been the go-to source for async advice for years</a:t>
+            </a:r>
+          </a:p>
+          <a:p>
+            <a:pPr marL="171450" indent="-171450">
+              <a:buFontTx/>
+              <a:buChar char="-"/>
+            </a:pPr>
+            <a:r>
+              <a:rPr lang="en-US" dirty="0"/>
+              <a:t>Contributor of some of the MS documentation on subjects such as </a:t>
+            </a:r>
+            <a:r>
+              <a:rPr lang="en-US" dirty="0" err="1"/>
+              <a:t>ValueTask</a:t>
+            </a:r>
+            <a:endParaRPr lang="en-US" dirty="0"/>
+          </a:p>
+          <a:p>
+            <a:pPr marL="171450" indent="-171450">
+              <a:buFontTx/>
+              <a:buChar char="-"/>
+            </a:pPr>
+            <a:r>
+              <a:rPr lang="en-US" dirty="0"/>
+              <a:t>Maintainer of </a:t>
+            </a:r>
+            <a:r>
+              <a:rPr lang="en-US" dirty="0" err="1"/>
+              <a:t>AsyncEx</a:t>
+            </a:r>
+            <a:r>
+              <a:rPr lang="en-US" dirty="0"/>
+              <a:t>, a library with &gt;50M downloads which provides asynchronous coordination primitives and other async helper types</a:t>
+            </a:r>
           </a:p>
         </p:txBody>
       </p:sp>
@@ -3039,7 +3113,7 @@
           <a:p>
             <a:fld id="{94CE3395-F8FF-4336-B2AA-E15575B990E7}" type="slidenum">
               <a:rPr lang="en-US" smtClean="0"/>
-              <a:t>3</a:t>
+              <a:t>4</a:t>
             </a:fld>
             <a:endParaRPr lang="en-US" dirty="0"/>
           </a:p>
@@ -3048,7 +3122,7 @@
     </p:spTree>
     <p:extLst>
       <p:ext uri="{BB962C8B-B14F-4D97-AF65-F5344CB8AC3E}">
-        <p14:creationId xmlns:p14="http://schemas.microsoft.com/office/powerpoint/2010/main" val="2629754661"/>
+        <p14:creationId xmlns:p14="http://schemas.microsoft.com/office/powerpoint/2010/main" val="1864669848"/>
       </p:ext>
     </p:extLst>
   </p:cSld>
@@ -3059,6 +3133,119 @@
 </file>
 
 <file path=ppt/notesSlides/notesSlide30.xml><?xml version="1.0" encoding="utf-8"?>
+<p:notes xmlns:a="http://schemas.openxmlformats.org/drawingml/2006/main" xmlns:r="http://schemas.openxmlformats.org/officeDocument/2006/relationships" xmlns:p="http://schemas.openxmlformats.org/presentationml/2006/main">
+  <p:cSld>
+    <p:spTree>
+      <p:nvGrpSpPr>
+        <p:cNvPr id="1" name="">
+          <a:extLst>
+            <a:ext uri="{FF2B5EF4-FFF2-40B4-BE49-F238E27FC236}">
+              <a16:creationId xmlns:a16="http://schemas.microsoft.com/office/drawing/2014/main" id="{5801C788-A65D-2670-10CF-AD08337F7C80}"/>
+            </a:ext>
+          </a:extLst>
+        </p:cNvPr>
+        <p:cNvGrpSpPr/>
+        <p:nvPr/>
+      </p:nvGrpSpPr>
+      <p:grpSpPr>
+        <a:xfrm>
+          <a:off x="0" y="0"/>
+          <a:ext cx="0" cy="0"/>
+          <a:chOff x="0" y="0"/>
+          <a:chExt cx="0" cy="0"/>
+        </a:xfrm>
+      </p:grpSpPr>
+      <p:sp>
+        <p:nvSpPr>
+          <p:cNvPr id="2" name="Slide Image Placeholder 1">
+            <a:extLst>
+              <a:ext uri="{FF2B5EF4-FFF2-40B4-BE49-F238E27FC236}">
+                <a16:creationId xmlns:a16="http://schemas.microsoft.com/office/drawing/2014/main" id="{C103B1DA-24FF-B7EE-AB2A-47B28E1EF3CA}"/>
+              </a:ext>
+            </a:extLst>
+          </p:cNvPr>
+          <p:cNvSpPr>
+            <a:spLocks noGrp="1" noRot="1" noChangeAspect="1"/>
+          </p:cNvSpPr>
+          <p:nvPr>
+            <p:ph type="sldImg"/>
+          </p:nvPr>
+        </p:nvSpPr>
+        <p:spPr>
+          <a:xfrm>
+            <a:off x="685800" y="1143000"/>
+            <a:ext cx="5486400" cy="3086100"/>
+          </a:xfrm>
+        </p:spPr>
+      </p:sp>
+      <p:sp>
+        <p:nvSpPr>
+          <p:cNvPr id="3" name="Notes Placeholder 2">
+            <a:extLst>
+              <a:ext uri="{FF2B5EF4-FFF2-40B4-BE49-F238E27FC236}">
+                <a16:creationId xmlns:a16="http://schemas.microsoft.com/office/drawing/2014/main" id="{98AC67CC-8A68-F2BB-B866-9A5C2EF89BFF}"/>
+              </a:ext>
+            </a:extLst>
+          </p:cNvPr>
+          <p:cNvSpPr>
+            <a:spLocks noGrp="1"/>
+          </p:cNvSpPr>
+          <p:nvPr>
+            <p:ph type="body" idx="1"/>
+          </p:nvPr>
+        </p:nvSpPr>
+        <p:spPr/>
+        <p:txBody>
+          <a:bodyPr/>
+          <a:lstStyle/>
+          <a:p>
+            <a:endParaRPr lang="en-US" i="1" dirty="0"/>
+          </a:p>
+        </p:txBody>
+      </p:sp>
+      <p:sp>
+        <p:nvSpPr>
+          <p:cNvPr id="4" name="Slide Number Placeholder 3">
+            <a:extLst>
+              <a:ext uri="{FF2B5EF4-FFF2-40B4-BE49-F238E27FC236}">
+                <a16:creationId xmlns:a16="http://schemas.microsoft.com/office/drawing/2014/main" id="{AC82C6B4-A2E5-88A8-E418-D3699FC7D90C}"/>
+              </a:ext>
+            </a:extLst>
+          </p:cNvPr>
+          <p:cNvSpPr>
+            <a:spLocks noGrp="1"/>
+          </p:cNvSpPr>
+          <p:nvPr>
+            <p:ph type="sldNum" sz="quarter" idx="10"/>
+          </p:nvPr>
+        </p:nvSpPr>
+        <p:spPr/>
+        <p:txBody>
+          <a:bodyPr/>
+          <a:lstStyle/>
+          <a:p>
+            <a:fld id="{94CE3395-F8FF-4336-B2AA-E15575B990E7}" type="slidenum">
+              <a:rPr lang="en-US" smtClean="0"/>
+              <a:t>33</a:t>
+            </a:fld>
+            <a:endParaRPr lang="en-US" dirty="0"/>
+          </a:p>
+        </p:txBody>
+      </p:sp>
+    </p:spTree>
+    <p:extLst>
+      <p:ext uri="{BB962C8B-B14F-4D97-AF65-F5344CB8AC3E}">
+        <p14:creationId xmlns:p14="http://schemas.microsoft.com/office/powerpoint/2010/main" val="1010171819"/>
+      </p:ext>
+    </p:extLst>
+  </p:cSld>
+  <p:clrMapOvr>
+    <a:masterClrMapping/>
+  </p:clrMapOvr>
+</p:notes>
+</file>
+
+<file path=ppt/notesSlides/notesSlide31.xml><?xml version="1.0" encoding="utf-8"?>
 <p:notes xmlns:a="http://schemas.openxmlformats.org/drawingml/2006/main" xmlns:r="http://schemas.openxmlformats.org/officeDocument/2006/relationships" xmlns:p="http://schemas.openxmlformats.org/presentationml/2006/main">
   <p:cSld>
     <p:spTree>
@@ -3152,7 +3339,7 @@
           <a:p>
             <a:fld id="{94CE3395-F8FF-4336-B2AA-E15575B990E7}" type="slidenum">
               <a:rPr lang="en-US" smtClean="0"/>
-              <a:t>32</a:t>
+              <a:t>34</a:t>
             </a:fld>
             <a:endParaRPr lang="en-US" dirty="0"/>
           </a:p>
@@ -3171,7 +3358,7 @@
 </p:notes>
 </file>
 
-<file path=ppt/notesSlides/notesSlide31.xml><?xml version="1.0" encoding="utf-8"?>
+<file path=ppt/notesSlides/notesSlide32.xml><?xml version="1.0" encoding="utf-8"?>
 <p:notes xmlns:a="http://schemas.openxmlformats.org/drawingml/2006/main" xmlns:r="http://schemas.openxmlformats.org/officeDocument/2006/relationships" xmlns:p="http://schemas.openxmlformats.org/presentationml/2006/main">
   <p:cSld>
     <p:spTree>
@@ -3269,7 +3456,7 @@
           <a:p>
             <a:fld id="{94CE3395-F8FF-4336-B2AA-E15575B990E7}" type="slidenum">
               <a:rPr lang="en-US" smtClean="0"/>
-              <a:t>33</a:t>
+              <a:t>35</a:t>
             </a:fld>
             <a:endParaRPr lang="en-US" dirty="0"/>
           </a:p>
@@ -3288,7 +3475,7 @@
 </p:notes>
 </file>
 
-<file path=ppt/notesSlides/notesSlide32.xml><?xml version="1.0" encoding="utf-8"?>
+<file path=ppt/notesSlides/notesSlide33.xml><?xml version="1.0" encoding="utf-8"?>
 <p:notes xmlns:a="http://schemas.openxmlformats.org/drawingml/2006/main" xmlns:r="http://schemas.openxmlformats.org/officeDocument/2006/relationships" xmlns:p="http://schemas.openxmlformats.org/presentationml/2006/main">
   <p:cSld>
     <p:spTree>
@@ -3382,7 +3569,7 @@
           <a:p>
             <a:fld id="{94CE3395-F8FF-4336-B2AA-E15575B990E7}" type="slidenum">
               <a:rPr lang="en-US" smtClean="0"/>
-              <a:t>34</a:t>
+              <a:t>36</a:t>
             </a:fld>
             <a:endParaRPr lang="en-US" dirty="0"/>
           </a:p>
@@ -3401,7 +3588,7 @@
 </p:notes>
 </file>
 
-<file path=ppt/notesSlides/notesSlide33.xml><?xml version="1.0" encoding="utf-8"?>
+<file path=ppt/notesSlides/notesSlide34.xml><?xml version="1.0" encoding="utf-8"?>
 <p:notes xmlns:a="http://schemas.openxmlformats.org/drawingml/2006/main" xmlns:r="http://schemas.openxmlformats.org/officeDocument/2006/relationships" xmlns:p="http://schemas.openxmlformats.org/presentationml/2006/main">
   <p:cSld>
     <p:spTree>
@@ -3507,7 +3694,7 @@
           <a:p>
             <a:fld id="{94CE3395-F8FF-4336-B2AA-E15575B990E7}" type="slidenum">
               <a:rPr lang="en-US" smtClean="0"/>
-              <a:t>35</a:t>
+              <a:t>37</a:t>
             </a:fld>
             <a:endParaRPr lang="en-US" dirty="0"/>
           </a:p>
@@ -3526,7 +3713,7 @@
 </p:notes>
 </file>
 
-<file path=ppt/notesSlides/notesSlide34.xml><?xml version="1.0" encoding="utf-8"?>
+<file path=ppt/notesSlides/notesSlide35.xml><?xml version="1.0" encoding="utf-8"?>
 <p:notes xmlns:a="http://schemas.openxmlformats.org/drawingml/2006/main" xmlns:r="http://schemas.openxmlformats.org/officeDocument/2006/relationships" xmlns:p="http://schemas.openxmlformats.org/presentationml/2006/main">
   <p:cSld>
     <p:spTree>
@@ -3620,7 +3807,7 @@
           <a:p>
             <a:fld id="{94CE3395-F8FF-4336-B2AA-E15575B990E7}" type="slidenum">
               <a:rPr lang="en-US" smtClean="0"/>
-              <a:t>36</a:t>
+              <a:t>38</a:t>
             </a:fld>
             <a:endParaRPr lang="en-US" dirty="0"/>
           </a:p>
@@ -3639,7 +3826,7 @@
 </p:notes>
 </file>
 
-<file path=ppt/notesSlides/notesSlide35.xml><?xml version="1.0" encoding="utf-8"?>
+<file path=ppt/notesSlides/notesSlide36.xml><?xml version="1.0" encoding="utf-8"?>
 <p:notes xmlns:a="http://schemas.openxmlformats.org/drawingml/2006/main" xmlns:r="http://schemas.openxmlformats.org/officeDocument/2006/relationships" xmlns:p="http://schemas.openxmlformats.org/presentationml/2006/main">
   <p:cSld>
     <p:spTree>
@@ -3744,7 +3931,7 @@
           <a:p>
             <a:fld id="{94CE3395-F8FF-4336-B2AA-E15575B990E7}" type="slidenum">
               <a:rPr lang="en-US" smtClean="0"/>
-              <a:t>37</a:t>
+              <a:t>39</a:t>
             </a:fld>
             <a:endParaRPr lang="en-US" dirty="0"/>
           </a:p>
@@ -3763,7 +3950,7 @@
 </p:notes>
 </file>
 
-<file path=ppt/notesSlides/notesSlide36.xml><?xml version="1.0" encoding="utf-8"?>
+<file path=ppt/notesSlides/notesSlide37.xml><?xml version="1.0" encoding="utf-8"?>
 <p:notes xmlns:a="http://schemas.openxmlformats.org/drawingml/2006/main" xmlns:r="http://schemas.openxmlformats.org/officeDocument/2006/relationships" xmlns:p="http://schemas.openxmlformats.org/presentationml/2006/main">
   <p:cSld>
     <p:spTree>
@@ -3841,7 +4028,7 @@
           <a:p>
             <a:fld id="{94CE3395-F8FF-4336-B2AA-E15575B990E7}" type="slidenum">
               <a:rPr lang="en-US" smtClean="0"/>
-              <a:t>38</a:t>
+              <a:t>40</a:t>
             </a:fld>
             <a:endParaRPr lang="en-US" dirty="0"/>
           </a:p>
@@ -3904,24 +4091,7 @@
           <a:bodyPr/>
           <a:lstStyle/>
           <a:p>
-            <a:r>
-              <a:rPr lang="en-US" dirty="0"/>
-              <a:t>It’s 2025. People still don’t know how async/await works.</a:t>
-            </a:r>
-          </a:p>
-          <a:p>
-            <a:r>
-              <a:rPr lang="en-US" dirty="0"/>
-              <a:t>I even heard someone teach it wrong at a dev conference </a:t>
-            </a:r>
-            <a:r>
-              <a:rPr lang="en-US" i="1" dirty="0"/>
-              <a:t>this year</a:t>
-            </a:r>
-            <a:r>
-              <a:rPr lang="en-US" dirty="0"/>
-              <a:t>.</a:t>
-            </a:r>
+            <a:endParaRPr lang="en-US"/>
           </a:p>
         </p:txBody>
       </p:sp>
@@ -3942,7 +4112,7 @@
           <a:p>
             <a:fld id="{94CE3395-F8FF-4336-B2AA-E15575B990E7}" type="slidenum">
               <a:rPr lang="en-US" smtClean="0"/>
-              <a:t>4</a:t>
+              <a:t>5</a:t>
             </a:fld>
             <a:endParaRPr lang="en-US" dirty="0"/>
           </a:p>
@@ -3951,7 +4121,7 @@
     </p:spTree>
     <p:extLst>
       <p:ext uri="{BB962C8B-B14F-4D97-AF65-F5344CB8AC3E}">
-        <p14:creationId xmlns:p14="http://schemas.microsoft.com/office/powerpoint/2010/main" val="1517469815"/>
+        <p14:creationId xmlns:p14="http://schemas.microsoft.com/office/powerpoint/2010/main" val="2629754661"/>
       </p:ext>
     </p:extLst>
   </p:cSld>
@@ -4005,6 +4175,107 @@
           <a:bodyPr/>
           <a:lstStyle/>
           <a:p>
+            <a:r>
+              <a:rPr lang="en-US" dirty="0"/>
+              <a:t>It’s 2025. People still don’t know how async/await works.</a:t>
+            </a:r>
+          </a:p>
+          <a:p>
+            <a:r>
+              <a:rPr lang="en-US" dirty="0"/>
+              <a:t>I even heard someone teach it wrong at a dev conference </a:t>
+            </a:r>
+            <a:r>
+              <a:rPr lang="en-US" i="1" dirty="0"/>
+              <a:t>this year</a:t>
+            </a:r>
+            <a:r>
+              <a:rPr lang="en-US" dirty="0"/>
+              <a:t>.</a:t>
+            </a:r>
+          </a:p>
+        </p:txBody>
+      </p:sp>
+      <p:sp>
+        <p:nvSpPr>
+          <p:cNvPr id="4" name="Slide Number Placeholder 3"/>
+          <p:cNvSpPr>
+            <a:spLocks noGrp="1"/>
+          </p:cNvSpPr>
+          <p:nvPr>
+            <p:ph type="sldNum" sz="quarter" idx="10"/>
+          </p:nvPr>
+        </p:nvSpPr>
+        <p:spPr/>
+        <p:txBody>
+          <a:bodyPr/>
+          <a:lstStyle/>
+          <a:p>
+            <a:fld id="{94CE3395-F8FF-4336-B2AA-E15575B990E7}" type="slidenum">
+              <a:rPr lang="en-US" smtClean="0"/>
+              <a:t>6</a:t>
+            </a:fld>
+            <a:endParaRPr lang="en-US" dirty="0"/>
+          </a:p>
+        </p:txBody>
+      </p:sp>
+    </p:spTree>
+    <p:extLst>
+      <p:ext uri="{BB962C8B-B14F-4D97-AF65-F5344CB8AC3E}">
+        <p14:creationId xmlns:p14="http://schemas.microsoft.com/office/powerpoint/2010/main" val="1517469815"/>
+      </p:ext>
+    </p:extLst>
+  </p:cSld>
+  <p:clrMapOvr>
+    <a:masterClrMapping/>
+  </p:clrMapOvr>
+</p:notes>
+</file>
+
+<file path=ppt/notesSlides/notesSlide6.xml><?xml version="1.0" encoding="utf-8"?>
+<p:notes xmlns:a="http://schemas.openxmlformats.org/drawingml/2006/main" xmlns:r="http://schemas.openxmlformats.org/officeDocument/2006/relationships" xmlns:p="http://schemas.openxmlformats.org/presentationml/2006/main">
+  <p:cSld>
+    <p:spTree>
+      <p:nvGrpSpPr>
+        <p:cNvPr id="1" name=""/>
+        <p:cNvGrpSpPr/>
+        <p:nvPr/>
+      </p:nvGrpSpPr>
+      <p:grpSpPr>
+        <a:xfrm>
+          <a:off x="0" y="0"/>
+          <a:ext cx="0" cy="0"/>
+          <a:chOff x="0" y="0"/>
+          <a:chExt cx="0" cy="0"/>
+        </a:xfrm>
+      </p:grpSpPr>
+      <p:sp>
+        <p:nvSpPr>
+          <p:cNvPr id="2" name="Slide Image Placeholder 1"/>
+          <p:cNvSpPr>
+            <a:spLocks noGrp="1" noRot="1" noChangeAspect="1"/>
+          </p:cNvSpPr>
+          <p:nvPr>
+            <p:ph type="sldImg"/>
+          </p:nvPr>
+        </p:nvSpPr>
+        <p:spPr/>
+      </p:sp>
+      <p:sp>
+        <p:nvSpPr>
+          <p:cNvPr id="3" name="Notes Placeholder 2"/>
+          <p:cNvSpPr>
+            <a:spLocks noGrp="1"/>
+          </p:cNvSpPr>
+          <p:nvPr>
+            <p:ph type="body" idx="1"/>
+          </p:nvPr>
+        </p:nvSpPr>
+        <p:spPr/>
+        <p:txBody>
+          <a:bodyPr/>
+          <a:lstStyle/>
+          <a:p>
             <a:pPr marL="171450" indent="-171450">
               <a:buFont typeface="Arial" panose="020B0604020202020204" pitchFamily="34" charset="0"/>
               <a:buChar char="•"/>
@@ -4033,7 +4304,7 @@
           <a:p>
             <a:fld id="{94CE3395-F8FF-4336-B2AA-E15575B990E7}" type="slidenum">
               <a:rPr lang="en-US" smtClean="0"/>
-              <a:t>5</a:t>
+              <a:t>7</a:t>
             </a:fld>
             <a:endParaRPr lang="en-US" dirty="0"/>
           </a:p>
@@ -4052,7 +4323,7 @@
 </p:notes>
 </file>
 
-<file path=ppt/notesSlides/notesSlide6.xml><?xml version="1.0" encoding="utf-8"?>
+<file path=ppt/notesSlides/notesSlide7.xml><?xml version="1.0" encoding="utf-8"?>
 <p:notes xmlns:a="http://schemas.openxmlformats.org/drawingml/2006/main" xmlns:r="http://schemas.openxmlformats.org/officeDocument/2006/relationships" xmlns:p="http://schemas.openxmlformats.org/presentationml/2006/main">
   <p:cSld>
     <p:spTree>
@@ -4145,7 +4416,7 @@
           <a:p>
             <a:fld id="{94CE3395-F8FF-4336-B2AA-E15575B990E7}" type="slidenum">
               <a:rPr lang="en-US" smtClean="0"/>
-              <a:t>6</a:t>
+              <a:t>8</a:t>
             </a:fld>
             <a:endParaRPr lang="en-US" dirty="0"/>
           </a:p>
@@ -4155,215 +4426,6 @@
     <p:extLst>
       <p:ext uri="{BB962C8B-B14F-4D97-AF65-F5344CB8AC3E}">
         <p14:creationId xmlns:p14="http://schemas.microsoft.com/office/powerpoint/2010/main" val="606453214"/>
-      </p:ext>
-    </p:extLst>
-  </p:cSld>
-  <p:clrMapOvr>
-    <a:masterClrMapping/>
-  </p:clrMapOvr>
-</p:notes>
-</file>
-
-<file path=ppt/notesSlides/notesSlide7.xml><?xml version="1.0" encoding="utf-8"?>
-<p:notes xmlns:a="http://schemas.openxmlformats.org/drawingml/2006/main" xmlns:r="http://schemas.openxmlformats.org/officeDocument/2006/relationships" xmlns:p="http://schemas.openxmlformats.org/presentationml/2006/main">
-  <p:cSld>
-    <p:spTree>
-      <p:nvGrpSpPr>
-        <p:cNvPr id="1" name=""/>
-        <p:cNvGrpSpPr/>
-        <p:nvPr/>
-      </p:nvGrpSpPr>
-      <p:grpSpPr>
-        <a:xfrm>
-          <a:off x="0" y="0"/>
-          <a:ext cx="0" cy="0"/>
-          <a:chOff x="0" y="0"/>
-          <a:chExt cx="0" cy="0"/>
-        </a:xfrm>
-      </p:grpSpPr>
-      <p:sp>
-        <p:nvSpPr>
-          <p:cNvPr id="2" name="Slide Image Placeholder 1"/>
-          <p:cNvSpPr>
-            <a:spLocks noGrp="1" noRot="1" noChangeAspect="1"/>
-          </p:cNvSpPr>
-          <p:nvPr>
-            <p:ph type="sldImg"/>
-          </p:nvPr>
-        </p:nvSpPr>
-        <p:spPr/>
-      </p:sp>
-      <p:sp>
-        <p:nvSpPr>
-          <p:cNvPr id="3" name="Notes Placeholder 2"/>
-          <p:cNvSpPr>
-            <a:spLocks noGrp="1"/>
-          </p:cNvSpPr>
-          <p:nvPr>
-            <p:ph type="body" idx="1"/>
-          </p:nvPr>
-        </p:nvSpPr>
-        <p:spPr/>
-        <p:txBody>
-          <a:bodyPr/>
-          <a:lstStyle/>
-          <a:p>
-            <a:pPr marL="171450" indent="-171450">
-              <a:buFont typeface="Arial" panose="020B0604020202020204" pitchFamily="34" charset="0"/>
-              <a:buChar char="•"/>
-            </a:pPr>
-            <a:r>
-              <a:rPr lang="en-US" dirty="0"/>
-              <a:t>“Await” is like a unary operator; it takes a single argument (like a cast). This argument</a:t>
-            </a:r>
-            <a:r>
-              <a:rPr lang="en-US" baseline="0" dirty="0"/>
-              <a:t> is an “</a:t>
-            </a:r>
-            <a:r>
-              <a:rPr lang="en-US" baseline="0" dirty="0" err="1"/>
-              <a:t>awaitable</a:t>
-            </a:r>
-            <a:r>
-              <a:rPr lang="en-US" baseline="0" dirty="0"/>
-              <a:t>”.</a:t>
-            </a:r>
-          </a:p>
-          <a:p>
-            <a:pPr marL="171450" indent="-171450">
-              <a:buFont typeface="Arial" panose="020B0604020202020204" pitchFamily="34" charset="0"/>
-              <a:buChar char="•"/>
-            </a:pPr>
-            <a:r>
-              <a:rPr lang="en-US" dirty="0"/>
-              <a:t>An “</a:t>
-            </a:r>
-            <a:r>
-              <a:rPr lang="en-US" dirty="0" err="1"/>
-              <a:t>awaitable</a:t>
-            </a:r>
-            <a:r>
-              <a:rPr lang="en-US" dirty="0"/>
-              <a:t>” represents</a:t>
-            </a:r>
-            <a:r>
-              <a:rPr lang="en-US" baseline="0" dirty="0"/>
-              <a:t> an asynchronous operation.</a:t>
-            </a:r>
-          </a:p>
-          <a:p>
-            <a:pPr marL="171450" indent="-171450">
-              <a:buFont typeface="Arial" panose="020B0604020202020204" pitchFamily="34" charset="0"/>
-              <a:buChar char="•"/>
-            </a:pPr>
-            <a:r>
-              <a:rPr lang="en-US" baseline="0" dirty="0"/>
-              <a:t>Technically, you don’t “await” a method; you call the method and then “await” the Task it returns. But “await a method” and “</a:t>
-            </a:r>
-            <a:r>
-              <a:rPr lang="en-US" baseline="0" dirty="0" err="1"/>
-              <a:t>awaitable</a:t>
-            </a:r>
-            <a:r>
-              <a:rPr lang="en-US" baseline="0" dirty="0"/>
-              <a:t> method” are common phrases.</a:t>
-            </a:r>
-          </a:p>
-          <a:p>
-            <a:pPr marL="171450" lvl="0" indent="-171450">
-              <a:buFont typeface="Arial" panose="020B0604020202020204" pitchFamily="34" charset="0"/>
-              <a:buChar char="•"/>
-            </a:pPr>
-            <a:r>
-              <a:rPr lang="en-US" baseline="0" dirty="0"/>
-              <a:t>- Another method can await the task returned from </a:t>
-            </a:r>
-            <a:r>
-              <a:rPr lang="en-US" baseline="0" dirty="0" err="1"/>
-              <a:t>DoNothingAsync</a:t>
-            </a:r>
-            <a:r>
-              <a:rPr lang="en-US" baseline="0" dirty="0"/>
-              <a:t>, not b/c the method is </a:t>
-            </a:r>
-            <a:r>
-              <a:rPr lang="en-US" baseline="0" dirty="0" err="1"/>
-              <a:t>async</a:t>
-            </a:r>
-            <a:r>
-              <a:rPr lang="en-US" baseline="0" dirty="0"/>
-              <a:t>, but b/c it returns a Task.</a:t>
-            </a:r>
-          </a:p>
-          <a:p>
-            <a:pPr marL="171450" indent="-171450">
-              <a:buFont typeface="Arial" panose="020B0604020202020204" pitchFamily="34" charset="0"/>
-              <a:buChar char="•"/>
-            </a:pPr>
-            <a:r>
-              <a:rPr lang="en-US" baseline="0" dirty="0" err="1"/>
-              <a:t>Async</a:t>
-            </a:r>
-            <a:r>
-              <a:rPr lang="en-US" baseline="0" dirty="0"/>
-              <a:t> methods start synchronously; so this method will (synchronously) call </a:t>
-            </a:r>
-            <a:r>
-              <a:rPr lang="en-US" baseline="0" dirty="0" err="1"/>
-              <a:t>Task.Delay</a:t>
-            </a:r>
-            <a:r>
-              <a:rPr lang="en-US" baseline="0" dirty="0"/>
-              <a:t> and </a:t>
-            </a:r>
-            <a:r>
-              <a:rPr lang="en-US" i="1" baseline="0" dirty="0"/>
-              <a:t>then</a:t>
-            </a:r>
-            <a:r>
-              <a:rPr lang="en-US" baseline="0" dirty="0"/>
-              <a:t> await.</a:t>
-            </a:r>
-          </a:p>
-          <a:p>
-            <a:pPr marL="171450" indent="-171450">
-              <a:buFont typeface="Arial" panose="020B0604020202020204" pitchFamily="34" charset="0"/>
-              <a:buChar char="•"/>
-            </a:pPr>
-            <a:r>
-              <a:rPr lang="en-US" baseline="0" dirty="0"/>
-              <a:t>Await is where things can start to get asynchronous.</a:t>
-            </a:r>
-          </a:p>
-        </p:txBody>
-      </p:sp>
-      <p:sp>
-        <p:nvSpPr>
-          <p:cNvPr id="4" name="Slide Number Placeholder 3"/>
-          <p:cNvSpPr>
-            <a:spLocks noGrp="1"/>
-          </p:cNvSpPr>
-          <p:nvPr>
-            <p:ph type="sldNum" sz="quarter" idx="10"/>
-          </p:nvPr>
-        </p:nvSpPr>
-        <p:spPr/>
-        <p:txBody>
-          <a:bodyPr/>
-          <a:lstStyle/>
-          <a:p>
-            <a:fld id="{94CE3395-F8FF-4336-B2AA-E15575B990E7}" type="slidenum">
-              <a:rPr lang="en-US" smtClean="0"/>
-              <a:t>7</a:t>
-            </a:fld>
-            <a:endParaRPr lang="en-US" dirty="0"/>
-          </a:p>
-        </p:txBody>
-      </p:sp>
-    </p:spTree>
-    <p:extLst>
-      <p:ext uri="{BB962C8B-B14F-4D97-AF65-F5344CB8AC3E}">
-        <p14:creationId xmlns:p14="http://schemas.microsoft.com/office/powerpoint/2010/main" val="1645053328"/>
       </p:ext>
     </p:extLst>
   </p:cSld>
@@ -4423,19 +4485,19 @@
             </a:pPr>
             <a:r>
               <a:rPr lang="en-US" dirty="0"/>
-              <a:t>The “registering” is saying, “when</a:t>
+              <a:t>“Await” is like a unary operator; it takes a single argument (like a cast). This argument</a:t>
             </a:r>
             <a:r>
               <a:rPr lang="en-US" baseline="0" dirty="0"/>
-              <a:t> you complete, please </a:t>
-            </a:r>
-            <a:r>
-              <a:rPr lang="en-US" i="1" baseline="0" dirty="0"/>
-              <a:t>resume</a:t>
+              <a:t> is an “</a:t>
+            </a:r>
+            <a:r>
+              <a:rPr lang="en-US" baseline="0" dirty="0" err="1"/>
+              <a:t>awaitable</a:t>
             </a:r>
             <a:r>
               <a:rPr lang="en-US" baseline="0" dirty="0"/>
-              <a:t> this method” (using the state machine).</a:t>
+              <a:t>”.</a:t>
             </a:r>
           </a:p>
           <a:p>
@@ -4444,16 +4506,20 @@
               <a:buChar char="•"/>
             </a:pPr>
             <a:r>
+              <a:rPr lang="en-US" dirty="0"/>
+              <a:t>An “</a:t>
+            </a:r>
+            <a:r>
+              <a:rPr lang="en-US" dirty="0" err="1"/>
+              <a:t>awaitable</a:t>
+            </a:r>
+            <a:r>
+              <a:rPr lang="en-US" dirty="0"/>
+              <a:t>” represents</a:t>
+            </a:r>
+            <a:r>
               <a:rPr lang="en-US" baseline="0" dirty="0"/>
-              <a:t>When </a:t>
-            </a:r>
-            <a:r>
-              <a:rPr lang="en-US" baseline="0" dirty="0" err="1"/>
-              <a:t>DoNothingAsync</a:t>
-            </a:r>
-            <a:r>
-              <a:rPr lang="en-US" baseline="0" dirty="0"/>
-              <a:t> returns, it returns an incomplete Task.</a:t>
+              <a:t> an asynchronous operation.</a:t>
             </a:r>
           </a:p>
           <a:p>
@@ -4463,7 +4529,25 @@
             </a:pPr>
             <a:r>
               <a:rPr lang="en-US" baseline="0" dirty="0"/>
-              <a:t>This Task is completed when the </a:t>
+              <a:t>Technically, you don’t “await” a method; you call the method and then “await” the Task it returns. But “await a method” and “</a:t>
+            </a:r>
+            <a:r>
+              <a:rPr lang="en-US" baseline="0" dirty="0" err="1"/>
+              <a:t>awaitable</a:t>
+            </a:r>
+            <a:r>
+              <a:rPr lang="en-US" baseline="0" dirty="0"/>
+              <a:t> method” are common phrases.</a:t>
+            </a:r>
+          </a:p>
+          <a:p>
+            <a:pPr marL="171450" lvl="0" indent="-171450">
+              <a:buFont typeface="Arial" panose="020B0604020202020204" pitchFamily="34" charset="0"/>
+              <a:buChar char="•"/>
+            </a:pPr>
+            <a:r>
+              <a:rPr lang="en-US" baseline="0" dirty="0"/>
+              <a:t>- Another method can await the task returned from </a:t>
             </a:r>
             <a:r>
               <a:rPr lang="en-US" baseline="0" dirty="0" err="1"/>
@@ -4471,7 +4555,55 @@
             </a:r>
             <a:r>
               <a:rPr lang="en-US" baseline="0" dirty="0"/>
-              <a:t> completes (end of method or “return” statement).</a:t>
+              <a:t>, not b/c the method is </a:t>
+            </a:r>
+            <a:r>
+              <a:rPr lang="en-US" baseline="0" dirty="0" err="1"/>
+              <a:t>async</a:t>
+            </a:r>
+            <a:r>
+              <a:rPr lang="en-US" baseline="0" dirty="0"/>
+              <a:t>, but b/c it returns a Task.</a:t>
+            </a:r>
+          </a:p>
+          <a:p>
+            <a:pPr marL="171450" indent="-171450">
+              <a:buFont typeface="Arial" panose="020B0604020202020204" pitchFamily="34" charset="0"/>
+              <a:buChar char="•"/>
+            </a:pPr>
+            <a:r>
+              <a:rPr lang="en-US" baseline="0" dirty="0" err="1"/>
+              <a:t>Async</a:t>
+            </a:r>
+            <a:r>
+              <a:rPr lang="en-US" baseline="0" dirty="0"/>
+              <a:t> methods start synchronously; so this method will (synchronously) call </a:t>
+            </a:r>
+            <a:r>
+              <a:rPr lang="en-US" baseline="0" dirty="0" err="1"/>
+              <a:t>Task.Delay</a:t>
+            </a:r>
+            <a:r>
+              <a:rPr lang="en-US" baseline="0" dirty="0"/>
+              <a:t> and </a:t>
+            </a:r>
+            <a:r>
+              <a:rPr lang="en-US" i="1" baseline="0" dirty="0"/>
+              <a:t>then</a:t>
+            </a:r>
+            <a:r>
+              <a:rPr lang="en-US" baseline="0" dirty="0"/>
+              <a:t> await.</a:t>
+            </a:r>
+          </a:p>
+          <a:p>
+            <a:pPr marL="171450" indent="-171450">
+              <a:buFont typeface="Arial" panose="020B0604020202020204" pitchFamily="34" charset="0"/>
+              <a:buChar char="•"/>
+            </a:pPr>
+            <a:r>
+              <a:rPr lang="en-US" baseline="0" dirty="0"/>
+              <a:t>Await is where things can start to get asynchronous.</a:t>
             </a:r>
           </a:p>
         </p:txBody>
@@ -4493,7 +4625,7 @@
           <a:p>
             <a:fld id="{94CE3395-F8FF-4336-B2AA-E15575B990E7}" type="slidenum">
               <a:rPr lang="en-US" smtClean="0"/>
-              <a:t>8</a:t>
+              <a:t>9</a:t>
             </a:fld>
             <a:endParaRPr lang="en-US" dirty="0"/>
           </a:p>
@@ -4502,7 +4634,7 @@
     </p:spTree>
     <p:extLst>
       <p:ext uri="{BB962C8B-B14F-4D97-AF65-F5344CB8AC3E}">
-        <p14:creationId xmlns:p14="http://schemas.microsoft.com/office/powerpoint/2010/main" val="4114950734"/>
+        <p14:creationId xmlns:p14="http://schemas.microsoft.com/office/powerpoint/2010/main" val="1645053328"/>
       </p:ext>
     </p:extLst>
   </p:cSld>
@@ -4556,47 +4688,61 @@
           <a:bodyPr/>
           <a:lstStyle/>
           <a:p>
-            <a:pPr marL="0" indent="0">
-              <a:buFontTx/>
-              <a:buNone/>
+            <a:pPr marL="171450" indent="-171450">
+              <a:buFont typeface="Arial" panose="020B0604020202020204" pitchFamily="34" charset="0"/>
+              <a:buChar char="•"/>
             </a:pPr>
             <a:r>
-              <a:rPr lang="en-US" strike="noStrike" baseline="0" dirty="0"/>
-              <a:t>By default, a context is captured: </a:t>
-            </a:r>
-            <a:r>
-              <a:rPr lang="en-US" strike="noStrike" baseline="0" dirty="0" err="1"/>
-              <a:t>SynchronizationContext</a:t>
-            </a:r>
-            <a:r>
-              <a:rPr lang="en-US" strike="noStrike" baseline="0" dirty="0"/>
-              <a:t> or </a:t>
-            </a:r>
-            <a:r>
-              <a:rPr lang="en-US" strike="noStrike" baseline="0" dirty="0" err="1"/>
-              <a:t>TaskScheduler</a:t>
-            </a:r>
-            <a:r>
-              <a:rPr lang="en-US" strike="noStrike" baseline="0" dirty="0"/>
-              <a:t>.</a:t>
-            </a:r>
-          </a:p>
-          <a:p>
-            <a:pPr marL="0" indent="0">
-              <a:buFontTx/>
-              <a:buNone/>
+              <a:rPr lang="en-US" dirty="0"/>
+              <a:t>The “registering” is saying, “when</a:t>
+            </a:r>
+            <a:r>
+              <a:rPr lang="en-US" baseline="0" dirty="0"/>
+              <a:t> you complete, please </a:t>
+            </a:r>
+            <a:r>
+              <a:rPr lang="en-US" i="1" baseline="0" dirty="0"/>
+              <a:t>resume</a:t>
+            </a:r>
+            <a:r>
+              <a:rPr lang="en-US" baseline="0" dirty="0"/>
+              <a:t> this method” (using the state machine).</a:t>
+            </a:r>
+          </a:p>
+          <a:p>
+            <a:pPr marL="171450" indent="-171450">
+              <a:buFont typeface="Arial" panose="020B0604020202020204" pitchFamily="34" charset="0"/>
+              <a:buChar char="•"/>
             </a:pPr>
             <a:r>
-              <a:rPr lang="en-US" strike="noStrike" baseline="0" dirty="0"/>
-              <a:t>Usually a </a:t>
-            </a:r>
-            <a:r>
-              <a:rPr lang="en-US" strike="noStrike" baseline="0" dirty="0" err="1"/>
-              <a:t>SynchronizationContext</a:t>
-            </a:r>
-            <a:r>
-              <a:rPr lang="en-US" strike="noStrike" baseline="0" dirty="0"/>
-              <a:t> for UI apps (or old-school ASP.NET), or else the thread pool.</a:t>
+              <a:rPr lang="en-US" baseline="0" dirty="0"/>
+              <a:t>When </a:t>
+            </a:r>
+            <a:r>
+              <a:rPr lang="en-US" baseline="0" dirty="0" err="1"/>
+              <a:t>DoNothingAsync</a:t>
+            </a:r>
+            <a:r>
+              <a:rPr lang="en-US" baseline="0" dirty="0"/>
+              <a:t> returns, it returns an incomplete Task.</a:t>
+            </a:r>
+          </a:p>
+          <a:p>
+            <a:pPr marL="171450" indent="-171450">
+              <a:buFont typeface="Arial" panose="020B0604020202020204" pitchFamily="34" charset="0"/>
+              <a:buChar char="•"/>
+            </a:pPr>
+            <a:r>
+              <a:rPr lang="en-US" baseline="0" dirty="0"/>
+              <a:t>This Task is completed when the </a:t>
+            </a:r>
+            <a:r>
+              <a:rPr lang="en-US" baseline="0" dirty="0" err="1"/>
+              <a:t>DoNothingAsync</a:t>
+            </a:r>
+            <a:r>
+              <a:rPr lang="en-US" baseline="0" dirty="0"/>
+              <a:t> completes (end of method or “return” statement).</a:t>
             </a:r>
           </a:p>
         </p:txBody>
@@ -4618,7 +4764,7 @@
           <a:p>
             <a:fld id="{94CE3395-F8FF-4336-B2AA-E15575B990E7}" type="slidenum">
               <a:rPr lang="en-US" smtClean="0"/>
-              <a:t>9</a:t>
+              <a:t>10</a:t>
             </a:fld>
             <a:endParaRPr lang="en-US" dirty="0"/>
           </a:p>
@@ -4627,7 +4773,7 @@
     </p:spTree>
     <p:extLst>
       <p:ext uri="{BB962C8B-B14F-4D97-AF65-F5344CB8AC3E}">
-        <p14:creationId xmlns:p14="http://schemas.microsoft.com/office/powerpoint/2010/main" val="2069781445"/>
+        <p14:creationId xmlns:p14="http://schemas.microsoft.com/office/powerpoint/2010/main" val="4114950734"/>
       </p:ext>
     </p:extLst>
   </p:cSld>
@@ -7527,96 +7673,12 @@
           <a:chExt cx="0" cy="0"/>
         </a:xfrm>
       </p:grpSpPr>
-      <p:sp>
-        <p:nvSpPr>
-          <p:cNvPr id="3" name="Text Placeholder 2">
+      <p:pic>
+        <p:nvPicPr>
+          <p:cNvPr id="4" name="Picture 3" descr="A yellow and orange field&#10;&#10;AI-generated content may be incorrect.">
             <a:extLst>
               <a:ext uri="{FF2B5EF4-FFF2-40B4-BE49-F238E27FC236}">
-                <a16:creationId xmlns:a16="http://schemas.microsoft.com/office/drawing/2014/main" id="{72839525-4981-AC8B-723B-4261B9EC3B6A}"/>
-              </a:ext>
-            </a:extLst>
-          </p:cNvPr>
-          <p:cNvSpPr>
-            <a:spLocks noGrp="1"/>
-          </p:cNvSpPr>
-          <p:nvPr>
-            <p:ph type="body" sz="quarter" idx="12"/>
-          </p:nvPr>
-        </p:nvSpPr>
-        <p:spPr>
-          <a:xfrm>
-            <a:off x="271104" y="2531669"/>
-            <a:ext cx="11649792" cy="1794661"/>
-          </a:xfrm>
-        </p:spPr>
-        <p:txBody>
-          <a:bodyPr/>
-          <a:lstStyle/>
-          <a:p>
-            <a:r>
-              <a:rPr lang="en-US" dirty="0"/>
-              <a:t>“This chapter tackles some challenging topics. You may not immediately understand everything. However, that is normal… Give yourself time. Let things rest. Reread some sections one or more days later.”</a:t>
-            </a:r>
-          </a:p>
-          <a:p>
-            <a:pPr algn="r"/>
-            <a:r>
-              <a:rPr lang="en-US" dirty="0"/>
-              <a:t>-Dr. Axel </a:t>
-            </a:r>
-            <a:r>
-              <a:rPr lang="en-US" dirty="0" err="1"/>
-              <a:t>Rauschmayer</a:t>
-            </a:r>
-            <a:r>
-              <a:rPr lang="en-US" dirty="0"/>
-              <a:t>,</a:t>
-            </a:r>
-            <a:br>
-              <a:rPr lang="en-US" dirty="0"/>
-            </a:br>
-            <a:r>
-              <a:rPr lang="en-US" dirty="0">
-                <a:hlinkClick r:id="rId3"/>
-              </a:rPr>
-              <a:t>“Asynchronous JavaScript”</a:t>
-            </a:r>
-            <a:endParaRPr lang="en-US" dirty="0"/>
-          </a:p>
-        </p:txBody>
-      </p:sp>
-      <p:sp>
-        <p:nvSpPr>
-          <p:cNvPr id="2" name="Title 1"/>
-          <p:cNvSpPr>
-            <a:spLocks noGrp="1"/>
-          </p:cNvSpPr>
-          <p:nvPr>
-            <p:ph type="title"/>
-          </p:nvPr>
-        </p:nvSpPr>
-        <p:spPr/>
-        <p:txBody>
-          <a:bodyPr/>
-          <a:lstStyle/>
-          <a:p>
-            <a:r>
-              <a:rPr lang="en-US" dirty="0">
-                <a:solidFill>
-                  <a:schemeClr val="bg1"/>
-                </a:solidFill>
-              </a:rPr>
-              <a:t>Avoiding Common Pitfalls with Async/Await – Stephen Cleary</a:t>
-            </a:r>
-          </a:p>
-        </p:txBody>
-      </p:sp>
-      <p:pic>
-        <p:nvPicPr>
-          <p:cNvPr id="5" name="Picture 4">
-            <a:extLst>
-              <a:ext uri="{FF2B5EF4-FFF2-40B4-BE49-F238E27FC236}">
-                <a16:creationId xmlns:a16="http://schemas.microsoft.com/office/drawing/2014/main" id="{2DF73BAB-61BF-7F85-097B-C4803473005E}"/>
+                <a16:creationId xmlns:a16="http://schemas.microsoft.com/office/drawing/2014/main" id="{19E3C187-6A5A-5305-74D0-574AC8F744B7}"/>
               </a:ext>
             </a:extLst>
           </p:cNvPr>
@@ -7626,47 +7688,1152 @@
           <p:nvPr/>
         </p:nvPicPr>
         <p:blipFill>
-          <a:blip r:embed="rId4"/>
+          <a:blip r:embed="rId2"/>
           <a:stretch>
             <a:fillRect/>
           </a:stretch>
         </p:blipFill>
         <p:spPr>
           <a:xfrm>
-            <a:off x="409575" y="4690109"/>
-            <a:ext cx="2025015" cy="2025015"/>
+            <a:off x="-77163" y="91"/>
+            <a:ext cx="12346325" cy="6944807"/>
           </a:xfrm>
           <a:prstGeom prst="rect">
             <a:avLst/>
           </a:prstGeom>
         </p:spPr>
       </p:pic>
+      <p:pic>
+        <p:nvPicPr>
+          <p:cNvPr id="5" name="Picture 4">
+            <a:extLst>
+              <a:ext uri="{FF2B5EF4-FFF2-40B4-BE49-F238E27FC236}">
+                <a16:creationId xmlns:a16="http://schemas.microsoft.com/office/drawing/2014/main" id="{C90C109D-F1BB-1D0B-6AD0-FAB4F228FFD8}"/>
+              </a:ext>
+            </a:extLst>
+          </p:cNvPr>
+          <p:cNvPicPr>
+            <a:picLocks noChangeAspect="1"/>
+          </p:cNvPicPr>
+          <p:nvPr/>
+        </p:nvPicPr>
+        <p:blipFill>
+          <a:blip r:embed="rId3"/>
+          <a:stretch>
+            <a:fillRect/>
+          </a:stretch>
+        </p:blipFill>
+        <p:spPr>
+          <a:xfrm>
+            <a:off x="2207035" y="1955926"/>
+            <a:ext cx="7777929" cy="2064172"/>
+          </a:xfrm>
+          <a:prstGeom prst="rect">
+            <a:avLst/>
+          </a:prstGeom>
+        </p:spPr>
+      </p:pic>
+      <p:sp>
+        <p:nvSpPr>
+          <p:cNvPr id="6" name="Subtitle 2">
+            <a:extLst>
+              <a:ext uri="{FF2B5EF4-FFF2-40B4-BE49-F238E27FC236}">
+                <a16:creationId xmlns:a16="http://schemas.microsoft.com/office/drawing/2014/main" id="{26E75682-45D1-A474-5209-517F2D157C48}"/>
+              </a:ext>
+            </a:extLst>
+          </p:cNvPr>
+          <p:cNvSpPr txBox="1">
+            <a:spLocks/>
+          </p:cNvSpPr>
+          <p:nvPr/>
+        </p:nvSpPr>
+        <p:spPr>
+          <a:xfrm>
+            <a:off x="3542330" y="4224940"/>
+            <a:ext cx="5149287" cy="1158590"/>
+          </a:xfrm>
+          <a:prstGeom prst="rect">
+            <a:avLst/>
+          </a:prstGeom>
+          <a:effectLst>
+            <a:outerShdw dist="38100" dir="8100000" algn="ctr" rotWithShape="0">
+              <a:schemeClr val="bg1"/>
+            </a:outerShdw>
+          </a:effectLst>
+        </p:spPr>
+        <p:txBody>
+          <a:bodyPr vert="horz" lIns="104271" tIns="52135" rIns="104271" bIns="52135" rtlCol="0">
+            <a:normAutofit/>
+          </a:bodyPr>
+          <a:lstStyle>
+            <a:lvl1pPr marL="0" indent="0" algn="ctr" defTabSz="1007943" rtl="0" eaLnBrk="1" latinLnBrk="0" hangingPunct="1">
+              <a:lnSpc>
+                <a:spcPct val="90000"/>
+              </a:lnSpc>
+              <a:spcBef>
+                <a:spcPts val="1102"/>
+              </a:spcBef>
+              <a:buFont typeface="Arial" panose="020B0604020202020204" pitchFamily="34" charset="0"/>
+              <a:buNone/>
+              <a:defRPr sz="2646" kern="1200">
+                <a:solidFill>
+                  <a:schemeClr val="tx1"/>
+                </a:solidFill>
+                <a:latin typeface="+mn-lt"/>
+                <a:ea typeface="+mn-ea"/>
+                <a:cs typeface="+mn-cs"/>
+              </a:defRPr>
+            </a:lvl1pPr>
+            <a:lvl2pPr marL="503972" indent="0" algn="ctr" defTabSz="1007943" rtl="0" eaLnBrk="1" latinLnBrk="0" hangingPunct="1">
+              <a:lnSpc>
+                <a:spcPct val="90000"/>
+              </a:lnSpc>
+              <a:spcBef>
+                <a:spcPts val="551"/>
+              </a:spcBef>
+              <a:buFont typeface="Arial" panose="020B0604020202020204" pitchFamily="34" charset="0"/>
+              <a:buNone/>
+              <a:defRPr sz="2205" kern="1200">
+                <a:solidFill>
+                  <a:schemeClr val="tx1"/>
+                </a:solidFill>
+                <a:latin typeface="+mn-lt"/>
+                <a:ea typeface="+mn-ea"/>
+                <a:cs typeface="+mn-cs"/>
+              </a:defRPr>
+            </a:lvl2pPr>
+            <a:lvl3pPr marL="1007943" indent="0" algn="ctr" defTabSz="1007943" rtl="0" eaLnBrk="1" latinLnBrk="0" hangingPunct="1">
+              <a:lnSpc>
+                <a:spcPct val="90000"/>
+              </a:lnSpc>
+              <a:spcBef>
+                <a:spcPts val="551"/>
+              </a:spcBef>
+              <a:buFont typeface="Arial" panose="020B0604020202020204" pitchFamily="34" charset="0"/>
+              <a:buNone/>
+              <a:defRPr sz="1984" kern="1200">
+                <a:solidFill>
+                  <a:schemeClr val="tx1"/>
+                </a:solidFill>
+                <a:latin typeface="+mn-lt"/>
+                <a:ea typeface="+mn-ea"/>
+                <a:cs typeface="+mn-cs"/>
+              </a:defRPr>
+            </a:lvl3pPr>
+            <a:lvl4pPr marL="1511915" indent="0" algn="ctr" defTabSz="1007943" rtl="0" eaLnBrk="1" latinLnBrk="0" hangingPunct="1">
+              <a:lnSpc>
+                <a:spcPct val="90000"/>
+              </a:lnSpc>
+              <a:spcBef>
+                <a:spcPts val="551"/>
+              </a:spcBef>
+              <a:buFont typeface="Arial" panose="020B0604020202020204" pitchFamily="34" charset="0"/>
+              <a:buNone/>
+              <a:defRPr sz="1764" kern="1200">
+                <a:solidFill>
+                  <a:schemeClr val="tx1"/>
+                </a:solidFill>
+                <a:latin typeface="+mn-lt"/>
+                <a:ea typeface="+mn-ea"/>
+                <a:cs typeface="+mn-cs"/>
+              </a:defRPr>
+            </a:lvl4pPr>
+            <a:lvl5pPr marL="2015886" indent="0" algn="ctr" defTabSz="1007943" rtl="0" eaLnBrk="1" latinLnBrk="0" hangingPunct="1">
+              <a:lnSpc>
+                <a:spcPct val="90000"/>
+              </a:lnSpc>
+              <a:spcBef>
+                <a:spcPts val="551"/>
+              </a:spcBef>
+              <a:buFont typeface="Arial" panose="020B0604020202020204" pitchFamily="34" charset="0"/>
+              <a:buNone/>
+              <a:defRPr sz="1764" kern="1200">
+                <a:solidFill>
+                  <a:schemeClr val="tx1"/>
+                </a:solidFill>
+                <a:latin typeface="+mn-lt"/>
+                <a:ea typeface="+mn-ea"/>
+                <a:cs typeface="+mn-cs"/>
+              </a:defRPr>
+            </a:lvl5pPr>
+            <a:lvl6pPr marL="2519858" indent="0" algn="ctr" defTabSz="1007943" rtl="0" eaLnBrk="1" latinLnBrk="0" hangingPunct="1">
+              <a:lnSpc>
+                <a:spcPct val="90000"/>
+              </a:lnSpc>
+              <a:spcBef>
+                <a:spcPts val="551"/>
+              </a:spcBef>
+              <a:buFont typeface="Arial" panose="020B0604020202020204" pitchFamily="34" charset="0"/>
+              <a:buNone/>
+              <a:defRPr sz="1764" kern="1200">
+                <a:solidFill>
+                  <a:schemeClr val="tx1"/>
+                </a:solidFill>
+                <a:latin typeface="+mn-lt"/>
+                <a:ea typeface="+mn-ea"/>
+                <a:cs typeface="+mn-cs"/>
+              </a:defRPr>
+            </a:lvl6pPr>
+            <a:lvl7pPr marL="3023829" indent="0" algn="ctr" defTabSz="1007943" rtl="0" eaLnBrk="1" latinLnBrk="0" hangingPunct="1">
+              <a:lnSpc>
+                <a:spcPct val="90000"/>
+              </a:lnSpc>
+              <a:spcBef>
+                <a:spcPts val="551"/>
+              </a:spcBef>
+              <a:buFont typeface="Arial" panose="020B0604020202020204" pitchFamily="34" charset="0"/>
+              <a:buNone/>
+              <a:defRPr sz="1764" kern="1200">
+                <a:solidFill>
+                  <a:schemeClr val="tx1"/>
+                </a:solidFill>
+                <a:latin typeface="+mn-lt"/>
+                <a:ea typeface="+mn-ea"/>
+                <a:cs typeface="+mn-cs"/>
+              </a:defRPr>
+            </a:lvl7pPr>
+            <a:lvl8pPr marL="3527801" indent="0" algn="ctr" defTabSz="1007943" rtl="0" eaLnBrk="1" latinLnBrk="0" hangingPunct="1">
+              <a:lnSpc>
+                <a:spcPct val="90000"/>
+              </a:lnSpc>
+              <a:spcBef>
+                <a:spcPts val="551"/>
+              </a:spcBef>
+              <a:buFont typeface="Arial" panose="020B0604020202020204" pitchFamily="34" charset="0"/>
+              <a:buNone/>
+              <a:defRPr sz="1764" kern="1200">
+                <a:solidFill>
+                  <a:schemeClr val="tx1"/>
+                </a:solidFill>
+                <a:latin typeface="+mn-lt"/>
+                <a:ea typeface="+mn-ea"/>
+                <a:cs typeface="+mn-cs"/>
+              </a:defRPr>
+            </a:lvl8pPr>
+            <a:lvl9pPr marL="4031772" indent="0" algn="ctr" defTabSz="1007943" rtl="0" eaLnBrk="1" latinLnBrk="0" hangingPunct="1">
+              <a:lnSpc>
+                <a:spcPct val="90000"/>
+              </a:lnSpc>
+              <a:spcBef>
+                <a:spcPts val="551"/>
+              </a:spcBef>
+              <a:buFont typeface="Arial" panose="020B0604020202020204" pitchFamily="34" charset="0"/>
+              <a:buNone/>
+              <a:defRPr sz="1764" kern="1200">
+                <a:solidFill>
+                  <a:schemeClr val="tx1"/>
+                </a:solidFill>
+                <a:latin typeface="+mn-lt"/>
+                <a:ea typeface="+mn-ea"/>
+                <a:cs typeface="+mn-cs"/>
+              </a:defRPr>
+            </a:lvl9pPr>
+          </a:lstStyle>
+          <a:p>
+            <a:r>
+              <a:rPr lang="en-US" sz="3200" dirty="0">
+                <a:solidFill>
+                  <a:schemeClr val="bg1"/>
+                </a:solidFill>
+              </a:rPr>
+              <a:t>Avoiding Common Pitfalls with Async/Await</a:t>
+            </a:r>
+            <a:endParaRPr lang="en-BE" sz="3017" dirty="0">
+              <a:solidFill>
+                <a:srgbClr val="2C6091"/>
+              </a:solidFill>
+              <a:latin typeface="Borcer" pitchFamily="2" charset="0"/>
+            </a:endParaRPr>
+          </a:p>
+        </p:txBody>
+      </p:sp>
     </p:spTree>
     <p:extLst>
       <p:ext uri="{BB962C8B-B14F-4D97-AF65-F5344CB8AC3E}">
-        <p14:creationId xmlns:p14="http://schemas.microsoft.com/office/powerpoint/2010/main" val="3833262251"/>
+        <p14:creationId xmlns:p14="http://schemas.microsoft.com/office/powerpoint/2010/main" val="841523525"/>
       </p:ext>
     </p:extLst>
   </p:cSld>
   <p:clrMapOvr>
     <a:masterClrMapping/>
   </p:clrMapOvr>
-  <mc:AlternateContent xmlns:mc="http://schemas.openxmlformats.org/markup-compatibility/2006" xmlns:p14="http://schemas.microsoft.com/office/powerpoint/2010/main">
-    <mc:Choice Requires="p14">
-      <p:transition spd="slow" p14:dur="3400">
-        <p14:reveal/>
-      </p:transition>
-    </mc:Choice>
-    <mc:Fallback xmlns="">
-      <p:transition spd="slow">
-        <p:fade/>
-      </p:transition>
-    </mc:Fallback>
-  </mc:AlternateContent>
+  <p:transition>
+    <p:fade/>
+  </p:transition>
 </p:sld>
 </file>
 
 <file path=ppt/slides/slide10.xml><?xml version="1.0" encoding="utf-8"?>
+<p:sld xmlns:a="http://schemas.openxmlformats.org/drawingml/2006/main" xmlns:r="http://schemas.openxmlformats.org/officeDocument/2006/relationships" xmlns:p="http://schemas.openxmlformats.org/presentationml/2006/main" show="0">
+  <p:cSld>
+    <p:spTree>
+      <p:nvGrpSpPr>
+        <p:cNvPr id="1" name=""/>
+        <p:cNvGrpSpPr/>
+        <p:nvPr/>
+      </p:nvGrpSpPr>
+      <p:grpSpPr>
+        <a:xfrm>
+          <a:off x="0" y="0"/>
+          <a:ext cx="0" cy="0"/>
+          <a:chOff x="0" y="0"/>
+          <a:chExt cx="0" cy="0"/>
+        </a:xfrm>
+      </p:grpSpPr>
+      <p:sp>
+        <p:nvSpPr>
+          <p:cNvPr id="2" name="Title 1"/>
+          <p:cNvSpPr>
+            <a:spLocks noGrp="1"/>
+          </p:cNvSpPr>
+          <p:nvPr>
+            <p:ph type="title"/>
+          </p:nvPr>
+        </p:nvSpPr>
+        <p:spPr/>
+        <p:txBody>
+          <a:bodyPr/>
+          <a:lstStyle/>
+          <a:p>
+            <a:r>
+              <a:rPr lang="en-US" dirty="0"/>
+              <a:t>Await keyword: yielding execution</a:t>
+            </a:r>
+          </a:p>
+        </p:txBody>
+      </p:sp>
+      <p:sp>
+        <p:nvSpPr>
+          <p:cNvPr id="3" name="Text Placeholder 2"/>
+          <p:cNvSpPr>
+            <a:spLocks noGrp="1"/>
+          </p:cNvSpPr>
+          <p:nvPr>
+            <p:ph type="body" sz="quarter" idx="10"/>
+          </p:nvPr>
+        </p:nvSpPr>
+        <p:spPr>
+          <a:xfrm>
+            <a:off x="269239" y="1197324"/>
+            <a:ext cx="11653523" cy="2468368"/>
+          </a:xfrm>
+        </p:spPr>
+        <p:txBody>
+          <a:bodyPr/>
+          <a:lstStyle/>
+          <a:p>
+            <a:r>
+              <a:rPr lang="en-US" sz="2800" dirty="0">
+                <a:latin typeface="Consolas" panose="020B0609020204030204" pitchFamily="49" charset="0"/>
+              </a:rPr>
+              <a:t>async Task </a:t>
+            </a:r>
+            <a:r>
+              <a:rPr lang="en-US" sz="2800" dirty="0" err="1">
+                <a:latin typeface="Consolas" panose="020B0609020204030204" pitchFamily="49" charset="0"/>
+              </a:rPr>
+              <a:t>DoNothingAsync</a:t>
+            </a:r>
+            <a:r>
+              <a:rPr lang="en-US" sz="2800" dirty="0">
+                <a:latin typeface="Consolas" panose="020B0609020204030204" pitchFamily="49" charset="0"/>
+              </a:rPr>
+              <a:t>()</a:t>
+            </a:r>
+          </a:p>
+          <a:p>
+            <a:r>
+              <a:rPr lang="en-US" sz="2800" dirty="0">
+                <a:latin typeface="Consolas" panose="020B0609020204030204" pitchFamily="49" charset="0"/>
+              </a:rPr>
+              <a:t>{</a:t>
+            </a:r>
+          </a:p>
+          <a:p>
+            <a:r>
+              <a:rPr lang="en-US" sz="2800" dirty="0">
+                <a:latin typeface="Consolas" panose="020B0609020204030204" pitchFamily="49" charset="0"/>
+              </a:rPr>
+              <a:t>  // In the Real World, we would actually do something...</a:t>
+            </a:r>
+          </a:p>
+          <a:p>
+            <a:r>
+              <a:rPr lang="en-US" sz="2800" dirty="0">
+                <a:latin typeface="Consolas" panose="020B0609020204030204" pitchFamily="49" charset="0"/>
+              </a:rPr>
+              <a:t>  </a:t>
+            </a:r>
+            <a:r>
+              <a:rPr lang="en-US" sz="2800" dirty="0">
+                <a:highlight>
+                  <a:srgbClr val="FFFF00"/>
+                </a:highlight>
+                <a:latin typeface="Consolas" panose="020B0609020204030204" pitchFamily="49" charset="0"/>
+              </a:rPr>
+              <a:t>await</a:t>
+            </a:r>
+            <a:r>
+              <a:rPr lang="en-US" sz="2800" dirty="0">
+                <a:latin typeface="Consolas" panose="020B0609020204030204" pitchFamily="49" charset="0"/>
+              </a:rPr>
+              <a:t> </a:t>
+            </a:r>
+            <a:r>
+              <a:rPr lang="en-US" sz="2800" dirty="0" err="1">
+                <a:latin typeface="Consolas" panose="020B0609020204030204" pitchFamily="49" charset="0"/>
+              </a:rPr>
+              <a:t>Task.Delay</a:t>
+            </a:r>
+            <a:r>
+              <a:rPr lang="en-US" sz="2800" dirty="0">
+                <a:latin typeface="Consolas" panose="020B0609020204030204" pitchFamily="49" charset="0"/>
+              </a:rPr>
+              <a:t>(100);</a:t>
+            </a:r>
+          </a:p>
+          <a:p>
+            <a:r>
+              <a:rPr lang="en-US" sz="2800" dirty="0">
+                <a:latin typeface="Consolas" panose="020B0609020204030204" pitchFamily="49" charset="0"/>
+              </a:rPr>
+              <a:t>}</a:t>
+            </a:r>
+          </a:p>
+        </p:txBody>
+      </p:sp>
+      <p:sp>
+        <p:nvSpPr>
+          <p:cNvPr id="6" name="Text Placeholder 2"/>
+          <p:cNvSpPr txBox="1">
+            <a:spLocks/>
+          </p:cNvSpPr>
+          <p:nvPr/>
+        </p:nvSpPr>
+        <p:spPr>
+          <a:xfrm>
+            <a:off x="269239" y="3665690"/>
+            <a:ext cx="11653522" cy="1976888"/>
+          </a:xfrm>
+          <a:prstGeom prst="rect">
+            <a:avLst/>
+          </a:prstGeom>
+        </p:spPr>
+        <p:txBody>
+          <a:bodyPr vert="horz" wrap="square" lIns="146304" tIns="91440" rIns="146304" bIns="91440" rtlCol="0">
+            <a:spAutoFit/>
+          </a:bodyPr>
+          <a:lstStyle>
+            <a:lvl1pPr marL="0" marR="0" indent="0" algn="l" defTabSz="914367" rtl="0" eaLnBrk="1" fontAlgn="auto" latinLnBrk="0" hangingPunct="1">
+              <a:lnSpc>
+                <a:spcPct val="90000"/>
+              </a:lnSpc>
+              <a:spcBef>
+                <a:spcPct val="20000"/>
+              </a:spcBef>
+              <a:spcAft>
+                <a:spcPts val="0"/>
+              </a:spcAft>
+              <a:buClrTx/>
+              <a:buSzPct val="90000"/>
+              <a:buFont typeface="Arial" pitchFamily="34" charset="0"/>
+              <a:buNone/>
+              <a:tabLst/>
+              <a:defRPr sz="3235" kern="1200" spc="0" baseline="0">
+                <a:gradFill>
+                  <a:gsLst>
+                    <a:gs pos="1250">
+                      <a:srgbClr val="000000"/>
+                    </a:gs>
+                    <a:gs pos="100000">
+                      <a:srgbClr val="000000"/>
+                    </a:gs>
+                  </a:gsLst>
+                  <a:lin ang="5400000" scaled="0"/>
+                </a:gradFill>
+                <a:latin typeface="Segoe UI" pitchFamily="34" charset="0"/>
+                <a:ea typeface="+mn-ea"/>
+                <a:cs typeface="Segoe UI" pitchFamily="34" charset="0"/>
+              </a:defRPr>
+            </a:lvl1pPr>
+            <a:lvl2pPr marL="339726" marR="0" indent="0" algn="l" defTabSz="914367" rtl="0" eaLnBrk="1" fontAlgn="auto" latinLnBrk="0" hangingPunct="1">
+              <a:lnSpc>
+                <a:spcPct val="90000"/>
+              </a:lnSpc>
+              <a:spcBef>
+                <a:spcPct val="20000"/>
+              </a:spcBef>
+              <a:spcAft>
+                <a:spcPts val="0"/>
+              </a:spcAft>
+              <a:buClrTx/>
+              <a:buSzPct val="90000"/>
+              <a:buFont typeface="Arial" pitchFamily="34" charset="0"/>
+              <a:buNone/>
+              <a:tabLst/>
+              <a:defRPr sz="2353" kern="1200" spc="0" baseline="0">
+                <a:gradFill>
+                  <a:gsLst>
+                    <a:gs pos="1250">
+                      <a:srgbClr val="000000"/>
+                    </a:gs>
+                    <a:gs pos="100000">
+                      <a:srgbClr val="000000"/>
+                    </a:gs>
+                  </a:gsLst>
+                  <a:lin ang="5400000" scaled="0"/>
+                </a:gradFill>
+                <a:latin typeface="Segoe UI" pitchFamily="34" charset="0"/>
+                <a:ea typeface="+mn-ea"/>
+                <a:cs typeface="Segoe UI" pitchFamily="34" charset="0"/>
+              </a:defRPr>
+            </a:lvl2pPr>
+            <a:lvl3pPr marL="573090" marR="0" indent="0" algn="l" defTabSz="914367" rtl="0" eaLnBrk="1" fontAlgn="auto" latinLnBrk="0" hangingPunct="1">
+              <a:lnSpc>
+                <a:spcPct val="90000"/>
+              </a:lnSpc>
+              <a:spcBef>
+                <a:spcPct val="20000"/>
+              </a:spcBef>
+              <a:spcAft>
+                <a:spcPts val="0"/>
+              </a:spcAft>
+              <a:buClrTx/>
+              <a:buSzPct val="90000"/>
+              <a:buFont typeface="Arial" pitchFamily="34" charset="0"/>
+              <a:buNone/>
+              <a:tabLst/>
+              <a:defRPr sz="1961" kern="1200" spc="0" baseline="0">
+                <a:gradFill>
+                  <a:gsLst>
+                    <a:gs pos="1250">
+                      <a:srgbClr val="000000"/>
+                    </a:gs>
+                    <a:gs pos="100000">
+                      <a:srgbClr val="000000"/>
+                    </a:gs>
+                  </a:gsLst>
+                  <a:lin ang="5400000" scaled="0"/>
+                </a:gradFill>
+                <a:latin typeface="Segoe UI" pitchFamily="34" charset="0"/>
+                <a:ea typeface="+mn-ea"/>
+                <a:cs typeface="Segoe UI" pitchFamily="34" charset="0"/>
+              </a:defRPr>
+            </a:lvl3pPr>
+            <a:lvl4pPr marL="798516" marR="0" indent="0" algn="l" defTabSz="914367" rtl="0" eaLnBrk="1" fontAlgn="auto" latinLnBrk="0" hangingPunct="1">
+              <a:lnSpc>
+                <a:spcPct val="90000"/>
+              </a:lnSpc>
+              <a:spcBef>
+                <a:spcPct val="20000"/>
+              </a:spcBef>
+              <a:spcAft>
+                <a:spcPts val="0"/>
+              </a:spcAft>
+              <a:buClrTx/>
+              <a:buSzPct val="90000"/>
+              <a:buFont typeface="Arial" pitchFamily="34" charset="0"/>
+              <a:buNone/>
+              <a:tabLst/>
+              <a:defRPr sz="1765" kern="1200" spc="0" baseline="0">
+                <a:gradFill>
+                  <a:gsLst>
+                    <a:gs pos="1250">
+                      <a:srgbClr val="000000"/>
+                    </a:gs>
+                    <a:gs pos="100000">
+                      <a:srgbClr val="000000"/>
+                    </a:gs>
+                  </a:gsLst>
+                  <a:lin ang="5400000" scaled="0"/>
+                </a:gradFill>
+                <a:latin typeface="Segoe UI" pitchFamily="34" charset="0"/>
+                <a:ea typeface="+mn-ea"/>
+                <a:cs typeface="Segoe UI" pitchFamily="34" charset="0"/>
+              </a:defRPr>
+            </a:lvl4pPr>
+            <a:lvl5pPr marL="1030292" marR="0" indent="0" algn="l" defTabSz="914367" rtl="0" eaLnBrk="1" fontAlgn="auto" latinLnBrk="0" hangingPunct="1">
+              <a:lnSpc>
+                <a:spcPct val="90000"/>
+              </a:lnSpc>
+              <a:spcBef>
+                <a:spcPct val="20000"/>
+              </a:spcBef>
+              <a:spcAft>
+                <a:spcPts val="0"/>
+              </a:spcAft>
+              <a:buClrTx/>
+              <a:buSzPct val="90000"/>
+              <a:buFont typeface="Arial" pitchFamily="34" charset="0"/>
+              <a:buNone/>
+              <a:tabLst/>
+              <a:defRPr sz="1765" kern="1200" spc="0" baseline="0">
+                <a:gradFill>
+                  <a:gsLst>
+                    <a:gs pos="1250">
+                      <a:srgbClr val="000000"/>
+                    </a:gs>
+                    <a:gs pos="100000">
+                      <a:srgbClr val="000000"/>
+                    </a:gs>
+                  </a:gsLst>
+                  <a:lin ang="5400000" scaled="0"/>
+                </a:gradFill>
+                <a:latin typeface="Segoe UI" pitchFamily="34" charset="0"/>
+                <a:ea typeface="+mn-ea"/>
+                <a:cs typeface="Segoe UI" pitchFamily="34" charset="0"/>
+              </a:defRPr>
+            </a:lvl5pPr>
+            <a:lvl6pPr marL="2514509" indent="-228592" algn="l" defTabSz="914367" rtl="0" eaLnBrk="1" latinLnBrk="0" hangingPunct="1">
+              <a:spcBef>
+                <a:spcPct val="20000"/>
+              </a:spcBef>
+              <a:buFont typeface="Arial" pitchFamily="34" charset="0"/>
+              <a:buChar char="•"/>
+              <a:defRPr sz="1961" kern="1200">
+                <a:solidFill>
+                  <a:schemeClr val="tx1"/>
+                </a:solidFill>
+                <a:latin typeface="+mn-lt"/>
+                <a:ea typeface="+mn-ea"/>
+                <a:cs typeface="+mn-cs"/>
+              </a:defRPr>
+            </a:lvl6pPr>
+            <a:lvl7pPr marL="2971693" indent="-228592" algn="l" defTabSz="914367" rtl="0" eaLnBrk="1" latinLnBrk="0" hangingPunct="1">
+              <a:spcBef>
+                <a:spcPct val="20000"/>
+              </a:spcBef>
+              <a:buFont typeface="Arial" pitchFamily="34" charset="0"/>
+              <a:buChar char="•"/>
+              <a:defRPr sz="1961" kern="1200">
+                <a:solidFill>
+                  <a:schemeClr val="tx1"/>
+                </a:solidFill>
+                <a:latin typeface="+mn-lt"/>
+                <a:ea typeface="+mn-ea"/>
+                <a:cs typeface="+mn-cs"/>
+              </a:defRPr>
+            </a:lvl7pPr>
+            <a:lvl8pPr marL="3428877" indent="-228592" algn="l" defTabSz="914367" rtl="0" eaLnBrk="1" latinLnBrk="0" hangingPunct="1">
+              <a:spcBef>
+                <a:spcPct val="20000"/>
+              </a:spcBef>
+              <a:buFont typeface="Arial" pitchFamily="34" charset="0"/>
+              <a:buChar char="•"/>
+              <a:defRPr sz="1961" kern="1200">
+                <a:solidFill>
+                  <a:schemeClr val="tx1"/>
+                </a:solidFill>
+                <a:latin typeface="+mn-lt"/>
+                <a:ea typeface="+mn-ea"/>
+                <a:cs typeface="+mn-cs"/>
+              </a:defRPr>
+            </a:lvl8pPr>
+            <a:lvl9pPr marL="3886061" indent="-228592" algn="l" defTabSz="914367" rtl="0" eaLnBrk="1" latinLnBrk="0" hangingPunct="1">
+              <a:spcBef>
+                <a:spcPct val="20000"/>
+              </a:spcBef>
+              <a:buFont typeface="Arial" pitchFamily="34" charset="0"/>
+              <a:buChar char="•"/>
+              <a:defRPr sz="1961" kern="1200">
+                <a:solidFill>
+                  <a:schemeClr val="tx1"/>
+                </a:solidFill>
+                <a:latin typeface="+mn-lt"/>
+                <a:ea typeface="+mn-ea"/>
+                <a:cs typeface="+mn-cs"/>
+              </a:defRPr>
+            </a:lvl9pPr>
+          </a:lstStyle>
+          <a:p>
+            <a:r>
+              <a:rPr lang="en-US" dirty="0"/>
+              <a:t>If Task is complete, continues synchronously.</a:t>
+            </a:r>
+          </a:p>
+          <a:p>
+            <a:r>
+              <a:rPr lang="en-US" dirty="0"/>
+              <a:t>If Task is not complete, continues asynchronously:</a:t>
+            </a:r>
+          </a:p>
+          <a:p>
+            <a:pPr marL="796926" lvl="1" indent="-457200">
+              <a:buFont typeface="Arial" panose="020B0604020202020204" pitchFamily="34" charset="0"/>
+              <a:buChar char="•"/>
+            </a:pPr>
+            <a:r>
+              <a:rPr lang="en-US" i="1" dirty="0"/>
+              <a:t>Pauses</a:t>
+            </a:r>
+            <a:r>
+              <a:rPr lang="en-US" dirty="0"/>
+              <a:t> the method and registers it with the task.</a:t>
+            </a:r>
+          </a:p>
+          <a:p>
+            <a:pPr marL="796926" lvl="1" indent="-457200">
+              <a:buFont typeface="Arial" panose="020B0604020202020204" pitchFamily="34" charset="0"/>
+              <a:buChar char="•"/>
+            </a:pPr>
+            <a:r>
+              <a:rPr lang="en-US" dirty="0"/>
+              <a:t>Then </a:t>
+            </a:r>
+            <a:r>
+              <a:rPr lang="en-US" i="1" dirty="0"/>
+              <a:t>returns</a:t>
+            </a:r>
+            <a:r>
+              <a:rPr lang="en-US" dirty="0"/>
+              <a:t>.</a:t>
+            </a:r>
+          </a:p>
+        </p:txBody>
+      </p:sp>
+    </p:spTree>
+    <p:extLst>
+      <p:ext uri="{BB962C8B-B14F-4D97-AF65-F5344CB8AC3E}">
+        <p14:creationId xmlns:p14="http://schemas.microsoft.com/office/powerpoint/2010/main" val="3951757137"/>
+      </p:ext>
+    </p:extLst>
+  </p:cSld>
+  <p:clrMapOvr>
+    <a:masterClrMapping/>
+  </p:clrMapOvr>
+  <p:transition>
+    <p:fade/>
+  </p:transition>
+</p:sld>
+</file>
+
+<file path=ppt/slides/slide11.xml><?xml version="1.0" encoding="utf-8"?>
+<p:sld xmlns:a="http://schemas.openxmlformats.org/drawingml/2006/main" xmlns:r="http://schemas.openxmlformats.org/officeDocument/2006/relationships" xmlns:p="http://schemas.openxmlformats.org/presentationml/2006/main" show="0">
+  <p:cSld>
+    <p:spTree>
+      <p:nvGrpSpPr>
+        <p:cNvPr id="1" name=""/>
+        <p:cNvGrpSpPr/>
+        <p:nvPr/>
+      </p:nvGrpSpPr>
+      <p:grpSpPr>
+        <a:xfrm>
+          <a:off x="0" y="0"/>
+          <a:ext cx="0" cy="0"/>
+          <a:chOff x="0" y="0"/>
+          <a:chExt cx="0" cy="0"/>
+        </a:xfrm>
+      </p:grpSpPr>
+      <p:sp>
+        <p:nvSpPr>
+          <p:cNvPr id="2" name="Title 1"/>
+          <p:cNvSpPr>
+            <a:spLocks noGrp="1"/>
+          </p:cNvSpPr>
+          <p:nvPr>
+            <p:ph type="title"/>
+          </p:nvPr>
+        </p:nvSpPr>
+        <p:spPr/>
+        <p:txBody>
+          <a:bodyPr/>
+          <a:lstStyle/>
+          <a:p>
+            <a:r>
+              <a:rPr lang="en-US" dirty="0"/>
+              <a:t>Await keyword: resuming execution</a:t>
+            </a:r>
+          </a:p>
+        </p:txBody>
+      </p:sp>
+      <p:sp>
+        <p:nvSpPr>
+          <p:cNvPr id="3" name="Text Placeholder 2"/>
+          <p:cNvSpPr>
+            <a:spLocks noGrp="1"/>
+          </p:cNvSpPr>
+          <p:nvPr>
+            <p:ph type="body" sz="quarter" idx="10"/>
+          </p:nvPr>
+        </p:nvSpPr>
+        <p:spPr>
+          <a:xfrm>
+            <a:off x="269239" y="1197324"/>
+            <a:ext cx="11653523" cy="2468368"/>
+          </a:xfrm>
+        </p:spPr>
+        <p:txBody>
+          <a:bodyPr/>
+          <a:lstStyle/>
+          <a:p>
+            <a:r>
+              <a:rPr lang="en-US" sz="2800" dirty="0">
+                <a:latin typeface="Consolas" panose="020B0609020204030204" pitchFamily="49" charset="0"/>
+              </a:rPr>
+              <a:t>async Task </a:t>
+            </a:r>
+            <a:r>
+              <a:rPr lang="en-US" sz="2800" dirty="0" err="1">
+                <a:latin typeface="Consolas" panose="020B0609020204030204" pitchFamily="49" charset="0"/>
+              </a:rPr>
+              <a:t>DoNothingAsync</a:t>
+            </a:r>
+            <a:r>
+              <a:rPr lang="en-US" sz="2800" dirty="0">
+                <a:latin typeface="Consolas" panose="020B0609020204030204" pitchFamily="49" charset="0"/>
+              </a:rPr>
+              <a:t>()</a:t>
+            </a:r>
+          </a:p>
+          <a:p>
+            <a:r>
+              <a:rPr lang="en-US" sz="2800" dirty="0">
+                <a:latin typeface="Consolas" panose="020B0609020204030204" pitchFamily="49" charset="0"/>
+              </a:rPr>
+              <a:t>{</a:t>
+            </a:r>
+          </a:p>
+          <a:p>
+            <a:r>
+              <a:rPr lang="en-US" sz="2800" dirty="0">
+                <a:latin typeface="Consolas" panose="020B0609020204030204" pitchFamily="49" charset="0"/>
+              </a:rPr>
+              <a:t>  // In the Real World, we would actually do something...</a:t>
+            </a:r>
+          </a:p>
+          <a:p>
+            <a:r>
+              <a:rPr lang="en-US" sz="2800" dirty="0">
+                <a:latin typeface="Consolas" panose="020B0609020204030204" pitchFamily="49" charset="0"/>
+              </a:rPr>
+              <a:t>  </a:t>
+            </a:r>
+            <a:r>
+              <a:rPr lang="en-US" sz="2800" dirty="0">
+                <a:highlight>
+                  <a:srgbClr val="FFFF00"/>
+                </a:highlight>
+                <a:latin typeface="Consolas" panose="020B0609020204030204" pitchFamily="49" charset="0"/>
+              </a:rPr>
+              <a:t>await</a:t>
+            </a:r>
+            <a:r>
+              <a:rPr lang="en-US" sz="2800" dirty="0">
+                <a:latin typeface="Consolas" panose="020B0609020204030204" pitchFamily="49" charset="0"/>
+              </a:rPr>
+              <a:t> </a:t>
+            </a:r>
+            <a:r>
+              <a:rPr lang="en-US" sz="2800" dirty="0" err="1">
+                <a:latin typeface="Consolas" panose="020B0609020204030204" pitchFamily="49" charset="0"/>
+              </a:rPr>
+              <a:t>Task.Delay</a:t>
+            </a:r>
+            <a:r>
+              <a:rPr lang="en-US" sz="2800" dirty="0">
+                <a:latin typeface="Consolas" panose="020B0609020204030204" pitchFamily="49" charset="0"/>
+              </a:rPr>
+              <a:t>(100);</a:t>
+            </a:r>
+          </a:p>
+          <a:p>
+            <a:r>
+              <a:rPr lang="en-US" sz="2800" dirty="0">
+                <a:latin typeface="Consolas" panose="020B0609020204030204" pitchFamily="49" charset="0"/>
+              </a:rPr>
+              <a:t>}</a:t>
+            </a:r>
+          </a:p>
+        </p:txBody>
+      </p:sp>
+      <p:sp>
+        <p:nvSpPr>
+          <p:cNvPr id="6" name="Text Placeholder 2"/>
+          <p:cNvSpPr txBox="1">
+            <a:spLocks/>
+          </p:cNvSpPr>
+          <p:nvPr/>
+        </p:nvSpPr>
+        <p:spPr>
+          <a:xfrm>
+            <a:off x="269239" y="3665690"/>
+            <a:ext cx="11653522" cy="1728037"/>
+          </a:xfrm>
+          <a:prstGeom prst="rect">
+            <a:avLst/>
+          </a:prstGeom>
+        </p:spPr>
+        <p:txBody>
+          <a:bodyPr vert="horz" wrap="square" lIns="146304" tIns="91440" rIns="146304" bIns="91440" rtlCol="0">
+            <a:spAutoFit/>
+          </a:bodyPr>
+          <a:lstStyle>
+            <a:lvl1pPr marL="0" marR="0" indent="0" algn="l" defTabSz="914367" rtl="0" eaLnBrk="1" fontAlgn="auto" latinLnBrk="0" hangingPunct="1">
+              <a:lnSpc>
+                <a:spcPct val="90000"/>
+              </a:lnSpc>
+              <a:spcBef>
+                <a:spcPct val="20000"/>
+              </a:spcBef>
+              <a:spcAft>
+                <a:spcPts val="0"/>
+              </a:spcAft>
+              <a:buClrTx/>
+              <a:buSzPct val="90000"/>
+              <a:buFont typeface="Arial" pitchFamily="34" charset="0"/>
+              <a:buNone/>
+              <a:tabLst/>
+              <a:defRPr sz="3235" kern="1200" spc="0" baseline="0">
+                <a:gradFill>
+                  <a:gsLst>
+                    <a:gs pos="1250">
+                      <a:srgbClr val="000000"/>
+                    </a:gs>
+                    <a:gs pos="100000">
+                      <a:srgbClr val="000000"/>
+                    </a:gs>
+                  </a:gsLst>
+                  <a:lin ang="5400000" scaled="0"/>
+                </a:gradFill>
+                <a:latin typeface="Segoe UI" pitchFamily="34" charset="0"/>
+                <a:ea typeface="+mn-ea"/>
+                <a:cs typeface="Segoe UI" pitchFamily="34" charset="0"/>
+              </a:defRPr>
+            </a:lvl1pPr>
+            <a:lvl2pPr marL="339726" marR="0" indent="0" algn="l" defTabSz="914367" rtl="0" eaLnBrk="1" fontAlgn="auto" latinLnBrk="0" hangingPunct="1">
+              <a:lnSpc>
+                <a:spcPct val="90000"/>
+              </a:lnSpc>
+              <a:spcBef>
+                <a:spcPct val="20000"/>
+              </a:spcBef>
+              <a:spcAft>
+                <a:spcPts val="0"/>
+              </a:spcAft>
+              <a:buClrTx/>
+              <a:buSzPct val="90000"/>
+              <a:buFont typeface="Arial" pitchFamily="34" charset="0"/>
+              <a:buNone/>
+              <a:tabLst/>
+              <a:defRPr sz="2353" kern="1200" spc="0" baseline="0">
+                <a:gradFill>
+                  <a:gsLst>
+                    <a:gs pos="1250">
+                      <a:srgbClr val="000000"/>
+                    </a:gs>
+                    <a:gs pos="100000">
+                      <a:srgbClr val="000000"/>
+                    </a:gs>
+                  </a:gsLst>
+                  <a:lin ang="5400000" scaled="0"/>
+                </a:gradFill>
+                <a:latin typeface="Segoe UI" pitchFamily="34" charset="0"/>
+                <a:ea typeface="+mn-ea"/>
+                <a:cs typeface="Segoe UI" pitchFamily="34" charset="0"/>
+              </a:defRPr>
+            </a:lvl2pPr>
+            <a:lvl3pPr marL="573090" marR="0" indent="0" algn="l" defTabSz="914367" rtl="0" eaLnBrk="1" fontAlgn="auto" latinLnBrk="0" hangingPunct="1">
+              <a:lnSpc>
+                <a:spcPct val="90000"/>
+              </a:lnSpc>
+              <a:spcBef>
+                <a:spcPct val="20000"/>
+              </a:spcBef>
+              <a:spcAft>
+                <a:spcPts val="0"/>
+              </a:spcAft>
+              <a:buClrTx/>
+              <a:buSzPct val="90000"/>
+              <a:buFont typeface="Arial" pitchFamily="34" charset="0"/>
+              <a:buNone/>
+              <a:tabLst/>
+              <a:defRPr sz="1961" kern="1200" spc="0" baseline="0">
+                <a:gradFill>
+                  <a:gsLst>
+                    <a:gs pos="1250">
+                      <a:srgbClr val="000000"/>
+                    </a:gs>
+                    <a:gs pos="100000">
+                      <a:srgbClr val="000000"/>
+                    </a:gs>
+                  </a:gsLst>
+                  <a:lin ang="5400000" scaled="0"/>
+                </a:gradFill>
+                <a:latin typeface="Segoe UI" pitchFamily="34" charset="0"/>
+                <a:ea typeface="+mn-ea"/>
+                <a:cs typeface="Segoe UI" pitchFamily="34" charset="0"/>
+              </a:defRPr>
+            </a:lvl3pPr>
+            <a:lvl4pPr marL="798516" marR="0" indent="0" algn="l" defTabSz="914367" rtl="0" eaLnBrk="1" fontAlgn="auto" latinLnBrk="0" hangingPunct="1">
+              <a:lnSpc>
+                <a:spcPct val="90000"/>
+              </a:lnSpc>
+              <a:spcBef>
+                <a:spcPct val="20000"/>
+              </a:spcBef>
+              <a:spcAft>
+                <a:spcPts val="0"/>
+              </a:spcAft>
+              <a:buClrTx/>
+              <a:buSzPct val="90000"/>
+              <a:buFont typeface="Arial" pitchFamily="34" charset="0"/>
+              <a:buNone/>
+              <a:tabLst/>
+              <a:defRPr sz="1765" kern="1200" spc="0" baseline="0">
+                <a:gradFill>
+                  <a:gsLst>
+                    <a:gs pos="1250">
+                      <a:srgbClr val="000000"/>
+                    </a:gs>
+                    <a:gs pos="100000">
+                      <a:srgbClr val="000000"/>
+                    </a:gs>
+                  </a:gsLst>
+                  <a:lin ang="5400000" scaled="0"/>
+                </a:gradFill>
+                <a:latin typeface="Segoe UI" pitchFamily="34" charset="0"/>
+                <a:ea typeface="+mn-ea"/>
+                <a:cs typeface="Segoe UI" pitchFamily="34" charset="0"/>
+              </a:defRPr>
+            </a:lvl4pPr>
+            <a:lvl5pPr marL="1030292" marR="0" indent="0" algn="l" defTabSz="914367" rtl="0" eaLnBrk="1" fontAlgn="auto" latinLnBrk="0" hangingPunct="1">
+              <a:lnSpc>
+                <a:spcPct val="90000"/>
+              </a:lnSpc>
+              <a:spcBef>
+                <a:spcPct val="20000"/>
+              </a:spcBef>
+              <a:spcAft>
+                <a:spcPts val="0"/>
+              </a:spcAft>
+              <a:buClrTx/>
+              <a:buSzPct val="90000"/>
+              <a:buFont typeface="Arial" pitchFamily="34" charset="0"/>
+              <a:buNone/>
+              <a:tabLst/>
+              <a:defRPr sz="1765" kern="1200" spc="0" baseline="0">
+                <a:gradFill>
+                  <a:gsLst>
+                    <a:gs pos="1250">
+                      <a:srgbClr val="000000"/>
+                    </a:gs>
+                    <a:gs pos="100000">
+                      <a:srgbClr val="000000"/>
+                    </a:gs>
+                  </a:gsLst>
+                  <a:lin ang="5400000" scaled="0"/>
+                </a:gradFill>
+                <a:latin typeface="Segoe UI" pitchFamily="34" charset="0"/>
+                <a:ea typeface="+mn-ea"/>
+                <a:cs typeface="Segoe UI" pitchFamily="34" charset="0"/>
+              </a:defRPr>
+            </a:lvl5pPr>
+            <a:lvl6pPr marL="2514509" indent="-228592" algn="l" defTabSz="914367" rtl="0" eaLnBrk="1" latinLnBrk="0" hangingPunct="1">
+              <a:spcBef>
+                <a:spcPct val="20000"/>
+              </a:spcBef>
+              <a:buFont typeface="Arial" pitchFamily="34" charset="0"/>
+              <a:buChar char="•"/>
+              <a:defRPr sz="1961" kern="1200">
+                <a:solidFill>
+                  <a:schemeClr val="tx1"/>
+                </a:solidFill>
+                <a:latin typeface="+mn-lt"/>
+                <a:ea typeface="+mn-ea"/>
+                <a:cs typeface="+mn-cs"/>
+              </a:defRPr>
+            </a:lvl6pPr>
+            <a:lvl7pPr marL="2971693" indent="-228592" algn="l" defTabSz="914367" rtl="0" eaLnBrk="1" latinLnBrk="0" hangingPunct="1">
+              <a:spcBef>
+                <a:spcPct val="20000"/>
+              </a:spcBef>
+              <a:buFont typeface="Arial" pitchFamily="34" charset="0"/>
+              <a:buChar char="•"/>
+              <a:defRPr sz="1961" kern="1200">
+                <a:solidFill>
+                  <a:schemeClr val="tx1"/>
+                </a:solidFill>
+                <a:latin typeface="+mn-lt"/>
+                <a:ea typeface="+mn-ea"/>
+                <a:cs typeface="+mn-cs"/>
+              </a:defRPr>
+            </a:lvl7pPr>
+            <a:lvl8pPr marL="3428877" indent="-228592" algn="l" defTabSz="914367" rtl="0" eaLnBrk="1" latinLnBrk="0" hangingPunct="1">
+              <a:spcBef>
+                <a:spcPct val="20000"/>
+              </a:spcBef>
+              <a:buFont typeface="Arial" pitchFamily="34" charset="0"/>
+              <a:buChar char="•"/>
+              <a:defRPr sz="1961" kern="1200">
+                <a:solidFill>
+                  <a:schemeClr val="tx1"/>
+                </a:solidFill>
+                <a:latin typeface="+mn-lt"/>
+                <a:ea typeface="+mn-ea"/>
+                <a:cs typeface="+mn-cs"/>
+              </a:defRPr>
+            </a:lvl8pPr>
+            <a:lvl9pPr marL="3886061" indent="-228592" algn="l" defTabSz="914367" rtl="0" eaLnBrk="1" latinLnBrk="0" hangingPunct="1">
+              <a:spcBef>
+                <a:spcPct val="20000"/>
+              </a:spcBef>
+              <a:buFont typeface="Arial" pitchFamily="34" charset="0"/>
+              <a:buChar char="•"/>
+              <a:defRPr sz="1961" kern="1200">
+                <a:solidFill>
+                  <a:schemeClr val="tx1"/>
+                </a:solidFill>
+                <a:latin typeface="+mn-lt"/>
+                <a:ea typeface="+mn-ea"/>
+                <a:cs typeface="+mn-cs"/>
+              </a:defRPr>
+            </a:lvl9pPr>
+          </a:lstStyle>
+          <a:p>
+            <a:r>
+              <a:rPr lang="en-US" dirty="0"/>
+              <a:t>Pausing and Resuming (when awaiting tasks)</a:t>
+            </a:r>
+          </a:p>
+          <a:p>
+            <a:pPr marL="457200" indent="-457200">
+              <a:buFont typeface="Arial" panose="020B0604020202020204" pitchFamily="34" charset="0"/>
+              <a:buChar char="•"/>
+            </a:pPr>
+            <a:r>
+              <a:rPr lang="en-US" dirty="0"/>
+              <a:t>Uses the state machine to resume at the right place.</a:t>
+            </a:r>
+          </a:p>
+          <a:p>
+            <a:pPr marL="457200" indent="-457200">
+              <a:buFont typeface="Arial" panose="020B0604020202020204" pitchFamily="34" charset="0"/>
+              <a:buChar char="•"/>
+            </a:pPr>
+            <a:r>
+              <a:rPr lang="en-US" dirty="0"/>
+              <a:t>Where to resume? UI, thread pool, etc.</a:t>
+            </a:r>
+          </a:p>
+        </p:txBody>
+      </p:sp>
+    </p:spTree>
+    <p:extLst>
+      <p:ext uri="{BB962C8B-B14F-4D97-AF65-F5344CB8AC3E}">
+        <p14:creationId xmlns:p14="http://schemas.microsoft.com/office/powerpoint/2010/main" val="3442509159"/>
+      </p:ext>
+    </p:extLst>
+  </p:cSld>
+  <p:clrMapOvr>
+    <a:masterClrMapping/>
+  </p:clrMapOvr>
+  <p:transition>
+    <p:fade/>
+  </p:transition>
+</p:sld>
+</file>
+
+<file path=ppt/slides/slide12.xml><?xml version="1.0" encoding="utf-8"?>
 <p:sld xmlns:a="http://schemas.openxmlformats.org/drawingml/2006/main" xmlns:r="http://schemas.openxmlformats.org/officeDocument/2006/relationships" xmlns:p="http://schemas.openxmlformats.org/presentationml/2006/main">
   <p:cSld>
     <p:spTree>
@@ -7721,7 +8888,7 @@
 </p:sld>
 </file>
 
-<file path=ppt/slides/slide11.xml><?xml version="1.0" encoding="utf-8"?>
+<file path=ppt/slides/slide13.xml><?xml version="1.0" encoding="utf-8"?>
 <p:sld xmlns:a="http://schemas.openxmlformats.org/drawingml/2006/main" xmlns:r="http://schemas.openxmlformats.org/officeDocument/2006/relationships" xmlns:p="http://schemas.openxmlformats.org/presentationml/2006/main">
   <p:cSld>
     <p:spTree>
@@ -7897,7 +9064,7 @@
 </p:sld>
 </file>
 
-<file path=ppt/slides/slide12.xml><?xml version="1.0" encoding="utf-8"?>
+<file path=ppt/slides/slide14.xml><?xml version="1.0" encoding="utf-8"?>
 <p:sld xmlns:a="http://schemas.openxmlformats.org/drawingml/2006/main" xmlns:r="http://schemas.openxmlformats.org/officeDocument/2006/relationships" xmlns:p="http://schemas.openxmlformats.org/presentationml/2006/main">
   <p:cSld>
     <p:spTree>
@@ -8206,219 +9373,6 @@
 </p:sld>
 </file>
 
-<file path=ppt/slides/slide13.xml><?xml version="1.0" encoding="utf-8"?>
-<p:sld xmlns:a="http://schemas.openxmlformats.org/drawingml/2006/main" xmlns:r="http://schemas.openxmlformats.org/officeDocument/2006/relationships" xmlns:p="http://schemas.openxmlformats.org/presentationml/2006/main">
-  <p:cSld>
-    <p:spTree>
-      <p:nvGrpSpPr>
-        <p:cNvPr id="1" name=""/>
-        <p:cNvGrpSpPr/>
-        <p:nvPr/>
-      </p:nvGrpSpPr>
-      <p:grpSpPr>
-        <a:xfrm>
-          <a:off x="0" y="0"/>
-          <a:ext cx="0" cy="0"/>
-          <a:chOff x="0" y="0"/>
-          <a:chExt cx="0" cy="0"/>
-        </a:xfrm>
-      </p:grpSpPr>
-      <p:sp>
-        <p:nvSpPr>
-          <p:cNvPr id="2" name="Title 1"/>
-          <p:cNvSpPr>
-            <a:spLocks noGrp="1"/>
-          </p:cNvSpPr>
-          <p:nvPr>
-            <p:ph type="title"/>
-          </p:nvPr>
-        </p:nvSpPr>
-        <p:spPr/>
-        <p:txBody>
-          <a:bodyPr/>
-          <a:lstStyle/>
-          <a:p>
-            <a:r>
-              <a:rPr lang="en-US" dirty="0"/>
-              <a:t>Three Conceptual Models </a:t>
-            </a:r>
-            <a:r>
-              <a:rPr lang="en-US" sz="5400" dirty="0"/>
-              <a:t>that won’t mislead you</a:t>
-            </a:r>
-          </a:p>
-        </p:txBody>
-      </p:sp>
-    </p:spTree>
-    <p:extLst>
-      <p:ext uri="{BB962C8B-B14F-4D97-AF65-F5344CB8AC3E}">
-        <p14:creationId xmlns:p14="http://schemas.microsoft.com/office/powerpoint/2010/main" val="1032497153"/>
-      </p:ext>
-    </p:extLst>
-  </p:cSld>
-  <p:clrMapOvr>
-    <a:masterClrMapping/>
-  </p:clrMapOvr>
-  <p:transition>
-    <p:fade/>
-  </p:transition>
-</p:sld>
-</file>
-
-<file path=ppt/slides/slide14.xml><?xml version="1.0" encoding="utf-8"?>
-<p:sld xmlns:a="http://schemas.openxmlformats.org/drawingml/2006/main" xmlns:r="http://schemas.openxmlformats.org/officeDocument/2006/relationships" xmlns:p="http://schemas.openxmlformats.org/presentationml/2006/main">
-  <p:cSld>
-    <p:spTree>
-      <p:nvGrpSpPr>
-        <p:cNvPr id="1" name=""/>
-        <p:cNvGrpSpPr/>
-        <p:nvPr/>
-      </p:nvGrpSpPr>
-      <p:grpSpPr>
-        <a:xfrm>
-          <a:off x="0" y="0"/>
-          <a:ext cx="0" cy="0"/>
-          <a:chOff x="0" y="0"/>
-          <a:chExt cx="0" cy="0"/>
-        </a:xfrm>
-      </p:grpSpPr>
-      <p:sp>
-        <p:nvSpPr>
-          <p:cNvPr id="3" name="Title 2">
-            <a:extLst>
-              <a:ext uri="{FF2B5EF4-FFF2-40B4-BE49-F238E27FC236}">
-                <a16:creationId xmlns:a16="http://schemas.microsoft.com/office/drawing/2014/main" id="{CC542669-C8BE-DA40-EC5C-BB6807CD4A80}"/>
-              </a:ext>
-            </a:extLst>
-          </p:cNvPr>
-          <p:cNvSpPr>
-            <a:spLocks noGrp="1"/>
-          </p:cNvSpPr>
-          <p:nvPr>
-            <p:ph type="title"/>
-          </p:nvPr>
-        </p:nvSpPr>
-        <p:spPr/>
-        <p:txBody>
-          <a:bodyPr/>
-          <a:lstStyle/>
-          <a:p>
-            <a:r>
-              <a:rPr lang="en-US" dirty="0"/>
-              <a:t>Conceptualizing Async: Task is the method</a:t>
-            </a:r>
-          </a:p>
-        </p:txBody>
-      </p:sp>
-      <p:sp>
-        <p:nvSpPr>
-          <p:cNvPr id="4" name="Text Placeholder 3">
-            <a:extLst>
-              <a:ext uri="{FF2B5EF4-FFF2-40B4-BE49-F238E27FC236}">
-                <a16:creationId xmlns:a16="http://schemas.microsoft.com/office/drawing/2014/main" id="{A68FA461-30C2-059C-FC54-75834E00C120}"/>
-              </a:ext>
-            </a:extLst>
-          </p:cNvPr>
-          <p:cNvSpPr>
-            <a:spLocks noGrp="1"/>
-          </p:cNvSpPr>
-          <p:nvPr>
-            <p:ph type="body" sz="quarter" idx="10"/>
-          </p:nvPr>
-        </p:nvSpPr>
-        <p:spPr>
-          <a:xfrm>
-            <a:off x="269239" y="1197324"/>
-            <a:ext cx="11653523" cy="4018088"/>
-          </a:xfrm>
-        </p:spPr>
-        <p:txBody>
-          <a:bodyPr/>
-          <a:lstStyle/>
-          <a:p>
-            <a:r>
-              <a:rPr lang="en-US" dirty="0"/>
-              <a:t>“await”: “asynchronous wait”</a:t>
-            </a:r>
-          </a:p>
-          <a:p>
-            <a:endParaRPr lang="en-US" dirty="0"/>
-          </a:p>
-          <a:p>
-            <a:r>
-              <a:rPr lang="en-US" dirty="0">
-                <a:latin typeface="Consolas" panose="020B0609020204030204" pitchFamily="49" charset="0"/>
-              </a:rPr>
-              <a:t>Task</a:t>
-            </a:r>
-            <a:r>
-              <a:rPr lang="en-US" dirty="0"/>
-              <a:t> represents the method’s execution.</a:t>
-            </a:r>
-          </a:p>
-          <a:p>
-            <a:pPr marL="796926" lvl="1" indent="-457200">
-              <a:buFontTx/>
-              <a:buChar char="-"/>
-            </a:pPr>
-            <a:r>
-              <a:rPr lang="en-US" dirty="0"/>
-              <a:t>Completion</a:t>
-            </a:r>
-          </a:p>
-          <a:p>
-            <a:pPr marL="796926" lvl="1" indent="-457200">
-              <a:buFontTx/>
-              <a:buChar char="-"/>
-            </a:pPr>
-            <a:r>
-              <a:rPr lang="en-US" dirty="0"/>
-              <a:t>Results</a:t>
-            </a:r>
-          </a:p>
-          <a:p>
-            <a:pPr marL="796926" lvl="1" indent="-457200">
-              <a:buFontTx/>
-              <a:buChar char="-"/>
-            </a:pPr>
-            <a:r>
-              <a:rPr lang="en-US" dirty="0"/>
-              <a:t>Exceptions</a:t>
-            </a:r>
-          </a:p>
-          <a:p>
-            <a:endParaRPr lang="en-US" dirty="0"/>
-          </a:p>
-          <a:p>
-            <a:r>
-              <a:rPr lang="en-US" dirty="0">
-                <a:latin typeface="Consolas" panose="020B0609020204030204" pitchFamily="49" charset="0"/>
-              </a:rPr>
-              <a:t>await</a:t>
-            </a:r>
-            <a:r>
-              <a:rPr lang="en-US" dirty="0"/>
-              <a:t> pauses the method’s execution.</a:t>
-            </a:r>
-          </a:p>
-        </p:txBody>
-      </p:sp>
-    </p:spTree>
-    <p:extLst>
-      <p:ext uri="{BB962C8B-B14F-4D97-AF65-F5344CB8AC3E}">
-        <p14:creationId xmlns:p14="http://schemas.microsoft.com/office/powerpoint/2010/main" val="3565758165"/>
-      </p:ext>
-    </p:extLst>
-  </p:cSld>
-  <p:clrMapOvr>
-    <a:masterClrMapping/>
-  </p:clrMapOvr>
-  <p:transition>
-    <p:fade/>
-  </p:transition>
-</p:sld>
-</file>
-
 <file path=ppt/slides/slide15.xml><?xml version="1.0" encoding="utf-8"?>
 <p:sld xmlns:a="http://schemas.openxmlformats.org/drawingml/2006/main" xmlns:r="http://schemas.openxmlformats.org/officeDocument/2006/relationships" xmlns:p="http://schemas.openxmlformats.org/presentationml/2006/main">
   <p:cSld>
@@ -8438,6 +9392,219 @@
       </p:grpSpPr>
       <p:sp>
         <p:nvSpPr>
+          <p:cNvPr id="2" name="Title 1"/>
+          <p:cNvSpPr>
+            <a:spLocks noGrp="1"/>
+          </p:cNvSpPr>
+          <p:nvPr>
+            <p:ph type="title"/>
+          </p:nvPr>
+        </p:nvSpPr>
+        <p:spPr/>
+        <p:txBody>
+          <a:bodyPr/>
+          <a:lstStyle/>
+          <a:p>
+            <a:r>
+              <a:rPr lang="en-US" dirty="0"/>
+              <a:t>Three Conceptual Models </a:t>
+            </a:r>
+            <a:r>
+              <a:rPr lang="en-US" sz="5400" dirty="0"/>
+              <a:t>that won’t mislead you</a:t>
+            </a:r>
+          </a:p>
+        </p:txBody>
+      </p:sp>
+    </p:spTree>
+    <p:extLst>
+      <p:ext uri="{BB962C8B-B14F-4D97-AF65-F5344CB8AC3E}">
+        <p14:creationId xmlns:p14="http://schemas.microsoft.com/office/powerpoint/2010/main" val="1032497153"/>
+      </p:ext>
+    </p:extLst>
+  </p:cSld>
+  <p:clrMapOvr>
+    <a:masterClrMapping/>
+  </p:clrMapOvr>
+  <p:transition>
+    <p:fade/>
+  </p:transition>
+</p:sld>
+</file>
+
+<file path=ppt/slides/slide16.xml><?xml version="1.0" encoding="utf-8"?>
+<p:sld xmlns:a="http://schemas.openxmlformats.org/drawingml/2006/main" xmlns:r="http://schemas.openxmlformats.org/officeDocument/2006/relationships" xmlns:p="http://schemas.openxmlformats.org/presentationml/2006/main">
+  <p:cSld>
+    <p:spTree>
+      <p:nvGrpSpPr>
+        <p:cNvPr id="1" name=""/>
+        <p:cNvGrpSpPr/>
+        <p:nvPr/>
+      </p:nvGrpSpPr>
+      <p:grpSpPr>
+        <a:xfrm>
+          <a:off x="0" y="0"/>
+          <a:ext cx="0" cy="0"/>
+          <a:chOff x="0" y="0"/>
+          <a:chExt cx="0" cy="0"/>
+        </a:xfrm>
+      </p:grpSpPr>
+      <p:sp>
+        <p:nvSpPr>
+          <p:cNvPr id="3" name="Title 2">
+            <a:extLst>
+              <a:ext uri="{FF2B5EF4-FFF2-40B4-BE49-F238E27FC236}">
+                <a16:creationId xmlns:a16="http://schemas.microsoft.com/office/drawing/2014/main" id="{CC542669-C8BE-DA40-EC5C-BB6807CD4A80}"/>
+              </a:ext>
+            </a:extLst>
+          </p:cNvPr>
+          <p:cNvSpPr>
+            <a:spLocks noGrp="1"/>
+          </p:cNvSpPr>
+          <p:nvPr>
+            <p:ph type="title"/>
+          </p:nvPr>
+        </p:nvSpPr>
+        <p:spPr/>
+        <p:txBody>
+          <a:bodyPr/>
+          <a:lstStyle/>
+          <a:p>
+            <a:r>
+              <a:rPr lang="en-US" dirty="0"/>
+              <a:t>Conceptualizing Async: Task is the method</a:t>
+            </a:r>
+          </a:p>
+        </p:txBody>
+      </p:sp>
+      <p:sp>
+        <p:nvSpPr>
+          <p:cNvPr id="4" name="Text Placeholder 3">
+            <a:extLst>
+              <a:ext uri="{FF2B5EF4-FFF2-40B4-BE49-F238E27FC236}">
+                <a16:creationId xmlns:a16="http://schemas.microsoft.com/office/drawing/2014/main" id="{A68FA461-30C2-059C-FC54-75834E00C120}"/>
+              </a:ext>
+            </a:extLst>
+          </p:cNvPr>
+          <p:cNvSpPr>
+            <a:spLocks noGrp="1"/>
+          </p:cNvSpPr>
+          <p:nvPr>
+            <p:ph type="body" sz="quarter" idx="10"/>
+          </p:nvPr>
+        </p:nvSpPr>
+        <p:spPr>
+          <a:xfrm>
+            <a:off x="269239" y="1197324"/>
+            <a:ext cx="11653523" cy="4018088"/>
+          </a:xfrm>
+        </p:spPr>
+        <p:txBody>
+          <a:bodyPr/>
+          <a:lstStyle/>
+          <a:p>
+            <a:r>
+              <a:rPr lang="en-US" dirty="0"/>
+              <a:t>“await”: “asynchronous wait”</a:t>
+            </a:r>
+          </a:p>
+          <a:p>
+            <a:endParaRPr lang="en-US" dirty="0"/>
+          </a:p>
+          <a:p>
+            <a:r>
+              <a:rPr lang="en-US" dirty="0">
+                <a:latin typeface="Consolas" panose="020B0609020204030204" pitchFamily="49" charset="0"/>
+              </a:rPr>
+              <a:t>Task</a:t>
+            </a:r>
+            <a:r>
+              <a:rPr lang="en-US" dirty="0"/>
+              <a:t> represents the method’s execution.</a:t>
+            </a:r>
+          </a:p>
+          <a:p>
+            <a:pPr marL="796926" lvl="1" indent="-457200">
+              <a:buFontTx/>
+              <a:buChar char="-"/>
+            </a:pPr>
+            <a:r>
+              <a:rPr lang="en-US" dirty="0"/>
+              <a:t>Completion</a:t>
+            </a:r>
+          </a:p>
+          <a:p>
+            <a:pPr marL="796926" lvl="1" indent="-457200">
+              <a:buFontTx/>
+              <a:buChar char="-"/>
+            </a:pPr>
+            <a:r>
+              <a:rPr lang="en-US" dirty="0"/>
+              <a:t>Results</a:t>
+            </a:r>
+          </a:p>
+          <a:p>
+            <a:pPr marL="796926" lvl="1" indent="-457200">
+              <a:buFontTx/>
+              <a:buChar char="-"/>
+            </a:pPr>
+            <a:r>
+              <a:rPr lang="en-US" dirty="0"/>
+              <a:t>Exceptions</a:t>
+            </a:r>
+          </a:p>
+          <a:p>
+            <a:endParaRPr lang="en-US" dirty="0"/>
+          </a:p>
+          <a:p>
+            <a:r>
+              <a:rPr lang="en-US" dirty="0">
+                <a:latin typeface="Consolas" panose="020B0609020204030204" pitchFamily="49" charset="0"/>
+              </a:rPr>
+              <a:t>await</a:t>
+            </a:r>
+            <a:r>
+              <a:rPr lang="en-US" dirty="0"/>
+              <a:t> pauses the method’s execution.</a:t>
+            </a:r>
+          </a:p>
+        </p:txBody>
+      </p:sp>
+    </p:spTree>
+    <p:extLst>
+      <p:ext uri="{BB962C8B-B14F-4D97-AF65-F5344CB8AC3E}">
+        <p14:creationId xmlns:p14="http://schemas.microsoft.com/office/powerpoint/2010/main" val="3565758165"/>
+      </p:ext>
+    </p:extLst>
+  </p:cSld>
+  <p:clrMapOvr>
+    <a:masterClrMapping/>
+  </p:clrMapOvr>
+  <p:transition>
+    <p:fade/>
+  </p:transition>
+</p:sld>
+</file>
+
+<file path=ppt/slides/slide17.xml><?xml version="1.0" encoding="utf-8"?>
+<p:sld xmlns:a="http://schemas.openxmlformats.org/drawingml/2006/main" xmlns:r="http://schemas.openxmlformats.org/officeDocument/2006/relationships" xmlns:p="http://schemas.openxmlformats.org/presentationml/2006/main">
+  <p:cSld>
+    <p:spTree>
+      <p:nvGrpSpPr>
+        <p:cNvPr id="1" name=""/>
+        <p:cNvGrpSpPr/>
+        <p:nvPr/>
+      </p:nvGrpSpPr>
+      <p:grpSpPr>
+        <a:xfrm>
+          <a:off x="0" y="0"/>
+          <a:ext cx="0" cy="0"/>
+          <a:chOff x="0" y="0"/>
+          <a:chExt cx="0" cy="0"/>
+        </a:xfrm>
+      </p:grpSpPr>
+      <p:sp>
+        <p:nvSpPr>
           <p:cNvPr id="3" name="Title 2">
             <a:extLst>
               <a:ext uri="{FF2B5EF4-FFF2-40B4-BE49-F238E27FC236}">
@@ -8591,7 +9758,7 @@
 </p:sld>
 </file>
 
-<file path=ppt/slides/slide16.xml><?xml version="1.0" encoding="utf-8"?>
+<file path=ppt/slides/slide18.xml><?xml version="1.0" encoding="utf-8"?>
 <p:sld xmlns:a="http://schemas.openxmlformats.org/drawingml/2006/main" xmlns:r="http://schemas.openxmlformats.org/officeDocument/2006/relationships" xmlns:p="http://schemas.openxmlformats.org/presentationml/2006/main">
   <p:cSld>
     <p:spTree>
@@ -8842,7 +10009,7 @@
 </p:sld>
 </file>
 
-<file path=ppt/slides/slide17.xml><?xml version="1.0" encoding="utf-8"?>
+<file path=ppt/slides/slide19.xml><?xml version="1.0" encoding="utf-8"?>
 <p:sld xmlns:a="http://schemas.openxmlformats.org/drawingml/2006/main" xmlns:r="http://schemas.openxmlformats.org/officeDocument/2006/relationships" xmlns:p="http://schemas.openxmlformats.org/presentationml/2006/main">
   <p:cSld>
     <p:spTree>
@@ -8916,7 +10083,7 @@
 </p:sld>
 </file>
 
-<file path=ppt/slides/slide18.xml><?xml version="1.0" encoding="utf-8"?>
+<file path=ppt/slides/slide2.xml><?xml version="1.0" encoding="utf-8"?>
 <p:sld xmlns:a="http://schemas.openxmlformats.org/drawingml/2006/main" xmlns:r="http://schemas.openxmlformats.org/officeDocument/2006/relationships" xmlns:p="http://schemas.openxmlformats.org/presentationml/2006/main">
   <p:cSld>
     <p:spTree>
@@ -8935,6 +10102,136 @@
       </p:grpSpPr>
       <p:sp>
         <p:nvSpPr>
+          <p:cNvPr id="3" name="Text Placeholder 2">
+            <a:extLst>
+              <a:ext uri="{FF2B5EF4-FFF2-40B4-BE49-F238E27FC236}">
+                <a16:creationId xmlns:a16="http://schemas.microsoft.com/office/drawing/2014/main" id="{72839525-4981-AC8B-723B-4261B9EC3B6A}"/>
+              </a:ext>
+            </a:extLst>
+          </p:cNvPr>
+          <p:cNvSpPr>
+            <a:spLocks noGrp="1"/>
+          </p:cNvSpPr>
+          <p:nvPr>
+            <p:ph type="body" sz="quarter" idx="12"/>
+          </p:nvPr>
+        </p:nvSpPr>
+        <p:spPr>
+          <a:xfrm>
+            <a:off x="271104" y="680009"/>
+            <a:ext cx="11649792" cy="1794661"/>
+          </a:xfrm>
+        </p:spPr>
+        <p:txBody>
+          <a:bodyPr/>
+          <a:lstStyle/>
+          <a:p>
+            <a:r>
+              <a:rPr lang="en-US" dirty="0"/>
+              <a:t>“This chapter tackles some challenging topics. You may not immediately understand everything. However, that is normal… Give yourself time. Let things rest. Reread some sections one or more days later.”</a:t>
+            </a:r>
+          </a:p>
+          <a:p>
+            <a:pPr algn="r"/>
+            <a:r>
+              <a:rPr lang="en-US" dirty="0"/>
+              <a:t>-Dr. Axel </a:t>
+            </a:r>
+            <a:r>
+              <a:rPr lang="en-US" dirty="0" err="1"/>
+              <a:t>Rauschmayer</a:t>
+            </a:r>
+            <a:r>
+              <a:rPr lang="en-US" dirty="0"/>
+              <a:t>,</a:t>
+            </a:r>
+            <a:br>
+              <a:rPr lang="en-US" dirty="0"/>
+            </a:br>
+            <a:r>
+              <a:rPr lang="en-US" dirty="0">
+                <a:hlinkClick r:id="rId3"/>
+              </a:rPr>
+              <a:t>“Asynchronous JavaScript”</a:t>
+            </a:r>
+            <a:endParaRPr lang="en-US" dirty="0"/>
+          </a:p>
+        </p:txBody>
+      </p:sp>
+      <p:pic>
+        <p:nvPicPr>
+          <p:cNvPr id="5" name="Picture 4">
+            <a:extLst>
+              <a:ext uri="{FF2B5EF4-FFF2-40B4-BE49-F238E27FC236}">
+                <a16:creationId xmlns:a16="http://schemas.microsoft.com/office/drawing/2014/main" id="{2DF73BAB-61BF-7F85-097B-C4803473005E}"/>
+              </a:ext>
+            </a:extLst>
+          </p:cNvPr>
+          <p:cNvPicPr>
+            <a:picLocks noChangeAspect="1"/>
+          </p:cNvPicPr>
+          <p:nvPr/>
+        </p:nvPicPr>
+        <p:blipFill>
+          <a:blip r:embed="rId4"/>
+          <a:stretch>
+            <a:fillRect/>
+          </a:stretch>
+        </p:blipFill>
+        <p:spPr>
+          <a:xfrm>
+            <a:off x="775335" y="2998469"/>
+            <a:ext cx="2527935" cy="2527935"/>
+          </a:xfrm>
+          <a:prstGeom prst="rect">
+            <a:avLst/>
+          </a:prstGeom>
+        </p:spPr>
+      </p:pic>
+    </p:spTree>
+    <p:extLst>
+      <p:ext uri="{BB962C8B-B14F-4D97-AF65-F5344CB8AC3E}">
+        <p14:creationId xmlns:p14="http://schemas.microsoft.com/office/powerpoint/2010/main" val="3833262251"/>
+      </p:ext>
+    </p:extLst>
+  </p:cSld>
+  <p:clrMapOvr>
+    <a:masterClrMapping/>
+  </p:clrMapOvr>
+  <mc:AlternateContent xmlns:mc="http://schemas.openxmlformats.org/markup-compatibility/2006" xmlns:p14="http://schemas.microsoft.com/office/powerpoint/2010/main">
+    <mc:Choice Requires="p14">
+      <p:transition spd="slow" p14:dur="3400">
+        <p14:reveal/>
+      </p:transition>
+    </mc:Choice>
+    <mc:Fallback xmlns="">
+      <p:transition spd="slow">
+        <p:fade/>
+      </p:transition>
+    </mc:Fallback>
+  </mc:AlternateContent>
+</p:sld>
+</file>
+
+<file path=ppt/slides/slide20.xml><?xml version="1.0" encoding="utf-8"?>
+<p:sld xmlns:a="http://schemas.openxmlformats.org/drawingml/2006/main" xmlns:r="http://schemas.openxmlformats.org/officeDocument/2006/relationships" xmlns:p="http://schemas.openxmlformats.org/presentationml/2006/main">
+  <p:cSld>
+    <p:spTree>
+      <p:nvGrpSpPr>
+        <p:cNvPr id="1" name=""/>
+        <p:cNvGrpSpPr/>
+        <p:nvPr/>
+      </p:nvGrpSpPr>
+      <p:grpSpPr>
+        <a:xfrm>
+          <a:off x="0" y="0"/>
+          <a:ext cx="0" cy="0"/>
+          <a:chOff x="0" y="0"/>
+          <a:chExt cx="0" cy="0"/>
+        </a:xfrm>
+      </p:grpSpPr>
+      <p:sp>
+        <p:nvSpPr>
           <p:cNvPr id="2" name="Title 1">
             <a:extLst>
               <a:ext uri="{FF2B5EF4-FFF2-40B4-BE49-F238E27FC236}">
@@ -9116,7 +10413,7 @@
 </p:sld>
 </file>
 
-<file path=ppt/slides/slide19.xml><?xml version="1.0" encoding="utf-8"?>
+<file path=ppt/slides/slide21.xml><?xml version="1.0" encoding="utf-8"?>
 <p:sld xmlns:a="http://schemas.openxmlformats.org/drawingml/2006/main" xmlns:r="http://schemas.openxmlformats.org/officeDocument/2006/relationships" xmlns:p="http://schemas.openxmlformats.org/presentationml/2006/main">
   <p:cSld>
     <p:spTree>
@@ -9420,90 +10717,7 @@
 </p:sld>
 </file>
 
-<file path=ppt/slides/slide2.xml><?xml version="1.0" encoding="utf-8"?>
-<p:sld xmlns:a="http://schemas.openxmlformats.org/drawingml/2006/main" xmlns:r="http://schemas.openxmlformats.org/officeDocument/2006/relationships" xmlns:p="http://schemas.openxmlformats.org/presentationml/2006/main">
-  <p:cSld>
-    <p:spTree>
-      <p:nvGrpSpPr>
-        <p:cNvPr id="1" name=""/>
-        <p:cNvGrpSpPr/>
-        <p:nvPr/>
-      </p:nvGrpSpPr>
-      <p:grpSpPr>
-        <a:xfrm>
-          <a:off x="0" y="0"/>
-          <a:ext cx="0" cy="0"/>
-          <a:chOff x="0" y="0"/>
-          <a:chExt cx="0" cy="0"/>
-        </a:xfrm>
-      </p:grpSpPr>
-      <p:sp>
-        <p:nvSpPr>
-          <p:cNvPr id="4" name="Title 3"/>
-          <p:cNvSpPr>
-            <a:spLocks noGrp="1"/>
-          </p:cNvSpPr>
-          <p:nvPr>
-            <p:ph type="title"/>
-          </p:nvPr>
-        </p:nvSpPr>
-        <p:spPr/>
-        <p:txBody>
-          <a:bodyPr/>
-          <a:lstStyle/>
-          <a:p>
-            <a:r>
-              <a:rPr lang="en-US" dirty="0"/>
-              <a:t>Who is this guy?</a:t>
-            </a:r>
-          </a:p>
-        </p:txBody>
-      </p:sp>
-      <p:pic>
-        <p:nvPicPr>
-          <p:cNvPr id="3" name="Picture 2"/>
-          <p:cNvPicPr/>
-          <p:nvPr/>
-        </p:nvPicPr>
-        <p:blipFill>
-          <a:blip r:embed="rId3" cstate="print">
-            <a:extLst>
-              <a:ext uri="{28A0092B-C50C-407E-A947-70E740481C1C}">
-                <a14:useLocalDpi xmlns:a14="http://schemas.microsoft.com/office/drawing/2010/main" val="0"/>
-              </a:ext>
-            </a:extLst>
-          </a:blip>
-          <a:stretch>
-            <a:fillRect/>
-          </a:stretch>
-        </p:blipFill>
-        <p:spPr>
-          <a:xfrm>
-            <a:off x="4378007" y="4201227"/>
-            <a:ext cx="3435985" cy="1389380"/>
-          </a:xfrm>
-          <a:prstGeom prst="rect">
-            <a:avLst/>
-          </a:prstGeom>
-        </p:spPr>
-      </p:pic>
-    </p:spTree>
-    <p:extLst>
-      <p:ext uri="{BB962C8B-B14F-4D97-AF65-F5344CB8AC3E}">
-        <p14:creationId xmlns:p14="http://schemas.microsoft.com/office/powerpoint/2010/main" val="223290894"/>
-      </p:ext>
-    </p:extLst>
-  </p:cSld>
-  <p:clrMapOvr>
-    <a:masterClrMapping/>
-  </p:clrMapOvr>
-  <p:transition>
-    <p:fade/>
-  </p:transition>
-</p:sld>
-</file>
-
-<file path=ppt/slides/slide20.xml><?xml version="1.0" encoding="utf-8"?>
+<file path=ppt/slides/slide22.xml><?xml version="1.0" encoding="utf-8"?>
 <p:sld xmlns:a="http://schemas.openxmlformats.org/drawingml/2006/main" xmlns:r="http://schemas.openxmlformats.org/officeDocument/2006/relationships" xmlns:p="http://schemas.openxmlformats.org/presentationml/2006/main">
   <p:cSld>
     <p:spTree>
@@ -9605,7 +10819,7 @@
 </p:sld>
 </file>
 
-<file path=ppt/slides/slide21.xml><?xml version="1.0" encoding="utf-8"?>
+<file path=ppt/slides/slide23.xml><?xml version="1.0" encoding="utf-8"?>
 <p:sld xmlns:a="http://schemas.openxmlformats.org/drawingml/2006/main" xmlns:r="http://schemas.openxmlformats.org/officeDocument/2006/relationships" xmlns:p="http://schemas.openxmlformats.org/presentationml/2006/main">
   <p:cSld>
     <p:spTree>
@@ -9803,7 +11017,7 @@
 </p:sld>
 </file>
 
-<file path=ppt/slides/slide22.xml><?xml version="1.0" encoding="utf-8"?>
+<file path=ppt/slides/slide24.xml><?xml version="1.0" encoding="utf-8"?>
 <p:sld xmlns:a="http://schemas.openxmlformats.org/drawingml/2006/main" xmlns:r="http://schemas.openxmlformats.org/officeDocument/2006/relationships" xmlns:p="http://schemas.openxmlformats.org/presentationml/2006/main">
   <p:cSld>
     <p:spTree>
@@ -10010,7 +11224,7 @@
 </p:sld>
 </file>
 
-<file path=ppt/slides/slide23.xml><?xml version="1.0" encoding="utf-8"?>
+<file path=ppt/slides/slide25.xml><?xml version="1.0" encoding="utf-8"?>
 <p:sld xmlns:a="http://schemas.openxmlformats.org/drawingml/2006/main" xmlns:r="http://schemas.openxmlformats.org/officeDocument/2006/relationships" xmlns:p="http://schemas.openxmlformats.org/presentationml/2006/main">
   <p:cSld>
     <p:spTree>
@@ -10131,7 +11345,7 @@
 </p:sld>
 </file>
 
-<file path=ppt/slides/slide24.xml><?xml version="1.0" encoding="utf-8"?>
+<file path=ppt/slides/slide26.xml><?xml version="1.0" encoding="utf-8"?>
 <p:sld xmlns:a="http://schemas.openxmlformats.org/drawingml/2006/main" xmlns:r="http://schemas.openxmlformats.org/officeDocument/2006/relationships" xmlns:p="http://schemas.openxmlformats.org/presentationml/2006/main">
   <p:cSld>
     <p:spTree>
@@ -10205,7 +11419,7 @@
 </p:sld>
 </file>
 
-<file path=ppt/slides/slide25.xml><?xml version="1.0" encoding="utf-8"?>
+<file path=ppt/slides/slide27.xml><?xml version="1.0" encoding="utf-8"?>
 <p:sld xmlns:a="http://schemas.openxmlformats.org/drawingml/2006/main" xmlns:r="http://schemas.openxmlformats.org/officeDocument/2006/relationships" xmlns:p="http://schemas.openxmlformats.org/presentationml/2006/main">
   <p:cSld>
     <p:spTree>
@@ -10368,7 +11582,7 @@
 </p:sld>
 </file>
 
-<file path=ppt/slides/slide26.xml><?xml version="1.0" encoding="utf-8"?>
+<file path=ppt/slides/slide28.xml><?xml version="1.0" encoding="utf-8"?>
 <p:sld xmlns:a="http://schemas.openxmlformats.org/drawingml/2006/main" xmlns:r="http://schemas.openxmlformats.org/officeDocument/2006/relationships" xmlns:p="http://schemas.openxmlformats.org/presentationml/2006/main">
   <p:cSld>
     <p:spTree>
@@ -10618,7 +11832,7 @@
 </p:sld>
 </file>
 
-<file path=ppt/slides/slide27.xml><?xml version="1.0" encoding="utf-8"?>
+<file path=ppt/slides/slide29.xml><?xml version="1.0" encoding="utf-8"?>
 <p:sld xmlns:a="http://schemas.openxmlformats.org/drawingml/2006/main" xmlns:r="http://schemas.openxmlformats.org/officeDocument/2006/relationships" xmlns:p="http://schemas.openxmlformats.org/presentationml/2006/main">
   <p:cSld>
     <p:spTree>
@@ -10743,7 +11957,175 @@
 </p:sld>
 </file>
 
-<file path=ppt/slides/slide28.xml><?xml version="1.0" encoding="utf-8"?>
+<file path=ppt/slides/slide3.xml><?xml version="1.0" encoding="utf-8"?>
+<p:sld xmlns:a="http://schemas.openxmlformats.org/drawingml/2006/main" xmlns:r="http://schemas.openxmlformats.org/officeDocument/2006/relationships" xmlns:p="http://schemas.openxmlformats.org/presentationml/2006/main" show="0">
+  <p:cSld>
+    <p:spTree>
+      <p:nvGrpSpPr>
+        <p:cNvPr id="1" name="">
+          <a:extLst>
+            <a:ext uri="{FF2B5EF4-FFF2-40B4-BE49-F238E27FC236}">
+              <a16:creationId xmlns:a16="http://schemas.microsoft.com/office/drawing/2014/main" id="{B89EC25F-C26D-1F6D-4B27-D771B5ADDDEB}"/>
+            </a:ext>
+          </a:extLst>
+        </p:cNvPr>
+        <p:cNvGrpSpPr/>
+        <p:nvPr/>
+      </p:nvGrpSpPr>
+      <p:grpSpPr>
+        <a:xfrm>
+          <a:off x="0" y="0"/>
+          <a:ext cx="0" cy="0"/>
+          <a:chOff x="0" y="0"/>
+          <a:chExt cx="0" cy="0"/>
+        </a:xfrm>
+      </p:grpSpPr>
+      <p:sp>
+        <p:nvSpPr>
+          <p:cNvPr id="3" name="Text Placeholder 2">
+            <a:extLst>
+              <a:ext uri="{FF2B5EF4-FFF2-40B4-BE49-F238E27FC236}">
+                <a16:creationId xmlns:a16="http://schemas.microsoft.com/office/drawing/2014/main" id="{8A69F42E-1129-F2CC-D7D6-51B4C98B364C}"/>
+              </a:ext>
+            </a:extLst>
+          </p:cNvPr>
+          <p:cNvSpPr>
+            <a:spLocks noGrp="1"/>
+          </p:cNvSpPr>
+          <p:nvPr>
+            <p:ph type="body" sz="quarter" idx="12"/>
+          </p:nvPr>
+        </p:nvSpPr>
+        <p:spPr>
+          <a:xfrm>
+            <a:off x="271104" y="2531669"/>
+            <a:ext cx="11649792" cy="1794661"/>
+          </a:xfrm>
+        </p:spPr>
+        <p:txBody>
+          <a:bodyPr/>
+          <a:lstStyle/>
+          <a:p>
+            <a:r>
+              <a:rPr lang="en-US" dirty="0"/>
+              <a:t>“This chapter tackles some challenging topics. You may not immediately understand everything. However, that is normal… Give yourself time. Let things rest. Reread some sections one or more days later.”</a:t>
+            </a:r>
+          </a:p>
+          <a:p>
+            <a:pPr algn="r"/>
+            <a:r>
+              <a:rPr lang="en-US" dirty="0"/>
+              <a:t>-Dr. Axel </a:t>
+            </a:r>
+            <a:r>
+              <a:rPr lang="en-US" dirty="0" err="1"/>
+              <a:t>Rauschmayer</a:t>
+            </a:r>
+            <a:r>
+              <a:rPr lang="en-US" dirty="0"/>
+              <a:t>,</a:t>
+            </a:r>
+            <a:br>
+              <a:rPr lang="en-US" dirty="0"/>
+            </a:br>
+            <a:r>
+              <a:rPr lang="en-US" dirty="0">
+                <a:hlinkClick r:id="rId3"/>
+              </a:rPr>
+              <a:t>“Asynchronous JavaScript”</a:t>
+            </a:r>
+            <a:endParaRPr lang="en-US" dirty="0"/>
+          </a:p>
+        </p:txBody>
+      </p:sp>
+      <p:sp>
+        <p:nvSpPr>
+          <p:cNvPr id="2" name="Title 1">
+            <a:extLst>
+              <a:ext uri="{FF2B5EF4-FFF2-40B4-BE49-F238E27FC236}">
+                <a16:creationId xmlns:a16="http://schemas.microsoft.com/office/drawing/2014/main" id="{88AAC42F-2A43-76DD-3602-1D35484973B4}"/>
+              </a:ext>
+            </a:extLst>
+          </p:cNvPr>
+          <p:cNvSpPr>
+            <a:spLocks noGrp="1"/>
+          </p:cNvSpPr>
+          <p:nvPr>
+            <p:ph type="title"/>
+          </p:nvPr>
+        </p:nvSpPr>
+        <p:spPr/>
+        <p:txBody>
+          <a:bodyPr/>
+          <a:lstStyle/>
+          <a:p>
+            <a:r>
+              <a:rPr lang="en-US" dirty="0">
+                <a:solidFill>
+                  <a:schemeClr val="bg1"/>
+                </a:solidFill>
+              </a:rPr>
+              <a:t>Avoiding Common Pitfalls with Async/Await – Stephen Cleary</a:t>
+            </a:r>
+          </a:p>
+        </p:txBody>
+      </p:sp>
+      <p:pic>
+        <p:nvPicPr>
+          <p:cNvPr id="5" name="Picture 4">
+            <a:extLst>
+              <a:ext uri="{FF2B5EF4-FFF2-40B4-BE49-F238E27FC236}">
+                <a16:creationId xmlns:a16="http://schemas.microsoft.com/office/drawing/2014/main" id="{3CD06653-5579-4260-9366-ADAEB8AD5EF7}"/>
+              </a:ext>
+            </a:extLst>
+          </p:cNvPr>
+          <p:cNvPicPr>
+            <a:picLocks noChangeAspect="1"/>
+          </p:cNvPicPr>
+          <p:nvPr/>
+        </p:nvPicPr>
+        <p:blipFill>
+          <a:blip r:embed="rId4"/>
+          <a:stretch>
+            <a:fillRect/>
+          </a:stretch>
+        </p:blipFill>
+        <p:spPr>
+          <a:xfrm>
+            <a:off x="409575" y="4690109"/>
+            <a:ext cx="2025015" cy="2025015"/>
+          </a:xfrm>
+          <a:prstGeom prst="rect">
+            <a:avLst/>
+          </a:prstGeom>
+        </p:spPr>
+      </p:pic>
+    </p:spTree>
+    <p:extLst>
+      <p:ext uri="{BB962C8B-B14F-4D97-AF65-F5344CB8AC3E}">
+        <p14:creationId xmlns:p14="http://schemas.microsoft.com/office/powerpoint/2010/main" val="106750601"/>
+      </p:ext>
+    </p:extLst>
+  </p:cSld>
+  <p:clrMapOvr>
+    <a:masterClrMapping/>
+  </p:clrMapOvr>
+  <mc:AlternateContent xmlns:mc="http://schemas.openxmlformats.org/markup-compatibility/2006">
+    <mc:Choice xmlns:p14="http://schemas.microsoft.com/office/powerpoint/2010/main" Requires="p14">
+      <p:transition spd="slow" p14:dur="3400">
+        <p14:reveal/>
+      </p:transition>
+    </mc:Choice>
+    <mc:Fallback>
+      <p:transition spd="slow">
+        <p:fade/>
+      </p:transition>
+    </mc:Fallback>
+  </mc:AlternateContent>
+</p:sld>
+</file>
+
+<file path=ppt/slides/slide30.xml><?xml version="1.0" encoding="utf-8"?>
 <p:sld xmlns:a="http://schemas.openxmlformats.org/drawingml/2006/main" xmlns:r="http://schemas.openxmlformats.org/officeDocument/2006/relationships" xmlns:p="http://schemas.openxmlformats.org/presentationml/2006/main">
   <p:cSld>
     <p:spTree>
@@ -10990,7 +12372,7 @@
 </p:sld>
 </file>
 
-<file path=ppt/slides/slide29.xml><?xml version="1.0" encoding="utf-8"?>
+<file path=ppt/slides/slide31.xml><?xml version="1.0" encoding="utf-8"?>
 <p:sld xmlns:a="http://schemas.openxmlformats.org/drawingml/2006/main" xmlns:r="http://schemas.openxmlformats.org/officeDocument/2006/relationships" xmlns:p="http://schemas.openxmlformats.org/presentationml/2006/main">
   <p:cSld>
     <p:spTree>
@@ -11134,80 +12516,7 @@
 </p:sld>
 </file>
 
-<file path=ppt/slides/slide3.xml><?xml version="1.0" encoding="utf-8"?>
-<p:sld xmlns:a="http://schemas.openxmlformats.org/drawingml/2006/main" xmlns:r="http://schemas.openxmlformats.org/officeDocument/2006/relationships" xmlns:p="http://schemas.openxmlformats.org/presentationml/2006/main" showMasterSp="0">
-  <p:cSld>
-    <p:spTree>
-      <p:nvGrpSpPr>
-        <p:cNvPr id="1" name=""/>
-        <p:cNvGrpSpPr/>
-        <p:nvPr/>
-      </p:nvGrpSpPr>
-      <p:grpSpPr>
-        <a:xfrm>
-          <a:off x="0" y="0"/>
-          <a:ext cx="0" cy="0"/>
-          <a:chOff x="0" y="0"/>
-          <a:chExt cx="0" cy="0"/>
-        </a:xfrm>
-      </p:grpSpPr>
-      <p:pic>
-        <p:nvPicPr>
-          <p:cNvPr id="3" name="Picture 2">
-            <a:extLst>
-              <a:ext uri="{FF2B5EF4-FFF2-40B4-BE49-F238E27FC236}">
-                <a16:creationId xmlns:a16="http://schemas.microsoft.com/office/drawing/2014/main" id="{AC885FC9-B82E-937A-3192-687F8A05CAD5}"/>
-              </a:ext>
-            </a:extLst>
-          </p:cNvPr>
-          <p:cNvPicPr>
-            <a:picLocks noChangeAspect="1"/>
-          </p:cNvPicPr>
-          <p:nvPr/>
-        </p:nvPicPr>
-        <p:blipFill>
-          <a:blip r:embed="rId3">
-            <a:extLst>
-              <a:ext uri="{28A0092B-C50C-407E-A947-70E740481C1C}">
-                <a14:useLocalDpi xmlns:a14="http://schemas.microsoft.com/office/drawing/2010/main" val="0"/>
-              </a:ext>
-            </a:extLst>
-          </a:blip>
-          <a:srcRect/>
-          <a:stretch/>
-        </p:blipFill>
-        <p:spPr>
-          <a:xfrm>
-            <a:off x="3483428" y="0"/>
-            <a:ext cx="5225142" cy="6858000"/>
-          </a:xfrm>
-          <a:prstGeom prst="rect">
-            <a:avLst/>
-          </a:prstGeom>
-        </p:spPr>
-      </p:pic>
-    </p:spTree>
-    <p:extLst>
-      <p:ext uri="{BB962C8B-B14F-4D97-AF65-F5344CB8AC3E}">
-        <p14:creationId xmlns:p14="http://schemas.microsoft.com/office/powerpoint/2010/main" val="393857517"/>
-      </p:ext>
-    </p:extLst>
-  </p:cSld>
-  <p:clrMapOvr>
-    <a:masterClrMapping/>
-  </p:clrMapOvr>
-  <mc:AlternateContent xmlns:mc="http://schemas.openxmlformats.org/markup-compatibility/2006" xmlns:p14="http://schemas.microsoft.com/office/powerpoint/2010/main">
-    <mc:Choice Requires="p14">
-      <p:transition p14:dur="0"/>
-    </mc:Choice>
-    <mc:Fallback xmlns="">
-      <p:transition/>
-    </mc:Fallback>
-  </mc:AlternateContent>
-</p:sld>
-</file>
-
-<file path=ppt/slides/slide30.xml><?xml version="1.0" encoding="utf-8"?>
+<file path=ppt/slides/slide32.xml><?xml version="1.0" encoding="utf-8"?>
 <p:sld xmlns:a="http://schemas.openxmlformats.org/drawingml/2006/main" xmlns:r="http://schemas.openxmlformats.org/officeDocument/2006/relationships" xmlns:p="http://schemas.openxmlformats.org/presentationml/2006/main">
   <p:cSld>
     <p:spTree>
@@ -11395,7 +12704,7 @@
 </p:sld>
 </file>
 
-<file path=ppt/slides/slide31.xml><?xml version="1.0" encoding="utf-8"?>
+<file path=ppt/slides/slide33.xml><?xml version="1.0" encoding="utf-8"?>
 <p:sld xmlns:a="http://schemas.openxmlformats.org/drawingml/2006/main" xmlns:r="http://schemas.openxmlformats.org/officeDocument/2006/relationships" xmlns:p="http://schemas.openxmlformats.org/presentationml/2006/main">
   <p:cSld>
     <p:spTree>
@@ -11593,7 +12902,7 @@
 </p:sld>
 </file>
 
-<file path=ppt/slides/slide32.xml><?xml version="1.0" encoding="utf-8"?>
+<file path=ppt/slides/slide34.xml><?xml version="1.0" encoding="utf-8"?>
 <p:sld xmlns:a="http://schemas.openxmlformats.org/drawingml/2006/main" xmlns:r="http://schemas.openxmlformats.org/officeDocument/2006/relationships" xmlns:p="http://schemas.openxmlformats.org/presentationml/2006/main">
   <p:cSld>
     <p:spTree>
@@ -11723,7 +13032,7 @@
 </p:sld>
 </file>
 
-<file path=ppt/slides/slide33.xml><?xml version="1.0" encoding="utf-8"?>
+<file path=ppt/slides/slide35.xml><?xml version="1.0" encoding="utf-8"?>
 <p:sld xmlns:a="http://schemas.openxmlformats.org/drawingml/2006/main" xmlns:r="http://schemas.openxmlformats.org/officeDocument/2006/relationships" xmlns:p="http://schemas.openxmlformats.org/presentationml/2006/main">
   <p:cSld>
     <p:spTree>
@@ -11837,7 +13146,7 @@
 </p:sld>
 </file>
 
-<file path=ppt/slides/slide34.xml><?xml version="1.0" encoding="utf-8"?>
+<file path=ppt/slides/slide36.xml><?xml version="1.0" encoding="utf-8"?>
 <p:sld xmlns:a="http://schemas.openxmlformats.org/drawingml/2006/main" xmlns:r="http://schemas.openxmlformats.org/officeDocument/2006/relationships" xmlns:p="http://schemas.openxmlformats.org/presentationml/2006/main">
   <p:cSld>
     <p:spTree>
@@ -11991,7 +13300,7 @@
 </p:sld>
 </file>
 
-<file path=ppt/slides/slide35.xml><?xml version="1.0" encoding="utf-8"?>
+<file path=ppt/slides/slide37.xml><?xml version="1.0" encoding="utf-8"?>
 <p:sld xmlns:a="http://schemas.openxmlformats.org/drawingml/2006/main" xmlns:r="http://schemas.openxmlformats.org/officeDocument/2006/relationships" xmlns:p="http://schemas.openxmlformats.org/presentationml/2006/main">
   <p:cSld>
     <p:spTree>
@@ -12131,7 +13440,7 @@
 </p:sld>
 </file>
 
-<file path=ppt/slides/slide36.xml><?xml version="1.0" encoding="utf-8"?>
+<file path=ppt/slides/slide38.xml><?xml version="1.0" encoding="utf-8"?>
 <p:sld xmlns:a="http://schemas.openxmlformats.org/drawingml/2006/main" xmlns:r="http://schemas.openxmlformats.org/officeDocument/2006/relationships" xmlns:p="http://schemas.openxmlformats.org/presentationml/2006/main">
   <p:cSld>
     <p:spTree>
@@ -12331,7 +13640,7 @@
 </p:sld>
 </file>
 
-<file path=ppt/slides/slide37.xml><?xml version="1.0" encoding="utf-8"?>
+<file path=ppt/slides/slide39.xml><?xml version="1.0" encoding="utf-8"?>
 <p:sld xmlns:a="http://schemas.openxmlformats.org/drawingml/2006/main" xmlns:r="http://schemas.openxmlformats.org/officeDocument/2006/relationships" xmlns:p="http://schemas.openxmlformats.org/presentationml/2006/main">
   <p:cSld>
     <p:spTree>
@@ -12405,7 +13714,7 @@
 </p:sld>
 </file>
 
-<file path=ppt/slides/slide38.xml><?xml version="1.0" encoding="utf-8"?>
+<file path=ppt/slides/slide4.xml><?xml version="1.0" encoding="utf-8"?>
 <p:sld xmlns:a="http://schemas.openxmlformats.org/drawingml/2006/main" xmlns:r="http://schemas.openxmlformats.org/officeDocument/2006/relationships" xmlns:p="http://schemas.openxmlformats.org/presentationml/2006/main">
   <p:cSld>
     <p:spTree>
@@ -12439,6 +13748,89 @@
           <a:p>
             <a:r>
               <a:rPr lang="en-US" dirty="0"/>
+              <a:t>Who is this guy?</a:t>
+            </a:r>
+          </a:p>
+        </p:txBody>
+      </p:sp>
+      <p:pic>
+        <p:nvPicPr>
+          <p:cNvPr id="3" name="Picture 2"/>
+          <p:cNvPicPr/>
+          <p:nvPr/>
+        </p:nvPicPr>
+        <p:blipFill>
+          <a:blip r:embed="rId3" cstate="print">
+            <a:extLst>
+              <a:ext uri="{28A0092B-C50C-407E-A947-70E740481C1C}">
+                <a14:useLocalDpi xmlns:a14="http://schemas.microsoft.com/office/drawing/2010/main" val="0"/>
+              </a:ext>
+            </a:extLst>
+          </a:blip>
+          <a:stretch>
+            <a:fillRect/>
+          </a:stretch>
+        </p:blipFill>
+        <p:spPr>
+          <a:xfrm>
+            <a:off x="4378007" y="4201227"/>
+            <a:ext cx="3435985" cy="1389380"/>
+          </a:xfrm>
+          <a:prstGeom prst="rect">
+            <a:avLst/>
+          </a:prstGeom>
+        </p:spPr>
+      </p:pic>
+    </p:spTree>
+    <p:extLst>
+      <p:ext uri="{BB962C8B-B14F-4D97-AF65-F5344CB8AC3E}">
+        <p14:creationId xmlns:p14="http://schemas.microsoft.com/office/powerpoint/2010/main" val="223290894"/>
+      </p:ext>
+    </p:extLst>
+  </p:cSld>
+  <p:clrMapOvr>
+    <a:masterClrMapping/>
+  </p:clrMapOvr>
+  <p:transition>
+    <p:fade/>
+  </p:transition>
+</p:sld>
+</file>
+
+<file path=ppt/slides/slide40.xml><?xml version="1.0" encoding="utf-8"?>
+<p:sld xmlns:a="http://schemas.openxmlformats.org/drawingml/2006/main" xmlns:r="http://schemas.openxmlformats.org/officeDocument/2006/relationships" xmlns:p="http://schemas.openxmlformats.org/presentationml/2006/main">
+  <p:cSld>
+    <p:spTree>
+      <p:nvGrpSpPr>
+        <p:cNvPr id="1" name=""/>
+        <p:cNvGrpSpPr/>
+        <p:nvPr/>
+      </p:nvGrpSpPr>
+      <p:grpSpPr>
+        <a:xfrm>
+          <a:off x="0" y="0"/>
+          <a:ext cx="0" cy="0"/>
+          <a:chOff x="0" y="0"/>
+          <a:chExt cx="0" cy="0"/>
+        </a:xfrm>
+      </p:grpSpPr>
+      <p:sp>
+        <p:nvSpPr>
+          <p:cNvPr id="4" name="Title 3"/>
+          <p:cNvSpPr>
+            <a:spLocks noGrp="1"/>
+          </p:cNvSpPr>
+          <p:nvPr>
+            <p:ph type="title"/>
+          </p:nvPr>
+        </p:nvSpPr>
+        <p:spPr/>
+        <p:txBody>
+          <a:bodyPr/>
+          <a:lstStyle/>
+          <a:p>
+            <a:r>
+              <a:rPr lang="en-US" dirty="0"/>
               <a:t>Q&amp;A</a:t>
             </a:r>
           </a:p>
@@ -12487,10 +13879,10 @@
       </p:sp>
       <p:pic>
         <p:nvPicPr>
-          <p:cNvPr id="3" name="Picture 2">
+          <p:cNvPr id="8" name="Picture 7" descr="A qr code with black squares&#10;&#10;AI-generated content may be incorrect.">
             <a:extLst>
               <a:ext uri="{FF2B5EF4-FFF2-40B4-BE49-F238E27FC236}">
-                <a16:creationId xmlns:a16="http://schemas.microsoft.com/office/drawing/2014/main" id="{775DB5BF-3678-6657-292D-705C8FF1DBA4}"/>
+                <a16:creationId xmlns:a16="http://schemas.microsoft.com/office/drawing/2014/main" id="{39BE1EB6-1D8C-F60D-25FF-BD0E93B818DB}"/>
               </a:ext>
             </a:extLst>
           </p:cNvPr>
@@ -12500,15 +13892,21 @@
           <p:nvPr/>
         </p:nvPicPr>
         <p:blipFill>
-          <a:blip r:embed="rId3"/>
+          <a:blip r:embed="rId3">
+            <a:extLst>
+              <a:ext uri="{28A0092B-C50C-407E-A947-70E740481C1C}">
+                <a14:useLocalDpi xmlns:a14="http://schemas.microsoft.com/office/drawing/2010/main" val="0"/>
+              </a:ext>
+            </a:extLst>
+          </a:blip>
           <a:stretch>
             <a:fillRect/>
           </a:stretch>
         </p:blipFill>
         <p:spPr>
           <a:xfrm>
-            <a:off x="6936105" y="942975"/>
-            <a:ext cx="4286250" cy="4286250"/>
+            <a:off x="5953393" y="1281381"/>
+            <a:ext cx="4285714" cy="4295238"/>
           </a:xfrm>
           <a:prstGeom prst="rect">
             <a:avLst/>
@@ -12531,8 +13929,81 @@
 </p:sld>
 </file>
 
-<file path=ppt/slides/slide4.xml><?xml version="1.0" encoding="utf-8"?>
-<p:sld xmlns:a="http://schemas.openxmlformats.org/drawingml/2006/main" xmlns:r="http://schemas.openxmlformats.org/officeDocument/2006/relationships" xmlns:p="http://schemas.openxmlformats.org/presentationml/2006/main">
+<file path=ppt/slides/slide5.xml><?xml version="1.0" encoding="utf-8"?>
+<p:sld xmlns:a="http://schemas.openxmlformats.org/drawingml/2006/main" xmlns:r="http://schemas.openxmlformats.org/officeDocument/2006/relationships" xmlns:p="http://schemas.openxmlformats.org/presentationml/2006/main" showMasterSp="0">
+  <p:cSld>
+    <p:spTree>
+      <p:nvGrpSpPr>
+        <p:cNvPr id="1" name=""/>
+        <p:cNvGrpSpPr/>
+        <p:nvPr/>
+      </p:nvGrpSpPr>
+      <p:grpSpPr>
+        <a:xfrm>
+          <a:off x="0" y="0"/>
+          <a:ext cx="0" cy="0"/>
+          <a:chOff x="0" y="0"/>
+          <a:chExt cx="0" cy="0"/>
+        </a:xfrm>
+      </p:grpSpPr>
+      <p:pic>
+        <p:nvPicPr>
+          <p:cNvPr id="3" name="Picture 2">
+            <a:extLst>
+              <a:ext uri="{FF2B5EF4-FFF2-40B4-BE49-F238E27FC236}">
+                <a16:creationId xmlns:a16="http://schemas.microsoft.com/office/drawing/2014/main" id="{AC885FC9-B82E-937A-3192-687F8A05CAD5}"/>
+              </a:ext>
+            </a:extLst>
+          </p:cNvPr>
+          <p:cNvPicPr>
+            <a:picLocks noChangeAspect="1"/>
+          </p:cNvPicPr>
+          <p:nvPr/>
+        </p:nvPicPr>
+        <p:blipFill>
+          <a:blip r:embed="rId3">
+            <a:extLst>
+              <a:ext uri="{28A0092B-C50C-407E-A947-70E740481C1C}">
+                <a14:useLocalDpi xmlns:a14="http://schemas.microsoft.com/office/drawing/2010/main" val="0"/>
+              </a:ext>
+            </a:extLst>
+          </a:blip>
+          <a:srcRect/>
+          <a:stretch/>
+        </p:blipFill>
+        <p:spPr>
+          <a:xfrm>
+            <a:off x="3483428" y="0"/>
+            <a:ext cx="5225142" cy="6858000"/>
+          </a:xfrm>
+          <a:prstGeom prst="rect">
+            <a:avLst/>
+          </a:prstGeom>
+        </p:spPr>
+      </p:pic>
+    </p:spTree>
+    <p:extLst>
+      <p:ext uri="{BB962C8B-B14F-4D97-AF65-F5344CB8AC3E}">
+        <p14:creationId xmlns:p14="http://schemas.microsoft.com/office/powerpoint/2010/main" val="393857517"/>
+      </p:ext>
+    </p:extLst>
+  </p:cSld>
+  <p:clrMapOvr>
+    <a:masterClrMapping/>
+  </p:clrMapOvr>
+  <mc:AlternateContent xmlns:mc="http://schemas.openxmlformats.org/markup-compatibility/2006" xmlns:p14="http://schemas.microsoft.com/office/powerpoint/2010/main">
+    <mc:Choice Requires="p14">
+      <p:transition p14:dur="0"/>
+    </mc:Choice>
+    <mc:Fallback xmlns="">
+      <p:transition/>
+    </mc:Fallback>
+  </mc:AlternateContent>
+</p:sld>
+</file>
+
+<file path=ppt/slides/slide6.xml><?xml version="1.0" encoding="utf-8"?>
+<p:sld xmlns:a="http://schemas.openxmlformats.org/drawingml/2006/main" xmlns:r="http://schemas.openxmlformats.org/officeDocument/2006/relationships" xmlns:p="http://schemas.openxmlformats.org/presentationml/2006/main" show="0">
   <p:cSld>
     <p:spTree>
       <p:nvGrpSpPr>
@@ -12590,8 +14061,8 @@
 </p:sld>
 </file>
 
-<file path=ppt/slides/slide5.xml><?xml version="1.0" encoding="utf-8"?>
-<p:sld xmlns:a="http://schemas.openxmlformats.org/drawingml/2006/main" xmlns:r="http://schemas.openxmlformats.org/officeDocument/2006/relationships" xmlns:p="http://schemas.openxmlformats.org/presentationml/2006/main">
+<file path=ppt/slides/slide7.xml><?xml version="1.0" encoding="utf-8"?>
+<p:sld xmlns:a="http://schemas.openxmlformats.org/drawingml/2006/main" xmlns:r="http://schemas.openxmlformats.org/officeDocument/2006/relationships" xmlns:p="http://schemas.openxmlformats.org/presentationml/2006/main" show="0">
   <p:cSld>
     <p:spTree>
       <p:nvGrpSpPr>
@@ -13093,8 +14564,8 @@
 </p:sld>
 </file>
 
-<file path=ppt/slides/slide6.xml><?xml version="1.0" encoding="utf-8"?>
-<p:sld xmlns:a="http://schemas.openxmlformats.org/drawingml/2006/main" xmlns:r="http://schemas.openxmlformats.org/officeDocument/2006/relationships" xmlns:p="http://schemas.openxmlformats.org/presentationml/2006/main">
+<file path=ppt/slides/slide8.xml><?xml version="1.0" encoding="utf-8"?>
+<p:sld xmlns:a="http://schemas.openxmlformats.org/drawingml/2006/main" xmlns:r="http://schemas.openxmlformats.org/officeDocument/2006/relationships" xmlns:p="http://schemas.openxmlformats.org/presentationml/2006/main" show="0">
   <p:cSld>
     <p:spTree>
       <p:nvGrpSpPr>
@@ -13239,8 +14710,8 @@
 </p:sld>
 </file>
 
-<file path=ppt/slides/slide7.xml><?xml version="1.0" encoding="utf-8"?>
-<p:sld xmlns:a="http://schemas.openxmlformats.org/drawingml/2006/main" xmlns:r="http://schemas.openxmlformats.org/officeDocument/2006/relationships" xmlns:p="http://schemas.openxmlformats.org/presentationml/2006/main">
+<file path=ppt/slides/slide9.xml><?xml version="1.0" encoding="utf-8"?>
+<p:sld xmlns:a="http://schemas.openxmlformats.org/drawingml/2006/main" xmlns:r="http://schemas.openxmlformats.org/officeDocument/2006/relationships" xmlns:p="http://schemas.openxmlformats.org/presentationml/2006/main" show="0">
   <p:cSld>
     <p:spTree>
       <p:nvGrpSpPr>
@@ -14007,876 +15478,6 @@
     <p:extLst>
       <p:ext uri="{BB962C8B-B14F-4D97-AF65-F5344CB8AC3E}">
         <p14:creationId xmlns:p14="http://schemas.microsoft.com/office/powerpoint/2010/main" val="3121954459"/>
-      </p:ext>
-    </p:extLst>
-  </p:cSld>
-  <p:clrMapOvr>
-    <a:masterClrMapping/>
-  </p:clrMapOvr>
-  <p:transition>
-    <p:fade/>
-  </p:transition>
-</p:sld>
-</file>
-
-<file path=ppt/slides/slide8.xml><?xml version="1.0" encoding="utf-8"?>
-<p:sld xmlns:a="http://schemas.openxmlformats.org/drawingml/2006/main" xmlns:r="http://schemas.openxmlformats.org/officeDocument/2006/relationships" xmlns:p="http://schemas.openxmlformats.org/presentationml/2006/main">
-  <p:cSld>
-    <p:spTree>
-      <p:nvGrpSpPr>
-        <p:cNvPr id="1" name=""/>
-        <p:cNvGrpSpPr/>
-        <p:nvPr/>
-      </p:nvGrpSpPr>
-      <p:grpSpPr>
-        <a:xfrm>
-          <a:off x="0" y="0"/>
-          <a:ext cx="0" cy="0"/>
-          <a:chOff x="0" y="0"/>
-          <a:chExt cx="0" cy="0"/>
-        </a:xfrm>
-      </p:grpSpPr>
-      <p:sp>
-        <p:nvSpPr>
-          <p:cNvPr id="2" name="Title 1"/>
-          <p:cNvSpPr>
-            <a:spLocks noGrp="1"/>
-          </p:cNvSpPr>
-          <p:nvPr>
-            <p:ph type="title"/>
-          </p:nvPr>
-        </p:nvSpPr>
-        <p:spPr/>
-        <p:txBody>
-          <a:bodyPr/>
-          <a:lstStyle/>
-          <a:p>
-            <a:r>
-              <a:rPr lang="en-US" dirty="0"/>
-              <a:t>Await keyword: yielding execution</a:t>
-            </a:r>
-          </a:p>
-        </p:txBody>
-      </p:sp>
-      <p:sp>
-        <p:nvSpPr>
-          <p:cNvPr id="3" name="Text Placeholder 2"/>
-          <p:cNvSpPr>
-            <a:spLocks noGrp="1"/>
-          </p:cNvSpPr>
-          <p:nvPr>
-            <p:ph type="body" sz="quarter" idx="10"/>
-          </p:nvPr>
-        </p:nvSpPr>
-        <p:spPr>
-          <a:xfrm>
-            <a:off x="269239" y="1197324"/>
-            <a:ext cx="11653523" cy="2468368"/>
-          </a:xfrm>
-        </p:spPr>
-        <p:txBody>
-          <a:bodyPr/>
-          <a:lstStyle/>
-          <a:p>
-            <a:r>
-              <a:rPr lang="en-US" sz="2800" dirty="0">
-                <a:latin typeface="Consolas" panose="020B0609020204030204" pitchFamily="49" charset="0"/>
-              </a:rPr>
-              <a:t>async Task </a:t>
-            </a:r>
-            <a:r>
-              <a:rPr lang="en-US" sz="2800" dirty="0" err="1">
-                <a:latin typeface="Consolas" panose="020B0609020204030204" pitchFamily="49" charset="0"/>
-              </a:rPr>
-              <a:t>DoNothingAsync</a:t>
-            </a:r>
-            <a:r>
-              <a:rPr lang="en-US" sz="2800" dirty="0">
-                <a:latin typeface="Consolas" panose="020B0609020204030204" pitchFamily="49" charset="0"/>
-              </a:rPr>
-              <a:t>()</a:t>
-            </a:r>
-          </a:p>
-          <a:p>
-            <a:r>
-              <a:rPr lang="en-US" sz="2800" dirty="0">
-                <a:latin typeface="Consolas" panose="020B0609020204030204" pitchFamily="49" charset="0"/>
-              </a:rPr>
-              <a:t>{</a:t>
-            </a:r>
-          </a:p>
-          <a:p>
-            <a:r>
-              <a:rPr lang="en-US" sz="2800" dirty="0">
-                <a:latin typeface="Consolas" panose="020B0609020204030204" pitchFamily="49" charset="0"/>
-              </a:rPr>
-              <a:t>  // In the Real World, we would actually do something...</a:t>
-            </a:r>
-          </a:p>
-          <a:p>
-            <a:r>
-              <a:rPr lang="en-US" sz="2800" dirty="0">
-                <a:latin typeface="Consolas" panose="020B0609020204030204" pitchFamily="49" charset="0"/>
-              </a:rPr>
-              <a:t>  </a:t>
-            </a:r>
-            <a:r>
-              <a:rPr lang="en-US" sz="2800" dirty="0">
-                <a:highlight>
-                  <a:srgbClr val="FFFF00"/>
-                </a:highlight>
-                <a:latin typeface="Consolas" panose="020B0609020204030204" pitchFamily="49" charset="0"/>
-              </a:rPr>
-              <a:t>await</a:t>
-            </a:r>
-            <a:r>
-              <a:rPr lang="en-US" sz="2800" dirty="0">
-                <a:latin typeface="Consolas" panose="020B0609020204030204" pitchFamily="49" charset="0"/>
-              </a:rPr>
-              <a:t> </a:t>
-            </a:r>
-            <a:r>
-              <a:rPr lang="en-US" sz="2800" dirty="0" err="1">
-                <a:latin typeface="Consolas" panose="020B0609020204030204" pitchFamily="49" charset="0"/>
-              </a:rPr>
-              <a:t>Task.Delay</a:t>
-            </a:r>
-            <a:r>
-              <a:rPr lang="en-US" sz="2800" dirty="0">
-                <a:latin typeface="Consolas" panose="020B0609020204030204" pitchFamily="49" charset="0"/>
-              </a:rPr>
-              <a:t>(100);</a:t>
-            </a:r>
-          </a:p>
-          <a:p>
-            <a:r>
-              <a:rPr lang="en-US" sz="2800" dirty="0">
-                <a:latin typeface="Consolas" panose="020B0609020204030204" pitchFamily="49" charset="0"/>
-              </a:rPr>
-              <a:t>}</a:t>
-            </a:r>
-          </a:p>
-        </p:txBody>
-      </p:sp>
-      <p:sp>
-        <p:nvSpPr>
-          <p:cNvPr id="6" name="Text Placeholder 2"/>
-          <p:cNvSpPr txBox="1">
-            <a:spLocks/>
-          </p:cNvSpPr>
-          <p:nvPr/>
-        </p:nvSpPr>
-        <p:spPr>
-          <a:xfrm>
-            <a:off x="269239" y="3665690"/>
-            <a:ext cx="11653522" cy="1976888"/>
-          </a:xfrm>
-          <a:prstGeom prst="rect">
-            <a:avLst/>
-          </a:prstGeom>
-        </p:spPr>
-        <p:txBody>
-          <a:bodyPr vert="horz" wrap="square" lIns="146304" tIns="91440" rIns="146304" bIns="91440" rtlCol="0">
-            <a:spAutoFit/>
-          </a:bodyPr>
-          <a:lstStyle>
-            <a:lvl1pPr marL="0" marR="0" indent="0" algn="l" defTabSz="914367" rtl="0" eaLnBrk="1" fontAlgn="auto" latinLnBrk="0" hangingPunct="1">
-              <a:lnSpc>
-                <a:spcPct val="90000"/>
-              </a:lnSpc>
-              <a:spcBef>
-                <a:spcPct val="20000"/>
-              </a:spcBef>
-              <a:spcAft>
-                <a:spcPts val="0"/>
-              </a:spcAft>
-              <a:buClrTx/>
-              <a:buSzPct val="90000"/>
-              <a:buFont typeface="Arial" pitchFamily="34" charset="0"/>
-              <a:buNone/>
-              <a:tabLst/>
-              <a:defRPr sz="3235" kern="1200" spc="0" baseline="0">
-                <a:gradFill>
-                  <a:gsLst>
-                    <a:gs pos="1250">
-                      <a:srgbClr val="000000"/>
-                    </a:gs>
-                    <a:gs pos="100000">
-                      <a:srgbClr val="000000"/>
-                    </a:gs>
-                  </a:gsLst>
-                  <a:lin ang="5400000" scaled="0"/>
-                </a:gradFill>
-                <a:latin typeface="Segoe UI" pitchFamily="34" charset="0"/>
-                <a:ea typeface="+mn-ea"/>
-                <a:cs typeface="Segoe UI" pitchFamily="34" charset="0"/>
-              </a:defRPr>
-            </a:lvl1pPr>
-            <a:lvl2pPr marL="339726" marR="0" indent="0" algn="l" defTabSz="914367" rtl="0" eaLnBrk="1" fontAlgn="auto" latinLnBrk="0" hangingPunct="1">
-              <a:lnSpc>
-                <a:spcPct val="90000"/>
-              </a:lnSpc>
-              <a:spcBef>
-                <a:spcPct val="20000"/>
-              </a:spcBef>
-              <a:spcAft>
-                <a:spcPts val="0"/>
-              </a:spcAft>
-              <a:buClrTx/>
-              <a:buSzPct val="90000"/>
-              <a:buFont typeface="Arial" pitchFamily="34" charset="0"/>
-              <a:buNone/>
-              <a:tabLst/>
-              <a:defRPr sz="2353" kern="1200" spc="0" baseline="0">
-                <a:gradFill>
-                  <a:gsLst>
-                    <a:gs pos="1250">
-                      <a:srgbClr val="000000"/>
-                    </a:gs>
-                    <a:gs pos="100000">
-                      <a:srgbClr val="000000"/>
-                    </a:gs>
-                  </a:gsLst>
-                  <a:lin ang="5400000" scaled="0"/>
-                </a:gradFill>
-                <a:latin typeface="Segoe UI" pitchFamily="34" charset="0"/>
-                <a:ea typeface="+mn-ea"/>
-                <a:cs typeface="Segoe UI" pitchFamily="34" charset="0"/>
-              </a:defRPr>
-            </a:lvl2pPr>
-            <a:lvl3pPr marL="573090" marR="0" indent="0" algn="l" defTabSz="914367" rtl="0" eaLnBrk="1" fontAlgn="auto" latinLnBrk="0" hangingPunct="1">
-              <a:lnSpc>
-                <a:spcPct val="90000"/>
-              </a:lnSpc>
-              <a:spcBef>
-                <a:spcPct val="20000"/>
-              </a:spcBef>
-              <a:spcAft>
-                <a:spcPts val="0"/>
-              </a:spcAft>
-              <a:buClrTx/>
-              <a:buSzPct val="90000"/>
-              <a:buFont typeface="Arial" pitchFamily="34" charset="0"/>
-              <a:buNone/>
-              <a:tabLst/>
-              <a:defRPr sz="1961" kern="1200" spc="0" baseline="0">
-                <a:gradFill>
-                  <a:gsLst>
-                    <a:gs pos="1250">
-                      <a:srgbClr val="000000"/>
-                    </a:gs>
-                    <a:gs pos="100000">
-                      <a:srgbClr val="000000"/>
-                    </a:gs>
-                  </a:gsLst>
-                  <a:lin ang="5400000" scaled="0"/>
-                </a:gradFill>
-                <a:latin typeface="Segoe UI" pitchFamily="34" charset="0"/>
-                <a:ea typeface="+mn-ea"/>
-                <a:cs typeface="Segoe UI" pitchFamily="34" charset="0"/>
-              </a:defRPr>
-            </a:lvl3pPr>
-            <a:lvl4pPr marL="798516" marR="0" indent="0" algn="l" defTabSz="914367" rtl="0" eaLnBrk="1" fontAlgn="auto" latinLnBrk="0" hangingPunct="1">
-              <a:lnSpc>
-                <a:spcPct val="90000"/>
-              </a:lnSpc>
-              <a:spcBef>
-                <a:spcPct val="20000"/>
-              </a:spcBef>
-              <a:spcAft>
-                <a:spcPts val="0"/>
-              </a:spcAft>
-              <a:buClrTx/>
-              <a:buSzPct val="90000"/>
-              <a:buFont typeface="Arial" pitchFamily="34" charset="0"/>
-              <a:buNone/>
-              <a:tabLst/>
-              <a:defRPr sz="1765" kern="1200" spc="0" baseline="0">
-                <a:gradFill>
-                  <a:gsLst>
-                    <a:gs pos="1250">
-                      <a:srgbClr val="000000"/>
-                    </a:gs>
-                    <a:gs pos="100000">
-                      <a:srgbClr val="000000"/>
-                    </a:gs>
-                  </a:gsLst>
-                  <a:lin ang="5400000" scaled="0"/>
-                </a:gradFill>
-                <a:latin typeface="Segoe UI" pitchFamily="34" charset="0"/>
-                <a:ea typeface="+mn-ea"/>
-                <a:cs typeface="Segoe UI" pitchFamily="34" charset="0"/>
-              </a:defRPr>
-            </a:lvl4pPr>
-            <a:lvl5pPr marL="1030292" marR="0" indent="0" algn="l" defTabSz="914367" rtl="0" eaLnBrk="1" fontAlgn="auto" latinLnBrk="0" hangingPunct="1">
-              <a:lnSpc>
-                <a:spcPct val="90000"/>
-              </a:lnSpc>
-              <a:spcBef>
-                <a:spcPct val="20000"/>
-              </a:spcBef>
-              <a:spcAft>
-                <a:spcPts val="0"/>
-              </a:spcAft>
-              <a:buClrTx/>
-              <a:buSzPct val="90000"/>
-              <a:buFont typeface="Arial" pitchFamily="34" charset="0"/>
-              <a:buNone/>
-              <a:tabLst/>
-              <a:defRPr sz="1765" kern="1200" spc="0" baseline="0">
-                <a:gradFill>
-                  <a:gsLst>
-                    <a:gs pos="1250">
-                      <a:srgbClr val="000000"/>
-                    </a:gs>
-                    <a:gs pos="100000">
-                      <a:srgbClr val="000000"/>
-                    </a:gs>
-                  </a:gsLst>
-                  <a:lin ang="5400000" scaled="0"/>
-                </a:gradFill>
-                <a:latin typeface="Segoe UI" pitchFamily="34" charset="0"/>
-                <a:ea typeface="+mn-ea"/>
-                <a:cs typeface="Segoe UI" pitchFamily="34" charset="0"/>
-              </a:defRPr>
-            </a:lvl5pPr>
-            <a:lvl6pPr marL="2514509" indent="-228592" algn="l" defTabSz="914367" rtl="0" eaLnBrk="1" latinLnBrk="0" hangingPunct="1">
-              <a:spcBef>
-                <a:spcPct val="20000"/>
-              </a:spcBef>
-              <a:buFont typeface="Arial" pitchFamily="34" charset="0"/>
-              <a:buChar char="•"/>
-              <a:defRPr sz="1961" kern="1200">
-                <a:solidFill>
-                  <a:schemeClr val="tx1"/>
-                </a:solidFill>
-                <a:latin typeface="+mn-lt"/>
-                <a:ea typeface="+mn-ea"/>
-                <a:cs typeface="+mn-cs"/>
-              </a:defRPr>
-            </a:lvl6pPr>
-            <a:lvl7pPr marL="2971693" indent="-228592" algn="l" defTabSz="914367" rtl="0" eaLnBrk="1" latinLnBrk="0" hangingPunct="1">
-              <a:spcBef>
-                <a:spcPct val="20000"/>
-              </a:spcBef>
-              <a:buFont typeface="Arial" pitchFamily="34" charset="0"/>
-              <a:buChar char="•"/>
-              <a:defRPr sz="1961" kern="1200">
-                <a:solidFill>
-                  <a:schemeClr val="tx1"/>
-                </a:solidFill>
-                <a:latin typeface="+mn-lt"/>
-                <a:ea typeface="+mn-ea"/>
-                <a:cs typeface="+mn-cs"/>
-              </a:defRPr>
-            </a:lvl7pPr>
-            <a:lvl8pPr marL="3428877" indent="-228592" algn="l" defTabSz="914367" rtl="0" eaLnBrk="1" latinLnBrk="0" hangingPunct="1">
-              <a:spcBef>
-                <a:spcPct val="20000"/>
-              </a:spcBef>
-              <a:buFont typeface="Arial" pitchFamily="34" charset="0"/>
-              <a:buChar char="•"/>
-              <a:defRPr sz="1961" kern="1200">
-                <a:solidFill>
-                  <a:schemeClr val="tx1"/>
-                </a:solidFill>
-                <a:latin typeface="+mn-lt"/>
-                <a:ea typeface="+mn-ea"/>
-                <a:cs typeface="+mn-cs"/>
-              </a:defRPr>
-            </a:lvl8pPr>
-            <a:lvl9pPr marL="3886061" indent="-228592" algn="l" defTabSz="914367" rtl="0" eaLnBrk="1" latinLnBrk="0" hangingPunct="1">
-              <a:spcBef>
-                <a:spcPct val="20000"/>
-              </a:spcBef>
-              <a:buFont typeface="Arial" pitchFamily="34" charset="0"/>
-              <a:buChar char="•"/>
-              <a:defRPr sz="1961" kern="1200">
-                <a:solidFill>
-                  <a:schemeClr val="tx1"/>
-                </a:solidFill>
-                <a:latin typeface="+mn-lt"/>
-                <a:ea typeface="+mn-ea"/>
-                <a:cs typeface="+mn-cs"/>
-              </a:defRPr>
-            </a:lvl9pPr>
-          </a:lstStyle>
-          <a:p>
-            <a:r>
-              <a:rPr lang="en-US" dirty="0"/>
-              <a:t>If Task is complete, continues synchronously.</a:t>
-            </a:r>
-          </a:p>
-          <a:p>
-            <a:r>
-              <a:rPr lang="en-US" dirty="0"/>
-              <a:t>If Task is not complete, continues asynchronously:</a:t>
-            </a:r>
-          </a:p>
-          <a:p>
-            <a:pPr marL="796926" lvl="1" indent="-457200">
-              <a:buFont typeface="Arial" panose="020B0604020202020204" pitchFamily="34" charset="0"/>
-              <a:buChar char="•"/>
-            </a:pPr>
-            <a:r>
-              <a:rPr lang="en-US" i="1" dirty="0"/>
-              <a:t>Pauses</a:t>
-            </a:r>
-            <a:r>
-              <a:rPr lang="en-US" dirty="0"/>
-              <a:t> the method and registers it with the task.</a:t>
-            </a:r>
-          </a:p>
-          <a:p>
-            <a:pPr marL="796926" lvl="1" indent="-457200">
-              <a:buFont typeface="Arial" panose="020B0604020202020204" pitchFamily="34" charset="0"/>
-              <a:buChar char="•"/>
-            </a:pPr>
-            <a:r>
-              <a:rPr lang="en-US" dirty="0"/>
-              <a:t>Then </a:t>
-            </a:r>
-            <a:r>
-              <a:rPr lang="en-US" i="1" dirty="0"/>
-              <a:t>returns</a:t>
-            </a:r>
-            <a:r>
-              <a:rPr lang="en-US" dirty="0"/>
-              <a:t>.</a:t>
-            </a:r>
-          </a:p>
-        </p:txBody>
-      </p:sp>
-    </p:spTree>
-    <p:extLst>
-      <p:ext uri="{BB962C8B-B14F-4D97-AF65-F5344CB8AC3E}">
-        <p14:creationId xmlns:p14="http://schemas.microsoft.com/office/powerpoint/2010/main" val="3951757137"/>
-      </p:ext>
-    </p:extLst>
-  </p:cSld>
-  <p:clrMapOvr>
-    <a:masterClrMapping/>
-  </p:clrMapOvr>
-  <p:transition>
-    <p:fade/>
-  </p:transition>
-</p:sld>
-</file>
-
-<file path=ppt/slides/slide9.xml><?xml version="1.0" encoding="utf-8"?>
-<p:sld xmlns:a="http://schemas.openxmlformats.org/drawingml/2006/main" xmlns:r="http://schemas.openxmlformats.org/officeDocument/2006/relationships" xmlns:p="http://schemas.openxmlformats.org/presentationml/2006/main">
-  <p:cSld>
-    <p:spTree>
-      <p:nvGrpSpPr>
-        <p:cNvPr id="1" name=""/>
-        <p:cNvGrpSpPr/>
-        <p:nvPr/>
-      </p:nvGrpSpPr>
-      <p:grpSpPr>
-        <a:xfrm>
-          <a:off x="0" y="0"/>
-          <a:ext cx="0" cy="0"/>
-          <a:chOff x="0" y="0"/>
-          <a:chExt cx="0" cy="0"/>
-        </a:xfrm>
-      </p:grpSpPr>
-      <p:sp>
-        <p:nvSpPr>
-          <p:cNvPr id="2" name="Title 1"/>
-          <p:cNvSpPr>
-            <a:spLocks noGrp="1"/>
-          </p:cNvSpPr>
-          <p:nvPr>
-            <p:ph type="title"/>
-          </p:nvPr>
-        </p:nvSpPr>
-        <p:spPr/>
-        <p:txBody>
-          <a:bodyPr/>
-          <a:lstStyle/>
-          <a:p>
-            <a:r>
-              <a:rPr lang="en-US" dirty="0"/>
-              <a:t>Await keyword: resuming execution</a:t>
-            </a:r>
-          </a:p>
-        </p:txBody>
-      </p:sp>
-      <p:sp>
-        <p:nvSpPr>
-          <p:cNvPr id="3" name="Text Placeholder 2"/>
-          <p:cNvSpPr>
-            <a:spLocks noGrp="1"/>
-          </p:cNvSpPr>
-          <p:nvPr>
-            <p:ph type="body" sz="quarter" idx="10"/>
-          </p:nvPr>
-        </p:nvSpPr>
-        <p:spPr>
-          <a:xfrm>
-            <a:off x="269239" y="1197324"/>
-            <a:ext cx="11653523" cy="2468368"/>
-          </a:xfrm>
-        </p:spPr>
-        <p:txBody>
-          <a:bodyPr/>
-          <a:lstStyle/>
-          <a:p>
-            <a:r>
-              <a:rPr lang="en-US" sz="2800" dirty="0">
-                <a:latin typeface="Consolas" panose="020B0609020204030204" pitchFamily="49" charset="0"/>
-              </a:rPr>
-              <a:t>async Task </a:t>
-            </a:r>
-            <a:r>
-              <a:rPr lang="en-US" sz="2800" dirty="0" err="1">
-                <a:latin typeface="Consolas" panose="020B0609020204030204" pitchFamily="49" charset="0"/>
-              </a:rPr>
-              <a:t>DoNothingAsync</a:t>
-            </a:r>
-            <a:r>
-              <a:rPr lang="en-US" sz="2800" dirty="0">
-                <a:latin typeface="Consolas" panose="020B0609020204030204" pitchFamily="49" charset="0"/>
-              </a:rPr>
-              <a:t>()</a:t>
-            </a:r>
-          </a:p>
-          <a:p>
-            <a:r>
-              <a:rPr lang="en-US" sz="2800" dirty="0">
-                <a:latin typeface="Consolas" panose="020B0609020204030204" pitchFamily="49" charset="0"/>
-              </a:rPr>
-              <a:t>{</a:t>
-            </a:r>
-          </a:p>
-          <a:p>
-            <a:r>
-              <a:rPr lang="en-US" sz="2800" dirty="0">
-                <a:latin typeface="Consolas" panose="020B0609020204030204" pitchFamily="49" charset="0"/>
-              </a:rPr>
-              <a:t>  // In the Real World, we would actually do something...</a:t>
-            </a:r>
-          </a:p>
-          <a:p>
-            <a:r>
-              <a:rPr lang="en-US" sz="2800" dirty="0">
-                <a:latin typeface="Consolas" panose="020B0609020204030204" pitchFamily="49" charset="0"/>
-              </a:rPr>
-              <a:t>  </a:t>
-            </a:r>
-            <a:r>
-              <a:rPr lang="en-US" sz="2800" dirty="0">
-                <a:highlight>
-                  <a:srgbClr val="FFFF00"/>
-                </a:highlight>
-                <a:latin typeface="Consolas" panose="020B0609020204030204" pitchFamily="49" charset="0"/>
-              </a:rPr>
-              <a:t>await</a:t>
-            </a:r>
-            <a:r>
-              <a:rPr lang="en-US" sz="2800" dirty="0">
-                <a:latin typeface="Consolas" panose="020B0609020204030204" pitchFamily="49" charset="0"/>
-              </a:rPr>
-              <a:t> </a:t>
-            </a:r>
-            <a:r>
-              <a:rPr lang="en-US" sz="2800" dirty="0" err="1">
-                <a:latin typeface="Consolas" panose="020B0609020204030204" pitchFamily="49" charset="0"/>
-              </a:rPr>
-              <a:t>Task.Delay</a:t>
-            </a:r>
-            <a:r>
-              <a:rPr lang="en-US" sz="2800" dirty="0">
-                <a:latin typeface="Consolas" panose="020B0609020204030204" pitchFamily="49" charset="0"/>
-              </a:rPr>
-              <a:t>(100);</a:t>
-            </a:r>
-          </a:p>
-          <a:p>
-            <a:r>
-              <a:rPr lang="en-US" sz="2800" dirty="0">
-                <a:latin typeface="Consolas" panose="020B0609020204030204" pitchFamily="49" charset="0"/>
-              </a:rPr>
-              <a:t>}</a:t>
-            </a:r>
-          </a:p>
-        </p:txBody>
-      </p:sp>
-      <p:sp>
-        <p:nvSpPr>
-          <p:cNvPr id="6" name="Text Placeholder 2"/>
-          <p:cNvSpPr txBox="1">
-            <a:spLocks/>
-          </p:cNvSpPr>
-          <p:nvPr/>
-        </p:nvSpPr>
-        <p:spPr>
-          <a:xfrm>
-            <a:off x="269239" y="3665690"/>
-            <a:ext cx="11653522" cy="1728037"/>
-          </a:xfrm>
-          <a:prstGeom prst="rect">
-            <a:avLst/>
-          </a:prstGeom>
-        </p:spPr>
-        <p:txBody>
-          <a:bodyPr vert="horz" wrap="square" lIns="146304" tIns="91440" rIns="146304" bIns="91440" rtlCol="0">
-            <a:spAutoFit/>
-          </a:bodyPr>
-          <a:lstStyle>
-            <a:lvl1pPr marL="0" marR="0" indent="0" algn="l" defTabSz="914367" rtl="0" eaLnBrk="1" fontAlgn="auto" latinLnBrk="0" hangingPunct="1">
-              <a:lnSpc>
-                <a:spcPct val="90000"/>
-              </a:lnSpc>
-              <a:spcBef>
-                <a:spcPct val="20000"/>
-              </a:spcBef>
-              <a:spcAft>
-                <a:spcPts val="0"/>
-              </a:spcAft>
-              <a:buClrTx/>
-              <a:buSzPct val="90000"/>
-              <a:buFont typeface="Arial" pitchFamily="34" charset="0"/>
-              <a:buNone/>
-              <a:tabLst/>
-              <a:defRPr sz="3235" kern="1200" spc="0" baseline="0">
-                <a:gradFill>
-                  <a:gsLst>
-                    <a:gs pos="1250">
-                      <a:srgbClr val="000000"/>
-                    </a:gs>
-                    <a:gs pos="100000">
-                      <a:srgbClr val="000000"/>
-                    </a:gs>
-                  </a:gsLst>
-                  <a:lin ang="5400000" scaled="0"/>
-                </a:gradFill>
-                <a:latin typeface="Segoe UI" pitchFamily="34" charset="0"/>
-                <a:ea typeface="+mn-ea"/>
-                <a:cs typeface="Segoe UI" pitchFamily="34" charset="0"/>
-              </a:defRPr>
-            </a:lvl1pPr>
-            <a:lvl2pPr marL="339726" marR="0" indent="0" algn="l" defTabSz="914367" rtl="0" eaLnBrk="1" fontAlgn="auto" latinLnBrk="0" hangingPunct="1">
-              <a:lnSpc>
-                <a:spcPct val="90000"/>
-              </a:lnSpc>
-              <a:spcBef>
-                <a:spcPct val="20000"/>
-              </a:spcBef>
-              <a:spcAft>
-                <a:spcPts val="0"/>
-              </a:spcAft>
-              <a:buClrTx/>
-              <a:buSzPct val="90000"/>
-              <a:buFont typeface="Arial" pitchFamily="34" charset="0"/>
-              <a:buNone/>
-              <a:tabLst/>
-              <a:defRPr sz="2353" kern="1200" spc="0" baseline="0">
-                <a:gradFill>
-                  <a:gsLst>
-                    <a:gs pos="1250">
-                      <a:srgbClr val="000000"/>
-                    </a:gs>
-                    <a:gs pos="100000">
-                      <a:srgbClr val="000000"/>
-                    </a:gs>
-                  </a:gsLst>
-                  <a:lin ang="5400000" scaled="0"/>
-                </a:gradFill>
-                <a:latin typeface="Segoe UI" pitchFamily="34" charset="0"/>
-                <a:ea typeface="+mn-ea"/>
-                <a:cs typeface="Segoe UI" pitchFamily="34" charset="0"/>
-              </a:defRPr>
-            </a:lvl2pPr>
-            <a:lvl3pPr marL="573090" marR="0" indent="0" algn="l" defTabSz="914367" rtl="0" eaLnBrk="1" fontAlgn="auto" latinLnBrk="0" hangingPunct="1">
-              <a:lnSpc>
-                <a:spcPct val="90000"/>
-              </a:lnSpc>
-              <a:spcBef>
-                <a:spcPct val="20000"/>
-              </a:spcBef>
-              <a:spcAft>
-                <a:spcPts val="0"/>
-              </a:spcAft>
-              <a:buClrTx/>
-              <a:buSzPct val="90000"/>
-              <a:buFont typeface="Arial" pitchFamily="34" charset="0"/>
-              <a:buNone/>
-              <a:tabLst/>
-              <a:defRPr sz="1961" kern="1200" spc="0" baseline="0">
-                <a:gradFill>
-                  <a:gsLst>
-                    <a:gs pos="1250">
-                      <a:srgbClr val="000000"/>
-                    </a:gs>
-                    <a:gs pos="100000">
-                      <a:srgbClr val="000000"/>
-                    </a:gs>
-                  </a:gsLst>
-                  <a:lin ang="5400000" scaled="0"/>
-                </a:gradFill>
-                <a:latin typeface="Segoe UI" pitchFamily="34" charset="0"/>
-                <a:ea typeface="+mn-ea"/>
-                <a:cs typeface="Segoe UI" pitchFamily="34" charset="0"/>
-              </a:defRPr>
-            </a:lvl3pPr>
-            <a:lvl4pPr marL="798516" marR="0" indent="0" algn="l" defTabSz="914367" rtl="0" eaLnBrk="1" fontAlgn="auto" latinLnBrk="0" hangingPunct="1">
-              <a:lnSpc>
-                <a:spcPct val="90000"/>
-              </a:lnSpc>
-              <a:spcBef>
-                <a:spcPct val="20000"/>
-              </a:spcBef>
-              <a:spcAft>
-                <a:spcPts val="0"/>
-              </a:spcAft>
-              <a:buClrTx/>
-              <a:buSzPct val="90000"/>
-              <a:buFont typeface="Arial" pitchFamily="34" charset="0"/>
-              <a:buNone/>
-              <a:tabLst/>
-              <a:defRPr sz="1765" kern="1200" spc="0" baseline="0">
-                <a:gradFill>
-                  <a:gsLst>
-                    <a:gs pos="1250">
-                      <a:srgbClr val="000000"/>
-                    </a:gs>
-                    <a:gs pos="100000">
-                      <a:srgbClr val="000000"/>
-                    </a:gs>
-                  </a:gsLst>
-                  <a:lin ang="5400000" scaled="0"/>
-                </a:gradFill>
-                <a:latin typeface="Segoe UI" pitchFamily="34" charset="0"/>
-                <a:ea typeface="+mn-ea"/>
-                <a:cs typeface="Segoe UI" pitchFamily="34" charset="0"/>
-              </a:defRPr>
-            </a:lvl4pPr>
-            <a:lvl5pPr marL="1030292" marR="0" indent="0" algn="l" defTabSz="914367" rtl="0" eaLnBrk="1" fontAlgn="auto" latinLnBrk="0" hangingPunct="1">
-              <a:lnSpc>
-                <a:spcPct val="90000"/>
-              </a:lnSpc>
-              <a:spcBef>
-                <a:spcPct val="20000"/>
-              </a:spcBef>
-              <a:spcAft>
-                <a:spcPts val="0"/>
-              </a:spcAft>
-              <a:buClrTx/>
-              <a:buSzPct val="90000"/>
-              <a:buFont typeface="Arial" pitchFamily="34" charset="0"/>
-              <a:buNone/>
-              <a:tabLst/>
-              <a:defRPr sz="1765" kern="1200" spc="0" baseline="0">
-                <a:gradFill>
-                  <a:gsLst>
-                    <a:gs pos="1250">
-                      <a:srgbClr val="000000"/>
-                    </a:gs>
-                    <a:gs pos="100000">
-                      <a:srgbClr val="000000"/>
-                    </a:gs>
-                  </a:gsLst>
-                  <a:lin ang="5400000" scaled="0"/>
-                </a:gradFill>
-                <a:latin typeface="Segoe UI" pitchFamily="34" charset="0"/>
-                <a:ea typeface="+mn-ea"/>
-                <a:cs typeface="Segoe UI" pitchFamily="34" charset="0"/>
-              </a:defRPr>
-            </a:lvl5pPr>
-            <a:lvl6pPr marL="2514509" indent="-228592" algn="l" defTabSz="914367" rtl="0" eaLnBrk="1" latinLnBrk="0" hangingPunct="1">
-              <a:spcBef>
-                <a:spcPct val="20000"/>
-              </a:spcBef>
-              <a:buFont typeface="Arial" pitchFamily="34" charset="0"/>
-              <a:buChar char="•"/>
-              <a:defRPr sz="1961" kern="1200">
-                <a:solidFill>
-                  <a:schemeClr val="tx1"/>
-                </a:solidFill>
-                <a:latin typeface="+mn-lt"/>
-                <a:ea typeface="+mn-ea"/>
-                <a:cs typeface="+mn-cs"/>
-              </a:defRPr>
-            </a:lvl6pPr>
-            <a:lvl7pPr marL="2971693" indent="-228592" algn="l" defTabSz="914367" rtl="0" eaLnBrk="1" latinLnBrk="0" hangingPunct="1">
-              <a:spcBef>
-                <a:spcPct val="20000"/>
-              </a:spcBef>
-              <a:buFont typeface="Arial" pitchFamily="34" charset="0"/>
-              <a:buChar char="•"/>
-              <a:defRPr sz="1961" kern="1200">
-                <a:solidFill>
-                  <a:schemeClr val="tx1"/>
-                </a:solidFill>
-                <a:latin typeface="+mn-lt"/>
-                <a:ea typeface="+mn-ea"/>
-                <a:cs typeface="+mn-cs"/>
-              </a:defRPr>
-            </a:lvl7pPr>
-            <a:lvl8pPr marL="3428877" indent="-228592" algn="l" defTabSz="914367" rtl="0" eaLnBrk="1" latinLnBrk="0" hangingPunct="1">
-              <a:spcBef>
-                <a:spcPct val="20000"/>
-              </a:spcBef>
-              <a:buFont typeface="Arial" pitchFamily="34" charset="0"/>
-              <a:buChar char="•"/>
-              <a:defRPr sz="1961" kern="1200">
-                <a:solidFill>
-                  <a:schemeClr val="tx1"/>
-                </a:solidFill>
-                <a:latin typeface="+mn-lt"/>
-                <a:ea typeface="+mn-ea"/>
-                <a:cs typeface="+mn-cs"/>
-              </a:defRPr>
-            </a:lvl8pPr>
-            <a:lvl9pPr marL="3886061" indent="-228592" algn="l" defTabSz="914367" rtl="0" eaLnBrk="1" latinLnBrk="0" hangingPunct="1">
-              <a:spcBef>
-                <a:spcPct val="20000"/>
-              </a:spcBef>
-              <a:buFont typeface="Arial" pitchFamily="34" charset="0"/>
-              <a:buChar char="•"/>
-              <a:defRPr sz="1961" kern="1200">
-                <a:solidFill>
-                  <a:schemeClr val="tx1"/>
-                </a:solidFill>
-                <a:latin typeface="+mn-lt"/>
-                <a:ea typeface="+mn-ea"/>
-                <a:cs typeface="+mn-cs"/>
-              </a:defRPr>
-            </a:lvl9pPr>
-          </a:lstStyle>
-          <a:p>
-            <a:r>
-              <a:rPr lang="en-US" dirty="0"/>
-              <a:t>Pausing and Resuming (when awaiting tasks)</a:t>
-            </a:r>
-          </a:p>
-          <a:p>
-            <a:pPr marL="457200" indent="-457200">
-              <a:buFont typeface="Arial" panose="020B0604020202020204" pitchFamily="34" charset="0"/>
-              <a:buChar char="•"/>
-            </a:pPr>
-            <a:r>
-              <a:rPr lang="en-US" dirty="0"/>
-              <a:t>Uses the state machine to resume at the right place.</a:t>
-            </a:r>
-          </a:p>
-          <a:p>
-            <a:pPr marL="457200" indent="-457200">
-              <a:buFont typeface="Arial" panose="020B0604020202020204" pitchFamily="34" charset="0"/>
-              <a:buChar char="•"/>
-            </a:pPr>
-            <a:r>
-              <a:rPr lang="en-US" dirty="0"/>
-              <a:t>Where to resume? UI, thread pool, etc.</a:t>
-            </a:r>
-          </a:p>
-        </p:txBody>
-      </p:sp>
-    </p:spTree>
-    <p:extLst>
-      <p:ext uri="{BB962C8B-B14F-4D97-AF65-F5344CB8AC3E}">
-        <p14:creationId xmlns:p14="http://schemas.microsoft.com/office/powerpoint/2010/main" val="3442509159"/>
       </p:ext>
     </p:extLst>
   </p:cSld>
